--- a/Courses/Software-Sciences/Module-4-Information-Systems-New/09-Life-cycle-of-Information-System/09-Life-cycle-of-Information-System.pptx
+++ b/Courses/Software-Sciences/Module-4-Information-Systems-New/09-Life-cycle-of-Information-System/09-Life-cycle-of-Information-System.pptx
@@ -297,7 +297,7 @@
           <a:p>
             <a:fld id="{4E087215-0C8F-4762-A664-737A353EC9A4}" type="datetimeFigureOut">
               <a:rPr lang="bg-BG" smtClean="0"/>
-              <a:t>9.07.24 г.</a:t>
+              <a:t>15.07.24 г.</a:t>
             </a:fld>
             <a:endParaRPr lang="bg-BG"/>
           </a:p>
@@ -493,7 +493,7 @@
           <a:p>
             <a:fld id="{72D84649-876A-46C9-8472-14CB09C070D8}" type="datetimeFigureOut">
               <a:rPr lang="en-US" smtClean="0"/>
-              <a:t>7/9/24</a:t>
+              <a:t>7/15/24</a:t>
             </a:fld>
             <a:endParaRPr lang="en-US"/>
           </a:p>
@@ -865,7 +865,7 @@
           <a:bodyPr/>
           <a:lstStyle/>
           <a:p>
-            <a:endParaRPr lang="en-US"/>
+            <a:endParaRPr lang="en-US" dirty="0"/>
           </a:p>
         </p:txBody>
       </p:sp>
@@ -1207,7 +1207,7 @@
           <a:bodyPr/>
           <a:lstStyle/>
           <a:p>
-            <a:endParaRPr lang="en-US"/>
+            <a:endParaRPr lang="en-US" dirty="0"/>
           </a:p>
         </p:txBody>
       </p:sp>
@@ -10913,7 +10913,7 @@
           </p:cNvPicPr>
           <p:nvPr/>
         </p:nvPicPr>
-        <p:blipFill>
+        <p:blipFill rotWithShape="1">
           <a:blip r:embed="rId3">
             <a:extLst>
               <a:ext uri="{28A0092B-C50C-407E-A947-70E740481C1C}">
@@ -10921,14 +10921,13 @@
               </a:ext>
             </a:extLst>
           </a:blip>
-          <a:stretch>
-            <a:fillRect/>
-          </a:stretch>
+          <a:srcRect l="967" t="1860" b="590"/>
+          <a:stretch/>
         </p:blipFill>
         <p:spPr>
           <a:xfrm>
-            <a:off x="3388650" y="504000"/>
-            <a:ext cx="5414700" cy="4000049"/>
+            <a:off x="3441000" y="594000"/>
+            <a:ext cx="5361712" cy="3870000"/>
           </a:xfrm>
           <a:prstGeom prst="rect">
             <a:avLst/>
@@ -11203,15 +11202,7 @@
             </a:r>
             <a:r>
               <a:rPr lang="bg-BG" sz="2800" b="1" dirty="0"/>
-              <a:t>диагноза</a:t>
-            </a:r>
-            <a:r>
-              <a:rPr lang="bg-BG" sz="2800" dirty="0"/>
-              <a:t>, </a:t>
-            </a:r>
-            <a:r>
-              <a:rPr lang="bg-BG" sz="2800" b="1" dirty="0"/>
-              <a:t>лечение</a:t>
+              <a:t>описание</a:t>
             </a:r>
           </a:p>
           <a:p>
@@ -11864,15 +11855,7 @@
             </a:r>
             <a:r>
               <a:rPr lang="bg-BG" sz="3000" b="1" dirty="0"/>
-              <a:t>диагноза</a:t>
-            </a:r>
-            <a:r>
-              <a:rPr lang="bg-BG" sz="3000" dirty="0"/>
-              <a:t>, </a:t>
-            </a:r>
-            <a:r>
-              <a:rPr lang="bg-BG" sz="3000" b="1" dirty="0"/>
-              <a:t>лечение</a:t>
+              <a:t>описание</a:t>
             </a:r>
           </a:p>
           <a:p>
@@ -12500,8 +12483,21 @@
                   <a:schemeClr val="bg1"/>
                 </a:solidFill>
               </a:rPr>
-              <a:t>Форма за насрочване на преглед</a:t>
-            </a:r>
+              <a:t>Форма </a:t>
+            </a:r>
+            <a:r>
+              <a:rPr lang="bg-BG" b="1">
+                <a:solidFill>
+                  <a:schemeClr val="bg1"/>
+                </a:solidFill>
+              </a:rPr>
+              <a:t>за добавяне на преглед</a:t>
+            </a:r>
+            <a:endParaRPr lang="bg-BG" b="1" dirty="0">
+              <a:solidFill>
+                <a:schemeClr val="bg1"/>
+              </a:solidFill>
+            </a:endParaRPr>
           </a:p>
           <a:p>
             <a:pPr lvl="1"/>

--- a/Courses/Software-Sciences/Module-4-Information-Systems-New/09-Life-cycle-of-Information-System/09-Life-cycle-of-Information-System.pptx
+++ b/Courses/Software-Sciences/Module-4-Information-Systems-New/09-Life-cycle-of-Information-System/09-Life-cycle-of-Information-System.pptx
@@ -5,10 +5,10 @@
     <p:sldMasterId id="2147483675" r:id="rId1"/>
   </p:sldMasterIdLst>
   <p:notesMasterIdLst>
-    <p:notesMasterId r:id="rId24"/>
+    <p:notesMasterId r:id="rId27"/>
   </p:notesMasterIdLst>
   <p:handoutMasterIdLst>
-    <p:handoutMasterId r:id="rId25"/>
+    <p:handoutMasterId r:id="rId28"/>
   </p:handoutMasterIdLst>
   <p:sldIdLst>
     <p:sldId id="503" r:id="rId2"/>
@@ -28,11 +28,14 @@
     <p:sldId id="649" r:id="rId16"/>
     <p:sldId id="766" r:id="rId17"/>
     <p:sldId id="767" r:id="rId18"/>
-    <p:sldId id="768" r:id="rId19"/>
+    <p:sldId id="779" r:id="rId19"/>
     <p:sldId id="770" r:id="rId20"/>
-    <p:sldId id="633" r:id="rId21"/>
-    <p:sldId id="504" r:id="rId22"/>
-    <p:sldId id="505" r:id="rId23"/>
+    <p:sldId id="768" r:id="rId21"/>
+    <p:sldId id="777" r:id="rId22"/>
+    <p:sldId id="776" r:id="rId23"/>
+    <p:sldId id="633" r:id="rId24"/>
+    <p:sldId id="504" r:id="rId25"/>
+    <p:sldId id="505" r:id="rId26"/>
   </p:sldIdLst>
   <p:sldSz cx="12192000" cy="6858000"/>
   <p:notesSz cx="6858000" cy="9144000"/>
@@ -169,8 +172,11 @@
             <p14:sldId id="649"/>
             <p14:sldId id="766"/>
             <p14:sldId id="767"/>
+            <p14:sldId id="779"/>
+            <p14:sldId id="770"/>
             <p14:sldId id="768"/>
-            <p14:sldId id="770"/>
+            <p14:sldId id="777"/>
+            <p14:sldId id="776"/>
           </p14:sldIdLst>
         </p14:section>
         <p14:section name="Заключение" id="{E19D07F1-86E2-47E9-B2AB-7ADC4F89DC12}">
@@ -297,7 +303,7 @@
           <a:p>
             <a:fld id="{4E087215-0C8F-4762-A664-737A353EC9A4}" type="datetimeFigureOut">
               <a:rPr lang="bg-BG" smtClean="0"/>
-              <a:t>15.07.24 г.</a:t>
+              <a:t>19.07.24 г.</a:t>
             </a:fld>
             <a:endParaRPr lang="bg-BG"/>
           </a:p>
@@ -493,7 +499,7 @@
           <a:p>
             <a:fld id="{72D84649-876A-46C9-8472-14CB09C070D8}" type="datetimeFigureOut">
               <a:rPr lang="en-US" smtClean="0"/>
-              <a:t>7/15/24</a:t>
+              <a:t>7/19/24</a:t>
             </a:fld>
             <a:endParaRPr lang="en-US"/>
           </a:p>
@@ -2255,7 +2261,7 @@
             <a:fld id="{3EBA5BD7-F043-4D1B-AA17-CD412FC534DE}" type="slidenum">
               <a:rPr lang="en-US" smtClean="0"/>
               <a:pPr/>
-              <a:t>20</a:t>
+              <a:t>23</a:t>
             </a:fld>
             <a:endParaRPr lang="en-US" dirty="0"/>
           </a:p>
@@ -2501,7 +2507,7 @@
             <a:fld id="{3EBA5BD7-F043-4D1B-AA17-CD412FC534DE}" type="slidenum">
               <a:rPr lang="en-US" smtClean="0"/>
               <a:pPr/>
-              <a:t>21</a:t>
+              <a:t>24</a:t>
             </a:fld>
             <a:endParaRPr lang="en-US" dirty="0"/>
           </a:p>
@@ -2731,7 +2737,7 @@
             <a:fld id="{3EBA5BD7-F043-4D1B-AA17-CD412FC534DE}" type="slidenum">
               <a:rPr lang="en-US" smtClean="0"/>
               <a:pPr/>
-              <a:t>22</a:t>
+              <a:t>25</a:t>
             </a:fld>
             <a:endParaRPr lang="en-US" dirty="0"/>
           </a:p>
@@ -10223,7 +10229,15 @@
             </a:r>
             <a:r>
               <a:rPr lang="bg-BG" dirty="0"/>
-              <a:t> на потребителя и показва съответния </a:t>
+              <a:t> на </a:t>
+            </a:r>
+            <a:r>
+              <a:rPr lang="bg-BG" b="1" dirty="0"/>
+              <a:t>потребителя</a:t>
+            </a:r>
+            <a:r>
+              <a:rPr lang="bg-BG" dirty="0"/>
+              <a:t> и показва съответния </a:t>
             </a:r>
             <a:r>
               <a:rPr lang="bg-BG" b="1" dirty="0">
@@ -10237,8 +10251,12 @@
           <a:p>
             <a:pPr lvl="1"/>
             <a:r>
+              <a:rPr lang="bg-BG" b="1" dirty="0"/>
+              <a:t>Потребителят</a:t>
+            </a:r>
+            <a:r>
               <a:rPr lang="bg-BG" dirty="0"/>
-              <a:t>Потребителят получава </a:t>
+              <a:t> получава </a:t>
             </a:r>
             <a:r>
               <a:rPr lang="bg-BG" b="1" dirty="0">
@@ -10307,7 +10325,15 @@
             </a:r>
             <a:r>
               <a:rPr lang="bg-BG" dirty="0"/>
-              <a:t> и потребителят остава на </a:t>
+              <a:t> и </a:t>
+            </a:r>
+            <a:r>
+              <a:rPr lang="bg-BG" b="1" dirty="0"/>
+              <a:t>потребителят</a:t>
+            </a:r>
+            <a:r>
+              <a:rPr lang="bg-BG" dirty="0"/>
+              <a:t> остава на </a:t>
             </a:r>
             <a:r>
               <a:rPr lang="bg-BG" b="1" dirty="0">
@@ -11070,7 +11096,7 @@
         <p:spPr/>
         <p:txBody>
           <a:bodyPr>
-            <a:normAutofit/>
+            <a:normAutofit fontScale="92500" lnSpcReduction="10000"/>
           </a:bodyPr>
           <a:lstStyle/>
           <a:p>
@@ -11080,50 +11106,22 @@
                   <a:schemeClr val="bg1"/>
                 </a:solidFill>
               </a:rPr>
-              <a:t>Пациенти</a:t>
+              <a:t>Потребители</a:t>
             </a:r>
           </a:p>
           <a:p>
             <a:pPr lvl="1"/>
             <a:r>
+              <a:rPr lang="bg-BG" sz="2800" b="1" dirty="0"/>
+              <a:t>Достъп</a:t>
+            </a:r>
+            <a:r>
               <a:rPr lang="bg-BG" sz="2800" dirty="0"/>
-              <a:t>Съхранение и управление - </a:t>
+              <a:t> до </a:t>
             </a:r>
             <a:r>
               <a:rPr lang="bg-BG" sz="2800" b="1" dirty="0"/>
-              <a:t>име</a:t>
-            </a:r>
-            <a:r>
-              <a:rPr lang="bg-BG" sz="2800" dirty="0"/>
-              <a:t>, </a:t>
-            </a:r>
-            <a:r>
-              <a:rPr lang="bg-BG" sz="2800" b="1" dirty="0"/>
-              <a:t>фамилия</a:t>
-            </a:r>
-            <a:r>
-              <a:rPr lang="bg-BG" sz="2800" dirty="0"/>
-              <a:t>, </a:t>
-            </a:r>
-            <a:r>
-              <a:rPr lang="bg-BG" sz="2800" b="1" dirty="0"/>
-              <a:t>ЕГН</a:t>
-            </a:r>
-            <a:r>
-              <a:rPr lang="bg-BG" sz="2800" dirty="0"/>
-              <a:t>, </a:t>
-            </a:r>
-            <a:r>
-              <a:rPr lang="bg-BG" sz="2800" b="1" dirty="0"/>
-              <a:t>пол</a:t>
-            </a:r>
-            <a:r>
-              <a:rPr lang="bg-BG" sz="2800" dirty="0"/>
-              <a:t>, </a:t>
-            </a:r>
-            <a:r>
-              <a:rPr lang="bg-BG" sz="2800" b="1" dirty="0"/>
-              <a:t>телефон</a:t>
+              <a:t>системата</a:t>
             </a:r>
           </a:p>
           <a:p>
@@ -11133,9 +11131,9 @@
                   <a:schemeClr val="bg1"/>
                 </a:solidFill>
               </a:rPr>
-              <a:t>Лекари</a:t>
-            </a:r>
-            <a:endParaRPr lang="en-US" sz="3000" b="1" dirty="0">
+              <a:t>Роли</a:t>
+            </a:r>
+            <a:endParaRPr lang="bg-BG" sz="2800" b="1" dirty="0">
               <a:solidFill>
                 <a:schemeClr val="bg1"/>
               </a:solidFill>
@@ -11144,12 +11142,55 @@
           <a:p>
             <a:pPr lvl="1"/>
             <a:r>
+              <a:rPr lang="bg-BG" sz="2800" b="1" dirty="0"/>
+              <a:t>Администратор</a:t>
+            </a:r>
+            <a:r>
               <a:rPr lang="bg-BG" sz="2800" dirty="0"/>
-              <a:t>Съхранение и управление - </a:t>
+              <a:t> и </a:t>
             </a:r>
             <a:r>
               <a:rPr lang="bg-BG" sz="2800" b="1" dirty="0"/>
-              <a:t>потребителско име</a:t>
+              <a:t>лекар</a:t>
+            </a:r>
+            <a:endParaRPr lang="bg-BG" sz="2800" dirty="0"/>
+          </a:p>
+          <a:p>
+            <a:r>
+              <a:rPr lang="bg-BG" sz="3000" b="1" dirty="0">
+                <a:solidFill>
+                  <a:schemeClr val="bg1"/>
+                </a:solidFill>
+              </a:rPr>
+              <a:t>Пациенти</a:t>
+            </a:r>
+            <a:endParaRPr lang="bg-BG" sz="2800" b="1" dirty="0">
+              <a:solidFill>
+                <a:schemeClr val="bg1"/>
+              </a:solidFill>
+            </a:endParaRPr>
+          </a:p>
+          <a:p>
+            <a:pPr lvl="1"/>
+            <a:r>
+              <a:rPr lang="bg-BG" sz="2800" b="1" dirty="0"/>
+              <a:t>Четене</a:t>
+            </a:r>
+            <a:r>
+              <a:rPr lang="bg-BG" sz="2800" dirty="0"/>
+              <a:t> от </a:t>
+            </a:r>
+            <a:r>
+              <a:rPr lang="bg-BG" sz="2800" b="1" dirty="0"/>
+              <a:t>лекар</a:t>
+            </a:r>
+            <a:r>
+              <a:rPr lang="bg-BG" sz="2800" dirty="0"/>
+              <a:t> и </a:t>
+            </a:r>
+            <a:r>
+              <a:rPr lang="bg-BG" sz="2800" b="1" dirty="0"/>
+              <a:t>админ</a:t>
             </a:r>
             <a:r>
               <a:rPr lang="bg-BG" sz="2800" dirty="0"/>
@@ -11157,7 +11198,45 @@
             </a:r>
             <a:r>
               <a:rPr lang="bg-BG" sz="2800" b="1" dirty="0"/>
-              <a:t>парола</a:t>
+              <a:t>редактиране</a:t>
+            </a:r>
+            <a:r>
+              <a:rPr lang="bg-BG" sz="2800" dirty="0"/>
+              <a:t> и </a:t>
+            </a:r>
+            <a:r>
+              <a:rPr lang="bg-BG" sz="2800" b="1" dirty="0"/>
+              <a:t>изтриване</a:t>
+            </a:r>
+            <a:r>
+              <a:rPr lang="bg-BG" sz="2800" dirty="0"/>
+              <a:t> от </a:t>
+            </a:r>
+            <a:r>
+              <a:rPr lang="bg-BG" sz="2800" b="1" dirty="0"/>
+              <a:t>админ</a:t>
+            </a:r>
+          </a:p>
+          <a:p>
+            <a:r>
+              <a:rPr lang="bg-BG" sz="3000" b="1" dirty="0">
+                <a:solidFill>
+                  <a:schemeClr val="bg1"/>
+                </a:solidFill>
+              </a:rPr>
+              <a:t>Лекари</a:t>
+            </a:r>
+            <a:endParaRPr lang="en-US" sz="2800" b="1" dirty="0">
+              <a:solidFill>
+                <a:schemeClr val="bg1"/>
+              </a:solidFill>
+            </a:endParaRPr>
+          </a:p>
+          <a:p>
+            <a:pPr lvl="1"/>
+            <a:r>
+              <a:rPr lang="bg-BG" sz="2800" b="1" dirty="0"/>
+              <a:t>Четене</a:t>
             </a:r>
             <a:r>
               <a:rPr lang="bg-BG" sz="2800" dirty="0"/>
@@ -11165,7 +11244,23 @@
             </a:r>
             <a:r>
               <a:rPr lang="bg-BG" sz="2800" b="1" dirty="0"/>
-              <a:t>име, фамилия, специалност, телефон</a:t>
+              <a:t>редактиране</a:t>
+            </a:r>
+            <a:r>
+              <a:rPr lang="bg-BG" sz="2800" dirty="0"/>
+              <a:t> и </a:t>
+            </a:r>
+            <a:r>
+              <a:rPr lang="bg-BG" sz="2800" b="1" dirty="0"/>
+              <a:t>изтриване</a:t>
+            </a:r>
+            <a:r>
+              <a:rPr lang="bg-BG" sz="2800" dirty="0"/>
+              <a:t> от </a:t>
+            </a:r>
+            <a:r>
+              <a:rPr lang="bg-BG" sz="2800" b="1" dirty="0"/>
+              <a:t>админ</a:t>
             </a:r>
           </a:p>
           <a:p>
@@ -11177,16 +11272,17 @@
               </a:rPr>
               <a:t>Прегледи</a:t>
             </a:r>
+            <a:endParaRPr lang="bg-BG" sz="2800" b="1" dirty="0">
+              <a:solidFill>
+                <a:schemeClr val="bg1"/>
+              </a:solidFill>
+            </a:endParaRPr>
           </a:p>
           <a:p>
             <a:pPr lvl="1"/>
             <a:r>
-              <a:rPr lang="bg-BG" sz="2800" dirty="0"/>
-              <a:t>Записване - </a:t>
-            </a:r>
-            <a:r>
               <a:rPr lang="bg-BG" sz="2800" b="1" dirty="0"/>
-              <a:t>дата и час</a:t>
+              <a:t>Четене</a:t>
             </a:r>
             <a:r>
               <a:rPr lang="bg-BG" sz="2800" dirty="0"/>
@@ -11194,44 +11290,7 @@
             </a:r>
             <a:r>
               <a:rPr lang="bg-BG" sz="2800" b="1" dirty="0"/>
-              <a:t>лекар</a:t>
-            </a:r>
-            <a:r>
-              <a:rPr lang="bg-BG" sz="2800" dirty="0"/>
-              <a:t>, </a:t>
-            </a:r>
-            <a:r>
-              <a:rPr lang="bg-BG" sz="2800" b="1" dirty="0"/>
-              <a:t>описание</a:t>
-            </a:r>
-          </a:p>
-          <a:p>
-            <a:r>
-              <a:rPr lang="bg-BG" sz="3000" b="1" dirty="0">
-                <a:solidFill>
-                  <a:schemeClr val="bg1"/>
-                </a:solidFill>
-              </a:rPr>
-              <a:t>Роли</a:t>
-            </a:r>
-            <a:r>
-              <a:rPr lang="bg-BG" sz="3000" dirty="0"/>
-              <a:t> и </a:t>
-            </a:r>
-            <a:r>
-              <a:rPr lang="bg-BG" sz="3000" b="1" dirty="0">
-                <a:solidFill>
-                  <a:schemeClr val="bg1"/>
-                </a:solidFill>
-              </a:rPr>
-              <a:t>права</a:t>
-            </a:r>
-          </a:p>
-          <a:p>
-            <a:pPr lvl="1"/>
-            <a:r>
-              <a:rPr lang="bg-BG" sz="2800" b="1" dirty="0"/>
-              <a:t>Администратор</a:t>
+              <a:t>редактиране</a:t>
             </a:r>
             <a:r>
               <a:rPr lang="bg-BG" sz="2800" dirty="0"/>
@@ -11239,9 +11298,24 @@
             </a:r>
             <a:r>
               <a:rPr lang="bg-BG" sz="2800" b="1" dirty="0"/>
+              <a:t>изтриване</a:t>
+            </a:r>
+            <a:r>
+              <a:rPr lang="bg-BG" sz="2800" dirty="0"/>
+              <a:t> от </a:t>
+            </a:r>
+            <a:r>
+              <a:rPr lang="bg-BG" sz="2800" b="1" dirty="0"/>
               <a:t>лекар</a:t>
             </a:r>
-            <a:endParaRPr lang="en-BG" sz="2800" b="1" dirty="0"/>
+            <a:r>
+              <a:rPr lang="bg-BG" sz="2800" dirty="0"/>
+              <a:t> и </a:t>
+            </a:r>
+            <a:r>
+              <a:rPr lang="bg-BG" sz="2800" b="1" dirty="0"/>
+              <a:t>админ</a:t>
+            </a:r>
           </a:p>
         </p:txBody>
       </p:sp>
@@ -11594,6 +11668,86 @@
                       </p:childTnLst>
                     </p:cTn>
                   </p:par>
+                  <p:par>
+                    <p:cTn id="27" fill="hold">
+                      <p:stCondLst>
+                        <p:cond delay="indefinite"/>
+                      </p:stCondLst>
+                      <p:childTnLst>
+                        <p:par>
+                          <p:cTn id="28" fill="hold">
+                            <p:stCondLst>
+                              <p:cond delay="0"/>
+                            </p:stCondLst>
+                            <p:childTnLst>
+                              <p:par>
+                                <p:cTn id="29" presetID="1" presetClass="entr" presetSubtype="0" fill="hold" nodeType="clickEffect">
+                                  <p:stCondLst>
+                                    <p:cond delay="0"/>
+                                  </p:stCondLst>
+                                  <p:childTnLst>
+                                    <p:set>
+                                      <p:cBhvr>
+                                        <p:cTn id="30" dur="1" fill="hold">
+                                          <p:stCondLst>
+                                            <p:cond delay="0"/>
+                                          </p:stCondLst>
+                                        </p:cTn>
+                                        <p:tgtEl>
+                                          <p:spTgt spid="7">
+                                            <p:txEl>
+                                              <p:pRg st="8" end="8"/>
+                                            </p:txEl>
+                                          </p:spTgt>
+                                        </p:tgtEl>
+                                        <p:attrNameLst>
+                                          <p:attrName>style.visibility</p:attrName>
+                                        </p:attrNameLst>
+                                      </p:cBhvr>
+                                      <p:to>
+                                        <p:strVal val="visible"/>
+                                      </p:to>
+                                    </p:set>
+                                  </p:childTnLst>
+                                </p:cTn>
+                              </p:par>
+                              <p:par>
+                                <p:cTn id="31" presetID="1" presetClass="entr" presetSubtype="0" fill="hold" nodeType="withEffect">
+                                  <p:stCondLst>
+                                    <p:cond delay="0"/>
+                                  </p:stCondLst>
+                                  <p:childTnLst>
+                                    <p:set>
+                                      <p:cBhvr>
+                                        <p:cTn id="32" dur="1" fill="hold">
+                                          <p:stCondLst>
+                                            <p:cond delay="0"/>
+                                          </p:stCondLst>
+                                        </p:cTn>
+                                        <p:tgtEl>
+                                          <p:spTgt spid="7">
+                                            <p:txEl>
+                                              <p:pRg st="9" end="9"/>
+                                            </p:txEl>
+                                          </p:spTgt>
+                                        </p:tgtEl>
+                                        <p:attrNameLst>
+                                          <p:attrName>style.visibility</p:attrName>
+                                        </p:attrNameLst>
+                                      </p:cBhvr>
+                                      <p:to>
+                                        <p:strVal val="visible"/>
+                                      </p:to>
+                                    </p:set>
+                                  </p:childTnLst>
+                                </p:cTn>
+                              </p:par>
+                            </p:childTnLst>
+                          </p:cTn>
+                        </p:par>
+                      </p:childTnLst>
+                    </p:cTn>
+                  </p:par>
                 </p:childTnLst>
               </p:cTn>
               <p:prevCondLst>
@@ -11724,7 +11878,7 @@
         <p:spPr/>
         <p:txBody>
           <a:bodyPr>
-            <a:normAutofit fontScale="92500"/>
+            <a:normAutofit fontScale="77500" lnSpcReduction="20000"/>
           </a:bodyPr>
           <a:lstStyle/>
           <a:p>
@@ -11790,6 +11944,108 @@
             <a:pPr lvl="1"/>
             <a:r>
               <a:rPr lang="bg-BG" sz="3000" b="1" dirty="0"/>
+              <a:t>Име</a:t>
+            </a:r>
+            <a:r>
+              <a:rPr lang="bg-BG" sz="3000" dirty="0"/>
+              <a:t>, </a:t>
+            </a:r>
+            <a:r>
+              <a:rPr lang="bg-BG" sz="3000" b="1" dirty="0"/>
+              <a:t>фамилия</a:t>
+            </a:r>
+            <a:r>
+              <a:rPr lang="bg-BG" sz="3000" dirty="0"/>
+              <a:t>, </a:t>
+            </a:r>
+            <a:r>
+              <a:rPr lang="bg-BG" sz="3000" b="1" dirty="0"/>
+              <a:t>специалност</a:t>
+            </a:r>
+            <a:r>
+              <a:rPr lang="bg-BG" sz="3000" dirty="0"/>
+              <a:t>, </a:t>
+            </a:r>
+            <a:r>
+              <a:rPr lang="bg-BG" sz="3000" b="1" dirty="0"/>
+              <a:t>телефон</a:t>
+            </a:r>
+          </a:p>
+          <a:p>
+            <a:r>
+              <a:rPr lang="bg-BG" sz="3200" b="1" dirty="0">
+                <a:solidFill>
+                  <a:schemeClr val="bg1"/>
+                </a:solidFill>
+              </a:rPr>
+              <a:t>Таблица с прегледи</a:t>
+            </a:r>
+          </a:p>
+          <a:p>
+            <a:pPr lvl="1"/>
+            <a:r>
+              <a:rPr lang="bg-BG" sz="3000" b="1" dirty="0"/>
+              <a:t>Дата и час</a:t>
+            </a:r>
+            <a:r>
+              <a:rPr lang="bg-BG" sz="3000" dirty="0"/>
+              <a:t>, </a:t>
+            </a:r>
+            <a:r>
+              <a:rPr lang="bg-BG" sz="3000" b="1" dirty="0"/>
+              <a:t>описание</a:t>
+            </a:r>
+          </a:p>
+          <a:p>
+            <a:pPr lvl="1"/>
+            <a:r>
+              <a:rPr lang="bg-BG" sz="3000" dirty="0"/>
+              <a:t>Връзка с </a:t>
+            </a:r>
+            <a:r>
+              <a:rPr lang="bg-BG" sz="3000" b="1" dirty="0"/>
+              <a:t>пациент</a:t>
+            </a:r>
+            <a:r>
+              <a:rPr lang="bg-BG" sz="3000" dirty="0"/>
+              <a:t> и </a:t>
+            </a:r>
+            <a:r>
+              <a:rPr lang="bg-BG" sz="3000" b="1" dirty="0"/>
+              <a:t>лекар</a:t>
+            </a:r>
+          </a:p>
+          <a:p>
+            <a:r>
+              <a:rPr lang="bg-BG" sz="3200" b="1" dirty="0">
+                <a:solidFill>
+                  <a:schemeClr val="bg1"/>
+                </a:solidFill>
+              </a:rPr>
+              <a:t>Таблица с роли</a:t>
+            </a:r>
+          </a:p>
+          <a:p>
+            <a:pPr lvl="1"/>
+            <a:r>
+              <a:rPr lang="bg-BG" sz="3000" b="1" dirty="0"/>
+              <a:t>Име</a:t>
+            </a:r>
+          </a:p>
+          <a:p>
+            <a:r>
+              <a:rPr lang="bg-BG" sz="3400" b="1" dirty="0">
+                <a:solidFill>
+                  <a:schemeClr val="bg1"/>
+                </a:solidFill>
+              </a:rPr>
+              <a:t>Таблица с потребители</a:t>
+            </a:r>
+          </a:p>
+          <a:p>
+            <a:pPr lvl="1"/>
+            <a:r>
+              <a:rPr lang="bg-BG" sz="3000" b="1" dirty="0"/>
               <a:t>Потребителско име</a:t>
             </a:r>
             <a:r>
@@ -11800,63 +12056,6 @@
               <a:rPr lang="bg-BG" sz="3000" b="1" dirty="0"/>
               <a:t> парола</a:t>
             </a:r>
-            <a:r>
-              <a:rPr lang="bg-BG" sz="3000" dirty="0"/>
-              <a:t>,</a:t>
-            </a:r>
-            <a:r>
-              <a:rPr lang="bg-BG" sz="3000" b="1" dirty="0"/>
-              <a:t> име</a:t>
-            </a:r>
-            <a:r>
-              <a:rPr lang="bg-BG" sz="3000" dirty="0"/>
-              <a:t>, </a:t>
-            </a:r>
-            <a:r>
-              <a:rPr lang="bg-BG" sz="3000" b="1" dirty="0"/>
-              <a:t>фамилия</a:t>
-            </a:r>
-            <a:r>
-              <a:rPr lang="bg-BG" sz="3000" dirty="0"/>
-              <a:t>, </a:t>
-            </a:r>
-            <a:r>
-              <a:rPr lang="bg-BG" sz="3000" b="1" dirty="0"/>
-              <a:t>специалност</a:t>
-            </a:r>
-            <a:r>
-              <a:rPr lang="bg-BG" sz="3000" dirty="0"/>
-              <a:t>, </a:t>
-            </a:r>
-            <a:r>
-              <a:rPr lang="bg-BG" sz="3000" b="1" dirty="0"/>
-              <a:t>телефон</a:t>
-            </a:r>
-          </a:p>
-          <a:p>
-            <a:r>
-              <a:rPr lang="bg-BG" sz="3200" b="1" dirty="0">
-                <a:solidFill>
-                  <a:schemeClr val="bg1"/>
-                </a:solidFill>
-              </a:rPr>
-              <a:t>Таблица с прегледи</a:t>
-            </a:r>
-          </a:p>
-          <a:p>
-            <a:pPr lvl="1"/>
-            <a:r>
-              <a:rPr lang="bg-BG" sz="3000" b="1" dirty="0"/>
-              <a:t>Дата и час</a:t>
-            </a:r>
-            <a:r>
-              <a:rPr lang="bg-BG" sz="3000" dirty="0"/>
-              <a:t>, </a:t>
-            </a:r>
-            <a:r>
-              <a:rPr lang="bg-BG" sz="3000" b="1" dirty="0"/>
-              <a:t>описание</a:t>
-            </a:r>
           </a:p>
           <a:p>
             <a:pPr lvl="1"/>
@@ -11866,7 +12065,7 @@
             </a:r>
             <a:r>
               <a:rPr lang="bg-BG" sz="3000" b="1" dirty="0"/>
-              <a:t>пациент</a:t>
+              <a:t>роля</a:t>
             </a:r>
             <a:r>
               <a:rPr lang="bg-BG" sz="3000" dirty="0"/>
@@ -11876,24 +12075,6 @@
               <a:rPr lang="bg-BG" sz="3000" b="1" dirty="0"/>
               <a:t>лекар</a:t>
             </a:r>
-          </a:p>
-          <a:p>
-            <a:r>
-              <a:rPr lang="bg-BG" sz="3200" b="1" dirty="0">
-                <a:solidFill>
-                  <a:schemeClr val="bg1"/>
-                </a:solidFill>
-              </a:rPr>
-              <a:t>Таблица с роли</a:t>
-            </a:r>
-          </a:p>
-          <a:p>
-            <a:pPr lvl="1"/>
-            <a:r>
-              <a:rPr lang="bg-BG" sz="3000" b="1" dirty="0"/>
-              <a:t>Роля</a:t>
-            </a:r>
-            <a:endParaRPr lang="en-BG" sz="3000" b="1" dirty="0"/>
           </a:p>
         </p:txBody>
       </p:sp>
@@ -11954,7 +12135,7 @@
                                         <p:tgtEl>
                                           <p:spTgt spid="7">
                                             <p:txEl>
-                                              <p:pRg st="0" end="0"/>
+                                              <p:charRg st="0" end="19"/>
                                             </p:txEl>
                                           </p:spTgt>
                                         </p:tgtEl>
@@ -11985,7 +12166,7 @@
                                         <p:tgtEl>
                                           <p:spTgt spid="7">
                                             <p:txEl>
-                                              <p:pRg st="1" end="1"/>
+                                              <p:charRg st="19" end="51"/>
                                             </p:txEl>
                                           </p:spTgt>
                                         </p:tgtEl>
@@ -12295,6 +12476,135 @@
                       </p:childTnLst>
                     </p:cTn>
                   </p:par>
+                  <p:par>
+                    <p:cTn id="31" fill="hold">
+                      <p:stCondLst>
+                        <p:cond delay="indefinite"/>
+                      </p:stCondLst>
+                      <p:childTnLst>
+                        <p:par>
+                          <p:cTn id="32" fill="hold">
+                            <p:stCondLst>
+                              <p:cond delay="0"/>
+                            </p:stCondLst>
+                            <p:childTnLst>
+                              <p:par>
+                                <p:cTn id="33" presetID="1" presetClass="entr" presetSubtype="0" fill="hold" nodeType="clickEffect">
+                                  <p:stCondLst>
+                                    <p:cond delay="0"/>
+                                  </p:stCondLst>
+                                  <p:childTnLst>
+                                    <p:set>
+                                      <p:cBhvr>
+                                        <p:cTn id="34" dur="1" fill="hold">
+                                          <p:stCondLst>
+                                            <p:cond delay="0"/>
+                                          </p:stCondLst>
+                                        </p:cTn>
+                                        <p:tgtEl>
+                                          <p:spTgt spid="7">
+                                            <p:txEl>
+                                              <p:pRg st="9" end="9"/>
+                                            </p:txEl>
+                                          </p:spTgt>
+                                        </p:tgtEl>
+                                        <p:attrNameLst>
+                                          <p:attrName>style.visibility</p:attrName>
+                                        </p:attrNameLst>
+                                      </p:cBhvr>
+                                      <p:to>
+                                        <p:strVal val="visible"/>
+                                      </p:to>
+                                    </p:set>
+                                  </p:childTnLst>
+                                </p:cTn>
+                              </p:par>
+                              <p:par>
+                                <p:cTn id="35" presetID="1" presetClass="entr" presetSubtype="0" fill="hold" nodeType="withEffect">
+                                  <p:stCondLst>
+                                    <p:cond delay="0"/>
+                                  </p:stCondLst>
+                                  <p:childTnLst>
+                                    <p:set>
+                                      <p:cBhvr>
+                                        <p:cTn id="36" dur="1" fill="hold">
+                                          <p:stCondLst>
+                                            <p:cond delay="0"/>
+                                          </p:stCondLst>
+                                        </p:cTn>
+                                        <p:tgtEl>
+                                          <p:spTgt spid="7">
+                                            <p:txEl>
+                                              <p:pRg st="10" end="10"/>
+                                            </p:txEl>
+                                          </p:spTgt>
+                                        </p:tgtEl>
+                                        <p:attrNameLst>
+                                          <p:attrName>style.visibility</p:attrName>
+                                        </p:attrNameLst>
+                                      </p:cBhvr>
+                                      <p:to>
+                                        <p:strVal val="visible"/>
+                                      </p:to>
+                                    </p:set>
+                                  </p:childTnLst>
+                                </p:cTn>
+                              </p:par>
+                            </p:childTnLst>
+                          </p:cTn>
+                        </p:par>
+                      </p:childTnLst>
+                    </p:cTn>
+                  </p:par>
+                  <p:par>
+                    <p:cTn id="37" fill="hold">
+                      <p:stCondLst>
+                        <p:cond delay="indefinite"/>
+                      </p:stCondLst>
+                      <p:childTnLst>
+                        <p:par>
+                          <p:cTn id="38" fill="hold">
+                            <p:stCondLst>
+                              <p:cond delay="0"/>
+                            </p:stCondLst>
+                            <p:childTnLst>
+                              <p:par>
+                                <p:cTn id="39" presetID="1" presetClass="entr" presetSubtype="0" fill="hold" nodeType="clickEffect">
+                                  <p:stCondLst>
+                                    <p:cond delay="0"/>
+                                  </p:stCondLst>
+                                  <p:childTnLst>
+                                    <p:set>
+                                      <p:cBhvr>
+                                        <p:cTn id="40" dur="1" fill="hold">
+                                          <p:stCondLst>
+                                            <p:cond delay="0"/>
+                                          </p:stCondLst>
+                                        </p:cTn>
+                                        <p:tgtEl>
+                                          <p:spTgt spid="7">
+                                            <p:txEl>
+                                              <p:pRg st="11" end="11"/>
+                                            </p:txEl>
+                                          </p:spTgt>
+                                        </p:tgtEl>
+                                        <p:attrNameLst>
+                                          <p:attrName>style.visibility</p:attrName>
+                                        </p:attrNameLst>
+                                      </p:cBhvr>
+                                      <p:to>
+                                        <p:strVal val="visible"/>
+                                      </p:to>
+                                    </p:set>
+                                  </p:childTnLst>
+                                </p:cTn>
+                              </p:par>
+                            </p:childTnLst>
+                          </p:cTn>
+                        </p:par>
+                      </p:childTnLst>
+                    </p:cTn>
+                  </p:par>
                 </p:childTnLst>
               </p:cTn>
               <p:prevCondLst>
@@ -12404,7 +12714,11 @@
             </a:r>
             <a:r>
               <a:rPr lang="en-US" dirty="0"/>
-              <a:t>UI (1)</a:t>
+              <a:t>UI </a:t>
+            </a:r>
+            <a:r>
+              <a:rPr lang="bg-BG" dirty="0"/>
+              <a:t>- Входна форма</a:t>
             </a:r>
             <a:endParaRPr lang="en-BG" dirty="0"/>
           </a:p>
@@ -12429,7 +12743,7 @@
         <p:spPr/>
         <p:txBody>
           <a:bodyPr>
-            <a:normAutofit fontScale="85000" lnSpcReduction="10000"/>
+            <a:normAutofit/>
           </a:bodyPr>
           <a:lstStyle/>
           <a:p>
@@ -12439,23 +12753,395 @@
                   <a:schemeClr val="bg1"/>
                 </a:solidFill>
               </a:rPr>
-              <a:t>Форма за регистрация на нов пациент</a:t>
+              <a:t>Предоставяне на достъп до приложението</a:t>
             </a:r>
           </a:p>
           <a:p>
             <a:pPr lvl="1"/>
             <a:r>
               <a:rPr lang="bg-BG" dirty="0"/>
-              <a:t>Полета за всички данни на </a:t>
+              <a:t>Полета с данни за </a:t>
             </a:r>
             <a:r>
               <a:rPr lang="bg-BG" b="1" dirty="0"/>
-              <a:t>пациент</a:t>
+              <a:t>потребителско име</a:t>
             </a:r>
             <a:r>
               <a:rPr lang="bg-BG" dirty="0"/>
-              <a:t> </a:t>
-            </a:r>
+              <a:t> и</a:t>
+            </a:r>
+            <a:r>
+              <a:rPr lang="bg-BG" b="1" dirty="0"/>
+              <a:t> парола</a:t>
+            </a:r>
+            <a:endParaRPr lang="bg-BG" dirty="0"/>
+          </a:p>
+          <a:p>
+            <a:pPr lvl="1"/>
+            <a:r>
+              <a:rPr lang="bg-BG" dirty="0"/>
+              <a:t>Бутон за </a:t>
+            </a:r>
+            <a:r>
+              <a:rPr lang="bg-BG" b="1" dirty="0"/>
+              <a:t>вход</a:t>
+            </a:r>
+            <a:endParaRPr lang="bg-BG" dirty="0"/>
+          </a:p>
+        </p:txBody>
+      </p:sp>
+    </p:spTree>
+    <p:extLst>
+      <p:ext uri="{BB962C8B-B14F-4D97-AF65-F5344CB8AC3E}">
+        <p14:creationId xmlns:p14="http://schemas.microsoft.com/office/powerpoint/2010/main" val="574509519"/>
+      </p:ext>
+    </p:extLst>
+  </p:cSld>
+  <p:clrMapOvr>
+    <a:masterClrMapping/>
+  </p:clrMapOvr>
+  <mc:AlternateContent xmlns:mc="http://schemas.openxmlformats.org/markup-compatibility/2006" xmlns:p14="http://schemas.microsoft.com/office/powerpoint/2010/main">
+    <mc:Choice Requires="p14">
+      <p:transition spd="slow" p14:dur="2000" advClick="0" advTm="5000"/>
+    </mc:Choice>
+    <mc:Fallback xmlns="">
+      <p:transition spd="slow" advClick="0" advTm="5000"/>
+    </mc:Fallback>
+  </mc:AlternateContent>
+  <p:timing>
+    <p:tnLst>
+      <p:par>
+        <p:cTn id="1" dur="indefinite" restart="never" nodeType="tmRoot">
+          <p:childTnLst>
+            <p:seq concurrent="1" nextAc="seek">
+              <p:cTn id="2" dur="indefinite" nodeType="mainSeq">
+                <p:childTnLst>
+                  <p:par>
+                    <p:cTn id="3" fill="hold">
+                      <p:stCondLst>
+                        <p:cond delay="indefinite"/>
+                        <p:cond evt="onBegin" delay="0">
+                          <p:tn val="2"/>
+                        </p:cond>
+                      </p:stCondLst>
+                      <p:childTnLst>
+                        <p:par>
+                          <p:cTn id="4" fill="hold">
+                            <p:stCondLst>
+                              <p:cond delay="0"/>
+                            </p:stCondLst>
+                            <p:childTnLst>
+                              <p:par>
+                                <p:cTn id="5" presetID="1" presetClass="entr" presetSubtype="0" fill="hold" nodeType="withEffect">
+                                  <p:stCondLst>
+                                    <p:cond delay="0"/>
+                                  </p:stCondLst>
+                                  <p:childTnLst>
+                                    <p:set>
+                                      <p:cBhvr>
+                                        <p:cTn id="6" dur="1" fill="hold">
+                                          <p:stCondLst>
+                                            <p:cond delay="0"/>
+                                          </p:stCondLst>
+                                        </p:cTn>
+                                        <p:tgtEl>
+                                          <p:spTgt spid="7">
+                                            <p:txEl>
+                                              <p:pRg st="0" end="0"/>
+                                            </p:txEl>
+                                          </p:spTgt>
+                                        </p:tgtEl>
+                                        <p:attrNameLst>
+                                          <p:attrName>style.visibility</p:attrName>
+                                        </p:attrNameLst>
+                                      </p:cBhvr>
+                                      <p:to>
+                                        <p:strVal val="visible"/>
+                                      </p:to>
+                                    </p:set>
+                                  </p:childTnLst>
+                                </p:cTn>
+                              </p:par>
+                              <p:par>
+                                <p:cTn id="7" presetID="1" presetClass="entr" presetSubtype="0" fill="hold" nodeType="withEffect">
+                                  <p:stCondLst>
+                                    <p:cond delay="0"/>
+                                  </p:stCondLst>
+                                  <p:childTnLst>
+                                    <p:set>
+                                      <p:cBhvr>
+                                        <p:cTn id="8" dur="1" fill="hold">
+                                          <p:stCondLst>
+                                            <p:cond delay="0"/>
+                                          </p:stCondLst>
+                                        </p:cTn>
+                                        <p:tgtEl>
+                                          <p:spTgt spid="7">
+                                            <p:txEl>
+                                              <p:pRg st="1" end="1"/>
+                                            </p:txEl>
+                                          </p:spTgt>
+                                        </p:tgtEl>
+                                        <p:attrNameLst>
+                                          <p:attrName>style.visibility</p:attrName>
+                                        </p:attrNameLst>
+                                      </p:cBhvr>
+                                      <p:to>
+                                        <p:strVal val="visible"/>
+                                      </p:to>
+                                    </p:set>
+                                  </p:childTnLst>
+                                </p:cTn>
+                              </p:par>
+                            </p:childTnLst>
+                          </p:cTn>
+                        </p:par>
+                      </p:childTnLst>
+                    </p:cTn>
+                  </p:par>
+                  <p:par>
+                    <p:cTn id="9" fill="hold">
+                      <p:stCondLst>
+                        <p:cond delay="indefinite"/>
+                      </p:stCondLst>
+                      <p:childTnLst>
+                        <p:par>
+                          <p:cTn id="10" fill="hold">
+                            <p:stCondLst>
+                              <p:cond delay="0"/>
+                            </p:stCondLst>
+                            <p:childTnLst>
+                              <p:par>
+                                <p:cTn id="11" presetID="1" presetClass="entr" presetSubtype="0" fill="hold" nodeType="clickEffect">
+                                  <p:stCondLst>
+                                    <p:cond delay="0"/>
+                                  </p:stCondLst>
+                                  <p:childTnLst>
+                                    <p:set>
+                                      <p:cBhvr>
+                                        <p:cTn id="12" dur="1" fill="hold">
+                                          <p:stCondLst>
+                                            <p:cond delay="0"/>
+                                          </p:stCondLst>
+                                        </p:cTn>
+                                        <p:tgtEl>
+                                          <p:spTgt spid="7">
+                                            <p:txEl>
+                                              <p:pRg st="2" end="2"/>
+                                            </p:txEl>
+                                          </p:spTgt>
+                                        </p:tgtEl>
+                                        <p:attrNameLst>
+                                          <p:attrName>style.visibility</p:attrName>
+                                        </p:attrNameLst>
+                                      </p:cBhvr>
+                                      <p:to>
+                                        <p:strVal val="visible"/>
+                                      </p:to>
+                                    </p:set>
+                                  </p:childTnLst>
+                                </p:cTn>
+                              </p:par>
+                            </p:childTnLst>
+                          </p:cTn>
+                        </p:par>
+                      </p:childTnLst>
+                    </p:cTn>
+                  </p:par>
+                </p:childTnLst>
+              </p:cTn>
+              <p:prevCondLst>
+                <p:cond evt="onPrev" delay="0">
+                  <p:tgtEl>
+                    <p:sldTgt/>
+                  </p:tgtEl>
+                </p:cond>
+              </p:prevCondLst>
+              <p:nextCondLst>
+                <p:cond evt="onNext" delay="0">
+                  <p:tgtEl>
+                    <p:sldTgt/>
+                  </p:tgtEl>
+                </p:cond>
+              </p:nextCondLst>
+            </p:seq>
+          </p:childTnLst>
+        </p:cTn>
+      </p:par>
+    </p:tnLst>
+  </p:timing>
+</p:sld>
+</file>
+
+<file path=ppt/slides/slide19.xml><?xml version="1.0" encoding="utf-8"?>
+<p:sld xmlns:a="http://schemas.openxmlformats.org/drawingml/2006/main" xmlns:r="http://schemas.openxmlformats.org/officeDocument/2006/relationships" xmlns:p="http://schemas.openxmlformats.org/presentationml/2006/main">
+  <p:cSld>
+    <p:spTree>
+      <p:nvGrpSpPr>
+        <p:cNvPr id="1" name=""/>
+        <p:cNvGrpSpPr/>
+        <p:nvPr/>
+      </p:nvGrpSpPr>
+      <p:grpSpPr>
+        <a:xfrm>
+          <a:off x="0" y="0"/>
+          <a:ext cx="0" cy="0"/>
+          <a:chOff x="0" y="0"/>
+          <a:chExt cx="0" cy="0"/>
+        </a:xfrm>
+      </p:grpSpPr>
+      <p:sp>
+        <p:nvSpPr>
+          <p:cNvPr id="2" name="Slide Number Placeholder 1">
+            <a:extLst>
+              <a:ext uri="{FF2B5EF4-FFF2-40B4-BE49-F238E27FC236}">
+                <a16:creationId xmlns:a16="http://schemas.microsoft.com/office/drawing/2014/main" id="{CCAABC86-82E0-F099-701A-D4347B605385}"/>
+              </a:ext>
+            </a:extLst>
+          </p:cNvPr>
+          <p:cNvSpPr>
+            <a:spLocks noGrp="1"/>
+          </p:cNvSpPr>
+          <p:nvPr>
+            <p:ph type="sldNum" sz="quarter" idx="5"/>
+          </p:nvPr>
+        </p:nvSpPr>
+        <p:spPr/>
+        <p:txBody>
+          <a:bodyPr/>
+          <a:lstStyle/>
+          <a:p>
+            <a:fld id="{2BF067CD-8E6B-4360-9AA8-C5DF2A48A6D1}" type="slidenum">
+              <a:rPr lang="en-US" noProof="0" smtClean="0"/>
+              <a:pPr/>
+              <a:t>19</a:t>
+            </a:fld>
+            <a:endParaRPr lang="en-US" noProof="0" dirty="0"/>
+          </a:p>
+        </p:txBody>
+      </p:sp>
+      <p:sp>
+        <p:nvSpPr>
+          <p:cNvPr id="4" name="Title 3">
+            <a:extLst>
+              <a:ext uri="{FF2B5EF4-FFF2-40B4-BE49-F238E27FC236}">
+                <a16:creationId xmlns:a16="http://schemas.microsoft.com/office/drawing/2014/main" id="{67B6A643-676D-3506-B008-B24B36AA34F1}"/>
+              </a:ext>
+            </a:extLst>
+          </p:cNvPr>
+          <p:cNvSpPr>
+            <a:spLocks noGrp="1"/>
+          </p:cNvSpPr>
+          <p:nvPr>
+            <p:ph type="title"/>
+          </p:nvPr>
+        </p:nvSpPr>
+        <p:spPr/>
+        <p:txBody>
+          <a:bodyPr>
+            <a:normAutofit/>
+          </a:bodyPr>
+          <a:lstStyle/>
+          <a:p>
+            <a:r>
+              <a:rPr lang="bg-BG" dirty="0"/>
+              <a:t>Проектиране</a:t>
+            </a:r>
+            <a:r>
+              <a:rPr lang="en-US" dirty="0"/>
+              <a:t>: </a:t>
+            </a:r>
+            <a:r>
+              <a:rPr lang="bg-BG" dirty="0"/>
+              <a:t>дизайн на </a:t>
+            </a:r>
+            <a:r>
+              <a:rPr lang="en-US" dirty="0"/>
+              <a:t>UI </a:t>
+            </a:r>
+            <a:r>
+              <a:rPr lang="bg-BG" dirty="0"/>
+              <a:t>- Главна форма</a:t>
+            </a:r>
+            <a:endParaRPr lang="en-BG" dirty="0"/>
+          </a:p>
+        </p:txBody>
+      </p:sp>
+      <p:sp>
+        <p:nvSpPr>
+          <p:cNvPr id="7" name="Text Placeholder 6">
+            <a:extLst>
+              <a:ext uri="{FF2B5EF4-FFF2-40B4-BE49-F238E27FC236}">
+                <a16:creationId xmlns:a16="http://schemas.microsoft.com/office/drawing/2014/main" id="{FBFEFCDD-E454-D1E7-D67F-EE67BB2A7ACE}"/>
+              </a:ext>
+            </a:extLst>
+          </p:cNvPr>
+          <p:cNvSpPr>
+            <a:spLocks noGrp="1"/>
+          </p:cNvSpPr>
+          <p:nvPr>
+            <p:ph type="body" sz="quarter" idx="10"/>
+          </p:nvPr>
+        </p:nvSpPr>
+        <p:spPr/>
+        <p:txBody>
+          <a:bodyPr>
+            <a:normAutofit fontScale="92500" lnSpcReduction="10000"/>
+          </a:bodyPr>
+          <a:lstStyle/>
+          <a:p>
+            <a:r>
+              <a:rPr lang="bg-BG" b="1" dirty="0">
+                <a:solidFill>
+                  <a:schemeClr val="bg1"/>
+                </a:solidFill>
+              </a:rPr>
+              <a:t>Управление на пациенти</a:t>
+            </a:r>
+          </a:p>
+          <a:p>
+            <a:pPr lvl="1"/>
+            <a:r>
+              <a:rPr lang="bg-BG" dirty="0"/>
+              <a:t>Полета за </a:t>
+            </a:r>
+            <a:r>
+              <a:rPr lang="bg-BG" b="1" dirty="0"/>
+              <a:t>име</a:t>
+            </a:r>
+            <a:r>
+              <a:rPr lang="bg-BG" dirty="0"/>
+              <a:t>, </a:t>
+            </a:r>
+            <a:r>
+              <a:rPr lang="bg-BG" b="1" dirty="0"/>
+              <a:t>фамилия</a:t>
+            </a:r>
+            <a:r>
+              <a:rPr lang="bg-BG" dirty="0"/>
+              <a:t>, </a:t>
+            </a:r>
+            <a:r>
+              <a:rPr lang="bg-BG" b="1" dirty="0"/>
+              <a:t>ЕГН</a:t>
+            </a:r>
+            <a:r>
+              <a:rPr lang="bg-BG" dirty="0"/>
+              <a:t>, </a:t>
+            </a:r>
+            <a:r>
+              <a:rPr lang="bg-BG" b="1" dirty="0"/>
+              <a:t>пол</a:t>
+            </a:r>
+            <a:r>
+              <a:rPr lang="bg-BG" dirty="0"/>
+              <a:t>, </a:t>
+            </a:r>
+            <a:r>
+              <a:rPr lang="bg-BG" b="1" dirty="0"/>
+              <a:t>телефон</a:t>
+            </a:r>
+            <a:endParaRPr lang="bg-BG" dirty="0"/>
           </a:p>
           <a:p>
             <a:pPr lvl="1"/>
@@ -12465,7 +13151,15 @@
             </a:r>
             <a:r>
               <a:rPr lang="bg-BG" b="1" dirty="0"/>
-              <a:t>запис</a:t>
+              <a:t>добавяне</a:t>
+            </a:r>
+            <a:r>
+              <a:rPr lang="bg-BG" dirty="0"/>
+              <a:t>, </a:t>
+            </a:r>
+            <a:r>
+              <a:rPr lang="bg-BG" b="1" dirty="0"/>
+              <a:t>редактиране</a:t>
             </a:r>
             <a:r>
               <a:rPr lang="bg-BG" dirty="0"/>
@@ -12473,7 +13167,7 @@
             </a:r>
             <a:r>
               <a:rPr lang="bg-BG" b="1" dirty="0"/>
-              <a:t>отказ</a:t>
+              <a:t>изтриване</a:t>
             </a:r>
           </a:p>
           <a:p>
@@ -12483,35 +13177,38 @@
                   <a:schemeClr val="bg1"/>
                 </a:solidFill>
               </a:rPr>
-              <a:t>Форма </a:t>
-            </a:r>
-            <a:r>
-              <a:rPr lang="bg-BG" b="1">
-                <a:solidFill>
-                  <a:schemeClr val="bg1"/>
-                </a:solidFill>
-              </a:rPr>
-              <a:t>за добавяне на преглед</a:t>
-            </a:r>
-            <a:endParaRPr lang="bg-BG" b="1" dirty="0">
-              <a:solidFill>
-                <a:schemeClr val="bg1"/>
-              </a:solidFill>
-            </a:endParaRPr>
+              <a:t>Управление на прегледи</a:t>
+            </a:r>
           </a:p>
           <a:p>
             <a:pPr lvl="1"/>
             <a:r>
               <a:rPr lang="bg-BG" dirty="0"/>
-              <a:t>Полета за избор на </a:t>
+              <a:t>Полета за </a:t>
             </a:r>
             <a:r>
               <a:rPr lang="bg-BG" b="1" dirty="0"/>
-              <a:t>пациент</a:t>
+              <a:t>дата</a:t>
             </a:r>
             <a:r>
               <a:rPr lang="bg-BG" dirty="0"/>
-              <a:t>, избор на </a:t>
+              <a:t>, </a:t>
+            </a:r>
+            <a:r>
+              <a:rPr lang="bg-BG" b="1" dirty="0"/>
+              <a:t>име</a:t>
+            </a:r>
+            <a:r>
+              <a:rPr lang="bg-BG" dirty="0"/>
+              <a:t> и </a:t>
+            </a:r>
+            <a:r>
+              <a:rPr lang="bg-BG" b="1" dirty="0"/>
+              <a:t>фамилия</a:t>
+            </a:r>
+            <a:r>
+              <a:rPr lang="bg-BG" dirty="0"/>
+              <a:t> на </a:t>
             </a:r>
             <a:r>
               <a:rPr lang="bg-BG" b="1" dirty="0"/>
@@ -12523,16 +13220,9 @@
             </a:r>
             <a:r>
               <a:rPr lang="bg-BG" b="1" dirty="0"/>
-              <a:t>дата и час </a:t>
-            </a:r>
-            <a:r>
-              <a:rPr lang="bg-BG" dirty="0"/>
-              <a:t>на </a:t>
-            </a:r>
-            <a:r>
-              <a:rPr lang="bg-BG" b="1" dirty="0"/>
-              <a:t>прегледа</a:t>
-            </a:r>
+              <a:t>описание</a:t>
+            </a:r>
+            <a:endParaRPr lang="bg-BG" dirty="0"/>
           </a:p>
           <a:p>
             <a:pPr lvl="1"/>
@@ -12542,7 +13232,15 @@
             </a:r>
             <a:r>
               <a:rPr lang="bg-BG" b="1" dirty="0"/>
-              <a:t>запис</a:t>
+              <a:t>добавяне</a:t>
+            </a:r>
+            <a:r>
+              <a:rPr lang="bg-BG" dirty="0"/>
+              <a:t>, </a:t>
+            </a:r>
+            <a:r>
+              <a:rPr lang="bg-BG" b="1" dirty="0"/>
+              <a:t>редактиране</a:t>
             </a:r>
             <a:r>
               <a:rPr lang="bg-BG" dirty="0"/>
@@ -12550,7 +13248,7 @@
             </a:r>
             <a:r>
               <a:rPr lang="bg-BG" b="1" dirty="0"/>
-              <a:t>отказ</a:t>
+              <a:t>изтриване</a:t>
             </a:r>
           </a:p>
           <a:p>
@@ -12560,26 +13258,18 @@
                   <a:schemeClr val="bg1"/>
                 </a:solidFill>
               </a:rPr>
-              <a:t>Форма за вписване на резултати от преглед</a:t>
+              <a:t>Управление на лекари</a:t>
             </a:r>
           </a:p>
           <a:p>
             <a:pPr lvl="1"/>
             <a:r>
               <a:rPr lang="bg-BG" dirty="0"/>
-              <a:t>Полета за данни от </a:t>
+              <a:t>Полета за </a:t>
             </a:r>
             <a:r>
               <a:rPr lang="bg-BG" b="1" dirty="0"/>
-              <a:t>преглед</a:t>
-            </a:r>
-            <a:r>
-              <a:rPr lang="bg-BG" dirty="0"/>
-              <a:t> (пациент, лекар, дата и час</a:t>
-            </a:r>
-            <a:r>
-              <a:rPr lang="en-US" dirty="0"/>
-              <a:t>)</a:t>
+              <a:t>име</a:t>
             </a:r>
             <a:r>
               <a:rPr lang="bg-BG" dirty="0"/>
@@ -12587,7 +13277,7 @@
             </a:r>
             <a:r>
               <a:rPr lang="bg-BG" b="1" dirty="0"/>
-              <a:t>диагноза</a:t>
+              <a:t>фамилия</a:t>
             </a:r>
             <a:r>
               <a:rPr lang="bg-BG" dirty="0"/>
@@ -12595,8 +13285,17 @@
             </a:r>
             <a:r>
               <a:rPr lang="bg-BG" b="1" dirty="0"/>
-              <a:t>лечение</a:t>
-            </a:r>
+              <a:t>специалност</a:t>
+            </a:r>
+            <a:r>
+              <a:rPr lang="bg-BG" dirty="0"/>
+              <a:t>, </a:t>
+            </a:r>
+            <a:r>
+              <a:rPr lang="bg-BG" b="1" dirty="0"/>
+              <a:t>телефон</a:t>
+            </a:r>
+            <a:endParaRPr lang="bg-BG" dirty="0"/>
           </a:p>
           <a:p>
             <a:pPr lvl="1"/>
@@ -12606,7 +13305,1416 @@
             </a:r>
             <a:r>
               <a:rPr lang="bg-BG" b="1" dirty="0"/>
-              <a:t>запис</a:t>
+              <a:t>добавян</a:t>
+            </a:r>
+            <a:r>
+              <a:rPr lang="en-US" b="1" dirty="0"/>
+              <a:t>e</a:t>
+            </a:r>
+            <a:r>
+              <a:rPr lang="en-US" dirty="0"/>
+              <a:t>, </a:t>
+            </a:r>
+            <a:r>
+              <a:rPr lang="bg-BG" b="1" dirty="0"/>
+              <a:t>редактиране</a:t>
+            </a:r>
+            <a:r>
+              <a:rPr lang="bg-BG" dirty="0"/>
+              <a:t> и </a:t>
+            </a:r>
+            <a:r>
+              <a:rPr lang="bg-BG" b="1" dirty="0"/>
+              <a:t>изтриване</a:t>
+            </a:r>
+          </a:p>
+        </p:txBody>
+      </p:sp>
+    </p:spTree>
+    <p:extLst>
+      <p:ext uri="{BB962C8B-B14F-4D97-AF65-F5344CB8AC3E}">
+        <p14:creationId xmlns:p14="http://schemas.microsoft.com/office/powerpoint/2010/main" val="1951808226"/>
+      </p:ext>
+    </p:extLst>
+  </p:cSld>
+  <p:clrMapOvr>
+    <a:masterClrMapping/>
+  </p:clrMapOvr>
+  <mc:AlternateContent xmlns:mc="http://schemas.openxmlformats.org/markup-compatibility/2006" xmlns:p14="http://schemas.microsoft.com/office/powerpoint/2010/main">
+    <mc:Choice Requires="p14">
+      <p:transition spd="slow" p14:dur="2000" advClick="0" advTm="5000"/>
+    </mc:Choice>
+    <mc:Fallback xmlns="">
+      <p:transition spd="slow" advClick="0" advTm="5000"/>
+    </mc:Fallback>
+  </mc:AlternateContent>
+  <p:timing>
+    <p:tnLst>
+      <p:par>
+        <p:cTn id="1" dur="indefinite" restart="never" nodeType="tmRoot">
+          <p:childTnLst>
+            <p:seq concurrent="1" nextAc="seek">
+              <p:cTn id="2" dur="indefinite" nodeType="mainSeq">
+                <p:childTnLst>
+                  <p:par>
+                    <p:cTn id="3" fill="hold">
+                      <p:stCondLst>
+                        <p:cond delay="indefinite"/>
+                        <p:cond evt="onBegin" delay="0">
+                          <p:tn val="2"/>
+                        </p:cond>
+                      </p:stCondLst>
+                      <p:childTnLst>
+                        <p:par>
+                          <p:cTn id="4" fill="hold">
+                            <p:stCondLst>
+                              <p:cond delay="0"/>
+                            </p:stCondLst>
+                            <p:childTnLst>
+                              <p:par>
+                                <p:cTn id="5" presetID="1" presetClass="entr" presetSubtype="0" fill="hold" nodeType="withEffect">
+                                  <p:stCondLst>
+                                    <p:cond delay="0"/>
+                                  </p:stCondLst>
+                                  <p:childTnLst>
+                                    <p:set>
+                                      <p:cBhvr>
+                                        <p:cTn id="6" dur="1" fill="hold">
+                                          <p:stCondLst>
+                                            <p:cond delay="0"/>
+                                          </p:stCondLst>
+                                        </p:cTn>
+                                        <p:tgtEl>
+                                          <p:spTgt spid="7">
+                                            <p:txEl>
+                                              <p:pRg st="0" end="0"/>
+                                            </p:txEl>
+                                          </p:spTgt>
+                                        </p:tgtEl>
+                                        <p:attrNameLst>
+                                          <p:attrName>style.visibility</p:attrName>
+                                        </p:attrNameLst>
+                                      </p:cBhvr>
+                                      <p:to>
+                                        <p:strVal val="visible"/>
+                                      </p:to>
+                                    </p:set>
+                                  </p:childTnLst>
+                                </p:cTn>
+                              </p:par>
+                              <p:par>
+                                <p:cTn id="7" presetID="1" presetClass="entr" presetSubtype="0" fill="hold" nodeType="withEffect">
+                                  <p:stCondLst>
+                                    <p:cond delay="0"/>
+                                  </p:stCondLst>
+                                  <p:childTnLst>
+                                    <p:set>
+                                      <p:cBhvr>
+                                        <p:cTn id="8" dur="1" fill="hold">
+                                          <p:stCondLst>
+                                            <p:cond delay="0"/>
+                                          </p:stCondLst>
+                                        </p:cTn>
+                                        <p:tgtEl>
+                                          <p:spTgt spid="7">
+                                            <p:txEl>
+                                              <p:pRg st="1" end="1"/>
+                                            </p:txEl>
+                                          </p:spTgt>
+                                        </p:tgtEl>
+                                        <p:attrNameLst>
+                                          <p:attrName>style.visibility</p:attrName>
+                                        </p:attrNameLst>
+                                      </p:cBhvr>
+                                      <p:to>
+                                        <p:strVal val="visible"/>
+                                      </p:to>
+                                    </p:set>
+                                  </p:childTnLst>
+                                </p:cTn>
+                              </p:par>
+                            </p:childTnLst>
+                          </p:cTn>
+                        </p:par>
+                      </p:childTnLst>
+                    </p:cTn>
+                  </p:par>
+                  <p:par>
+                    <p:cTn id="9" fill="hold">
+                      <p:stCondLst>
+                        <p:cond delay="indefinite"/>
+                      </p:stCondLst>
+                      <p:childTnLst>
+                        <p:par>
+                          <p:cTn id="10" fill="hold">
+                            <p:stCondLst>
+                              <p:cond delay="0"/>
+                            </p:stCondLst>
+                            <p:childTnLst>
+                              <p:par>
+                                <p:cTn id="11" presetID="1" presetClass="entr" presetSubtype="0" fill="hold" nodeType="clickEffect">
+                                  <p:stCondLst>
+                                    <p:cond delay="0"/>
+                                  </p:stCondLst>
+                                  <p:childTnLst>
+                                    <p:set>
+                                      <p:cBhvr>
+                                        <p:cTn id="12" dur="1" fill="hold">
+                                          <p:stCondLst>
+                                            <p:cond delay="0"/>
+                                          </p:stCondLst>
+                                        </p:cTn>
+                                        <p:tgtEl>
+                                          <p:spTgt spid="7">
+                                            <p:txEl>
+                                              <p:pRg st="2" end="2"/>
+                                            </p:txEl>
+                                          </p:spTgt>
+                                        </p:tgtEl>
+                                        <p:attrNameLst>
+                                          <p:attrName>style.visibility</p:attrName>
+                                        </p:attrNameLst>
+                                      </p:cBhvr>
+                                      <p:to>
+                                        <p:strVal val="visible"/>
+                                      </p:to>
+                                    </p:set>
+                                  </p:childTnLst>
+                                </p:cTn>
+                              </p:par>
+                            </p:childTnLst>
+                          </p:cTn>
+                        </p:par>
+                      </p:childTnLst>
+                    </p:cTn>
+                  </p:par>
+                  <p:par>
+                    <p:cTn id="13" fill="hold">
+                      <p:stCondLst>
+                        <p:cond delay="indefinite"/>
+                      </p:stCondLst>
+                      <p:childTnLst>
+                        <p:par>
+                          <p:cTn id="14" fill="hold">
+                            <p:stCondLst>
+                              <p:cond delay="0"/>
+                            </p:stCondLst>
+                            <p:childTnLst>
+                              <p:par>
+                                <p:cTn id="15" presetID="1" presetClass="entr" presetSubtype="0" fill="hold" nodeType="clickEffect">
+                                  <p:stCondLst>
+                                    <p:cond delay="0"/>
+                                  </p:stCondLst>
+                                  <p:childTnLst>
+                                    <p:set>
+                                      <p:cBhvr>
+                                        <p:cTn id="16" dur="1" fill="hold">
+                                          <p:stCondLst>
+                                            <p:cond delay="0"/>
+                                          </p:stCondLst>
+                                        </p:cTn>
+                                        <p:tgtEl>
+                                          <p:spTgt spid="7">
+                                            <p:txEl>
+                                              <p:pRg st="3" end="3"/>
+                                            </p:txEl>
+                                          </p:spTgt>
+                                        </p:tgtEl>
+                                        <p:attrNameLst>
+                                          <p:attrName>style.visibility</p:attrName>
+                                        </p:attrNameLst>
+                                      </p:cBhvr>
+                                      <p:to>
+                                        <p:strVal val="visible"/>
+                                      </p:to>
+                                    </p:set>
+                                  </p:childTnLst>
+                                </p:cTn>
+                              </p:par>
+                              <p:par>
+                                <p:cTn id="17" presetID="1" presetClass="entr" presetSubtype="0" fill="hold" nodeType="withEffect">
+                                  <p:stCondLst>
+                                    <p:cond delay="0"/>
+                                  </p:stCondLst>
+                                  <p:childTnLst>
+                                    <p:set>
+                                      <p:cBhvr>
+                                        <p:cTn id="18" dur="1" fill="hold">
+                                          <p:stCondLst>
+                                            <p:cond delay="0"/>
+                                          </p:stCondLst>
+                                        </p:cTn>
+                                        <p:tgtEl>
+                                          <p:spTgt spid="7">
+                                            <p:txEl>
+                                              <p:pRg st="4" end="4"/>
+                                            </p:txEl>
+                                          </p:spTgt>
+                                        </p:tgtEl>
+                                        <p:attrNameLst>
+                                          <p:attrName>style.visibility</p:attrName>
+                                        </p:attrNameLst>
+                                      </p:cBhvr>
+                                      <p:to>
+                                        <p:strVal val="visible"/>
+                                      </p:to>
+                                    </p:set>
+                                  </p:childTnLst>
+                                </p:cTn>
+                              </p:par>
+                            </p:childTnLst>
+                          </p:cTn>
+                        </p:par>
+                      </p:childTnLst>
+                    </p:cTn>
+                  </p:par>
+                  <p:par>
+                    <p:cTn id="19" fill="hold">
+                      <p:stCondLst>
+                        <p:cond delay="indefinite"/>
+                      </p:stCondLst>
+                      <p:childTnLst>
+                        <p:par>
+                          <p:cTn id="20" fill="hold">
+                            <p:stCondLst>
+                              <p:cond delay="0"/>
+                            </p:stCondLst>
+                            <p:childTnLst>
+                              <p:par>
+                                <p:cTn id="21" presetID="1" presetClass="entr" presetSubtype="0" fill="hold" nodeType="clickEffect">
+                                  <p:stCondLst>
+                                    <p:cond delay="0"/>
+                                  </p:stCondLst>
+                                  <p:childTnLst>
+                                    <p:set>
+                                      <p:cBhvr>
+                                        <p:cTn id="22" dur="1" fill="hold">
+                                          <p:stCondLst>
+                                            <p:cond delay="0"/>
+                                          </p:stCondLst>
+                                        </p:cTn>
+                                        <p:tgtEl>
+                                          <p:spTgt spid="7">
+                                            <p:txEl>
+                                              <p:pRg st="5" end="5"/>
+                                            </p:txEl>
+                                          </p:spTgt>
+                                        </p:tgtEl>
+                                        <p:attrNameLst>
+                                          <p:attrName>style.visibility</p:attrName>
+                                        </p:attrNameLst>
+                                      </p:cBhvr>
+                                      <p:to>
+                                        <p:strVal val="visible"/>
+                                      </p:to>
+                                    </p:set>
+                                  </p:childTnLst>
+                                </p:cTn>
+                              </p:par>
+                            </p:childTnLst>
+                          </p:cTn>
+                        </p:par>
+                      </p:childTnLst>
+                    </p:cTn>
+                  </p:par>
+                  <p:par>
+                    <p:cTn id="23" fill="hold">
+                      <p:stCondLst>
+                        <p:cond delay="indefinite"/>
+                      </p:stCondLst>
+                      <p:childTnLst>
+                        <p:par>
+                          <p:cTn id="24" fill="hold">
+                            <p:stCondLst>
+                              <p:cond delay="0"/>
+                            </p:stCondLst>
+                            <p:childTnLst>
+                              <p:par>
+                                <p:cTn id="25" presetID="1" presetClass="entr" presetSubtype="0" fill="hold" nodeType="clickEffect">
+                                  <p:stCondLst>
+                                    <p:cond delay="0"/>
+                                  </p:stCondLst>
+                                  <p:childTnLst>
+                                    <p:set>
+                                      <p:cBhvr>
+                                        <p:cTn id="26" dur="1" fill="hold">
+                                          <p:stCondLst>
+                                            <p:cond delay="0"/>
+                                          </p:stCondLst>
+                                        </p:cTn>
+                                        <p:tgtEl>
+                                          <p:spTgt spid="7">
+                                            <p:txEl>
+                                              <p:pRg st="6" end="6"/>
+                                            </p:txEl>
+                                          </p:spTgt>
+                                        </p:tgtEl>
+                                        <p:attrNameLst>
+                                          <p:attrName>style.visibility</p:attrName>
+                                        </p:attrNameLst>
+                                      </p:cBhvr>
+                                      <p:to>
+                                        <p:strVal val="visible"/>
+                                      </p:to>
+                                    </p:set>
+                                  </p:childTnLst>
+                                </p:cTn>
+                              </p:par>
+                              <p:par>
+                                <p:cTn id="27" presetID="1" presetClass="entr" presetSubtype="0" fill="hold" nodeType="withEffect">
+                                  <p:stCondLst>
+                                    <p:cond delay="0"/>
+                                  </p:stCondLst>
+                                  <p:childTnLst>
+                                    <p:set>
+                                      <p:cBhvr>
+                                        <p:cTn id="28" dur="1" fill="hold">
+                                          <p:stCondLst>
+                                            <p:cond delay="0"/>
+                                          </p:stCondLst>
+                                        </p:cTn>
+                                        <p:tgtEl>
+                                          <p:spTgt spid="7">
+                                            <p:txEl>
+                                              <p:pRg st="7" end="7"/>
+                                            </p:txEl>
+                                          </p:spTgt>
+                                        </p:tgtEl>
+                                        <p:attrNameLst>
+                                          <p:attrName>style.visibility</p:attrName>
+                                        </p:attrNameLst>
+                                      </p:cBhvr>
+                                      <p:to>
+                                        <p:strVal val="visible"/>
+                                      </p:to>
+                                    </p:set>
+                                  </p:childTnLst>
+                                </p:cTn>
+                              </p:par>
+                            </p:childTnLst>
+                          </p:cTn>
+                        </p:par>
+                      </p:childTnLst>
+                    </p:cTn>
+                  </p:par>
+                  <p:par>
+                    <p:cTn id="29" fill="hold">
+                      <p:stCondLst>
+                        <p:cond delay="indefinite"/>
+                      </p:stCondLst>
+                      <p:childTnLst>
+                        <p:par>
+                          <p:cTn id="30" fill="hold">
+                            <p:stCondLst>
+                              <p:cond delay="0"/>
+                            </p:stCondLst>
+                            <p:childTnLst>
+                              <p:par>
+                                <p:cTn id="31" presetID="1" presetClass="entr" presetSubtype="0" fill="hold" nodeType="clickEffect">
+                                  <p:stCondLst>
+                                    <p:cond delay="0"/>
+                                  </p:stCondLst>
+                                  <p:childTnLst>
+                                    <p:set>
+                                      <p:cBhvr>
+                                        <p:cTn id="32" dur="1" fill="hold">
+                                          <p:stCondLst>
+                                            <p:cond delay="0"/>
+                                          </p:stCondLst>
+                                        </p:cTn>
+                                        <p:tgtEl>
+                                          <p:spTgt spid="7">
+                                            <p:txEl>
+                                              <p:pRg st="8" end="8"/>
+                                            </p:txEl>
+                                          </p:spTgt>
+                                        </p:tgtEl>
+                                        <p:attrNameLst>
+                                          <p:attrName>style.visibility</p:attrName>
+                                        </p:attrNameLst>
+                                      </p:cBhvr>
+                                      <p:to>
+                                        <p:strVal val="visible"/>
+                                      </p:to>
+                                    </p:set>
+                                  </p:childTnLst>
+                                </p:cTn>
+                              </p:par>
+                            </p:childTnLst>
+                          </p:cTn>
+                        </p:par>
+                      </p:childTnLst>
+                    </p:cTn>
+                  </p:par>
+                </p:childTnLst>
+              </p:cTn>
+              <p:prevCondLst>
+                <p:cond evt="onPrev" delay="0">
+                  <p:tgtEl>
+                    <p:sldTgt/>
+                  </p:tgtEl>
+                </p:cond>
+              </p:prevCondLst>
+              <p:nextCondLst>
+                <p:cond evt="onNext" delay="0">
+                  <p:tgtEl>
+                    <p:sldTgt/>
+                  </p:tgtEl>
+                </p:cond>
+              </p:nextCondLst>
+            </p:seq>
+          </p:childTnLst>
+        </p:cTn>
+      </p:par>
+    </p:tnLst>
+  </p:timing>
+</p:sld>
+</file>
+
+<file path=ppt/slides/slide2.xml><?xml version="1.0" encoding="utf-8"?>
+<p:sld xmlns:a="http://schemas.openxmlformats.org/drawingml/2006/main" xmlns:r="http://schemas.openxmlformats.org/officeDocument/2006/relationships" xmlns:p="http://schemas.openxmlformats.org/presentationml/2006/main">
+  <p:cSld>
+    <p:spTree>
+      <p:nvGrpSpPr>
+        <p:cNvPr id="1" name=""/>
+        <p:cNvGrpSpPr/>
+        <p:nvPr/>
+      </p:nvGrpSpPr>
+      <p:grpSpPr>
+        <a:xfrm>
+          <a:off x="0" y="0"/>
+          <a:ext cx="0" cy="0"/>
+          <a:chOff x="0" y="0"/>
+          <a:chExt cx="0" cy="0"/>
+        </a:xfrm>
+      </p:grpSpPr>
+      <p:sp>
+        <p:nvSpPr>
+          <p:cNvPr id="5" name="Slide Number">
+            <a:extLst>
+              <a:ext uri="{FF2B5EF4-FFF2-40B4-BE49-F238E27FC236}">
+                <a16:creationId xmlns:a16="http://schemas.microsoft.com/office/drawing/2014/main" id="{6A760D59-0056-4F39-B077-DBDBE3D2927E}"/>
+              </a:ext>
+            </a:extLst>
+          </p:cNvPr>
+          <p:cNvSpPr txBox="1">
+            <a:spLocks/>
+          </p:cNvSpPr>
+          <p:nvPr/>
+        </p:nvSpPr>
+        <p:spPr>
+          <a:xfrm>
+            <a:off x="11753030" y="6507000"/>
+            <a:ext cx="367414" cy="297000"/>
+          </a:xfrm>
+          <a:prstGeom prst="rect">
+            <a:avLst/>
+          </a:prstGeom>
+        </p:spPr>
+        <p:txBody>
+          <a:bodyPr vert="horz" lIns="91440" tIns="45720" rIns="91440" bIns="45720" rtlCol="0" anchor="b"/>
+          <a:lstStyle>
+            <a:defPPr>
+              <a:defRPr lang="en-US"/>
+            </a:defPPr>
+            <a:lvl1pPr marL="0" algn="r" defTabSz="914400" rtl="0" eaLnBrk="1" latinLnBrk="0" hangingPunct="1">
+              <a:defRPr sz="1000" kern="1200">
+                <a:solidFill>
+                  <a:schemeClr val="tx1"/>
+                </a:solidFill>
+                <a:latin typeface="+mn-lt"/>
+                <a:ea typeface="+mn-ea"/>
+                <a:cs typeface="+mn-cs"/>
+              </a:defRPr>
+            </a:lvl1pPr>
+            <a:lvl2pPr marL="457200" algn="l" defTabSz="914400" rtl="0" eaLnBrk="1" latinLnBrk="0" hangingPunct="1">
+              <a:defRPr sz="1800" kern="1200">
+                <a:solidFill>
+                  <a:schemeClr val="tx1"/>
+                </a:solidFill>
+                <a:latin typeface="+mn-lt"/>
+                <a:ea typeface="+mn-ea"/>
+                <a:cs typeface="+mn-cs"/>
+              </a:defRPr>
+            </a:lvl2pPr>
+            <a:lvl3pPr marL="914400" algn="l" defTabSz="914400" rtl="0" eaLnBrk="1" latinLnBrk="0" hangingPunct="1">
+              <a:defRPr sz="1800" kern="1200">
+                <a:solidFill>
+                  <a:schemeClr val="tx1"/>
+                </a:solidFill>
+                <a:latin typeface="+mn-lt"/>
+                <a:ea typeface="+mn-ea"/>
+                <a:cs typeface="+mn-cs"/>
+              </a:defRPr>
+            </a:lvl3pPr>
+            <a:lvl4pPr marL="1371600" algn="l" defTabSz="914400" rtl="0" eaLnBrk="1" latinLnBrk="0" hangingPunct="1">
+              <a:defRPr sz="1800" kern="1200">
+                <a:solidFill>
+                  <a:schemeClr val="tx1"/>
+                </a:solidFill>
+                <a:latin typeface="+mn-lt"/>
+                <a:ea typeface="+mn-ea"/>
+                <a:cs typeface="+mn-cs"/>
+              </a:defRPr>
+            </a:lvl4pPr>
+            <a:lvl5pPr marL="1828800" algn="l" defTabSz="914400" rtl="0" eaLnBrk="1" latinLnBrk="0" hangingPunct="1">
+              <a:defRPr sz="1800" kern="1200">
+                <a:solidFill>
+                  <a:schemeClr val="tx1"/>
+                </a:solidFill>
+                <a:latin typeface="+mn-lt"/>
+                <a:ea typeface="+mn-ea"/>
+                <a:cs typeface="+mn-cs"/>
+              </a:defRPr>
+            </a:lvl5pPr>
+            <a:lvl6pPr marL="2286000" algn="l" defTabSz="914400" rtl="0" eaLnBrk="1" latinLnBrk="0" hangingPunct="1">
+              <a:defRPr sz="1800" kern="1200">
+                <a:solidFill>
+                  <a:schemeClr val="tx1"/>
+                </a:solidFill>
+                <a:latin typeface="+mn-lt"/>
+                <a:ea typeface="+mn-ea"/>
+                <a:cs typeface="+mn-cs"/>
+              </a:defRPr>
+            </a:lvl6pPr>
+            <a:lvl7pPr marL="2743200" algn="l" defTabSz="914400" rtl="0" eaLnBrk="1" latinLnBrk="0" hangingPunct="1">
+              <a:defRPr sz="1800" kern="1200">
+                <a:solidFill>
+                  <a:schemeClr val="tx1"/>
+                </a:solidFill>
+                <a:latin typeface="+mn-lt"/>
+                <a:ea typeface="+mn-ea"/>
+                <a:cs typeface="+mn-cs"/>
+              </a:defRPr>
+            </a:lvl7pPr>
+            <a:lvl8pPr marL="3200400" algn="l" defTabSz="914400" rtl="0" eaLnBrk="1" latinLnBrk="0" hangingPunct="1">
+              <a:defRPr sz="1800" kern="1200">
+                <a:solidFill>
+                  <a:schemeClr val="tx1"/>
+                </a:solidFill>
+                <a:latin typeface="+mn-lt"/>
+                <a:ea typeface="+mn-ea"/>
+                <a:cs typeface="+mn-cs"/>
+              </a:defRPr>
+            </a:lvl8pPr>
+            <a:lvl9pPr marL="3657600" algn="l" defTabSz="914400" rtl="0" eaLnBrk="1" latinLnBrk="0" hangingPunct="1">
+              <a:defRPr sz="1800" kern="1200">
+                <a:solidFill>
+                  <a:schemeClr val="tx1"/>
+                </a:solidFill>
+                <a:latin typeface="+mn-lt"/>
+                <a:ea typeface="+mn-ea"/>
+                <a:cs typeface="+mn-cs"/>
+              </a:defRPr>
+            </a:lvl9pPr>
+          </a:lstStyle>
+          <a:p>
+            <a:fld id="{2BF067CD-8E6B-4360-9AA8-C5DF2A48A6D1}" type="slidenum">
+              <a:rPr lang="en-US" smtClean="0"/>
+              <a:pPr/>
+              <a:t>2</a:t>
+            </a:fld>
+            <a:endParaRPr lang="en-US" dirty="0"/>
+          </a:p>
+        </p:txBody>
+      </p:sp>
+      <p:sp>
+        <p:nvSpPr>
+          <p:cNvPr id="444419" name="Slide Body"/>
+          <p:cNvSpPr>
+            <a:spLocks noGrp="1" noChangeArrowheads="1"/>
+          </p:cNvSpPr>
+          <p:nvPr>
+            <p:ph type="body" sz="quarter" idx="13"/>
+          </p:nvPr>
+        </p:nvSpPr>
+        <p:spPr>
+          <a:xfrm>
+            <a:off x="196766" y="1371604"/>
+            <a:ext cx="11781606" cy="5207396"/>
+          </a:xfrm>
+        </p:spPr>
+        <p:txBody>
+          <a:bodyPr>
+            <a:normAutofit/>
+          </a:bodyPr>
+          <a:lstStyle/>
+          <a:p>
+            <a:r>
+              <a:rPr lang="bg-BG" sz="3400" dirty="0"/>
+              <a:t>Какво е </a:t>
+            </a:r>
+            <a:r>
+              <a:rPr lang="bg-BG" sz="3400" b="1" dirty="0">
+                <a:solidFill>
+                  <a:schemeClr val="bg1"/>
+                </a:solidFill>
+              </a:rPr>
+              <a:t>жизнен цикъл на информационна система</a:t>
+            </a:r>
+            <a:r>
+              <a:rPr lang="bg-BG" sz="3400" dirty="0"/>
+              <a:t>?</a:t>
+            </a:r>
+            <a:endParaRPr lang="bg-BG" sz="3400" b="1" dirty="0"/>
+          </a:p>
+          <a:p>
+            <a:r>
+              <a:rPr lang="en-US" sz="3400" dirty="0"/>
+              <a:t>​</a:t>
+            </a:r>
+            <a:r>
+              <a:rPr lang="bg-BG" sz="3400" dirty="0"/>
+              <a:t>​</a:t>
+            </a:r>
+            <a:r>
+              <a:rPr lang="bg-BG" sz="3400" b="1" dirty="0">
+                <a:solidFill>
+                  <a:schemeClr val="bg1"/>
+                </a:solidFill>
+              </a:rPr>
+              <a:t>Анализ</a:t>
+            </a:r>
+            <a:r>
+              <a:rPr lang="bg-BG" sz="3400" dirty="0"/>
+              <a:t> на </a:t>
+            </a:r>
+            <a:r>
+              <a:rPr lang="bg-BG" sz="3400" b="1" dirty="0"/>
+              <a:t>изискванията</a:t>
+            </a:r>
+            <a:endParaRPr lang="en-US" sz="3400" b="1" dirty="0"/>
+          </a:p>
+          <a:p>
+            <a:r>
+              <a:rPr lang="bg-BG" sz="3400" dirty="0"/>
+              <a:t>Какво е </a:t>
+            </a:r>
+            <a:r>
+              <a:rPr lang="en-US" sz="3400" b="1" dirty="0">
+                <a:solidFill>
+                  <a:schemeClr val="bg1"/>
+                </a:solidFill>
+              </a:rPr>
+              <a:t>Use Case</a:t>
+            </a:r>
+            <a:r>
+              <a:rPr lang="en-US" sz="3400" dirty="0"/>
+              <a:t>?</a:t>
+            </a:r>
+            <a:endParaRPr lang="bg-BG" sz="3400" dirty="0"/>
+          </a:p>
+          <a:p>
+            <a:r>
+              <a:rPr lang="bg-BG" sz="3400" dirty="0"/>
+              <a:t>Примерно приложение: Здравна информационна система</a:t>
+            </a:r>
+            <a:endParaRPr lang="en-US" sz="3400" b="1" dirty="0"/>
+          </a:p>
+          <a:p>
+            <a:pPr lvl="1"/>
+            <a:r>
+              <a:rPr lang="bg-BG" sz="3200" dirty="0"/>
+              <a:t>​</a:t>
+            </a:r>
+            <a:r>
+              <a:rPr lang="bg-BG" sz="3200" b="1" dirty="0">
+                <a:solidFill>
+                  <a:schemeClr val="bg1"/>
+                </a:solidFill>
+              </a:rPr>
+              <a:t>Дизайн</a:t>
+            </a:r>
+            <a:r>
+              <a:rPr lang="bg-BG" sz="3200" dirty="0"/>
+              <a:t> на </a:t>
+            </a:r>
+            <a:r>
+              <a:rPr lang="bg-BG" sz="3200" b="1" dirty="0"/>
+              <a:t>потребителски интерфейс</a:t>
+            </a:r>
+          </a:p>
+          <a:p>
+            <a:pPr lvl="1"/>
+            <a:r>
+              <a:rPr lang="bg-BG" sz="3200" dirty="0"/>
+              <a:t>​​</a:t>
+            </a:r>
+            <a:r>
+              <a:rPr lang="bg-BG" sz="3200" b="1" dirty="0">
+                <a:solidFill>
+                  <a:schemeClr val="bg1"/>
+                </a:solidFill>
+              </a:rPr>
+              <a:t>Дизайн</a:t>
+            </a:r>
+            <a:r>
+              <a:rPr lang="bg-BG" sz="3200" dirty="0"/>
+              <a:t> на </a:t>
+            </a:r>
+            <a:r>
+              <a:rPr lang="bg-BG" sz="3200" b="1" dirty="0"/>
+              <a:t>база данни</a:t>
+            </a:r>
+            <a:endParaRPr lang="en-GB" sz="3200" b="1" dirty="0"/>
+          </a:p>
+        </p:txBody>
+      </p:sp>
+      <p:sp>
+        <p:nvSpPr>
+          <p:cNvPr id="444418" name="Slide Title"/>
+          <p:cNvSpPr>
+            <a:spLocks noGrp="1" noChangeArrowheads="1"/>
+          </p:cNvSpPr>
+          <p:nvPr>
+            <p:ph type="title"/>
+          </p:nvPr>
+        </p:nvSpPr>
+        <p:spPr>
+          <a:xfrm>
+            <a:off x="190406" y="100750"/>
+            <a:ext cx="10270594" cy="882654"/>
+          </a:xfrm>
+        </p:spPr>
+        <p:txBody>
+          <a:bodyPr/>
+          <a:lstStyle/>
+          <a:p>
+            <a:r>
+              <a:rPr lang="bg-BG" dirty="0"/>
+              <a:t>Съдържание</a:t>
+            </a:r>
+          </a:p>
+        </p:txBody>
+      </p:sp>
+    </p:spTree>
+    <p:extLst>
+      <p:ext uri="{BB962C8B-B14F-4D97-AF65-F5344CB8AC3E}">
+        <p14:creationId xmlns:p14="http://schemas.microsoft.com/office/powerpoint/2010/main" val="1646986932"/>
+      </p:ext>
+    </p:extLst>
+  </p:cSld>
+  <p:clrMapOvr>
+    <a:masterClrMapping/>
+  </p:clrMapOvr>
+  <mc:AlternateContent xmlns:mc="http://schemas.openxmlformats.org/markup-compatibility/2006" xmlns:p14="http://schemas.microsoft.com/office/powerpoint/2010/main">
+    <mc:Choice Requires="p14">
+      <p:transition spd="slow" p14:dur="2000" advClick="0" advTm="5000"/>
+    </mc:Choice>
+    <mc:Fallback xmlns="">
+      <p:transition spd="slow" advClick="0" advTm="5000"/>
+    </mc:Fallback>
+  </mc:AlternateContent>
+  <p:timing>
+    <p:tnLst>
+      <p:par>
+        <p:cTn id="1" dur="indefinite" restart="never" nodeType="tmRoot">
+          <p:childTnLst>
+            <p:seq concurrent="1" nextAc="seek">
+              <p:cTn id="2" dur="indefinite" nodeType="mainSeq">
+                <p:childTnLst>
+                  <p:par>
+                    <p:cTn id="3" fill="hold">
+                      <p:stCondLst>
+                        <p:cond delay="indefinite"/>
+                        <p:cond evt="onBegin" delay="0">
+                          <p:tn val="2"/>
+                        </p:cond>
+                      </p:stCondLst>
+                      <p:childTnLst>
+                        <p:par>
+                          <p:cTn id="4" fill="hold">
+                            <p:stCondLst>
+                              <p:cond delay="0"/>
+                            </p:stCondLst>
+                            <p:childTnLst>
+                              <p:par>
+                                <p:cTn id="5" presetID="1" presetClass="entr" presetSubtype="0" fill="hold" nodeType="withEffect">
+                                  <p:stCondLst>
+                                    <p:cond delay="0"/>
+                                  </p:stCondLst>
+                                  <p:childTnLst>
+                                    <p:set>
+                                      <p:cBhvr>
+                                        <p:cTn id="6" dur="1" fill="hold">
+                                          <p:stCondLst>
+                                            <p:cond delay="0"/>
+                                          </p:stCondLst>
+                                        </p:cTn>
+                                        <p:tgtEl>
+                                          <p:spTgt spid="444419">
+                                            <p:txEl>
+                                              <p:pRg st="0" end="0"/>
+                                            </p:txEl>
+                                          </p:spTgt>
+                                        </p:tgtEl>
+                                        <p:attrNameLst>
+                                          <p:attrName>style.visibility</p:attrName>
+                                        </p:attrNameLst>
+                                      </p:cBhvr>
+                                      <p:to>
+                                        <p:strVal val="visible"/>
+                                      </p:to>
+                                    </p:set>
+                                  </p:childTnLst>
+                                </p:cTn>
+                              </p:par>
+                            </p:childTnLst>
+                          </p:cTn>
+                        </p:par>
+                      </p:childTnLst>
+                    </p:cTn>
+                  </p:par>
+                  <p:par>
+                    <p:cTn id="7" fill="hold">
+                      <p:stCondLst>
+                        <p:cond delay="indefinite"/>
+                      </p:stCondLst>
+                      <p:childTnLst>
+                        <p:par>
+                          <p:cTn id="8" fill="hold">
+                            <p:stCondLst>
+                              <p:cond delay="0"/>
+                            </p:stCondLst>
+                            <p:childTnLst>
+                              <p:par>
+                                <p:cTn id="9" presetID="1" presetClass="entr" presetSubtype="0" fill="hold" nodeType="clickEffect">
+                                  <p:stCondLst>
+                                    <p:cond delay="0"/>
+                                  </p:stCondLst>
+                                  <p:childTnLst>
+                                    <p:set>
+                                      <p:cBhvr>
+                                        <p:cTn id="10" dur="1" fill="hold">
+                                          <p:stCondLst>
+                                            <p:cond delay="0"/>
+                                          </p:stCondLst>
+                                        </p:cTn>
+                                        <p:tgtEl>
+                                          <p:spTgt spid="444419">
+                                            <p:txEl>
+                                              <p:pRg st="1" end="1"/>
+                                            </p:txEl>
+                                          </p:spTgt>
+                                        </p:tgtEl>
+                                        <p:attrNameLst>
+                                          <p:attrName>style.visibility</p:attrName>
+                                        </p:attrNameLst>
+                                      </p:cBhvr>
+                                      <p:to>
+                                        <p:strVal val="visible"/>
+                                      </p:to>
+                                    </p:set>
+                                  </p:childTnLst>
+                                </p:cTn>
+                              </p:par>
+                            </p:childTnLst>
+                          </p:cTn>
+                        </p:par>
+                      </p:childTnLst>
+                    </p:cTn>
+                  </p:par>
+                  <p:par>
+                    <p:cTn id="11" fill="hold">
+                      <p:stCondLst>
+                        <p:cond delay="indefinite"/>
+                      </p:stCondLst>
+                      <p:childTnLst>
+                        <p:par>
+                          <p:cTn id="12" fill="hold">
+                            <p:stCondLst>
+                              <p:cond delay="0"/>
+                            </p:stCondLst>
+                            <p:childTnLst>
+                              <p:par>
+                                <p:cTn id="13" presetID="1" presetClass="entr" presetSubtype="0" fill="hold" nodeType="clickEffect">
+                                  <p:stCondLst>
+                                    <p:cond delay="0"/>
+                                  </p:stCondLst>
+                                  <p:childTnLst>
+                                    <p:set>
+                                      <p:cBhvr>
+                                        <p:cTn id="14" dur="1" fill="hold">
+                                          <p:stCondLst>
+                                            <p:cond delay="0"/>
+                                          </p:stCondLst>
+                                        </p:cTn>
+                                        <p:tgtEl>
+                                          <p:spTgt spid="444419">
+                                            <p:txEl>
+                                              <p:pRg st="2" end="2"/>
+                                            </p:txEl>
+                                          </p:spTgt>
+                                        </p:tgtEl>
+                                        <p:attrNameLst>
+                                          <p:attrName>style.visibility</p:attrName>
+                                        </p:attrNameLst>
+                                      </p:cBhvr>
+                                      <p:to>
+                                        <p:strVal val="visible"/>
+                                      </p:to>
+                                    </p:set>
+                                  </p:childTnLst>
+                                </p:cTn>
+                              </p:par>
+                            </p:childTnLst>
+                          </p:cTn>
+                        </p:par>
+                      </p:childTnLst>
+                    </p:cTn>
+                  </p:par>
+                  <p:par>
+                    <p:cTn id="15" fill="hold">
+                      <p:stCondLst>
+                        <p:cond delay="indefinite"/>
+                      </p:stCondLst>
+                      <p:childTnLst>
+                        <p:par>
+                          <p:cTn id="16" fill="hold">
+                            <p:stCondLst>
+                              <p:cond delay="0"/>
+                            </p:stCondLst>
+                            <p:childTnLst>
+                              <p:par>
+                                <p:cTn id="17" presetID="1" presetClass="entr" presetSubtype="0" fill="hold" nodeType="clickEffect">
+                                  <p:stCondLst>
+                                    <p:cond delay="0"/>
+                                  </p:stCondLst>
+                                  <p:childTnLst>
+                                    <p:set>
+                                      <p:cBhvr>
+                                        <p:cTn id="18" dur="1" fill="hold">
+                                          <p:stCondLst>
+                                            <p:cond delay="0"/>
+                                          </p:stCondLst>
+                                        </p:cTn>
+                                        <p:tgtEl>
+                                          <p:spTgt spid="444419">
+                                            <p:txEl>
+                                              <p:pRg st="3" end="3"/>
+                                            </p:txEl>
+                                          </p:spTgt>
+                                        </p:tgtEl>
+                                        <p:attrNameLst>
+                                          <p:attrName>style.visibility</p:attrName>
+                                        </p:attrNameLst>
+                                      </p:cBhvr>
+                                      <p:to>
+                                        <p:strVal val="visible"/>
+                                      </p:to>
+                                    </p:set>
+                                  </p:childTnLst>
+                                </p:cTn>
+                              </p:par>
+                              <p:par>
+                                <p:cTn id="19" presetID="1" presetClass="entr" presetSubtype="0" fill="hold" nodeType="withEffect">
+                                  <p:stCondLst>
+                                    <p:cond delay="0"/>
+                                  </p:stCondLst>
+                                  <p:childTnLst>
+                                    <p:set>
+                                      <p:cBhvr>
+                                        <p:cTn id="20" dur="1" fill="hold">
+                                          <p:stCondLst>
+                                            <p:cond delay="0"/>
+                                          </p:stCondLst>
+                                        </p:cTn>
+                                        <p:tgtEl>
+                                          <p:spTgt spid="444419">
+                                            <p:txEl>
+                                              <p:pRg st="4" end="4"/>
+                                            </p:txEl>
+                                          </p:spTgt>
+                                        </p:tgtEl>
+                                        <p:attrNameLst>
+                                          <p:attrName>style.visibility</p:attrName>
+                                        </p:attrNameLst>
+                                      </p:cBhvr>
+                                      <p:to>
+                                        <p:strVal val="visible"/>
+                                      </p:to>
+                                    </p:set>
+                                  </p:childTnLst>
+                                </p:cTn>
+                              </p:par>
+                            </p:childTnLst>
+                          </p:cTn>
+                        </p:par>
+                      </p:childTnLst>
+                    </p:cTn>
+                  </p:par>
+                  <p:par>
+                    <p:cTn id="21" fill="hold">
+                      <p:stCondLst>
+                        <p:cond delay="indefinite"/>
+                      </p:stCondLst>
+                      <p:childTnLst>
+                        <p:par>
+                          <p:cTn id="22" fill="hold">
+                            <p:stCondLst>
+                              <p:cond delay="0"/>
+                            </p:stCondLst>
+                            <p:childTnLst>
+                              <p:par>
+                                <p:cTn id="23" presetID="1" presetClass="entr" presetSubtype="0" fill="hold" nodeType="clickEffect">
+                                  <p:stCondLst>
+                                    <p:cond delay="0"/>
+                                  </p:stCondLst>
+                                  <p:childTnLst>
+                                    <p:set>
+                                      <p:cBhvr>
+                                        <p:cTn id="24" dur="1" fill="hold">
+                                          <p:stCondLst>
+                                            <p:cond delay="0"/>
+                                          </p:stCondLst>
+                                        </p:cTn>
+                                        <p:tgtEl>
+                                          <p:spTgt spid="444419">
+                                            <p:txEl>
+                                              <p:pRg st="5" end="5"/>
+                                            </p:txEl>
+                                          </p:spTgt>
+                                        </p:tgtEl>
+                                        <p:attrNameLst>
+                                          <p:attrName>style.visibility</p:attrName>
+                                        </p:attrNameLst>
+                                      </p:cBhvr>
+                                      <p:to>
+                                        <p:strVal val="visible"/>
+                                      </p:to>
+                                    </p:set>
+                                  </p:childTnLst>
+                                </p:cTn>
+                              </p:par>
+                            </p:childTnLst>
+                          </p:cTn>
+                        </p:par>
+                      </p:childTnLst>
+                    </p:cTn>
+                  </p:par>
+                </p:childTnLst>
+              </p:cTn>
+              <p:prevCondLst>
+                <p:cond evt="onPrev" delay="0">
+                  <p:tgtEl>
+                    <p:sldTgt/>
+                  </p:tgtEl>
+                </p:cond>
+              </p:prevCondLst>
+              <p:nextCondLst>
+                <p:cond evt="onNext" delay="0">
+                  <p:tgtEl>
+                    <p:sldTgt/>
+                  </p:tgtEl>
+                </p:cond>
+              </p:nextCondLst>
+            </p:seq>
+          </p:childTnLst>
+        </p:cTn>
+      </p:par>
+    </p:tnLst>
+  </p:timing>
+</p:sld>
+</file>
+
+<file path=ppt/slides/slide20.xml><?xml version="1.0" encoding="utf-8"?>
+<p:sld xmlns:a="http://schemas.openxmlformats.org/drawingml/2006/main" xmlns:r="http://schemas.openxmlformats.org/officeDocument/2006/relationships" xmlns:p="http://schemas.openxmlformats.org/presentationml/2006/main">
+  <p:cSld>
+    <p:spTree>
+      <p:nvGrpSpPr>
+        <p:cNvPr id="1" name=""/>
+        <p:cNvGrpSpPr/>
+        <p:nvPr/>
+      </p:nvGrpSpPr>
+      <p:grpSpPr>
+        <a:xfrm>
+          <a:off x="0" y="0"/>
+          <a:ext cx="0" cy="0"/>
+          <a:chOff x="0" y="0"/>
+          <a:chExt cx="0" cy="0"/>
+        </a:xfrm>
+      </p:grpSpPr>
+      <p:sp>
+        <p:nvSpPr>
+          <p:cNvPr id="2" name="Slide Number Placeholder 1">
+            <a:extLst>
+              <a:ext uri="{FF2B5EF4-FFF2-40B4-BE49-F238E27FC236}">
+                <a16:creationId xmlns:a16="http://schemas.microsoft.com/office/drawing/2014/main" id="{CCAABC86-82E0-F099-701A-D4347B605385}"/>
+              </a:ext>
+            </a:extLst>
+          </p:cNvPr>
+          <p:cNvSpPr>
+            <a:spLocks noGrp="1"/>
+          </p:cNvSpPr>
+          <p:nvPr>
+            <p:ph type="sldNum" sz="quarter" idx="5"/>
+          </p:nvPr>
+        </p:nvSpPr>
+        <p:spPr/>
+        <p:txBody>
+          <a:bodyPr/>
+          <a:lstStyle/>
+          <a:p>
+            <a:fld id="{2BF067CD-8E6B-4360-9AA8-C5DF2A48A6D1}" type="slidenum">
+              <a:rPr lang="en-US" noProof="0" smtClean="0"/>
+              <a:pPr/>
+              <a:t>20</a:t>
+            </a:fld>
+            <a:endParaRPr lang="en-US" noProof="0" dirty="0"/>
+          </a:p>
+        </p:txBody>
+      </p:sp>
+      <p:sp>
+        <p:nvSpPr>
+          <p:cNvPr id="4" name="Title 3">
+            <a:extLst>
+              <a:ext uri="{FF2B5EF4-FFF2-40B4-BE49-F238E27FC236}">
+                <a16:creationId xmlns:a16="http://schemas.microsoft.com/office/drawing/2014/main" id="{67B6A643-676D-3506-B008-B24B36AA34F1}"/>
+              </a:ext>
+            </a:extLst>
+          </p:cNvPr>
+          <p:cNvSpPr>
+            <a:spLocks noGrp="1"/>
+          </p:cNvSpPr>
+          <p:nvPr>
+            <p:ph type="title"/>
+          </p:nvPr>
+        </p:nvSpPr>
+        <p:spPr/>
+        <p:txBody>
+          <a:bodyPr>
+            <a:normAutofit/>
+          </a:bodyPr>
+          <a:lstStyle/>
+          <a:p>
+            <a:r>
+              <a:rPr lang="bg-BG" dirty="0"/>
+              <a:t>Проектиране</a:t>
+            </a:r>
+            <a:r>
+              <a:rPr lang="en-US" dirty="0"/>
+              <a:t>: </a:t>
+            </a:r>
+            <a:r>
+              <a:rPr lang="bg-BG" dirty="0"/>
+              <a:t>дизайн на </a:t>
+            </a:r>
+            <a:r>
+              <a:rPr lang="en-US" dirty="0"/>
+              <a:t>UI </a:t>
+            </a:r>
+            <a:r>
+              <a:rPr lang="bg-BG" dirty="0"/>
+              <a:t>- Пациенти</a:t>
+            </a:r>
+            <a:endParaRPr lang="en-BG" dirty="0"/>
+          </a:p>
+        </p:txBody>
+      </p:sp>
+      <p:sp>
+        <p:nvSpPr>
+          <p:cNvPr id="7" name="Text Placeholder 6">
+            <a:extLst>
+              <a:ext uri="{FF2B5EF4-FFF2-40B4-BE49-F238E27FC236}">
+                <a16:creationId xmlns:a16="http://schemas.microsoft.com/office/drawing/2014/main" id="{FBFEFCDD-E454-D1E7-D67F-EE67BB2A7ACE}"/>
+              </a:ext>
+            </a:extLst>
+          </p:cNvPr>
+          <p:cNvSpPr>
+            <a:spLocks noGrp="1"/>
+          </p:cNvSpPr>
+          <p:nvPr>
+            <p:ph type="body" sz="quarter" idx="10"/>
+          </p:nvPr>
+        </p:nvSpPr>
+        <p:spPr/>
+        <p:txBody>
+          <a:bodyPr>
+            <a:normAutofit fontScale="92500" lnSpcReduction="10000"/>
+          </a:bodyPr>
+          <a:lstStyle/>
+          <a:p>
+            <a:r>
+              <a:rPr lang="bg-BG" b="1" dirty="0">
+                <a:solidFill>
+                  <a:schemeClr val="bg1"/>
+                </a:solidFill>
+              </a:rPr>
+              <a:t>Форма за добавяне на нов пациент</a:t>
+            </a:r>
+          </a:p>
+          <a:p>
+            <a:pPr lvl="1"/>
+            <a:r>
+              <a:rPr lang="bg-BG" dirty="0"/>
+              <a:t>Полета за </a:t>
+            </a:r>
+            <a:r>
+              <a:rPr lang="bg-BG" b="1" dirty="0"/>
+              <a:t>име</a:t>
+            </a:r>
+            <a:r>
+              <a:rPr lang="bg-BG" dirty="0"/>
+              <a:t>, </a:t>
+            </a:r>
+            <a:r>
+              <a:rPr lang="bg-BG" b="1" dirty="0"/>
+              <a:t>фамилия</a:t>
+            </a:r>
+            <a:r>
+              <a:rPr lang="bg-BG" dirty="0"/>
+              <a:t>, </a:t>
+            </a:r>
+            <a:r>
+              <a:rPr lang="bg-BG" b="1" dirty="0"/>
+              <a:t>ЕГН</a:t>
+            </a:r>
+            <a:r>
+              <a:rPr lang="bg-BG" dirty="0"/>
+              <a:t>, </a:t>
+            </a:r>
+            <a:r>
+              <a:rPr lang="bg-BG" b="1" dirty="0"/>
+              <a:t>пол</a:t>
+            </a:r>
+            <a:r>
+              <a:rPr lang="bg-BG" dirty="0"/>
+              <a:t>, </a:t>
+            </a:r>
+            <a:r>
+              <a:rPr lang="bg-BG" b="1" dirty="0"/>
+              <a:t>телефон</a:t>
+            </a:r>
+          </a:p>
+          <a:p>
+            <a:pPr lvl="1"/>
+            <a:r>
+              <a:rPr lang="bg-BG" dirty="0"/>
+              <a:t>Бутони за </a:t>
+            </a:r>
+            <a:r>
+              <a:rPr lang="bg-BG" b="1" dirty="0"/>
+              <a:t>добавяне</a:t>
+            </a:r>
+            <a:r>
+              <a:rPr lang="bg-BG" dirty="0"/>
+              <a:t> и </a:t>
+            </a:r>
+            <a:r>
+              <a:rPr lang="bg-BG" b="1" dirty="0"/>
+              <a:t>отказ</a:t>
+            </a:r>
+          </a:p>
+          <a:p>
+            <a:r>
+              <a:rPr lang="bg-BG" b="1" dirty="0">
+                <a:solidFill>
+                  <a:schemeClr val="bg1"/>
+                </a:solidFill>
+              </a:rPr>
+              <a:t>Форма за редактиране на съществуващ пациент</a:t>
+            </a:r>
+          </a:p>
+          <a:p>
+            <a:pPr lvl="1"/>
+            <a:r>
+              <a:rPr lang="bg-BG" dirty="0"/>
+              <a:t>Полета </a:t>
+            </a:r>
+            <a:r>
+              <a:rPr lang="bg-BG" b="1" dirty="0"/>
+              <a:t>име</a:t>
+            </a:r>
+            <a:r>
+              <a:rPr lang="bg-BG" dirty="0"/>
+              <a:t>, </a:t>
+            </a:r>
+            <a:r>
+              <a:rPr lang="bg-BG" b="1" dirty="0"/>
+              <a:t>фамилия</a:t>
+            </a:r>
+            <a:r>
+              <a:rPr lang="bg-BG" dirty="0"/>
+              <a:t>, </a:t>
+            </a:r>
+            <a:r>
+              <a:rPr lang="bg-BG" b="1" dirty="0"/>
+              <a:t>ЕГН</a:t>
+            </a:r>
+            <a:r>
+              <a:rPr lang="bg-BG" dirty="0"/>
+              <a:t>, </a:t>
+            </a:r>
+            <a:r>
+              <a:rPr lang="bg-BG" b="1" dirty="0"/>
+              <a:t>пол</a:t>
+            </a:r>
+            <a:r>
+              <a:rPr lang="bg-BG" dirty="0"/>
+              <a:t>, </a:t>
+            </a:r>
+            <a:r>
+              <a:rPr lang="bg-BG" b="1" dirty="0"/>
+              <a:t>телефон</a:t>
+            </a:r>
+          </a:p>
+          <a:p>
+            <a:pPr lvl="1"/>
+            <a:r>
+              <a:rPr lang="bg-BG" dirty="0"/>
+              <a:t>Бутони за </a:t>
+            </a:r>
+            <a:r>
+              <a:rPr lang="bg-BG" b="1" dirty="0"/>
+              <a:t>редактиране</a:t>
+            </a:r>
+            <a:r>
+              <a:rPr lang="bg-BG" dirty="0"/>
+              <a:t> и </a:t>
+            </a:r>
+            <a:r>
+              <a:rPr lang="bg-BG" b="1" dirty="0"/>
+              <a:t>отказ</a:t>
+            </a:r>
+          </a:p>
+          <a:p>
+            <a:r>
+              <a:rPr lang="bg-BG" b="1" dirty="0">
+                <a:solidFill>
+                  <a:schemeClr val="bg1"/>
+                </a:solidFill>
+              </a:rPr>
+              <a:t>Форма за изтриване на съществуващ пациент</a:t>
+            </a:r>
+          </a:p>
+          <a:p>
+            <a:pPr lvl="1"/>
+            <a:r>
+              <a:rPr lang="bg-BG" dirty="0"/>
+              <a:t>Поле за </a:t>
+            </a:r>
+            <a:r>
+              <a:rPr lang="bg-BG" b="1" dirty="0"/>
+              <a:t>име</a:t>
+            </a:r>
+            <a:r>
+              <a:rPr lang="bg-BG" dirty="0"/>
+              <a:t> и </a:t>
+            </a:r>
+            <a:r>
+              <a:rPr lang="bg-BG" b="1" dirty="0"/>
+              <a:t>фамилия</a:t>
+            </a:r>
+          </a:p>
+          <a:p>
+            <a:pPr lvl="1"/>
+            <a:r>
+              <a:rPr lang="bg-BG" dirty="0"/>
+              <a:t>Бутони за </a:t>
+            </a:r>
+            <a:r>
+              <a:rPr lang="bg-BG" b="1" dirty="0"/>
+              <a:t>изтриване</a:t>
             </a:r>
             <a:r>
               <a:rPr lang="bg-BG" dirty="0"/>
@@ -13061,7 +15169,7 @@
 </p:sld>
 </file>
 
-<file path=ppt/slides/slide19.xml><?xml version="1.0" encoding="utf-8"?>
+<file path=ppt/slides/slide21.xml><?xml version="1.0" encoding="utf-8"?>
 <p:sld xmlns:a="http://schemas.openxmlformats.org/drawingml/2006/main" xmlns:r="http://schemas.openxmlformats.org/officeDocument/2006/relationships" xmlns:p="http://schemas.openxmlformats.org/presentationml/2006/main">
   <p:cSld>
     <p:spTree>
@@ -13102,7 +15210,7 @@
             <a:fld id="{2BF067CD-8E6B-4360-9AA8-C5DF2A48A6D1}" type="slidenum">
               <a:rPr lang="en-US" noProof="0" smtClean="0"/>
               <a:pPr/>
-              <a:t>19</a:t>
+              <a:t>21</a:t>
             </a:fld>
             <a:endParaRPr lang="en-US" noProof="0" dirty="0"/>
           </a:p>
@@ -13145,7 +15253,11 @@
             </a:r>
             <a:r>
               <a:rPr lang="en-US" dirty="0"/>
-              <a:t>UI (2)</a:t>
+              <a:t>UI </a:t>
+            </a:r>
+            <a:r>
+              <a:rPr lang="bg-BG" dirty="0"/>
+              <a:t>- Прегледи</a:t>
             </a:r>
             <a:endParaRPr lang="en-BG" dirty="0"/>
           </a:p>
@@ -13170,7 +15282,7 @@
         <p:spPr/>
         <p:txBody>
           <a:bodyPr>
-            <a:normAutofit/>
+            <a:normAutofit fontScale="85000" lnSpcReduction="20000"/>
           </a:bodyPr>
           <a:lstStyle/>
           <a:p>
@@ -13180,14 +15292,54 @@
                   <a:schemeClr val="bg1"/>
                 </a:solidFill>
               </a:rPr>
-              <a:t>Форма за управление на лекари</a:t>
+              <a:t>Форма за добавяне на нов преглед</a:t>
             </a:r>
           </a:p>
           <a:p>
             <a:pPr lvl="1"/>
             <a:r>
               <a:rPr lang="bg-BG" dirty="0"/>
-              <a:t>Полета за всички данни на </a:t>
+              <a:t>Полета за </a:t>
+            </a:r>
+            <a:r>
+              <a:rPr lang="bg-BG" b="1" dirty="0"/>
+              <a:t>име</a:t>
+            </a:r>
+            <a:r>
+              <a:rPr lang="bg-BG" dirty="0"/>
+              <a:t> и </a:t>
+            </a:r>
+            <a:r>
+              <a:rPr lang="bg-BG" b="1" dirty="0"/>
+              <a:t>фамилия</a:t>
+            </a:r>
+            <a:r>
+              <a:rPr lang="bg-BG" dirty="0"/>
+              <a:t> на </a:t>
+            </a:r>
+            <a:r>
+              <a:rPr lang="bg-BG" b="1" dirty="0"/>
+              <a:t>пациент</a:t>
+            </a:r>
+            <a:r>
+              <a:rPr lang="bg-BG" dirty="0"/>
+              <a:t>, </a:t>
+            </a:r>
+            <a:r>
+              <a:rPr lang="bg-BG" b="1" dirty="0"/>
+              <a:t>име</a:t>
+            </a:r>
+            <a:r>
+              <a:rPr lang="bg-BG" dirty="0"/>
+              <a:t> и </a:t>
+            </a:r>
+            <a:r>
+              <a:rPr lang="bg-BG" b="1" dirty="0"/>
+              <a:t>фамилия</a:t>
+            </a:r>
+            <a:r>
+              <a:rPr lang="bg-BG" dirty="0"/>
+              <a:t> на </a:t>
             </a:r>
             <a:r>
               <a:rPr lang="bg-BG" b="1" dirty="0"/>
@@ -13195,21 +15347,20 @@
             </a:r>
             <a:r>
               <a:rPr lang="bg-BG" dirty="0"/>
-              <a:t> </a:t>
-            </a:r>
-            <a:r>
-              <a:rPr lang="en-US" dirty="0"/>
-              <a:t>(</a:t>
+              <a:t>, </a:t>
+            </a:r>
+            <a:r>
+              <a:rPr lang="bg-BG" b="1" dirty="0"/>
+              <a:t>дата</a:t>
             </a:r>
             <a:r>
               <a:rPr lang="bg-BG" dirty="0"/>
-              <a:t>име, фамилия, специалност, телефон</a:t>
-            </a:r>
-            <a:r>
-              <a:rPr lang="en-US" dirty="0"/>
-              <a:t>)</a:t>
-            </a:r>
-            <a:endParaRPr lang="bg-BG" dirty="0"/>
+              <a:t>, </a:t>
+            </a:r>
+            <a:r>
+              <a:rPr lang="bg-BG" b="1" dirty="0"/>
+              <a:t>описание</a:t>
+            </a:r>
           </a:p>
           <a:p>
             <a:pPr lvl="1"/>
@@ -13219,15 +15370,99 @@
             </a:r>
             <a:r>
               <a:rPr lang="bg-BG" b="1" dirty="0"/>
-              <a:t>добавян</a:t>
-            </a:r>
-            <a:r>
-              <a:rPr lang="en-US" b="1" dirty="0"/>
-              <a:t>e</a:t>
-            </a:r>
-            <a:r>
-              <a:rPr lang="en-US" dirty="0"/>
+              <a:t>добавяне</a:t>
+            </a:r>
+            <a:r>
+              <a:rPr lang="bg-BG" dirty="0"/>
+              <a:t> и </a:t>
+            </a:r>
+            <a:r>
+              <a:rPr lang="bg-BG" b="1" dirty="0"/>
+              <a:t>отказ</a:t>
+            </a:r>
+          </a:p>
+          <a:p>
+            <a:r>
+              <a:rPr lang="bg-BG" b="1" dirty="0">
+                <a:solidFill>
+                  <a:schemeClr val="bg1"/>
+                </a:solidFill>
+              </a:rPr>
+              <a:t>Форма за редактиране на съществуващ преглед</a:t>
+            </a:r>
+          </a:p>
+          <a:p>
+            <a:pPr lvl="1"/>
+            <a:r>
+              <a:rPr lang="bg-BG" dirty="0"/>
+              <a:t>Полета за </a:t>
+            </a:r>
+            <a:r>
+              <a:rPr lang="bg-BG" b="1" dirty="0"/>
+              <a:t>име</a:t>
+            </a:r>
+            <a:r>
+              <a:rPr lang="bg-BG" dirty="0"/>
+              <a:t> и </a:t>
+            </a:r>
+            <a:r>
+              <a:rPr lang="bg-BG" b="1" dirty="0"/>
+              <a:t>фамилия</a:t>
+            </a:r>
+            <a:r>
+              <a:rPr lang="bg-BG" dirty="0"/>
+              <a:t> на </a:t>
+            </a:r>
+            <a:r>
+              <a:rPr lang="bg-BG" b="1" dirty="0"/>
+              <a:t>пациент</a:t>
+            </a:r>
+            <a:r>
+              <a:rPr lang="bg-BG" dirty="0"/>
               <a:t>, </a:t>
+            </a:r>
+            <a:r>
+              <a:rPr lang="bg-BG" b="1" dirty="0"/>
+              <a:t>име</a:t>
+            </a:r>
+            <a:r>
+              <a:rPr lang="bg-BG" dirty="0"/>
+              <a:t> и </a:t>
+            </a:r>
+            <a:r>
+              <a:rPr lang="bg-BG" b="1" dirty="0"/>
+              <a:t>фамилия</a:t>
+            </a:r>
+            <a:r>
+              <a:rPr lang="bg-BG" dirty="0"/>
+              <a:t> на </a:t>
+            </a:r>
+            <a:r>
+              <a:rPr lang="bg-BG" b="1" dirty="0"/>
+              <a:t>лекар</a:t>
+            </a:r>
+            <a:r>
+              <a:rPr lang="bg-BG" dirty="0"/>
+              <a:t>, </a:t>
+            </a:r>
+            <a:r>
+              <a:rPr lang="bg-BG" b="1" dirty="0"/>
+              <a:t>дата</a:t>
+            </a:r>
+            <a:r>
+              <a:rPr lang="bg-BG" dirty="0"/>
+              <a:t>, </a:t>
+            </a:r>
+            <a:r>
+              <a:rPr lang="bg-BG" b="1" dirty="0"/>
+              <a:t>описание</a:t>
+            </a:r>
+          </a:p>
+          <a:p>
+            <a:pPr lvl="1"/>
+            <a:r>
+              <a:rPr lang="bg-BG" dirty="0"/>
+              <a:t>Бутони за </a:t>
             </a:r>
             <a:r>
               <a:rPr lang="bg-BG" b="1" dirty="0"/>
@@ -13239,21 +15474,36 @@
             </a:r>
             <a:r>
               <a:rPr lang="bg-BG" b="1" dirty="0"/>
-              <a:t>изтриване</a:t>
-            </a:r>
+              <a:t>отказ</a:t>
+            </a:r>
+          </a:p>
+          <a:p>
+            <a:r>
+              <a:rPr lang="bg-BG" b="1" dirty="0">
+                <a:solidFill>
+                  <a:schemeClr val="bg1"/>
+                </a:solidFill>
+              </a:rPr>
+              <a:t>Форма за изтриване на съществуващ преглед</a:t>
+            </a:r>
+          </a:p>
+          <a:p>
+            <a:pPr lvl="1"/>
             <a:r>
               <a:rPr lang="bg-BG" dirty="0"/>
-              <a:t> на лекар</a:t>
-            </a:r>
-          </a:p>
-          <a:p>
-            <a:r>
-              <a:rPr lang="bg-BG" b="1" dirty="0">
-                <a:solidFill>
-                  <a:schemeClr val="bg1"/>
-                </a:solidFill>
-              </a:rPr>
-              <a:t>Форма за управление на роли</a:t>
+              <a:t>Поле за </a:t>
+            </a:r>
+            <a:r>
+              <a:rPr lang="bg-BG" b="1" dirty="0"/>
+              <a:t>дата</a:t>
+            </a:r>
+            <a:r>
+              <a:rPr lang="bg-BG" dirty="0"/>
+              <a:t> и </a:t>
+            </a:r>
+            <a:r>
+              <a:rPr lang="bg-BG" b="1" dirty="0"/>
+              <a:t>описание</a:t>
             </a:r>
           </a:p>
           <a:p>
@@ -13264,15 +15514,7 @@
             </a:r>
             <a:r>
               <a:rPr lang="bg-BG" b="1" dirty="0"/>
-              <a:t>добавяне</a:t>
-            </a:r>
-            <a:r>
-              <a:rPr lang="bg-BG" dirty="0"/>
-              <a:t>, </a:t>
-            </a:r>
-            <a:r>
-              <a:rPr lang="bg-BG" b="1" dirty="0"/>
-              <a:t>редактиране</a:t>
+              <a:t>изтриване</a:t>
             </a:r>
             <a:r>
               <a:rPr lang="bg-BG" dirty="0"/>
@@ -13280,20 +15522,16 @@
             </a:r>
             <a:r>
               <a:rPr lang="bg-BG" b="1" dirty="0"/>
-              <a:t>изтриване</a:t>
-            </a:r>
-            <a:r>
-              <a:rPr lang="bg-BG" dirty="0"/>
-              <a:t> на роля</a:t>
-            </a:r>
-            <a:endParaRPr lang="en-BG" dirty="0"/>
+              <a:t>отказ</a:t>
+            </a:r>
+            <a:endParaRPr lang="en-BG" b="1" dirty="0"/>
           </a:p>
         </p:txBody>
       </p:sp>
     </p:spTree>
     <p:extLst>
       <p:ext uri="{BB962C8B-B14F-4D97-AF65-F5344CB8AC3E}">
-        <p14:creationId xmlns:p14="http://schemas.microsoft.com/office/powerpoint/2010/main" val="1951808226"/>
+        <p14:creationId xmlns:p14="http://schemas.microsoft.com/office/powerpoint/2010/main" val="2031587358"/>
       </p:ext>
     </p:extLst>
   </p:cSld>
@@ -13528,6 +15766,184 @@
                       </p:childTnLst>
                     </p:cTn>
                   </p:par>
+                  <p:par>
+                    <p:cTn id="19" fill="hold">
+                      <p:stCondLst>
+                        <p:cond delay="indefinite"/>
+                      </p:stCondLst>
+                      <p:childTnLst>
+                        <p:par>
+                          <p:cTn id="20" fill="hold">
+                            <p:stCondLst>
+                              <p:cond delay="0"/>
+                            </p:stCondLst>
+                            <p:childTnLst>
+                              <p:par>
+                                <p:cTn id="21" presetID="1" presetClass="entr" presetSubtype="0" fill="hold" nodeType="clickEffect">
+                                  <p:stCondLst>
+                                    <p:cond delay="0"/>
+                                  </p:stCondLst>
+                                  <p:childTnLst>
+                                    <p:set>
+                                      <p:cBhvr>
+                                        <p:cTn id="22" dur="1" fill="hold">
+                                          <p:stCondLst>
+                                            <p:cond delay="0"/>
+                                          </p:stCondLst>
+                                        </p:cTn>
+                                        <p:tgtEl>
+                                          <p:spTgt spid="7">
+                                            <p:txEl>
+                                              <p:pRg st="5" end="5"/>
+                                            </p:txEl>
+                                          </p:spTgt>
+                                        </p:tgtEl>
+                                        <p:attrNameLst>
+                                          <p:attrName>style.visibility</p:attrName>
+                                        </p:attrNameLst>
+                                      </p:cBhvr>
+                                      <p:to>
+                                        <p:strVal val="visible"/>
+                                      </p:to>
+                                    </p:set>
+                                  </p:childTnLst>
+                                </p:cTn>
+                              </p:par>
+                            </p:childTnLst>
+                          </p:cTn>
+                        </p:par>
+                      </p:childTnLst>
+                    </p:cTn>
+                  </p:par>
+                  <p:par>
+                    <p:cTn id="23" fill="hold">
+                      <p:stCondLst>
+                        <p:cond delay="indefinite"/>
+                      </p:stCondLst>
+                      <p:childTnLst>
+                        <p:par>
+                          <p:cTn id="24" fill="hold">
+                            <p:stCondLst>
+                              <p:cond delay="0"/>
+                            </p:stCondLst>
+                            <p:childTnLst>
+                              <p:par>
+                                <p:cTn id="25" presetID="1" presetClass="entr" presetSubtype="0" fill="hold" nodeType="clickEffect">
+                                  <p:stCondLst>
+                                    <p:cond delay="0"/>
+                                  </p:stCondLst>
+                                  <p:childTnLst>
+                                    <p:set>
+                                      <p:cBhvr>
+                                        <p:cTn id="26" dur="1" fill="hold">
+                                          <p:stCondLst>
+                                            <p:cond delay="0"/>
+                                          </p:stCondLst>
+                                        </p:cTn>
+                                        <p:tgtEl>
+                                          <p:spTgt spid="7">
+                                            <p:txEl>
+                                              <p:pRg st="6" end="6"/>
+                                            </p:txEl>
+                                          </p:spTgt>
+                                        </p:tgtEl>
+                                        <p:attrNameLst>
+                                          <p:attrName>style.visibility</p:attrName>
+                                        </p:attrNameLst>
+                                      </p:cBhvr>
+                                      <p:to>
+                                        <p:strVal val="visible"/>
+                                      </p:to>
+                                    </p:set>
+                                  </p:childTnLst>
+                                </p:cTn>
+                              </p:par>
+                              <p:par>
+                                <p:cTn id="27" presetID="1" presetClass="entr" presetSubtype="0" fill="hold" nodeType="withEffect">
+                                  <p:stCondLst>
+                                    <p:cond delay="0"/>
+                                  </p:stCondLst>
+                                  <p:childTnLst>
+                                    <p:set>
+                                      <p:cBhvr>
+                                        <p:cTn id="28" dur="1" fill="hold">
+                                          <p:stCondLst>
+                                            <p:cond delay="0"/>
+                                          </p:stCondLst>
+                                        </p:cTn>
+                                        <p:tgtEl>
+                                          <p:spTgt spid="7">
+                                            <p:txEl>
+                                              <p:pRg st="7" end="7"/>
+                                            </p:txEl>
+                                          </p:spTgt>
+                                        </p:tgtEl>
+                                        <p:attrNameLst>
+                                          <p:attrName>style.visibility</p:attrName>
+                                        </p:attrNameLst>
+                                      </p:cBhvr>
+                                      <p:to>
+                                        <p:strVal val="visible"/>
+                                      </p:to>
+                                    </p:set>
+                                  </p:childTnLst>
+                                </p:cTn>
+                              </p:par>
+                            </p:childTnLst>
+                          </p:cTn>
+                        </p:par>
+                      </p:childTnLst>
+                    </p:cTn>
+                  </p:par>
+                  <p:par>
+                    <p:cTn id="29" fill="hold">
+                      <p:stCondLst>
+                        <p:cond delay="indefinite"/>
+                      </p:stCondLst>
+                      <p:childTnLst>
+                        <p:par>
+                          <p:cTn id="30" fill="hold">
+                            <p:stCondLst>
+                              <p:cond delay="0"/>
+                            </p:stCondLst>
+                            <p:childTnLst>
+                              <p:par>
+                                <p:cTn id="31" presetID="1" presetClass="entr" presetSubtype="0" fill="hold" nodeType="clickEffect">
+                                  <p:stCondLst>
+                                    <p:cond delay="0"/>
+                                  </p:stCondLst>
+                                  <p:childTnLst>
+                                    <p:set>
+                                      <p:cBhvr>
+                                        <p:cTn id="32" dur="1" fill="hold">
+                                          <p:stCondLst>
+                                            <p:cond delay="0"/>
+                                          </p:stCondLst>
+                                        </p:cTn>
+                                        <p:tgtEl>
+                                          <p:spTgt spid="7">
+                                            <p:txEl>
+                                              <p:pRg st="8" end="8"/>
+                                            </p:txEl>
+                                          </p:spTgt>
+                                        </p:tgtEl>
+                                        <p:attrNameLst>
+                                          <p:attrName>style.visibility</p:attrName>
+                                        </p:attrNameLst>
+                                      </p:cBhvr>
+                                      <p:to>
+                                        <p:strVal val="visible"/>
+                                      </p:to>
+                                    </p:set>
+                                  </p:childTnLst>
+                                </p:cTn>
+                              </p:par>
+                            </p:childTnLst>
+                          </p:cTn>
+                        </p:par>
+                      </p:childTnLst>
+                    </p:cTn>
+                  </p:par>
                 </p:childTnLst>
               </p:cTn>
               <p:prevCondLst>
@@ -13553,7 +15969,7 @@
 </p:sld>
 </file>
 
-<file path=ppt/slides/slide2.xml><?xml version="1.0" encoding="utf-8"?>
+<file path=ppt/slides/slide22.xml><?xml version="1.0" encoding="utf-8"?>
 <p:sld xmlns:a="http://schemas.openxmlformats.org/drawingml/2006/main" xmlns:r="http://schemas.openxmlformats.org/officeDocument/2006/relationships" xmlns:p="http://schemas.openxmlformats.org/presentationml/2006/main">
   <p:cSld>
     <p:spTree>
@@ -13572,150 +15988,51 @@
       </p:grpSpPr>
       <p:sp>
         <p:nvSpPr>
-          <p:cNvPr id="5" name="Slide Number">
+          <p:cNvPr id="2" name="Slide Number Placeholder 1">
             <a:extLst>
               <a:ext uri="{FF2B5EF4-FFF2-40B4-BE49-F238E27FC236}">
-                <a16:creationId xmlns:a16="http://schemas.microsoft.com/office/drawing/2014/main" id="{6A760D59-0056-4F39-B077-DBDBE3D2927E}"/>
+                <a16:creationId xmlns:a16="http://schemas.microsoft.com/office/drawing/2014/main" id="{CCAABC86-82E0-F099-701A-D4347B605385}"/>
               </a:ext>
             </a:extLst>
           </p:cNvPr>
-          <p:cNvSpPr txBox="1">
-            <a:spLocks/>
+          <p:cNvSpPr>
+            <a:spLocks noGrp="1"/>
           </p:cNvSpPr>
-          <p:nvPr/>
+          <p:nvPr>
+            <p:ph type="sldNum" sz="quarter" idx="5"/>
+          </p:nvPr>
         </p:nvSpPr>
-        <p:spPr>
-          <a:xfrm>
-            <a:off x="11753030" y="6507000"/>
-            <a:ext cx="367414" cy="297000"/>
-          </a:xfrm>
-          <a:prstGeom prst="rect">
-            <a:avLst/>
-          </a:prstGeom>
-        </p:spPr>
+        <p:spPr/>
         <p:txBody>
-          <a:bodyPr vert="horz" lIns="91440" tIns="45720" rIns="91440" bIns="45720" rtlCol="0" anchor="b"/>
-          <a:lstStyle>
-            <a:defPPr>
-              <a:defRPr lang="en-US"/>
-            </a:defPPr>
-            <a:lvl1pPr marL="0" algn="r" defTabSz="914400" rtl="0" eaLnBrk="1" latinLnBrk="0" hangingPunct="1">
-              <a:defRPr sz="1000" kern="1200">
-                <a:solidFill>
-                  <a:schemeClr val="tx1"/>
-                </a:solidFill>
-                <a:latin typeface="+mn-lt"/>
-                <a:ea typeface="+mn-ea"/>
-                <a:cs typeface="+mn-cs"/>
-              </a:defRPr>
-            </a:lvl1pPr>
-            <a:lvl2pPr marL="457200" algn="l" defTabSz="914400" rtl="0" eaLnBrk="1" latinLnBrk="0" hangingPunct="1">
-              <a:defRPr sz="1800" kern="1200">
-                <a:solidFill>
-                  <a:schemeClr val="tx1"/>
-                </a:solidFill>
-                <a:latin typeface="+mn-lt"/>
-                <a:ea typeface="+mn-ea"/>
-                <a:cs typeface="+mn-cs"/>
-              </a:defRPr>
-            </a:lvl2pPr>
-            <a:lvl3pPr marL="914400" algn="l" defTabSz="914400" rtl="0" eaLnBrk="1" latinLnBrk="0" hangingPunct="1">
-              <a:defRPr sz="1800" kern="1200">
-                <a:solidFill>
-                  <a:schemeClr val="tx1"/>
-                </a:solidFill>
-                <a:latin typeface="+mn-lt"/>
-                <a:ea typeface="+mn-ea"/>
-                <a:cs typeface="+mn-cs"/>
-              </a:defRPr>
-            </a:lvl3pPr>
-            <a:lvl4pPr marL="1371600" algn="l" defTabSz="914400" rtl="0" eaLnBrk="1" latinLnBrk="0" hangingPunct="1">
-              <a:defRPr sz="1800" kern="1200">
-                <a:solidFill>
-                  <a:schemeClr val="tx1"/>
-                </a:solidFill>
-                <a:latin typeface="+mn-lt"/>
-                <a:ea typeface="+mn-ea"/>
-                <a:cs typeface="+mn-cs"/>
-              </a:defRPr>
-            </a:lvl4pPr>
-            <a:lvl5pPr marL="1828800" algn="l" defTabSz="914400" rtl="0" eaLnBrk="1" latinLnBrk="0" hangingPunct="1">
-              <a:defRPr sz="1800" kern="1200">
-                <a:solidFill>
-                  <a:schemeClr val="tx1"/>
-                </a:solidFill>
-                <a:latin typeface="+mn-lt"/>
-                <a:ea typeface="+mn-ea"/>
-                <a:cs typeface="+mn-cs"/>
-              </a:defRPr>
-            </a:lvl5pPr>
-            <a:lvl6pPr marL="2286000" algn="l" defTabSz="914400" rtl="0" eaLnBrk="1" latinLnBrk="0" hangingPunct="1">
-              <a:defRPr sz="1800" kern="1200">
-                <a:solidFill>
-                  <a:schemeClr val="tx1"/>
-                </a:solidFill>
-                <a:latin typeface="+mn-lt"/>
-                <a:ea typeface="+mn-ea"/>
-                <a:cs typeface="+mn-cs"/>
-              </a:defRPr>
-            </a:lvl6pPr>
-            <a:lvl7pPr marL="2743200" algn="l" defTabSz="914400" rtl="0" eaLnBrk="1" latinLnBrk="0" hangingPunct="1">
-              <a:defRPr sz="1800" kern="1200">
-                <a:solidFill>
-                  <a:schemeClr val="tx1"/>
-                </a:solidFill>
-                <a:latin typeface="+mn-lt"/>
-                <a:ea typeface="+mn-ea"/>
-                <a:cs typeface="+mn-cs"/>
-              </a:defRPr>
-            </a:lvl7pPr>
-            <a:lvl8pPr marL="3200400" algn="l" defTabSz="914400" rtl="0" eaLnBrk="1" latinLnBrk="0" hangingPunct="1">
-              <a:defRPr sz="1800" kern="1200">
-                <a:solidFill>
-                  <a:schemeClr val="tx1"/>
-                </a:solidFill>
-                <a:latin typeface="+mn-lt"/>
-                <a:ea typeface="+mn-ea"/>
-                <a:cs typeface="+mn-cs"/>
-              </a:defRPr>
-            </a:lvl8pPr>
-            <a:lvl9pPr marL="3657600" algn="l" defTabSz="914400" rtl="0" eaLnBrk="1" latinLnBrk="0" hangingPunct="1">
-              <a:defRPr sz="1800" kern="1200">
-                <a:solidFill>
-                  <a:schemeClr val="tx1"/>
-                </a:solidFill>
-                <a:latin typeface="+mn-lt"/>
-                <a:ea typeface="+mn-ea"/>
-                <a:cs typeface="+mn-cs"/>
-              </a:defRPr>
-            </a:lvl9pPr>
-          </a:lstStyle>
+          <a:bodyPr/>
+          <a:lstStyle/>
           <a:p>
             <a:fld id="{2BF067CD-8E6B-4360-9AA8-C5DF2A48A6D1}" type="slidenum">
-              <a:rPr lang="en-US" smtClean="0"/>
+              <a:rPr lang="en-US" noProof="0" smtClean="0"/>
               <a:pPr/>
-              <a:t>2</a:t>
+              <a:t>22</a:t>
             </a:fld>
-            <a:endParaRPr lang="en-US" dirty="0"/>
+            <a:endParaRPr lang="en-US" noProof="0" dirty="0"/>
           </a:p>
         </p:txBody>
       </p:sp>
       <p:sp>
         <p:nvSpPr>
-          <p:cNvPr id="444419" name="Slide Body"/>
+          <p:cNvPr id="4" name="Title 3">
+            <a:extLst>
+              <a:ext uri="{FF2B5EF4-FFF2-40B4-BE49-F238E27FC236}">
+                <a16:creationId xmlns:a16="http://schemas.microsoft.com/office/drawing/2014/main" id="{67B6A643-676D-3506-B008-B24B36AA34F1}"/>
+              </a:ext>
+            </a:extLst>
+          </p:cNvPr>
           <p:cNvSpPr>
-            <a:spLocks noGrp="1" noChangeArrowheads="1"/>
+            <a:spLocks noGrp="1"/>
           </p:cNvSpPr>
           <p:nvPr>
-            <p:ph type="body" sz="quarter" idx="13"/>
+            <p:ph type="title"/>
           </p:nvPr>
         </p:nvSpPr>
-        <p:spPr>
-          <a:xfrm>
-            <a:off x="196766" y="1371604"/>
-            <a:ext cx="11781606" cy="5207396"/>
-          </a:xfrm>
-        </p:spPr>
+        <p:spPr/>
         <p:txBody>
           <a:bodyPr>
             <a:normAutofit/>
@@ -13723,180 +16040,282 @@
           <a:lstStyle/>
           <a:p>
             <a:r>
-              <a:rPr lang="bg-BG" sz="3400" dirty="0"/>
-              <a:t>Какво е </a:t>
-            </a:r>
-            <a:r>
-              <a:rPr lang="bg-BG" sz="3400" b="1" dirty="0">
-                <a:solidFill>
-                  <a:schemeClr val="bg1"/>
-                </a:solidFill>
-              </a:rPr>
-              <a:t>жизнен цикъл на информационна система</a:t>
-            </a:r>
-            <a:r>
-              <a:rPr lang="bg-BG" sz="3400" dirty="0"/>
-              <a:t>?</a:t>
-            </a:r>
-            <a:endParaRPr lang="bg-BG" sz="3400" b="1" dirty="0"/>
-          </a:p>
-          <a:p>
-            <a:r>
-              <a:rPr lang="en-US" sz="3400" dirty="0"/>
-              <a:t>​</a:t>
-            </a:r>
-            <a:r>
-              <a:rPr lang="bg-BG" sz="3400" dirty="0"/>
-              <a:t>​</a:t>
-            </a:r>
-            <a:r>
-              <a:rPr lang="bg-BG" sz="3400" b="1" dirty="0">
-                <a:solidFill>
-                  <a:schemeClr val="bg1"/>
-                </a:solidFill>
-              </a:rPr>
-              <a:t>Анализ</a:t>
-            </a:r>
-            <a:r>
-              <a:rPr lang="bg-BG" sz="3400" dirty="0"/>
-              <a:t> на </a:t>
-            </a:r>
-            <a:r>
-              <a:rPr lang="bg-BG" sz="3400" b="1" dirty="0"/>
-              <a:t>изискванията</a:t>
-            </a:r>
-            <a:endParaRPr lang="en-US" sz="3400" b="1" dirty="0"/>
-          </a:p>
-          <a:p>
-            <a:r>
-              <a:rPr lang="bg-BG" sz="3400" dirty="0"/>
-              <a:t>Какво е </a:t>
-            </a:r>
-            <a:r>
-              <a:rPr lang="en-US" sz="3400" b="1" dirty="0">
-                <a:solidFill>
-                  <a:schemeClr val="bg1"/>
-                </a:solidFill>
-              </a:rPr>
-              <a:t>Use Case</a:t>
-            </a:r>
-            <a:r>
-              <a:rPr lang="en-US" sz="3400" dirty="0"/>
-              <a:t>?</a:t>
-            </a:r>
-            <a:endParaRPr lang="bg-BG" sz="3400" dirty="0"/>
-          </a:p>
-          <a:p>
-            <a:r>
-              <a:rPr lang="bg-BG" sz="3400" dirty="0"/>
-              <a:t>Примерно приложение: Здравна информационна система</a:t>
-            </a:r>
-            <a:endParaRPr lang="en-US" sz="3400" b="1" dirty="0"/>
-          </a:p>
-          <a:p>
-            <a:pPr lvl="1"/>
-            <a:r>
-              <a:rPr lang="bg-BG" sz="3200" dirty="0"/>
-              <a:t>​</a:t>
-            </a:r>
-            <a:r>
-              <a:rPr lang="bg-BG" sz="3200" b="1" dirty="0">
-                <a:solidFill>
-                  <a:schemeClr val="bg1"/>
-                </a:solidFill>
-              </a:rPr>
-              <a:t>Дизайн</a:t>
-            </a:r>
-            <a:r>
-              <a:rPr lang="bg-BG" sz="3200" dirty="0"/>
-              <a:t> на </a:t>
-            </a:r>
-            <a:r>
-              <a:rPr lang="bg-BG" sz="3200" b="1" dirty="0"/>
-              <a:t>потребителски интерфейс</a:t>
-            </a:r>
-          </a:p>
-          <a:p>
-            <a:pPr lvl="1"/>
-            <a:r>
-              <a:rPr lang="bg-BG" sz="3200" dirty="0"/>
-              <a:t>​​</a:t>
-            </a:r>
-            <a:r>
-              <a:rPr lang="bg-BG" sz="3200" b="1" dirty="0">
-                <a:solidFill>
-                  <a:schemeClr val="bg1"/>
-                </a:solidFill>
-              </a:rPr>
-              <a:t>Дизайн</a:t>
-            </a:r>
-            <a:r>
-              <a:rPr lang="bg-BG" sz="3200" dirty="0"/>
-              <a:t> на </a:t>
-            </a:r>
-            <a:r>
-              <a:rPr lang="bg-BG" sz="3200" b="1" dirty="0"/>
-              <a:t>база данни</a:t>
-            </a:r>
-            <a:endParaRPr lang="en-US" sz="3200" b="1" dirty="0">
-              <a:solidFill>
-                <a:schemeClr val="bg1"/>
-              </a:solidFill>
-            </a:endParaRPr>
-          </a:p>
-          <a:p>
-            <a:pPr lvl="1"/>
-            <a:r>
-              <a:rPr lang="bg-BG" sz="3200" dirty="0"/>
-              <a:t>​​</a:t>
-            </a:r>
-            <a:r>
-              <a:rPr lang="bg-BG" sz="3200" b="1" dirty="0">
-                <a:solidFill>
-                  <a:schemeClr val="bg1"/>
-                </a:solidFill>
-              </a:rPr>
-              <a:t>Имплементация</a:t>
-            </a:r>
-            <a:r>
-              <a:rPr lang="bg-BG" sz="3200" dirty="0"/>
-              <a:t> на информационна система</a:t>
-            </a:r>
-            <a:endParaRPr lang="en-GB" sz="3200" dirty="0"/>
+              <a:rPr lang="bg-BG" dirty="0"/>
+              <a:t>Проектиране</a:t>
+            </a:r>
+            <a:r>
+              <a:rPr lang="en-US" dirty="0"/>
+              <a:t>: </a:t>
+            </a:r>
+            <a:r>
+              <a:rPr lang="bg-BG" dirty="0"/>
+              <a:t>дизайн на </a:t>
+            </a:r>
+            <a:r>
+              <a:rPr lang="en-US" dirty="0"/>
+              <a:t>UI </a:t>
+            </a:r>
+            <a:r>
+              <a:rPr lang="bg-BG" dirty="0"/>
+              <a:t>- Лекари</a:t>
+            </a:r>
+            <a:endParaRPr lang="en-BG" dirty="0"/>
           </a:p>
         </p:txBody>
       </p:sp>
       <p:sp>
         <p:nvSpPr>
-          <p:cNvPr id="444418" name="Slide Title"/>
+          <p:cNvPr id="7" name="Text Placeholder 6">
+            <a:extLst>
+              <a:ext uri="{FF2B5EF4-FFF2-40B4-BE49-F238E27FC236}">
+                <a16:creationId xmlns:a16="http://schemas.microsoft.com/office/drawing/2014/main" id="{FBFEFCDD-E454-D1E7-D67F-EE67BB2A7ACE}"/>
+              </a:ext>
+            </a:extLst>
+          </p:cNvPr>
           <p:cNvSpPr>
-            <a:spLocks noGrp="1" noChangeArrowheads="1"/>
+            <a:spLocks noGrp="1"/>
           </p:cNvSpPr>
           <p:nvPr>
-            <p:ph type="title"/>
+            <p:ph type="body" sz="quarter" idx="10"/>
           </p:nvPr>
         </p:nvSpPr>
-        <p:spPr>
-          <a:xfrm>
-            <a:off x="190406" y="100750"/>
-            <a:ext cx="10270594" cy="882654"/>
-          </a:xfrm>
-        </p:spPr>
+        <p:spPr/>
         <p:txBody>
-          <a:bodyPr/>
+          <a:bodyPr>
+            <a:normAutofit fontScale="85000" lnSpcReduction="20000"/>
+          </a:bodyPr>
           <a:lstStyle/>
           <a:p>
             <a:r>
+              <a:rPr lang="bg-BG" b="1" dirty="0">
+                <a:solidFill>
+                  <a:schemeClr val="bg1"/>
+                </a:solidFill>
+              </a:rPr>
+              <a:t>Форма за добавяне на нов лекар</a:t>
+            </a:r>
+          </a:p>
+          <a:p>
+            <a:pPr lvl="1"/>
+            <a:r>
               <a:rPr lang="bg-BG" dirty="0"/>
-              <a:t>Съдържание</a:t>
-            </a:r>
+              <a:t>Полета за </a:t>
+            </a:r>
+            <a:r>
+              <a:rPr lang="bg-BG" b="1" dirty="0"/>
+              <a:t>име</a:t>
+            </a:r>
+            <a:r>
+              <a:rPr lang="bg-BG" dirty="0"/>
+              <a:t>, </a:t>
+            </a:r>
+            <a:r>
+              <a:rPr lang="bg-BG" b="1" dirty="0"/>
+              <a:t>фамилия</a:t>
+            </a:r>
+            <a:r>
+              <a:rPr lang="bg-BG" dirty="0"/>
+              <a:t>, </a:t>
+            </a:r>
+            <a:r>
+              <a:rPr lang="bg-BG" b="1" dirty="0"/>
+              <a:t>специалност</a:t>
+            </a:r>
+            <a:r>
+              <a:rPr lang="bg-BG" dirty="0"/>
+              <a:t>, </a:t>
+            </a:r>
+            <a:r>
+              <a:rPr lang="bg-BG" b="1" dirty="0"/>
+              <a:t>телефон</a:t>
+            </a:r>
+            <a:r>
+              <a:rPr lang="bg-BG" dirty="0"/>
+              <a:t>, </a:t>
+            </a:r>
+            <a:r>
+              <a:rPr lang="bg-BG" b="1" dirty="0"/>
+              <a:t>потребителско</a:t>
+            </a:r>
+            <a:r>
+              <a:rPr lang="bg-BG" dirty="0"/>
+              <a:t> </a:t>
+            </a:r>
+            <a:r>
+              <a:rPr lang="bg-BG" b="1" dirty="0"/>
+              <a:t>име</a:t>
+            </a:r>
+            <a:r>
+              <a:rPr lang="bg-BG" dirty="0"/>
+              <a:t>, </a:t>
+            </a:r>
+            <a:r>
+              <a:rPr lang="bg-BG" b="1" dirty="0"/>
+              <a:t>парола</a:t>
+            </a:r>
+          </a:p>
+          <a:p>
+            <a:pPr lvl="1"/>
+            <a:r>
+              <a:rPr lang="bg-BG" dirty="0"/>
+              <a:t>Бутони за </a:t>
+            </a:r>
+            <a:r>
+              <a:rPr lang="bg-BG" b="1" dirty="0"/>
+              <a:t>добавяне</a:t>
+            </a:r>
+            <a:r>
+              <a:rPr lang="bg-BG" dirty="0"/>
+              <a:t> и </a:t>
+            </a:r>
+            <a:r>
+              <a:rPr lang="bg-BG" b="1" dirty="0"/>
+              <a:t>отказ</a:t>
+            </a:r>
+          </a:p>
+          <a:p>
+            <a:r>
+              <a:rPr lang="bg-BG" b="1" dirty="0">
+                <a:solidFill>
+                  <a:schemeClr val="bg1"/>
+                </a:solidFill>
+              </a:rPr>
+              <a:t>Форма за редактиране на съществуващ лекар</a:t>
+            </a:r>
+          </a:p>
+          <a:p>
+            <a:pPr lvl="1"/>
+            <a:r>
+              <a:rPr lang="bg-BG" dirty="0"/>
+              <a:t>Полета за </a:t>
+            </a:r>
+            <a:r>
+              <a:rPr lang="bg-BG" b="1" dirty="0"/>
+              <a:t>име</a:t>
+            </a:r>
+            <a:r>
+              <a:rPr lang="bg-BG" dirty="0"/>
+              <a:t>, </a:t>
+            </a:r>
+            <a:r>
+              <a:rPr lang="bg-BG" b="1" dirty="0"/>
+              <a:t>фамилия</a:t>
+            </a:r>
+            <a:r>
+              <a:rPr lang="bg-BG" dirty="0"/>
+              <a:t>, </a:t>
+            </a:r>
+            <a:r>
+              <a:rPr lang="bg-BG" b="1" dirty="0"/>
+              <a:t>специалност</a:t>
+            </a:r>
+            <a:r>
+              <a:rPr lang="bg-BG" dirty="0"/>
+              <a:t>, </a:t>
+            </a:r>
+            <a:r>
+              <a:rPr lang="bg-BG" b="1" dirty="0"/>
+              <a:t>телефон</a:t>
+            </a:r>
+            <a:r>
+              <a:rPr lang="bg-BG" dirty="0"/>
+              <a:t>, </a:t>
+            </a:r>
+            <a:r>
+              <a:rPr lang="bg-BG" b="1" dirty="0"/>
+              <a:t>потребителско</a:t>
+            </a:r>
+            <a:r>
+              <a:rPr lang="bg-BG" dirty="0"/>
+              <a:t> </a:t>
+            </a:r>
+            <a:r>
+              <a:rPr lang="bg-BG" b="1" dirty="0"/>
+              <a:t>име</a:t>
+            </a:r>
+            <a:r>
+              <a:rPr lang="bg-BG" dirty="0"/>
+              <a:t>, </a:t>
+            </a:r>
+            <a:r>
+              <a:rPr lang="bg-BG" b="1" dirty="0"/>
+              <a:t>парола</a:t>
+            </a:r>
+          </a:p>
+          <a:p>
+            <a:pPr lvl="1"/>
+            <a:r>
+              <a:rPr lang="bg-BG" dirty="0"/>
+              <a:t>Бутони за </a:t>
+            </a:r>
+            <a:r>
+              <a:rPr lang="bg-BG" b="1" dirty="0"/>
+              <a:t>редактиране</a:t>
+            </a:r>
+            <a:r>
+              <a:rPr lang="bg-BG" dirty="0"/>
+              <a:t> и </a:t>
+            </a:r>
+            <a:r>
+              <a:rPr lang="bg-BG" b="1" dirty="0"/>
+              <a:t>отказ</a:t>
+            </a:r>
+          </a:p>
+          <a:p>
+            <a:r>
+              <a:rPr lang="bg-BG" b="1" dirty="0">
+                <a:solidFill>
+                  <a:schemeClr val="bg1"/>
+                </a:solidFill>
+              </a:rPr>
+              <a:t>Форма за изтриване на съществуващ лекар</a:t>
+            </a:r>
+          </a:p>
+          <a:p>
+            <a:pPr lvl="1"/>
+            <a:r>
+              <a:rPr lang="bg-BG" dirty="0"/>
+              <a:t>Поле за </a:t>
+            </a:r>
+            <a:r>
+              <a:rPr lang="bg-BG" b="1" dirty="0"/>
+              <a:t>име</a:t>
+            </a:r>
+            <a:r>
+              <a:rPr lang="bg-BG" dirty="0"/>
+              <a:t> и </a:t>
+            </a:r>
+            <a:r>
+              <a:rPr lang="bg-BG" b="1" dirty="0"/>
+              <a:t>фамилия</a:t>
+            </a:r>
+          </a:p>
+          <a:p>
+            <a:pPr lvl="1"/>
+            <a:r>
+              <a:rPr lang="bg-BG" dirty="0"/>
+              <a:t>Бутони за </a:t>
+            </a:r>
+            <a:r>
+              <a:rPr lang="bg-BG" b="1" dirty="0"/>
+              <a:t>изтриване</a:t>
+            </a:r>
+            <a:r>
+              <a:rPr lang="bg-BG" dirty="0"/>
+              <a:t> и </a:t>
+            </a:r>
+            <a:r>
+              <a:rPr lang="bg-BG" b="1" dirty="0"/>
+              <a:t>отказ</a:t>
+            </a:r>
+            <a:endParaRPr lang="en-BG" b="1" dirty="0"/>
           </a:p>
         </p:txBody>
       </p:sp>
     </p:spTree>
     <p:extLst>
       <p:ext uri="{BB962C8B-B14F-4D97-AF65-F5344CB8AC3E}">
-        <p14:creationId xmlns:p14="http://schemas.microsoft.com/office/powerpoint/2010/main" val="1646986932"/>
+        <p14:creationId xmlns:p14="http://schemas.microsoft.com/office/powerpoint/2010/main" val="1953620638"/>
       </p:ext>
     </p:extLst>
   </p:cSld>
@@ -13948,7 +16367,7 @@
                                           </p:stCondLst>
                                         </p:cTn>
                                         <p:tgtEl>
-                                          <p:spTgt spid="444419">
+                                          <p:spTgt spid="7">
                                             <p:txEl>
                                               <p:pRg st="0" end="0"/>
                                             </p:txEl>
@@ -13965,39 +16384,21 @@
                                   </p:childTnLst>
                                 </p:cTn>
                               </p:par>
-                            </p:childTnLst>
-                          </p:cTn>
-                        </p:par>
-                      </p:childTnLst>
-                    </p:cTn>
-                  </p:par>
-                  <p:par>
-                    <p:cTn id="7" fill="hold">
-                      <p:stCondLst>
-                        <p:cond delay="indefinite"/>
-                      </p:stCondLst>
-                      <p:childTnLst>
-                        <p:par>
-                          <p:cTn id="8" fill="hold">
-                            <p:stCondLst>
-                              <p:cond delay="0"/>
-                            </p:stCondLst>
-                            <p:childTnLst>
                               <p:par>
-                                <p:cTn id="9" presetID="1" presetClass="entr" presetSubtype="0" fill="hold" nodeType="clickEffect">
+                                <p:cTn id="7" presetID="1" presetClass="entr" presetSubtype="0" fill="hold" nodeType="withEffect">
                                   <p:stCondLst>
                                     <p:cond delay="0"/>
                                   </p:stCondLst>
                                   <p:childTnLst>
                                     <p:set>
                                       <p:cBhvr>
-                                        <p:cTn id="10" dur="1" fill="hold">
+                                        <p:cTn id="8" dur="1" fill="hold">
                                           <p:stCondLst>
                                             <p:cond delay="0"/>
                                           </p:stCondLst>
                                         </p:cTn>
                                         <p:tgtEl>
-                                          <p:spTgt spid="444419">
+                                          <p:spTgt spid="7">
                                             <p:txEl>
                                               <p:pRg st="1" end="1"/>
                                             </p:txEl>
@@ -14021,32 +16422,32 @@
                     </p:cTn>
                   </p:par>
                   <p:par>
-                    <p:cTn id="11" fill="hold">
+                    <p:cTn id="9" fill="hold">
                       <p:stCondLst>
                         <p:cond delay="indefinite"/>
                       </p:stCondLst>
                       <p:childTnLst>
                         <p:par>
-                          <p:cTn id="12" fill="hold">
+                          <p:cTn id="10" fill="hold">
                             <p:stCondLst>
                               <p:cond delay="0"/>
                             </p:stCondLst>
                             <p:childTnLst>
                               <p:par>
-                                <p:cTn id="13" presetID="1" presetClass="entr" presetSubtype="0" fill="hold" nodeType="clickEffect">
+                                <p:cTn id="11" presetID="1" presetClass="entr" presetSubtype="0" fill="hold" nodeType="clickEffect">
                                   <p:stCondLst>
                                     <p:cond delay="0"/>
                                   </p:stCondLst>
                                   <p:childTnLst>
                                     <p:set>
                                       <p:cBhvr>
-                                        <p:cTn id="14" dur="1" fill="hold">
+                                        <p:cTn id="12" dur="1" fill="hold">
                                           <p:stCondLst>
                                             <p:cond delay="0"/>
                                           </p:stCondLst>
                                         </p:cTn>
                                         <p:tgtEl>
-                                          <p:spTgt spid="444419">
+                                          <p:spTgt spid="7">
                                             <p:txEl>
                                               <p:pRg st="2" end="2"/>
                                             </p:txEl>
@@ -14070,32 +16471,32 @@
                     </p:cTn>
                   </p:par>
                   <p:par>
-                    <p:cTn id="15" fill="hold">
+                    <p:cTn id="13" fill="hold">
                       <p:stCondLst>
                         <p:cond delay="indefinite"/>
                       </p:stCondLst>
                       <p:childTnLst>
                         <p:par>
-                          <p:cTn id="16" fill="hold">
+                          <p:cTn id="14" fill="hold">
                             <p:stCondLst>
                               <p:cond delay="0"/>
                             </p:stCondLst>
                             <p:childTnLst>
                               <p:par>
-                                <p:cTn id="17" presetID="1" presetClass="entr" presetSubtype="0" fill="hold" nodeType="clickEffect">
+                                <p:cTn id="15" presetID="1" presetClass="entr" presetSubtype="0" fill="hold" nodeType="clickEffect">
                                   <p:stCondLst>
                                     <p:cond delay="0"/>
                                   </p:stCondLst>
                                   <p:childTnLst>
                                     <p:set>
                                       <p:cBhvr>
-                                        <p:cTn id="18" dur="1" fill="hold">
+                                        <p:cTn id="16" dur="1" fill="hold">
                                           <p:stCondLst>
                                             <p:cond delay="0"/>
                                           </p:stCondLst>
                                         </p:cTn>
                                         <p:tgtEl>
-                                          <p:spTgt spid="444419">
+                                          <p:spTgt spid="7">
                                             <p:txEl>
                                               <p:pRg st="3" end="3"/>
                                             </p:txEl>
@@ -14113,20 +16514,20 @@
                                 </p:cTn>
                               </p:par>
                               <p:par>
-                                <p:cTn id="19" presetID="1" presetClass="entr" presetSubtype="0" fill="hold" nodeType="withEffect">
+                                <p:cTn id="17" presetID="1" presetClass="entr" presetSubtype="0" fill="hold" nodeType="withEffect">
                                   <p:stCondLst>
                                     <p:cond delay="0"/>
                                   </p:stCondLst>
                                   <p:childTnLst>
                                     <p:set>
                                       <p:cBhvr>
-                                        <p:cTn id="20" dur="1" fill="hold">
+                                        <p:cTn id="18" dur="1" fill="hold">
                                           <p:stCondLst>
                                             <p:cond delay="0"/>
                                           </p:stCondLst>
                                         </p:cTn>
                                         <p:tgtEl>
-                                          <p:spTgt spid="444419">
+                                          <p:spTgt spid="7">
                                             <p:txEl>
                                               <p:pRg st="4" end="4"/>
                                             </p:txEl>
@@ -14150,32 +16551,32 @@
                     </p:cTn>
                   </p:par>
                   <p:par>
-                    <p:cTn id="21" fill="hold">
+                    <p:cTn id="19" fill="hold">
                       <p:stCondLst>
                         <p:cond delay="indefinite"/>
                       </p:stCondLst>
                       <p:childTnLst>
                         <p:par>
-                          <p:cTn id="22" fill="hold">
+                          <p:cTn id="20" fill="hold">
                             <p:stCondLst>
                               <p:cond delay="0"/>
                             </p:stCondLst>
                             <p:childTnLst>
                               <p:par>
-                                <p:cTn id="23" presetID="1" presetClass="entr" presetSubtype="0" fill="hold" nodeType="clickEffect">
+                                <p:cTn id="21" presetID="1" presetClass="entr" presetSubtype="0" fill="hold" nodeType="clickEffect">
                                   <p:stCondLst>
                                     <p:cond delay="0"/>
                                   </p:stCondLst>
                                   <p:childTnLst>
                                     <p:set>
                                       <p:cBhvr>
-                                        <p:cTn id="24" dur="1" fill="hold">
+                                        <p:cTn id="22" dur="1" fill="hold">
                                           <p:stCondLst>
                                             <p:cond delay="0"/>
                                           </p:stCondLst>
                                         </p:cTn>
                                         <p:tgtEl>
-                                          <p:spTgt spid="444419">
+                                          <p:spTgt spid="7">
                                             <p:txEl>
                                               <p:pRg st="5" end="5"/>
                                             </p:txEl>
@@ -14199,19 +16600,50 @@
                     </p:cTn>
                   </p:par>
                   <p:par>
-                    <p:cTn id="25" fill="hold">
+                    <p:cTn id="23" fill="hold">
                       <p:stCondLst>
                         <p:cond delay="indefinite"/>
                       </p:stCondLst>
                       <p:childTnLst>
                         <p:par>
-                          <p:cTn id="26" fill="hold">
+                          <p:cTn id="24" fill="hold">
                             <p:stCondLst>
                               <p:cond delay="0"/>
                             </p:stCondLst>
                             <p:childTnLst>
                               <p:par>
-                                <p:cTn id="27" presetID="1" presetClass="entr" presetSubtype="0" fill="hold" nodeType="clickEffect">
+                                <p:cTn id="25" presetID="1" presetClass="entr" presetSubtype="0" fill="hold" nodeType="clickEffect">
+                                  <p:stCondLst>
+                                    <p:cond delay="0"/>
+                                  </p:stCondLst>
+                                  <p:childTnLst>
+                                    <p:set>
+                                      <p:cBhvr>
+                                        <p:cTn id="26" dur="1" fill="hold">
+                                          <p:stCondLst>
+                                            <p:cond delay="0"/>
+                                          </p:stCondLst>
+                                        </p:cTn>
+                                        <p:tgtEl>
+                                          <p:spTgt spid="7">
+                                            <p:txEl>
+                                              <p:pRg st="6" end="6"/>
+                                            </p:txEl>
+                                          </p:spTgt>
+                                        </p:tgtEl>
+                                        <p:attrNameLst>
+                                          <p:attrName>style.visibility</p:attrName>
+                                        </p:attrNameLst>
+                                      </p:cBhvr>
+                                      <p:to>
+                                        <p:strVal val="visible"/>
+                                      </p:to>
+                                    </p:set>
+                                  </p:childTnLst>
+                                </p:cTn>
+                              </p:par>
+                              <p:par>
+                                <p:cTn id="27" presetID="1" presetClass="entr" presetSubtype="0" fill="hold" nodeType="withEffect">
                                   <p:stCondLst>
                                     <p:cond delay="0"/>
                                   </p:stCondLst>
@@ -14224,9 +16656,58 @@
                                           </p:stCondLst>
                                         </p:cTn>
                                         <p:tgtEl>
-                                          <p:spTgt spid="444419">
+                                          <p:spTgt spid="7">
                                             <p:txEl>
-                                              <p:pRg st="6" end="6"/>
+                                              <p:pRg st="7" end="7"/>
+                                            </p:txEl>
+                                          </p:spTgt>
+                                        </p:tgtEl>
+                                        <p:attrNameLst>
+                                          <p:attrName>style.visibility</p:attrName>
+                                        </p:attrNameLst>
+                                      </p:cBhvr>
+                                      <p:to>
+                                        <p:strVal val="visible"/>
+                                      </p:to>
+                                    </p:set>
+                                  </p:childTnLst>
+                                </p:cTn>
+                              </p:par>
+                            </p:childTnLst>
+                          </p:cTn>
+                        </p:par>
+                      </p:childTnLst>
+                    </p:cTn>
+                  </p:par>
+                  <p:par>
+                    <p:cTn id="29" fill="hold">
+                      <p:stCondLst>
+                        <p:cond delay="indefinite"/>
+                      </p:stCondLst>
+                      <p:childTnLst>
+                        <p:par>
+                          <p:cTn id="30" fill="hold">
+                            <p:stCondLst>
+                              <p:cond delay="0"/>
+                            </p:stCondLst>
+                            <p:childTnLst>
+                              <p:par>
+                                <p:cTn id="31" presetID="1" presetClass="entr" presetSubtype="0" fill="hold" nodeType="clickEffect">
+                                  <p:stCondLst>
+                                    <p:cond delay="0"/>
+                                  </p:stCondLst>
+                                  <p:childTnLst>
+                                    <p:set>
+                                      <p:cBhvr>
+                                        <p:cTn id="32" dur="1" fill="hold">
+                                          <p:stCondLst>
+                                            <p:cond delay="0"/>
+                                          </p:stCondLst>
+                                        </p:cTn>
+                                        <p:tgtEl>
+                                          <p:spTgt spid="7">
+                                            <p:txEl>
+                                              <p:pRg st="8" end="8"/>
                                             </p:txEl>
                                           </p:spTgt>
                                         </p:tgtEl>
@@ -14272,7 +16753,7 @@
 </p:sld>
 </file>
 
-<file path=ppt/slides/slide20.xml><?xml version="1.0" encoding="utf-8"?>
+<file path=ppt/slides/slide23.xml><?xml version="1.0" encoding="utf-8"?>
 <p:sld xmlns:a="http://schemas.openxmlformats.org/drawingml/2006/main" xmlns:r="http://schemas.openxmlformats.org/officeDocument/2006/relationships" xmlns:p="http://schemas.openxmlformats.org/presentationml/2006/main">
   <p:cSld>
     <p:spTree>
@@ -14898,7 +17379,7 @@
             <a:fld id="{2BF067CD-8E6B-4360-9AA8-C5DF2A48A6D1}" type="slidenum">
               <a:rPr lang="en-US" noProof="0" smtClean="0"/>
               <a:pPr/>
-              <a:t>20</a:t>
+              <a:t>23</a:t>
             </a:fld>
             <a:endParaRPr lang="en-US" noProof="0" dirty="0"/>
           </a:p>
@@ -15381,7 +17862,7 @@
 </p:sld>
 </file>
 
-<file path=ppt/slides/slide21.xml><?xml version="1.0" encoding="utf-8"?>
+<file path=ppt/slides/slide24.xml><?xml version="1.0" encoding="utf-8"?>
 <p:sld xmlns:a="http://schemas.openxmlformats.org/drawingml/2006/main" xmlns:r="http://schemas.openxmlformats.org/officeDocument/2006/relationships" xmlns:p="http://schemas.openxmlformats.org/presentationml/2006/main">
   <p:cSld>
     <p:spTree>
@@ -15571,7 +18052,7 @@
 </p:sld>
 </file>
 
-<file path=ppt/slides/slide22.xml><?xml version="1.0" encoding="utf-8"?>
+<file path=ppt/slides/slide25.xml><?xml version="1.0" encoding="utf-8"?>
 <p:sld xmlns:a="http://schemas.openxmlformats.org/drawingml/2006/main" xmlns:r="http://schemas.openxmlformats.org/officeDocument/2006/relationships" xmlns:p="http://schemas.openxmlformats.org/presentationml/2006/main">
   <p:cSld>
     <p:spTree>
@@ -15624,7 +18105,7 @@
             <a:fld id="{2BF067CD-8E6B-4360-9AA8-C5DF2A48A6D1}" type="slidenum">
               <a:rPr lang="en-US" smtClean="0"/>
               <a:pPr/>
-              <a:t>22</a:t>
+              <a:t>25</a:t>
             </a:fld>
             <a:endParaRPr lang="en-US" dirty="0"/>
           </a:p>
@@ -16157,7 +18638,15 @@
           <a:p>
             <a:r>
               <a:rPr lang="bg-BG" dirty="0"/>
-              <a:t>Какво е жизнен цикъл на ИС?</a:t>
+              <a:t>Какво е жизнен цикъл </a:t>
+            </a:r>
+            <a:r>
+              <a:rPr lang="en-US" dirty="0"/>
+              <a:t>(life cycle)</a:t>
+            </a:r>
+            <a:r>
+              <a:rPr lang="bg-BG" dirty="0"/>
+              <a:t> на ИС?</a:t>
             </a:r>
             <a:endParaRPr lang="en-BG" dirty="0"/>
           </a:p>
@@ -16185,36 +18674,8 @@
           <a:lstStyle/>
           <a:p>
             <a:r>
-              <a:rPr lang="bg-BG" b="1" dirty="0">
-                <a:solidFill>
-                  <a:schemeClr val="bg1"/>
-                </a:solidFill>
-              </a:rPr>
-              <a:t>Жизненият цикъл </a:t>
-            </a:r>
-            <a:r>
-              <a:rPr lang="bg-BG" dirty="0"/>
-              <a:t>(</a:t>
-            </a:r>
-            <a:r>
-              <a:rPr lang="en-GB" b="1" dirty="0">
-                <a:solidFill>
-                  <a:schemeClr val="bg1"/>
-                </a:solidFill>
-              </a:rPr>
-              <a:t>life cycle</a:t>
-            </a:r>
-            <a:r>
-              <a:rPr lang="en-GB" dirty="0"/>
-              <a:t>)</a:t>
-            </a:r>
-            <a:r>
-              <a:rPr lang="bg-BG" dirty="0"/>
-              <a:t> е </a:t>
-            </a:r>
-            <a:r>
               <a:rPr lang="bg-BG" b="1" dirty="0"/>
-              <a:t>поредица</a:t>
+              <a:t>Поредица</a:t>
             </a:r>
             <a:r>
               <a:rPr lang="bg-BG" dirty="0"/>
@@ -16312,9 +18773,13 @@
             </a:r>
             <a:r>
               <a:rPr lang="bg-BG" dirty="0"/>
-              <a:t> си живот</a:t>
-            </a:r>
-            <a:endParaRPr lang="en-BG" dirty="0"/>
+              <a:t> си </a:t>
+            </a:r>
+            <a:r>
+              <a:rPr lang="bg-BG" b="1" dirty="0"/>
+              <a:t>живот</a:t>
+            </a:r>
+            <a:endParaRPr lang="en-BG" b="1" dirty="0"/>
           </a:p>
         </p:txBody>
       </p:sp>
@@ -16673,7 +19138,11 @@
             </a:r>
             <a:r>
               <a:rPr lang="bg-BG" sz="3000" dirty="0"/>
-              <a:t> на ИС</a:t>
+              <a:t> на </a:t>
+            </a:r>
+            <a:r>
+              <a:rPr lang="bg-BG" sz="3000" b="1" dirty="0"/>
+              <a:t>ИС</a:t>
             </a:r>
           </a:p>
           <a:p>
@@ -17241,7 +19710,11 @@
             </a:r>
             <a:r>
               <a:rPr lang="bg-BG" sz="2600" dirty="0"/>
-              <a:t> за работа със системата</a:t>
+              <a:t> за работа със </a:t>
+            </a:r>
+            <a:r>
+              <a:rPr lang="bg-BG" sz="2600" b="1" dirty="0"/>
+              <a:t>системата</a:t>
             </a:r>
           </a:p>
           <a:p>
@@ -17267,7 +19740,15 @@
             </a:r>
             <a:r>
               <a:rPr lang="bg-BG" sz="2600" dirty="0"/>
-              <a:t> на БД - </a:t>
+              <a:t> на </a:t>
+            </a:r>
+            <a:r>
+              <a:rPr lang="bg-BG" sz="2600" b="1" dirty="0"/>
+              <a:t>БД</a:t>
+            </a:r>
+            <a:r>
+              <a:rPr lang="bg-BG" sz="2600" dirty="0"/>
+              <a:t> - </a:t>
             </a:r>
             <a:r>
               <a:rPr lang="bg-BG" sz="2600" b="1" dirty="0"/>
@@ -17896,8 +20377,20 @@
           <a:p>
             <a:pPr lvl="1"/>
             <a:r>
+              <a:rPr lang="bg-BG" sz="3000" b="1" dirty="0"/>
+              <a:t>Потребителите</a:t>
+            </a:r>
+            <a:r>
               <a:rPr lang="bg-BG" sz="3000" dirty="0"/>
-              <a:t>Потребителите използват системата в </a:t>
+              <a:t> използват </a:t>
+            </a:r>
+            <a:r>
+              <a:rPr lang="bg-BG" sz="3000" b="1" dirty="0"/>
+              <a:t>системата</a:t>
+            </a:r>
+            <a:r>
+              <a:rPr lang="bg-BG" sz="3000" dirty="0"/>
+              <a:t> в </a:t>
             </a:r>
             <a:r>
               <a:rPr lang="bg-BG" sz="3000" b="1" dirty="0"/>
@@ -18070,6 +20563,55 @@
                                         <p:tgtEl>
                                           <p:spTgt spid="7">
                                             <p:txEl>
+                                              <p:pRg st="2" end="2"/>
+                                            </p:txEl>
+                                          </p:spTgt>
+                                        </p:tgtEl>
+                                        <p:attrNameLst>
+                                          <p:attrName>style.visibility</p:attrName>
+                                        </p:attrNameLst>
+                                      </p:cBhvr>
+                                      <p:to>
+                                        <p:strVal val="visible"/>
+                                      </p:to>
+                                    </p:set>
+                                  </p:childTnLst>
+                                </p:cTn>
+                              </p:par>
+                            </p:childTnLst>
+                          </p:cTn>
+                        </p:par>
+                      </p:childTnLst>
+                    </p:cTn>
+                  </p:par>
+                  <p:par>
+                    <p:cTn id="13" fill="hold">
+                      <p:stCondLst>
+                        <p:cond delay="indefinite"/>
+                      </p:stCondLst>
+                      <p:childTnLst>
+                        <p:par>
+                          <p:cTn id="14" fill="hold">
+                            <p:stCondLst>
+                              <p:cond delay="0"/>
+                            </p:stCondLst>
+                            <p:childTnLst>
+                              <p:par>
+                                <p:cTn id="15" presetID="1" presetClass="entr" presetSubtype="0" fill="hold" nodeType="clickEffect">
+                                  <p:stCondLst>
+                                    <p:cond delay="0"/>
+                                  </p:stCondLst>
+                                  <p:childTnLst>
+                                    <p:set>
+                                      <p:cBhvr>
+                                        <p:cTn id="16" dur="1" fill="hold">
+                                          <p:stCondLst>
+                                            <p:cond delay="0"/>
+                                          </p:stCondLst>
+                                        </p:cTn>
+                                        <p:tgtEl>
+                                          <p:spTgt spid="7">
+                                            <p:txEl>
                                               <p:pRg st="3" end="3"/>
                                             </p:txEl>
                                           </p:spTgt>
@@ -18086,14 +20628,14 @@
                                 </p:cTn>
                               </p:par>
                               <p:par>
-                                <p:cTn id="13" presetID="1" presetClass="entr" presetSubtype="0" fill="hold" nodeType="withEffect">
+                                <p:cTn id="17" presetID="1" presetClass="entr" presetSubtype="0" fill="hold" nodeType="withEffect">
                                   <p:stCondLst>
                                     <p:cond delay="0"/>
                                   </p:stCondLst>
                                   <p:childTnLst>
                                     <p:set>
                                       <p:cBhvr>
-                                        <p:cTn id="14" dur="1" fill="hold">
+                                        <p:cTn id="18" dur="1" fill="hold">
                                           <p:stCondLst>
                                             <p:cond delay="0"/>
                                           </p:stCondLst>
@@ -18123,26 +20665,26 @@
                     </p:cTn>
                   </p:par>
                   <p:par>
-                    <p:cTn id="15" fill="hold">
+                    <p:cTn id="19" fill="hold">
                       <p:stCondLst>
                         <p:cond delay="indefinite"/>
                       </p:stCondLst>
                       <p:childTnLst>
                         <p:par>
-                          <p:cTn id="16" fill="hold">
+                          <p:cTn id="20" fill="hold">
                             <p:stCondLst>
                               <p:cond delay="0"/>
                             </p:stCondLst>
                             <p:childTnLst>
                               <p:par>
-                                <p:cTn id="17" presetID="1" presetClass="entr" presetSubtype="0" fill="hold" nodeType="clickEffect">
+                                <p:cTn id="21" presetID="1" presetClass="entr" presetSubtype="0" fill="hold" nodeType="clickEffect">
                                   <p:stCondLst>
                                     <p:cond delay="0"/>
                                   </p:stCondLst>
                                   <p:childTnLst>
                                     <p:set>
                                       <p:cBhvr>
-                                        <p:cTn id="18" dur="1" fill="hold">
+                                        <p:cTn id="22" dur="1" fill="hold">
                                           <p:stCondLst>
                                             <p:cond delay="0"/>
                                           </p:stCondLst>
@@ -18338,7 +20880,11 @@
             </a:r>
             <a:r>
               <a:rPr lang="bg-BG" sz="2800" dirty="0"/>
-              <a:t> на ИС</a:t>
+              <a:t> на </a:t>
+            </a:r>
+            <a:r>
+              <a:rPr lang="bg-BG" sz="2800" b="1" dirty="0"/>
+              <a:t>ИС</a:t>
             </a:r>
           </a:p>
           <a:p>

--- a/Courses/Software-Sciences/Module-4-Information-Systems-New/09-Life-cycle-of-Information-System/09-Life-cycle-of-Information-System.pptx
+++ b/Courses/Software-Sciences/Module-4-Information-Systems-New/09-Life-cycle-of-Information-System/09-Life-cycle-of-Information-System.pptx
@@ -303,7 +303,7 @@
           <a:p>
             <a:fld id="{4E087215-0C8F-4762-A664-737A353EC9A4}" type="datetimeFigureOut">
               <a:rPr lang="bg-BG" smtClean="0"/>
-              <a:t>19.07.24 г.</a:t>
+              <a:t>29.07.24 г.</a:t>
             </a:fld>
             <a:endParaRPr lang="bg-BG"/>
           </a:p>
@@ -499,7 +499,7 @@
           <a:p>
             <a:fld id="{72D84649-876A-46C9-8472-14CB09C070D8}" type="datetimeFigureOut">
               <a:rPr lang="en-US" smtClean="0"/>
-              <a:t>7/19/24</a:t>
+              <a:t>7/29/24</a:t>
             </a:fld>
             <a:endParaRPr lang="en-US"/>
           </a:p>
@@ -12135,7 +12135,7 @@
                                         <p:tgtEl>
                                           <p:spTgt spid="7">
                                             <p:txEl>
-                                              <p:charRg st="0" end="19"/>
+                                              <p:pRg st="0" end="0"/>
                                             </p:txEl>
                                           </p:spTgt>
                                         </p:tgtEl>
@@ -12166,7 +12166,7 @@
                                         <p:tgtEl>
                                           <p:spTgt spid="7">
                                             <p:txEl>
-                                              <p:charRg st="19" end="51"/>
+                                              <p:pRg st="1" end="1"/>
                                             </p:txEl>
                                           </p:spTgt>
                                         </p:tgtEl>
@@ -18053,7 +18053,7 @@
 </file>
 
 <file path=ppt/slides/slide25.xml><?xml version="1.0" encoding="utf-8"?>
-<p:sld xmlns:a="http://schemas.openxmlformats.org/drawingml/2006/main" xmlns:r="http://schemas.openxmlformats.org/officeDocument/2006/relationships" xmlns:p="http://schemas.openxmlformats.org/presentationml/2006/main">
+<p:sld xmlns:a="http://schemas.openxmlformats.org/drawingml/2006/main" xmlns:r="http://schemas.openxmlformats.org/officeDocument/2006/relationships" xmlns:p="http://schemas.openxmlformats.org/presentationml/2006/main" show="0">
   <p:cSld>
     <p:spTree>
       <p:nvGrpSpPr>
@@ -18424,11 +18424,11 @@
   <p:clrMapOvr>
     <a:masterClrMapping/>
   </p:clrMapOvr>
-  <mc:AlternateContent xmlns:mc="http://schemas.openxmlformats.org/markup-compatibility/2006" xmlns:p14="http://schemas.microsoft.com/office/powerpoint/2010/main">
-    <mc:Choice Requires="p14">
+  <mc:AlternateContent xmlns:mc="http://schemas.openxmlformats.org/markup-compatibility/2006">
+    <mc:Choice xmlns:p14="http://schemas.microsoft.com/office/powerpoint/2010/main" Requires="p14">
       <p:transition spd="slow" p14:dur="2000" advClick="0" advTm="5000"/>
     </mc:Choice>
-    <mc:Fallback xmlns="">
+    <mc:Fallback>
       <p:transition spd="slow" advClick="0" advTm="5000"/>
     </mc:Fallback>
   </mc:AlternateContent>
@@ -18783,12 +18783,893 @@
           </a:p>
         </p:txBody>
       </p:sp>
+      <p:sp>
+        <p:nvSpPr>
+          <p:cNvPr id="3" name="Rounded Rectangle 2">
+            <a:extLst>
+              <a:ext uri="{FF2B5EF4-FFF2-40B4-BE49-F238E27FC236}">
+                <a16:creationId xmlns:a16="http://schemas.microsoft.com/office/drawing/2014/main" id="{89FD9C11-94F8-73F4-9398-3FEA3F371AC7}"/>
+              </a:ext>
+            </a:extLst>
+          </p:cNvPr>
+          <p:cNvSpPr/>
+          <p:nvPr/>
+        </p:nvSpPr>
+        <p:spPr bwMode="auto">
+          <a:xfrm>
+            <a:off x="8254061" y="3917052"/>
+            <a:ext cx="2430000" cy="720000"/>
+          </a:xfrm>
+          <a:prstGeom prst="roundRect">
+            <a:avLst/>
+          </a:prstGeom>
+          <a:solidFill>
+            <a:schemeClr val="dk2">
+              <a:alpha val="80000"/>
+            </a:schemeClr>
+          </a:solidFill>
+          <a:ln w="19050">
+            <a:solidFill>
+              <a:schemeClr val="tx1">
+                <a:lumMod val="75000"/>
+                <a:alpha val="80000"/>
+              </a:schemeClr>
+            </a:solidFill>
+          </a:ln>
+          <a:effectLst/>
+        </p:spPr>
+        <p:style>
+          <a:lnRef idx="2">
+            <a:schemeClr val="accent1">
+              <a:shade val="50000"/>
+            </a:schemeClr>
+          </a:lnRef>
+          <a:fillRef idx="1001">
+            <a:schemeClr val="dk2"/>
+          </a:fillRef>
+          <a:effectRef idx="0">
+            <a:schemeClr val="accent1"/>
+          </a:effectRef>
+          <a:fontRef idx="minor">
+            <a:schemeClr val="lt1"/>
+          </a:fontRef>
+        </p:style>
+        <p:txBody>
+          <a:bodyPr rot="0" spcFirstLastPara="0" vertOverflow="overflow" horzOverflow="overflow" vert="horz" wrap="square" lIns="91440" tIns="45720" rIns="91440" bIns="45720" numCol="1" spcCol="0" rtlCol="0" fromWordArt="0" anchor="ctr" anchorCtr="0" forceAA="0" compatLnSpc="1">
+            <a:prstTxWarp prst="textNoShape">
+              <a:avLst/>
+            </a:prstTxWarp>
+            <a:noAutofit/>
+          </a:bodyPr>
+          <a:lstStyle/>
+          <a:p>
+            <a:pPr algn="ctr"/>
+            <a:r>
+              <a:rPr lang="bg-BG" sz="2800" b="1" dirty="0">
+                <a:solidFill>
+                  <a:srgbClr val="FFFFFF"/>
+                </a:solidFill>
+                <a:effectLst>
+                  <a:outerShdw blurRad="38100" dist="38100" dir="2700000" algn="tl">
+                    <a:srgbClr val="000000">
+                      <a:alpha val="43137"/>
+                    </a:srgbClr>
+                  </a:outerShdw>
+                </a:effectLst>
+              </a:rPr>
+              <a:t>Проектиране</a:t>
+            </a:r>
+          </a:p>
+        </p:txBody>
+      </p:sp>
+      <p:sp>
+        <p:nvSpPr>
+          <p:cNvPr id="6" name="Right Arrow 5">
+            <a:extLst>
+              <a:ext uri="{FF2B5EF4-FFF2-40B4-BE49-F238E27FC236}">
+                <a16:creationId xmlns:a16="http://schemas.microsoft.com/office/drawing/2014/main" id="{D8D90AA5-3F3E-4582-8526-717A926AEAFC}"/>
+              </a:ext>
+            </a:extLst>
+          </p:cNvPr>
+          <p:cNvSpPr/>
+          <p:nvPr/>
+        </p:nvSpPr>
+        <p:spPr bwMode="auto">
+          <a:xfrm>
+            <a:off x="3609603" y="4135130"/>
+            <a:ext cx="585000" cy="405000"/>
+          </a:xfrm>
+          <a:prstGeom prst="rightArrow">
+            <a:avLst/>
+          </a:prstGeom>
+          <a:solidFill>
+            <a:schemeClr val="dk2">
+              <a:alpha val="80000"/>
+            </a:schemeClr>
+          </a:solidFill>
+          <a:ln w="19050">
+            <a:solidFill>
+              <a:schemeClr val="tx1">
+                <a:lumMod val="75000"/>
+                <a:alpha val="80000"/>
+              </a:schemeClr>
+            </a:solidFill>
+          </a:ln>
+          <a:effectLst/>
+        </p:spPr>
+        <p:style>
+          <a:lnRef idx="2">
+            <a:schemeClr val="accent1">
+              <a:shade val="50000"/>
+            </a:schemeClr>
+          </a:lnRef>
+          <a:fillRef idx="1001">
+            <a:schemeClr val="dk2"/>
+          </a:fillRef>
+          <a:effectRef idx="0">
+            <a:schemeClr val="accent1"/>
+          </a:effectRef>
+          <a:fontRef idx="minor">
+            <a:schemeClr val="lt1"/>
+          </a:fontRef>
+        </p:style>
+        <p:txBody>
+          <a:bodyPr rot="0" spcFirstLastPara="0" vertOverflow="overflow" horzOverflow="overflow" vert="horz" wrap="square" lIns="91440" tIns="45720" rIns="91440" bIns="45720" numCol="1" spcCol="0" rtlCol="0" fromWordArt="0" anchor="ctr" anchorCtr="0" forceAA="0" compatLnSpc="1">
+            <a:prstTxWarp prst="textNoShape">
+              <a:avLst/>
+            </a:prstTxWarp>
+            <a:noAutofit/>
+          </a:bodyPr>
+          <a:lstStyle/>
+          <a:p>
+            <a:pPr algn="ctr"/>
+            <a:endParaRPr lang="bg-BG" sz="2800" b="1" dirty="0">
+              <a:solidFill>
+                <a:srgbClr val="FFFFFF"/>
+              </a:solidFill>
+              <a:effectLst>
+                <a:outerShdw blurRad="38100" dist="38100" dir="2700000" algn="tl">
+                  <a:srgbClr val="000000">
+                    <a:alpha val="43137"/>
+                  </a:srgbClr>
+                </a:outerShdw>
+              </a:effectLst>
+            </a:endParaRPr>
+          </a:p>
+        </p:txBody>
+      </p:sp>
+      <p:sp>
+        <p:nvSpPr>
+          <p:cNvPr id="8" name="Rounded Rectangle 7">
+            <a:extLst>
+              <a:ext uri="{FF2B5EF4-FFF2-40B4-BE49-F238E27FC236}">
+                <a16:creationId xmlns:a16="http://schemas.microsoft.com/office/drawing/2014/main" id="{64FB2C79-91BD-1608-C930-9F7A63A29643}"/>
+              </a:ext>
+            </a:extLst>
+          </p:cNvPr>
+          <p:cNvSpPr/>
+          <p:nvPr/>
+        </p:nvSpPr>
+        <p:spPr bwMode="auto">
+          <a:xfrm>
+            <a:off x="1035145" y="5409000"/>
+            <a:ext cx="2857206" cy="720000"/>
+          </a:xfrm>
+          <a:prstGeom prst="roundRect">
+            <a:avLst/>
+          </a:prstGeom>
+          <a:solidFill>
+            <a:schemeClr val="dk2">
+              <a:alpha val="80000"/>
+            </a:schemeClr>
+          </a:solidFill>
+          <a:ln w="19050">
+            <a:solidFill>
+              <a:schemeClr val="tx1">
+                <a:lumMod val="75000"/>
+                <a:alpha val="80000"/>
+              </a:schemeClr>
+            </a:solidFill>
+          </a:ln>
+          <a:effectLst/>
+        </p:spPr>
+        <p:style>
+          <a:lnRef idx="2">
+            <a:schemeClr val="accent1">
+              <a:shade val="50000"/>
+            </a:schemeClr>
+          </a:lnRef>
+          <a:fillRef idx="1001">
+            <a:schemeClr val="dk2"/>
+          </a:fillRef>
+          <a:effectRef idx="0">
+            <a:schemeClr val="accent1"/>
+          </a:effectRef>
+          <a:fontRef idx="minor">
+            <a:schemeClr val="lt1"/>
+          </a:fontRef>
+        </p:style>
+        <p:txBody>
+          <a:bodyPr rot="0" spcFirstLastPara="0" vertOverflow="overflow" horzOverflow="overflow" vert="horz" wrap="square" lIns="91440" tIns="45720" rIns="91440" bIns="45720" numCol="1" spcCol="0" rtlCol="0" fromWordArt="0" anchor="ctr" anchorCtr="0" forceAA="0" compatLnSpc="1">
+            <a:prstTxWarp prst="textNoShape">
+              <a:avLst/>
+            </a:prstTxWarp>
+            <a:noAutofit/>
+          </a:bodyPr>
+          <a:lstStyle/>
+          <a:p>
+            <a:pPr algn="ctr"/>
+            <a:r>
+              <a:rPr lang="bg-BG" sz="2800" b="1" dirty="0">
+                <a:solidFill>
+                  <a:srgbClr val="FFFFFF"/>
+                </a:solidFill>
+                <a:effectLst>
+                  <a:outerShdw blurRad="38100" dist="38100" dir="2700000" algn="tl">
+                    <a:srgbClr val="000000">
+                      <a:alpha val="43137"/>
+                    </a:srgbClr>
+                  </a:outerShdw>
+                </a:effectLst>
+              </a:rPr>
+              <a:t>Имплементация</a:t>
+            </a:r>
+          </a:p>
+        </p:txBody>
+      </p:sp>
+      <p:sp>
+        <p:nvSpPr>
+          <p:cNvPr id="9" name="Right Arrow 8">
+            <a:extLst>
+              <a:ext uri="{FF2B5EF4-FFF2-40B4-BE49-F238E27FC236}">
+                <a16:creationId xmlns:a16="http://schemas.microsoft.com/office/drawing/2014/main" id="{EC9B23BE-DCA6-8004-068D-A8792EF484FD}"/>
+              </a:ext>
+            </a:extLst>
+          </p:cNvPr>
+          <p:cNvSpPr/>
+          <p:nvPr/>
+        </p:nvSpPr>
+        <p:spPr bwMode="auto">
+          <a:xfrm>
+            <a:off x="7524603" y="4112630"/>
+            <a:ext cx="585000" cy="405000"/>
+          </a:xfrm>
+          <a:prstGeom prst="rightArrow">
+            <a:avLst/>
+          </a:prstGeom>
+          <a:solidFill>
+            <a:schemeClr val="dk2">
+              <a:alpha val="80000"/>
+            </a:schemeClr>
+          </a:solidFill>
+          <a:ln w="19050">
+            <a:solidFill>
+              <a:schemeClr val="tx1">
+                <a:lumMod val="75000"/>
+                <a:alpha val="80000"/>
+              </a:schemeClr>
+            </a:solidFill>
+          </a:ln>
+          <a:effectLst/>
+        </p:spPr>
+        <p:style>
+          <a:lnRef idx="2">
+            <a:schemeClr val="accent1">
+              <a:shade val="50000"/>
+            </a:schemeClr>
+          </a:lnRef>
+          <a:fillRef idx="1001">
+            <a:schemeClr val="dk2"/>
+          </a:fillRef>
+          <a:effectRef idx="0">
+            <a:schemeClr val="accent1"/>
+          </a:effectRef>
+          <a:fontRef idx="minor">
+            <a:schemeClr val="lt1"/>
+          </a:fontRef>
+        </p:style>
+        <p:txBody>
+          <a:bodyPr rot="0" spcFirstLastPara="0" vertOverflow="overflow" horzOverflow="overflow" vert="horz" wrap="square" lIns="91440" tIns="45720" rIns="91440" bIns="45720" numCol="1" spcCol="0" rtlCol="0" fromWordArt="0" anchor="ctr" anchorCtr="0" forceAA="0" compatLnSpc="1">
+            <a:prstTxWarp prst="textNoShape">
+              <a:avLst/>
+            </a:prstTxWarp>
+            <a:noAutofit/>
+          </a:bodyPr>
+          <a:lstStyle/>
+          <a:p>
+            <a:pPr algn="ctr"/>
+            <a:endParaRPr lang="bg-BG" sz="2800" b="1" dirty="0">
+              <a:solidFill>
+                <a:srgbClr val="FFFFFF"/>
+              </a:solidFill>
+              <a:effectLst>
+                <a:outerShdw blurRad="38100" dist="38100" dir="2700000" algn="tl">
+                  <a:srgbClr val="000000">
+                    <a:alpha val="43137"/>
+                  </a:srgbClr>
+                </a:outerShdw>
+              </a:effectLst>
+            </a:endParaRPr>
+          </a:p>
+        </p:txBody>
+      </p:sp>
+      <p:sp>
+        <p:nvSpPr>
+          <p:cNvPr id="10" name="Rounded Rectangle 9">
+            <a:extLst>
+              <a:ext uri="{FF2B5EF4-FFF2-40B4-BE49-F238E27FC236}">
+                <a16:creationId xmlns:a16="http://schemas.microsoft.com/office/drawing/2014/main" id="{6D2F1712-3143-6607-513D-4AF452C5D85C}"/>
+              </a:ext>
+            </a:extLst>
+          </p:cNvPr>
+          <p:cNvSpPr/>
+          <p:nvPr/>
+        </p:nvSpPr>
+        <p:spPr bwMode="auto">
+          <a:xfrm>
+            <a:off x="4736542" y="5409000"/>
+            <a:ext cx="2430000" cy="720000"/>
+          </a:xfrm>
+          <a:prstGeom prst="roundRect">
+            <a:avLst/>
+          </a:prstGeom>
+          <a:solidFill>
+            <a:schemeClr val="dk2">
+              <a:alpha val="80000"/>
+            </a:schemeClr>
+          </a:solidFill>
+          <a:ln w="19050">
+            <a:solidFill>
+              <a:schemeClr val="tx1">
+                <a:lumMod val="75000"/>
+                <a:alpha val="80000"/>
+              </a:schemeClr>
+            </a:solidFill>
+          </a:ln>
+          <a:effectLst/>
+        </p:spPr>
+        <p:style>
+          <a:lnRef idx="2">
+            <a:schemeClr val="accent1">
+              <a:shade val="50000"/>
+            </a:schemeClr>
+          </a:lnRef>
+          <a:fillRef idx="1001">
+            <a:schemeClr val="dk2"/>
+          </a:fillRef>
+          <a:effectRef idx="0">
+            <a:schemeClr val="accent1"/>
+          </a:effectRef>
+          <a:fontRef idx="minor">
+            <a:schemeClr val="lt1"/>
+          </a:fontRef>
+        </p:style>
+        <p:txBody>
+          <a:bodyPr rot="0" spcFirstLastPara="0" vertOverflow="overflow" horzOverflow="overflow" vert="horz" wrap="square" lIns="91440" tIns="45720" rIns="91440" bIns="45720" numCol="1" spcCol="0" rtlCol="0" fromWordArt="0" anchor="ctr" anchorCtr="0" forceAA="0" compatLnSpc="1">
+            <a:prstTxWarp prst="textNoShape">
+              <a:avLst/>
+            </a:prstTxWarp>
+            <a:noAutofit/>
+          </a:bodyPr>
+          <a:lstStyle/>
+          <a:p>
+            <a:pPr algn="ctr"/>
+            <a:r>
+              <a:rPr lang="bg-BG" sz="2800" b="1" dirty="0">
+                <a:solidFill>
+                  <a:srgbClr val="FFFFFF"/>
+                </a:solidFill>
+                <a:effectLst>
+                  <a:outerShdw blurRad="38100" dist="38100" dir="2700000" algn="tl">
+                    <a:srgbClr val="000000">
+                      <a:alpha val="43137"/>
+                    </a:srgbClr>
+                  </a:outerShdw>
+                </a:effectLst>
+              </a:rPr>
+              <a:t>Тестване</a:t>
+            </a:r>
+          </a:p>
+        </p:txBody>
+      </p:sp>
+      <p:sp>
+        <p:nvSpPr>
+          <p:cNvPr id="11" name="Rounded Rectangle 10">
+            <a:extLst>
+              <a:ext uri="{FF2B5EF4-FFF2-40B4-BE49-F238E27FC236}">
+                <a16:creationId xmlns:a16="http://schemas.microsoft.com/office/drawing/2014/main" id="{9771699C-DFAF-0118-C7C7-D700AB2A654B}"/>
+              </a:ext>
+            </a:extLst>
+          </p:cNvPr>
+          <p:cNvSpPr/>
+          <p:nvPr/>
+        </p:nvSpPr>
+        <p:spPr bwMode="auto">
+          <a:xfrm>
+            <a:off x="8346000" y="5379443"/>
+            <a:ext cx="2430000" cy="720000"/>
+          </a:xfrm>
+          <a:prstGeom prst="roundRect">
+            <a:avLst/>
+          </a:prstGeom>
+          <a:solidFill>
+            <a:schemeClr val="dk2">
+              <a:alpha val="80000"/>
+            </a:schemeClr>
+          </a:solidFill>
+          <a:ln w="19050">
+            <a:solidFill>
+              <a:schemeClr val="tx1">
+                <a:lumMod val="75000"/>
+                <a:alpha val="80000"/>
+              </a:schemeClr>
+            </a:solidFill>
+          </a:ln>
+          <a:effectLst/>
+        </p:spPr>
+        <p:style>
+          <a:lnRef idx="2">
+            <a:schemeClr val="accent1">
+              <a:shade val="50000"/>
+            </a:schemeClr>
+          </a:lnRef>
+          <a:fillRef idx="1001">
+            <a:schemeClr val="dk2"/>
+          </a:fillRef>
+          <a:effectRef idx="0">
+            <a:schemeClr val="accent1"/>
+          </a:effectRef>
+          <a:fontRef idx="minor">
+            <a:schemeClr val="lt1"/>
+          </a:fontRef>
+        </p:style>
+        <p:txBody>
+          <a:bodyPr rot="0" spcFirstLastPara="0" vertOverflow="overflow" horzOverflow="overflow" vert="horz" wrap="square" lIns="91440" tIns="45720" rIns="91440" bIns="45720" numCol="1" spcCol="0" rtlCol="0" fromWordArt="0" anchor="ctr" anchorCtr="0" forceAA="0" compatLnSpc="1">
+            <a:prstTxWarp prst="textNoShape">
+              <a:avLst/>
+            </a:prstTxWarp>
+            <a:noAutofit/>
+          </a:bodyPr>
+          <a:lstStyle/>
+          <a:p>
+            <a:pPr algn="ctr"/>
+            <a:r>
+              <a:rPr lang="bg-BG" sz="2800" b="1" dirty="0">
+                <a:solidFill>
+                  <a:srgbClr val="FFFFFF"/>
+                </a:solidFill>
+                <a:effectLst>
+                  <a:outerShdw blurRad="38100" dist="38100" dir="2700000" algn="tl">
+                    <a:srgbClr val="000000">
+                      <a:alpha val="43137"/>
+                    </a:srgbClr>
+                  </a:outerShdw>
+                </a:effectLst>
+              </a:rPr>
+              <a:t>Тестване</a:t>
+            </a:r>
+          </a:p>
+        </p:txBody>
+      </p:sp>
+      <p:sp>
+        <p:nvSpPr>
+          <p:cNvPr id="12" name="Right Arrow 11">
+            <a:extLst>
+              <a:ext uri="{FF2B5EF4-FFF2-40B4-BE49-F238E27FC236}">
+                <a16:creationId xmlns:a16="http://schemas.microsoft.com/office/drawing/2014/main" id="{60FEDD12-AB40-EC6F-0691-85A3CFE7EDB8}"/>
+              </a:ext>
+            </a:extLst>
+          </p:cNvPr>
+          <p:cNvSpPr/>
+          <p:nvPr/>
+        </p:nvSpPr>
+        <p:spPr bwMode="auto">
+          <a:xfrm>
+            <a:off x="7616542" y="5565336"/>
+            <a:ext cx="585000" cy="405000"/>
+          </a:xfrm>
+          <a:prstGeom prst="rightArrow">
+            <a:avLst/>
+          </a:prstGeom>
+          <a:solidFill>
+            <a:schemeClr val="dk2">
+              <a:alpha val="80000"/>
+            </a:schemeClr>
+          </a:solidFill>
+          <a:ln w="19050">
+            <a:solidFill>
+              <a:schemeClr val="tx1">
+                <a:lumMod val="75000"/>
+                <a:alpha val="80000"/>
+              </a:schemeClr>
+            </a:solidFill>
+          </a:ln>
+          <a:effectLst/>
+        </p:spPr>
+        <p:style>
+          <a:lnRef idx="2">
+            <a:schemeClr val="accent1">
+              <a:shade val="50000"/>
+            </a:schemeClr>
+          </a:lnRef>
+          <a:fillRef idx="1001">
+            <a:schemeClr val="dk2"/>
+          </a:fillRef>
+          <a:effectRef idx="0">
+            <a:schemeClr val="accent1"/>
+          </a:effectRef>
+          <a:fontRef idx="minor">
+            <a:schemeClr val="lt1"/>
+          </a:fontRef>
+        </p:style>
+        <p:txBody>
+          <a:bodyPr rot="0" spcFirstLastPara="0" vertOverflow="overflow" horzOverflow="overflow" vert="horz" wrap="square" lIns="91440" tIns="45720" rIns="91440" bIns="45720" numCol="1" spcCol="0" rtlCol="0" fromWordArt="0" anchor="ctr" anchorCtr="0" forceAA="0" compatLnSpc="1">
+            <a:prstTxWarp prst="textNoShape">
+              <a:avLst/>
+            </a:prstTxWarp>
+            <a:noAutofit/>
+          </a:bodyPr>
+          <a:lstStyle/>
+          <a:p>
+            <a:pPr algn="ctr"/>
+            <a:endParaRPr lang="bg-BG" sz="2800" b="1" dirty="0">
+              <a:solidFill>
+                <a:srgbClr val="FFFFFF"/>
+              </a:solidFill>
+              <a:effectLst>
+                <a:outerShdw blurRad="38100" dist="38100" dir="2700000" algn="tl">
+                  <a:srgbClr val="000000">
+                    <a:alpha val="43137"/>
+                  </a:srgbClr>
+                </a:outerShdw>
+              </a:effectLst>
+            </a:endParaRPr>
+          </a:p>
+        </p:txBody>
+      </p:sp>
+      <p:sp>
+        <p:nvSpPr>
+          <p:cNvPr id="13" name="Right Arrow 12">
+            <a:extLst>
+              <a:ext uri="{FF2B5EF4-FFF2-40B4-BE49-F238E27FC236}">
+                <a16:creationId xmlns:a16="http://schemas.microsoft.com/office/drawing/2014/main" id="{DF8E0ED8-E97D-4C24-6F17-33063BEC2DE3}"/>
+              </a:ext>
+            </a:extLst>
+          </p:cNvPr>
+          <p:cNvSpPr/>
+          <p:nvPr/>
+        </p:nvSpPr>
+        <p:spPr bwMode="auto">
+          <a:xfrm>
+            <a:off x="4021671" y="5536943"/>
+            <a:ext cx="585000" cy="405000"/>
+          </a:xfrm>
+          <a:prstGeom prst="rightArrow">
+            <a:avLst/>
+          </a:prstGeom>
+          <a:solidFill>
+            <a:schemeClr val="dk2">
+              <a:alpha val="80000"/>
+            </a:schemeClr>
+          </a:solidFill>
+          <a:ln w="19050">
+            <a:solidFill>
+              <a:schemeClr val="tx1">
+                <a:lumMod val="75000"/>
+                <a:alpha val="80000"/>
+              </a:schemeClr>
+            </a:solidFill>
+          </a:ln>
+          <a:effectLst/>
+        </p:spPr>
+        <p:style>
+          <a:lnRef idx="2">
+            <a:schemeClr val="accent1">
+              <a:shade val="50000"/>
+            </a:schemeClr>
+          </a:lnRef>
+          <a:fillRef idx="1001">
+            <a:schemeClr val="dk2"/>
+          </a:fillRef>
+          <a:effectRef idx="0">
+            <a:schemeClr val="accent1"/>
+          </a:effectRef>
+          <a:fontRef idx="minor">
+            <a:schemeClr val="lt1"/>
+          </a:fontRef>
+        </p:style>
+        <p:txBody>
+          <a:bodyPr rot="0" spcFirstLastPara="0" vertOverflow="overflow" horzOverflow="overflow" vert="horz" wrap="square" lIns="91440" tIns="45720" rIns="91440" bIns="45720" numCol="1" spcCol="0" rtlCol="0" fromWordArt="0" anchor="ctr" anchorCtr="0" forceAA="0" compatLnSpc="1">
+            <a:prstTxWarp prst="textNoShape">
+              <a:avLst/>
+            </a:prstTxWarp>
+            <a:noAutofit/>
+          </a:bodyPr>
+          <a:lstStyle/>
+          <a:p>
+            <a:pPr algn="ctr"/>
+            <a:endParaRPr lang="bg-BG" sz="2800" b="1" dirty="0">
+              <a:solidFill>
+                <a:srgbClr val="FFFFFF"/>
+              </a:solidFill>
+              <a:effectLst>
+                <a:outerShdw blurRad="38100" dist="38100" dir="2700000" algn="tl">
+                  <a:srgbClr val="000000">
+                    <a:alpha val="43137"/>
+                  </a:srgbClr>
+                </a:outerShdw>
+              </a:effectLst>
+            </a:endParaRPr>
+          </a:p>
+        </p:txBody>
+      </p:sp>
+      <p:sp>
+        <p:nvSpPr>
+          <p:cNvPr id="14" name="Rounded Rectangle 13">
+            <a:extLst>
+              <a:ext uri="{FF2B5EF4-FFF2-40B4-BE49-F238E27FC236}">
+                <a16:creationId xmlns:a16="http://schemas.microsoft.com/office/drawing/2014/main" id="{4D418687-07A7-9D73-D73F-1AEAB0EE3380}"/>
+              </a:ext>
+            </a:extLst>
+          </p:cNvPr>
+          <p:cNvSpPr/>
+          <p:nvPr/>
+        </p:nvSpPr>
+        <p:spPr bwMode="auto">
+          <a:xfrm>
+            <a:off x="4632548" y="3744001"/>
+            <a:ext cx="2430000" cy="1079999"/>
+          </a:xfrm>
+          <a:prstGeom prst="roundRect">
+            <a:avLst/>
+          </a:prstGeom>
+          <a:solidFill>
+            <a:schemeClr val="dk2">
+              <a:alpha val="80000"/>
+            </a:schemeClr>
+          </a:solidFill>
+          <a:ln w="19050">
+            <a:solidFill>
+              <a:schemeClr val="tx1">
+                <a:lumMod val="75000"/>
+                <a:alpha val="80000"/>
+              </a:schemeClr>
+            </a:solidFill>
+          </a:ln>
+          <a:effectLst/>
+        </p:spPr>
+        <p:style>
+          <a:lnRef idx="2">
+            <a:schemeClr val="accent1">
+              <a:shade val="50000"/>
+            </a:schemeClr>
+          </a:lnRef>
+          <a:fillRef idx="1001">
+            <a:schemeClr val="dk2"/>
+          </a:fillRef>
+          <a:effectRef idx="0">
+            <a:schemeClr val="accent1"/>
+          </a:effectRef>
+          <a:fontRef idx="minor">
+            <a:schemeClr val="lt1"/>
+          </a:fontRef>
+        </p:style>
+        <p:txBody>
+          <a:bodyPr rot="0" spcFirstLastPara="0" vertOverflow="overflow" horzOverflow="overflow" vert="horz" wrap="square" lIns="91440" tIns="45720" rIns="91440" bIns="45720" numCol="1" spcCol="0" rtlCol="0" fromWordArt="0" anchor="ctr" anchorCtr="0" forceAA="0" compatLnSpc="1">
+            <a:prstTxWarp prst="textNoShape">
+              <a:avLst/>
+            </a:prstTxWarp>
+            <a:noAutofit/>
+          </a:bodyPr>
+          <a:lstStyle/>
+          <a:p>
+            <a:pPr algn="ctr"/>
+            <a:r>
+              <a:rPr lang="bg-BG" sz="2800" b="1" dirty="0">
+                <a:solidFill>
+                  <a:srgbClr val="FFFFFF"/>
+                </a:solidFill>
+                <a:effectLst>
+                  <a:outerShdw blurRad="38100" dist="38100" dir="2700000" algn="tl">
+                    <a:srgbClr val="000000">
+                      <a:alpha val="43137"/>
+                    </a:srgbClr>
+                  </a:outerShdw>
+                </a:effectLst>
+              </a:rPr>
+              <a:t>Анализ </a:t>
+            </a:r>
+            <a:r>
+              <a:rPr lang="bg-BG" sz="2800" b="1">
+                <a:solidFill>
+                  <a:srgbClr val="FFFFFF"/>
+                </a:solidFill>
+                <a:effectLst>
+                  <a:outerShdw blurRad="38100" dist="38100" dir="2700000" algn="tl">
+                    <a:srgbClr val="000000">
+                      <a:alpha val="43137"/>
+                    </a:srgbClr>
+                  </a:outerShdw>
+                </a:effectLst>
+              </a:rPr>
+              <a:t>на изискванията</a:t>
+            </a:r>
+            <a:endParaRPr lang="bg-BG" sz="2800" b="1" dirty="0">
+              <a:solidFill>
+                <a:srgbClr val="FFFFFF"/>
+              </a:solidFill>
+              <a:effectLst>
+                <a:outerShdw blurRad="38100" dist="38100" dir="2700000" algn="tl">
+                  <a:srgbClr val="000000">
+                    <a:alpha val="43137"/>
+                  </a:srgbClr>
+                </a:outerShdw>
+              </a:effectLst>
+            </a:endParaRPr>
+          </a:p>
+        </p:txBody>
+      </p:sp>
+      <p:sp>
+        <p:nvSpPr>
+          <p:cNvPr id="15" name="Rounded Rectangle 14">
+            <a:extLst>
+              <a:ext uri="{FF2B5EF4-FFF2-40B4-BE49-F238E27FC236}">
+                <a16:creationId xmlns:a16="http://schemas.microsoft.com/office/drawing/2014/main" id="{1D482733-CEB5-CD6E-B9C0-C2B4E1840FE3}"/>
+              </a:ext>
+            </a:extLst>
+          </p:cNvPr>
+          <p:cNvSpPr/>
+          <p:nvPr/>
+        </p:nvSpPr>
+        <p:spPr bwMode="auto">
+          <a:xfrm>
+            <a:off x="1011035" y="3744001"/>
+            <a:ext cx="2430000" cy="1168842"/>
+          </a:xfrm>
+          <a:prstGeom prst="roundRect">
+            <a:avLst/>
+          </a:prstGeom>
+          <a:solidFill>
+            <a:schemeClr val="dk2">
+              <a:alpha val="80000"/>
+            </a:schemeClr>
+          </a:solidFill>
+          <a:ln w="19050">
+            <a:solidFill>
+              <a:schemeClr val="tx1">
+                <a:lumMod val="75000"/>
+                <a:alpha val="80000"/>
+              </a:schemeClr>
+            </a:solidFill>
+          </a:ln>
+          <a:effectLst/>
+        </p:spPr>
+        <p:style>
+          <a:lnRef idx="2">
+            <a:schemeClr val="accent1">
+              <a:shade val="50000"/>
+            </a:schemeClr>
+          </a:lnRef>
+          <a:fillRef idx="1001">
+            <a:schemeClr val="dk2"/>
+          </a:fillRef>
+          <a:effectRef idx="0">
+            <a:schemeClr val="accent1"/>
+          </a:effectRef>
+          <a:fontRef idx="minor">
+            <a:schemeClr val="lt1"/>
+          </a:fontRef>
+        </p:style>
+        <p:txBody>
+          <a:bodyPr rot="0" spcFirstLastPara="0" vertOverflow="overflow" horzOverflow="overflow" vert="horz" wrap="square" lIns="91440" tIns="45720" rIns="91440" bIns="45720" numCol="1" spcCol="0" rtlCol="0" fromWordArt="0" anchor="ctr" anchorCtr="0" forceAA="0" compatLnSpc="1">
+            <a:prstTxWarp prst="textNoShape">
+              <a:avLst/>
+            </a:prstTxWarp>
+            <a:noAutofit/>
+          </a:bodyPr>
+          <a:lstStyle/>
+          <a:p>
+            <a:pPr algn="ctr"/>
+            <a:r>
+              <a:rPr lang="bg-BG" sz="2800" b="1" dirty="0">
+                <a:solidFill>
+                  <a:srgbClr val="FFFFFF"/>
+                </a:solidFill>
+                <a:effectLst>
+                  <a:outerShdw blurRad="38100" dist="38100" dir="2700000" algn="tl">
+                    <a:srgbClr val="000000">
+                      <a:alpha val="43137"/>
+                    </a:srgbClr>
+                  </a:outerShdw>
+                </a:effectLst>
+              </a:rPr>
+              <a:t>Събиране на изисквания</a:t>
+            </a:r>
+          </a:p>
+        </p:txBody>
+      </p:sp>
+      <p:sp>
+        <p:nvSpPr>
+          <p:cNvPr id="16" name="Right Arrow 15">
+            <a:extLst>
+              <a:ext uri="{FF2B5EF4-FFF2-40B4-BE49-F238E27FC236}">
+                <a16:creationId xmlns:a16="http://schemas.microsoft.com/office/drawing/2014/main" id="{FD2C24BA-7453-697E-AFFF-A4C93018C421}"/>
+              </a:ext>
+            </a:extLst>
+          </p:cNvPr>
+          <p:cNvSpPr/>
+          <p:nvPr/>
+        </p:nvSpPr>
+        <p:spPr bwMode="auto">
+          <a:xfrm>
+            <a:off x="335210" y="5662293"/>
+            <a:ext cx="585000" cy="405000"/>
+          </a:xfrm>
+          <a:prstGeom prst="rightArrow">
+            <a:avLst/>
+          </a:prstGeom>
+          <a:solidFill>
+            <a:schemeClr val="dk2">
+              <a:alpha val="80000"/>
+            </a:schemeClr>
+          </a:solidFill>
+          <a:ln w="19050">
+            <a:solidFill>
+              <a:schemeClr val="tx1">
+                <a:lumMod val="75000"/>
+                <a:alpha val="80000"/>
+              </a:schemeClr>
+            </a:solidFill>
+          </a:ln>
+          <a:effectLst/>
+        </p:spPr>
+        <p:style>
+          <a:lnRef idx="2">
+            <a:schemeClr val="accent1">
+              <a:shade val="50000"/>
+            </a:schemeClr>
+          </a:lnRef>
+          <a:fillRef idx="1001">
+            <a:schemeClr val="dk2"/>
+          </a:fillRef>
+          <a:effectRef idx="0">
+            <a:schemeClr val="accent1"/>
+          </a:effectRef>
+          <a:fontRef idx="minor">
+            <a:schemeClr val="lt1"/>
+          </a:fontRef>
+        </p:style>
+        <p:txBody>
+          <a:bodyPr rot="0" spcFirstLastPara="0" vertOverflow="overflow" horzOverflow="overflow" vert="horz" wrap="square" lIns="91440" tIns="45720" rIns="91440" bIns="45720" numCol="1" spcCol="0" rtlCol="0" fromWordArt="0" anchor="ctr" anchorCtr="0" forceAA="0" compatLnSpc="1">
+            <a:prstTxWarp prst="textNoShape">
+              <a:avLst/>
+            </a:prstTxWarp>
+            <a:noAutofit/>
+          </a:bodyPr>
+          <a:lstStyle/>
+          <a:p>
+            <a:pPr algn="ctr"/>
+            <a:endParaRPr lang="bg-BG" sz="2800" b="1" dirty="0">
+              <a:solidFill>
+                <a:srgbClr val="FFFFFF"/>
+              </a:solidFill>
+              <a:effectLst>
+                <a:outerShdw blurRad="38100" dist="38100" dir="2700000" algn="tl">
+                  <a:srgbClr val="000000">
+                    <a:alpha val="43137"/>
+                  </a:srgbClr>
+                </a:outerShdw>
+              </a:effectLst>
+            </a:endParaRPr>
+          </a:p>
+        </p:txBody>
+      </p:sp>
       <p:pic>
         <p:nvPicPr>
-          <p:cNvPr id="5" name="Picture 4">
+          <p:cNvPr id="17" name="Picture 16">
             <a:extLst>
               <a:ext uri="{FF2B5EF4-FFF2-40B4-BE49-F238E27FC236}">
-                <a16:creationId xmlns:a16="http://schemas.microsoft.com/office/drawing/2014/main" id="{F0292624-4551-542F-5C21-16C788DC106C}"/>
+                <a16:creationId xmlns:a16="http://schemas.microsoft.com/office/drawing/2014/main" id="{041D3480-19F5-1FBA-3805-5FE229DF5239}"/>
               </a:ext>
             </a:extLst>
           </p:cNvPr>
@@ -18811,7 +19692,7 @@
         </p:blipFill>
         <p:spPr>
           <a:xfrm>
-            <a:off x="4537705" y="3648655"/>
+            <a:off x="6339683" y="3695177"/>
             <a:ext cx="3116589" cy="2999717"/>
           </a:xfrm>
           <a:prstGeom prst="rect">
@@ -18891,21 +19772,43 @@
                                   </p:childTnLst>
                                 </p:cTn>
                               </p:par>
+                            </p:childTnLst>
+                          </p:cTn>
+                        </p:par>
+                      </p:childTnLst>
+                    </p:cTn>
+                  </p:par>
+                  <p:par>
+                    <p:cTn id="7" fill="hold">
+                      <p:stCondLst>
+                        <p:cond delay="indefinite"/>
+                      </p:stCondLst>
+                      <p:childTnLst>
+                        <p:par>
+                          <p:cTn id="8" fill="hold">
+                            <p:stCondLst>
+                              <p:cond delay="0"/>
+                            </p:stCondLst>
+                            <p:childTnLst>
                               <p:par>
-                                <p:cTn id="7" presetID="1" presetClass="entr" presetSubtype="0" fill="hold" nodeType="withEffect">
+                                <p:cTn id="9" presetID="1" presetClass="entr" presetSubtype="0" fill="hold" nodeType="clickEffect">
                                   <p:stCondLst>
                                     <p:cond delay="0"/>
                                   </p:stCondLst>
                                   <p:childTnLst>
                                     <p:set>
                                       <p:cBhvr>
-                                        <p:cTn id="8" dur="1" fill="hold">
+                                        <p:cTn id="10" dur="1" fill="hold">
                                           <p:stCondLst>
                                             <p:cond delay="0"/>
                                           </p:stCondLst>
                                         </p:cTn>
                                         <p:tgtEl>
-                                          <p:spTgt spid="5"/>
+                                          <p:spTgt spid="7">
+                                            <p:txEl>
+                                              <p:pRg st="1" end="1"/>
+                                            </p:txEl>
+                                          </p:spTgt>
                                         </p:tgtEl>
                                         <p:attrNameLst>
                                           <p:attrName>style.visibility</p:attrName>
@@ -18918,26 +19821,8 @@
                                   </p:childTnLst>
                                 </p:cTn>
                               </p:par>
-                            </p:childTnLst>
-                          </p:cTn>
-                        </p:par>
-                      </p:childTnLst>
-                    </p:cTn>
-                  </p:par>
-                  <p:par>
-                    <p:cTn id="9" fill="hold">
-                      <p:stCondLst>
-                        <p:cond delay="indefinite"/>
-                      </p:stCondLst>
-                      <p:childTnLst>
-                        <p:par>
-                          <p:cTn id="10" fill="hold">
-                            <p:stCondLst>
-                              <p:cond delay="0"/>
-                            </p:stCondLst>
-                            <p:childTnLst>
                               <p:par>
-                                <p:cTn id="11" presetID="1" presetClass="entr" presetSubtype="0" fill="hold" nodeType="clickEffect">
+                                <p:cTn id="11" presetID="1" presetClass="entr" presetSubtype="0" fill="hold" nodeType="withEffect">
                                   <p:stCondLst>
                                     <p:cond delay="0"/>
                                   </p:stCondLst>
@@ -18950,11 +19835,7 @@
                                           </p:stCondLst>
                                         </p:cTn>
                                         <p:tgtEl>
-                                          <p:spTgt spid="7">
-                                            <p:txEl>
-                                              <p:pRg st="1" end="1"/>
-                                            </p:txEl>
-                                          </p:spTgt>
+                                          <p:spTgt spid="17"/>
                                         </p:tgtEl>
                                         <p:attrNameLst>
                                           <p:attrName>style.visibility</p:attrName>
@@ -19241,6 +20122,71 @@
               <a:buNone/>
             </a:pPr>
             <a:endParaRPr lang="en-BG" sz="3000" dirty="0"/>
+          </a:p>
+        </p:txBody>
+      </p:sp>
+      <p:sp>
+        <p:nvSpPr>
+          <p:cNvPr id="3" name="TextBox 2">
+            <a:extLst>
+              <a:ext uri="{FF2B5EF4-FFF2-40B4-BE49-F238E27FC236}">
+                <a16:creationId xmlns:a16="http://schemas.microsoft.com/office/drawing/2014/main" id="{E1A6E3F3-F825-4AF6-60E3-320F2B412839}"/>
+              </a:ext>
+            </a:extLst>
+          </p:cNvPr>
+          <p:cNvSpPr txBox="1"/>
+          <p:nvPr/>
+        </p:nvSpPr>
+        <p:spPr>
+          <a:xfrm>
+            <a:off x="5267885" y="5231194"/>
+            <a:ext cx="6392996" cy="861362"/>
+          </a:xfrm>
+          <a:prstGeom prst="rect">
+            <a:avLst/>
+          </a:prstGeom>
+          <a:ln/>
+        </p:spPr>
+        <p:style>
+          <a:lnRef idx="2">
+            <a:schemeClr val="accent2"/>
+          </a:lnRef>
+          <a:fillRef idx="1">
+            <a:schemeClr val="lt1"/>
+          </a:fillRef>
+          <a:effectRef idx="0">
+            <a:schemeClr val="accent2"/>
+          </a:effectRef>
+          <a:fontRef idx="minor">
+            <a:schemeClr val="dk1"/>
+          </a:fontRef>
+        </p:style>
+        <p:txBody>
+          <a:bodyPr vert="horz" wrap="none" lIns="144000" tIns="108000" rIns="144000" bIns="108000" rtlCol="0">
+            <a:spAutoFit/>
+          </a:bodyPr>
+          <a:lstStyle/>
+          <a:p>
+            <a:pPr algn="l" eaLnBrk="0" hangingPunct="0">
+              <a:lnSpc>
+                <a:spcPct val="110000"/>
+              </a:lnSpc>
+              <a:buClr>
+                <a:schemeClr val="accent5">
+                  <a:lumMod val="40000"/>
+                  <a:lumOff val="60000"/>
+                </a:schemeClr>
+              </a:buClr>
+              <a:buSzPct val="70000"/>
+            </a:pPr>
+            <a:r>
+              <a:rPr lang="en-US" sz="4000" b="1" dirty="0"/>
+              <a:t>TODO: </a:t>
+            </a:r>
+            <a:r>
+              <a:rPr lang="bg-BG" sz="4000" b="1" dirty="0"/>
+              <a:t>да се добави иконка</a:t>
+            </a:r>
           </a:p>
         </p:txBody>
       </p:sp>
@@ -19782,7 +20728,7 @@
                   <a:schemeClr val="bg1"/>
                 </a:solidFill>
               </a:rPr>
-              <a:t>Имплементация</a:t>
+              <a:t>Имплементация (програмиране)</a:t>
             </a:r>
             <a:endParaRPr lang="bg-BG" sz="3000" b="1" dirty="0">
               <a:solidFill>
@@ -19933,15 +20879,33 @@
                                   </p:childTnLst>
                                 </p:cTn>
                               </p:par>
+                            </p:childTnLst>
+                          </p:cTn>
+                        </p:par>
+                      </p:childTnLst>
+                    </p:cTn>
+                  </p:par>
+                  <p:par>
+                    <p:cTn id="9" fill="hold">
+                      <p:stCondLst>
+                        <p:cond delay="indefinite"/>
+                      </p:stCondLst>
+                      <p:childTnLst>
+                        <p:par>
+                          <p:cTn id="10" fill="hold">
+                            <p:stCondLst>
+                              <p:cond delay="0"/>
+                            </p:stCondLst>
+                            <p:childTnLst>
                               <p:par>
-                                <p:cTn id="9" presetID="1" presetClass="entr" presetSubtype="0" fill="hold" nodeType="withEffect">
+                                <p:cTn id="11" presetID="1" presetClass="entr" presetSubtype="0" fill="hold" nodeType="clickEffect">
                                   <p:stCondLst>
                                     <p:cond delay="0"/>
                                   </p:stCondLst>
                                   <p:childTnLst>
                                     <p:set>
                                       <p:cBhvr>
-                                        <p:cTn id="10" dur="1" fill="hold">
+                                        <p:cTn id="12" dur="1" fill="hold">
                                           <p:stCondLst>
                                             <p:cond delay="0"/>
                                           </p:stCondLst>
@@ -19971,26 +20935,26 @@
                     </p:cTn>
                   </p:par>
                   <p:par>
-                    <p:cTn id="11" fill="hold">
+                    <p:cTn id="13" fill="hold">
                       <p:stCondLst>
                         <p:cond delay="indefinite"/>
                       </p:stCondLst>
                       <p:childTnLst>
                         <p:par>
-                          <p:cTn id="12" fill="hold">
+                          <p:cTn id="14" fill="hold">
                             <p:stCondLst>
                               <p:cond delay="0"/>
                             </p:stCondLst>
                             <p:childTnLst>
                               <p:par>
-                                <p:cTn id="13" presetID="1" presetClass="entr" presetSubtype="0" fill="hold" nodeType="clickEffect">
+                                <p:cTn id="15" presetID="1" presetClass="entr" presetSubtype="0" fill="hold" nodeType="clickEffect">
                                   <p:stCondLst>
                                     <p:cond delay="0"/>
                                   </p:stCondLst>
                                   <p:childTnLst>
                                     <p:set>
                                       <p:cBhvr>
-                                        <p:cTn id="14" dur="1" fill="hold">
+                                        <p:cTn id="16" dur="1" fill="hold">
                                           <p:stCondLst>
                                             <p:cond delay="0"/>
                                           </p:stCondLst>
@@ -20014,14 +20978,14 @@
                                 </p:cTn>
                               </p:par>
                               <p:par>
-                                <p:cTn id="15" presetID="1" presetClass="entr" presetSubtype="0" fill="hold" nodeType="withEffect">
+                                <p:cTn id="17" presetID="1" presetClass="entr" presetSubtype="0" fill="hold" nodeType="withEffect">
                                   <p:stCondLst>
                                     <p:cond delay="0"/>
                                   </p:stCondLst>
                                   <p:childTnLst>
                                     <p:set>
                                       <p:cBhvr>
-                                        <p:cTn id="16" dur="1" fill="hold">
+                                        <p:cTn id="18" dur="1" fill="hold">
                                           <p:stCondLst>
                                             <p:cond delay="0"/>
                                           </p:stCondLst>
@@ -20051,26 +21015,26 @@
                     </p:cTn>
                   </p:par>
                   <p:par>
-                    <p:cTn id="17" fill="hold">
+                    <p:cTn id="19" fill="hold">
                       <p:stCondLst>
                         <p:cond delay="indefinite"/>
                       </p:stCondLst>
                       <p:childTnLst>
                         <p:par>
-                          <p:cTn id="18" fill="hold">
+                          <p:cTn id="20" fill="hold">
                             <p:stCondLst>
                               <p:cond delay="0"/>
                             </p:stCondLst>
                             <p:childTnLst>
                               <p:par>
-                                <p:cTn id="19" presetID="1" presetClass="entr" presetSubtype="0" fill="hold" nodeType="clickEffect">
+                                <p:cTn id="21" presetID="1" presetClass="entr" presetSubtype="0" fill="hold" nodeType="clickEffect">
                                   <p:stCondLst>
                                     <p:cond delay="0"/>
                                   </p:stCondLst>
                                   <p:childTnLst>
                                     <p:set>
                                       <p:cBhvr>
-                                        <p:cTn id="20" dur="1" fill="hold">
+                                        <p:cTn id="22" dur="1" fill="hold">
                                           <p:stCondLst>
                                             <p:cond delay="0"/>
                                           </p:stCondLst>
@@ -20094,14 +21058,14 @@
                                 </p:cTn>
                               </p:par>
                               <p:par>
-                                <p:cTn id="21" presetID="1" presetClass="entr" presetSubtype="0" fill="hold" nodeType="withEffect">
+                                <p:cTn id="23" presetID="1" presetClass="entr" presetSubtype="0" fill="hold" nodeType="withEffect">
                                   <p:stCondLst>
                                     <p:cond delay="0"/>
                                   </p:stCondLst>
                                   <p:childTnLst>
                                     <p:set>
                                       <p:cBhvr>
-                                        <p:cTn id="22" dur="1" fill="hold">
+                                        <p:cTn id="24" dur="1" fill="hold">
                                           <p:stCondLst>
                                             <p:cond delay="0"/>
                                           </p:stCondLst>
@@ -20131,26 +21095,26 @@
                     </p:cTn>
                   </p:par>
                   <p:par>
-                    <p:cTn id="23" fill="hold">
+                    <p:cTn id="25" fill="hold">
                       <p:stCondLst>
                         <p:cond delay="indefinite"/>
                       </p:stCondLst>
                       <p:childTnLst>
                         <p:par>
-                          <p:cTn id="24" fill="hold">
+                          <p:cTn id="26" fill="hold">
                             <p:stCondLst>
                               <p:cond delay="0"/>
                             </p:stCondLst>
                             <p:childTnLst>
                               <p:par>
-                                <p:cTn id="25" presetID="1" presetClass="entr" presetSubtype="0" fill="hold" nodeType="clickEffect">
+                                <p:cTn id="27" presetID="1" presetClass="entr" presetSubtype="0" fill="hold" nodeType="clickEffect">
                                   <p:stCondLst>
                                     <p:cond delay="0"/>
                                   </p:stCondLst>
                                   <p:childTnLst>
                                     <p:set>
                                       <p:cBhvr>
-                                        <p:cTn id="26" dur="1" fill="hold">
+                                        <p:cTn id="28" dur="1" fill="hold">
                                           <p:stCondLst>
                                             <p:cond delay="0"/>
                                           </p:stCondLst>
@@ -20863,27 +21827,27 @@
           <a:p>
             <a:pPr lvl="1"/>
             <a:r>
-              <a:rPr lang="bg-BG" sz="2800" dirty="0"/>
+              <a:rPr lang="bg-BG" sz="3000" dirty="0"/>
               <a:t>Наблюдение и осигуряване на </a:t>
             </a:r>
             <a:r>
-              <a:rPr lang="bg-BG" sz="2800" b="1" dirty="0"/>
+              <a:rPr lang="bg-BG" sz="3000" b="1" dirty="0"/>
               <a:t>непрекъснато</a:t>
             </a:r>
             <a:r>
-              <a:rPr lang="bg-BG" sz="2800" dirty="0"/>
+              <a:rPr lang="bg-BG" sz="3000" dirty="0"/>
               <a:t> </a:t>
             </a:r>
             <a:r>
-              <a:rPr lang="bg-BG" sz="2800" b="1" dirty="0"/>
+              <a:rPr lang="bg-BG" sz="3000" b="1" dirty="0"/>
               <a:t>функциониране</a:t>
             </a:r>
             <a:r>
-              <a:rPr lang="bg-BG" sz="2800" dirty="0"/>
+              <a:rPr lang="bg-BG" sz="3000" dirty="0"/>
               <a:t> на </a:t>
             </a:r>
             <a:r>
-              <a:rPr lang="bg-BG" sz="2800" b="1" dirty="0"/>
+              <a:rPr lang="bg-BG" sz="3000" b="1" dirty="0"/>
               <a:t>ИС</a:t>
             </a:r>
           </a:p>
@@ -21168,16 +22132,21 @@
             <p:ph type="title" sz="quarter" idx="10"/>
           </p:nvPr>
         </p:nvSpPr>
-        <p:spPr/>
+        <p:spPr>
+          <a:xfrm>
+            <a:off x="615109" y="4775916"/>
+            <a:ext cx="10961783" cy="768084"/>
+          </a:xfrm>
+        </p:spPr>
         <p:txBody>
           <a:bodyPr/>
           <a:lstStyle/>
           <a:p>
             <a:r>
-              <a:rPr lang="bg-BG" sz="4400" dirty="0"/>
+              <a:rPr lang="bg-BG" sz="5400" dirty="0"/>
               <a:t>Анализ на изискванията</a:t>
             </a:r>
-            <a:endParaRPr lang="en-US" sz="4400" dirty="0"/>
+            <a:endParaRPr lang="en-US" sz="5400" dirty="0"/>
           </a:p>
         </p:txBody>
       </p:sp>

--- a/Courses/Software-Sciences/Module-4-Information-Systems-New/09-Life-cycle-of-Information-System/09-Life-cycle-of-Information-System.pptx
+++ b/Courses/Software-Sciences/Module-4-Information-Systems-New/09-Life-cycle-of-Information-System/09-Life-cycle-of-Information-System.pptx
@@ -5,37 +5,38 @@
     <p:sldMasterId id="2147483675" r:id="rId1"/>
   </p:sldMasterIdLst>
   <p:notesMasterIdLst>
-    <p:notesMasterId r:id="rId27"/>
+    <p:notesMasterId r:id="rId28"/>
   </p:notesMasterIdLst>
   <p:handoutMasterIdLst>
-    <p:handoutMasterId r:id="rId28"/>
+    <p:handoutMasterId r:id="rId29"/>
   </p:handoutMasterIdLst>
   <p:sldIdLst>
     <p:sldId id="503" r:id="rId2"/>
     <p:sldId id="276" r:id="rId3"/>
     <p:sldId id="353" r:id="rId4"/>
     <p:sldId id="741" r:id="rId5"/>
-    <p:sldId id="761" r:id="rId6"/>
-    <p:sldId id="762" r:id="rId7"/>
-    <p:sldId id="763" r:id="rId8"/>
-    <p:sldId id="764" r:id="rId9"/>
-    <p:sldId id="742" r:id="rId10"/>
-    <p:sldId id="765" r:id="rId11"/>
-    <p:sldId id="771" r:id="rId12"/>
-    <p:sldId id="772" r:id="rId13"/>
-    <p:sldId id="773" r:id="rId14"/>
-    <p:sldId id="774" r:id="rId15"/>
-    <p:sldId id="649" r:id="rId16"/>
-    <p:sldId id="766" r:id="rId17"/>
-    <p:sldId id="767" r:id="rId18"/>
-    <p:sldId id="779" r:id="rId19"/>
-    <p:sldId id="770" r:id="rId20"/>
-    <p:sldId id="768" r:id="rId21"/>
-    <p:sldId id="777" r:id="rId22"/>
-    <p:sldId id="776" r:id="rId23"/>
-    <p:sldId id="633" r:id="rId24"/>
-    <p:sldId id="504" r:id="rId25"/>
-    <p:sldId id="505" r:id="rId26"/>
+    <p:sldId id="780" r:id="rId6"/>
+    <p:sldId id="761" r:id="rId7"/>
+    <p:sldId id="762" r:id="rId8"/>
+    <p:sldId id="763" r:id="rId9"/>
+    <p:sldId id="764" r:id="rId10"/>
+    <p:sldId id="742" r:id="rId11"/>
+    <p:sldId id="765" r:id="rId12"/>
+    <p:sldId id="771" r:id="rId13"/>
+    <p:sldId id="772" r:id="rId14"/>
+    <p:sldId id="773" r:id="rId15"/>
+    <p:sldId id="774" r:id="rId16"/>
+    <p:sldId id="649" r:id="rId17"/>
+    <p:sldId id="766" r:id="rId18"/>
+    <p:sldId id="767" r:id="rId19"/>
+    <p:sldId id="779" r:id="rId20"/>
+    <p:sldId id="770" r:id="rId21"/>
+    <p:sldId id="768" r:id="rId22"/>
+    <p:sldId id="777" r:id="rId23"/>
+    <p:sldId id="776" r:id="rId24"/>
+    <p:sldId id="633" r:id="rId25"/>
+    <p:sldId id="504" r:id="rId26"/>
+    <p:sldId id="505" r:id="rId27"/>
   </p:sldIdLst>
   <p:sldSz cx="12192000" cy="6858000"/>
   <p:notesSz cx="6858000" cy="9144000"/>
@@ -147,6 +148,7 @@
           <p14:sldIdLst>
             <p14:sldId id="353"/>
             <p14:sldId id="741"/>
+            <p14:sldId id="780"/>
             <p14:sldId id="761"/>
             <p14:sldId id="762"/>
             <p14:sldId id="763"/>
@@ -303,7 +305,7 @@
           <a:p>
             <a:fld id="{4E087215-0C8F-4762-A664-737A353EC9A4}" type="datetimeFigureOut">
               <a:rPr lang="bg-BG" smtClean="0"/>
-              <a:t>29.07.24 г.</a:t>
+              <a:t>5.08.24 г.</a:t>
             </a:fld>
             <a:endParaRPr lang="bg-BG"/>
           </a:p>
@@ -499,7 +501,7 @@
           <a:p>
             <a:fld id="{72D84649-876A-46C9-8472-14CB09C070D8}" type="datetimeFigureOut">
               <a:rPr lang="en-US" smtClean="0"/>
-              <a:t>7/29/24</a:t>
+              <a:t>8/5/24</a:t>
             </a:fld>
             <a:endParaRPr lang="en-US"/>
           </a:p>
@@ -1571,7 +1573,7 @@
             <a:fld id="{3EBA5BD7-F043-4D1B-AA17-CD412FC534DE}" type="slidenum">
               <a:rPr lang="en-US" smtClean="0"/>
               <a:pPr/>
-              <a:t>9</a:t>
+              <a:t>10</a:t>
             </a:fld>
             <a:endParaRPr lang="en-US" dirty="0"/>
           </a:p>
@@ -1801,7 +1803,7 @@
             <a:fld id="{3EBA5BD7-F043-4D1B-AA17-CD412FC534DE}" type="slidenum">
               <a:rPr lang="en-US" smtClean="0"/>
               <a:pPr/>
-              <a:t>11</a:t>
+              <a:t>12</a:t>
             </a:fld>
             <a:endParaRPr lang="en-US" dirty="0"/>
           </a:p>
@@ -2031,7 +2033,7 @@
             <a:fld id="{3EBA5BD7-F043-4D1B-AA17-CD412FC534DE}" type="slidenum">
               <a:rPr lang="en-US" smtClean="0"/>
               <a:pPr/>
-              <a:t>15</a:t>
+              <a:t>16</a:t>
             </a:fld>
             <a:endParaRPr lang="en-US" dirty="0"/>
           </a:p>
@@ -2261,7 +2263,7 @@
             <a:fld id="{3EBA5BD7-F043-4D1B-AA17-CD412FC534DE}" type="slidenum">
               <a:rPr lang="en-US" smtClean="0"/>
               <a:pPr/>
-              <a:t>23</a:t>
+              <a:t>24</a:t>
             </a:fld>
             <a:endParaRPr lang="en-US" dirty="0"/>
           </a:p>
@@ -2507,7 +2509,7 @@
             <a:fld id="{3EBA5BD7-F043-4D1B-AA17-CD412FC534DE}" type="slidenum">
               <a:rPr lang="en-US" smtClean="0"/>
               <a:pPr/>
-              <a:t>24</a:t>
+              <a:t>25</a:t>
             </a:fld>
             <a:endParaRPr lang="en-US" dirty="0"/>
           </a:p>
@@ -2737,7 +2739,7 @@
             <a:fld id="{3EBA5BD7-F043-4D1B-AA17-CD412FC534DE}" type="slidenum">
               <a:rPr lang="en-US" smtClean="0"/>
               <a:pPr/>
-              <a:t>25</a:t>
+              <a:t>26</a:t>
             </a:fld>
             <a:endParaRPr lang="en-US" dirty="0"/>
           </a:p>
@@ -8179,6 +8181,150 @@
       </p:grpSpPr>
       <p:sp>
         <p:nvSpPr>
+          <p:cNvPr id="4" name="Slide Subtitle">
+            <a:extLst>
+              <a:ext uri="{FF2B5EF4-FFF2-40B4-BE49-F238E27FC236}">
+                <a16:creationId xmlns:a16="http://schemas.microsoft.com/office/drawing/2014/main" id="{BEB5BB41-09D4-4E9F-8C80-EE8709171CB3}"/>
+              </a:ext>
+            </a:extLst>
+          </p:cNvPr>
+          <p:cNvSpPr>
+            <a:spLocks noGrp="1"/>
+          </p:cNvSpPr>
+          <p:nvPr>
+            <p:ph type="subTitle" sz="quarter" idx="11"/>
+          </p:nvPr>
+        </p:nvSpPr>
+        <p:spPr/>
+        <p:txBody>
+          <a:bodyPr/>
+          <a:lstStyle/>
+          <a:p>
+            <a:r>
+              <a:rPr lang="bg-BG" dirty="0"/>
+              <a:t>От текстово описание до </a:t>
+            </a:r>
+            <a:r>
+              <a:rPr lang="en-US" dirty="0"/>
+              <a:t>UI </a:t>
+            </a:r>
+            <a:r>
+              <a:rPr lang="bg-BG" dirty="0"/>
+              <a:t>дизайн и БД</a:t>
+            </a:r>
+          </a:p>
+        </p:txBody>
+      </p:sp>
+      <p:sp>
+        <p:nvSpPr>
+          <p:cNvPr id="6" name="Slide Title">
+            <a:extLst>
+              <a:ext uri="{FF2B5EF4-FFF2-40B4-BE49-F238E27FC236}">
+                <a16:creationId xmlns:a16="http://schemas.microsoft.com/office/drawing/2014/main" id="{028D9EA3-B5E0-4F17-9467-4BE3C280DA68}"/>
+              </a:ext>
+            </a:extLst>
+          </p:cNvPr>
+          <p:cNvSpPr>
+            <a:spLocks noGrp="1"/>
+          </p:cNvSpPr>
+          <p:nvPr>
+            <p:ph type="title" sz="quarter" idx="10"/>
+          </p:nvPr>
+        </p:nvSpPr>
+        <p:spPr>
+          <a:xfrm>
+            <a:off x="615109" y="4775916"/>
+            <a:ext cx="10961783" cy="768084"/>
+          </a:xfrm>
+        </p:spPr>
+        <p:txBody>
+          <a:bodyPr/>
+          <a:lstStyle/>
+          <a:p>
+            <a:r>
+              <a:rPr lang="bg-BG" sz="5400" dirty="0"/>
+              <a:t>Анализ на изискванията</a:t>
+            </a:r>
+            <a:endParaRPr lang="en-US" sz="5400" dirty="0"/>
+          </a:p>
+        </p:txBody>
+      </p:sp>
+      <p:pic>
+        <p:nvPicPr>
+          <p:cNvPr id="11" name="Picture 10">
+            <a:extLst>
+              <a:ext uri="{FF2B5EF4-FFF2-40B4-BE49-F238E27FC236}">
+                <a16:creationId xmlns:a16="http://schemas.microsoft.com/office/drawing/2014/main" id="{7E1F136C-1A8F-14C5-907E-6A18C884AFF1}"/>
+              </a:ext>
+            </a:extLst>
+          </p:cNvPr>
+          <p:cNvPicPr>
+            <a:picLocks noChangeAspect="1"/>
+          </p:cNvPicPr>
+          <p:nvPr/>
+        </p:nvPicPr>
+        <p:blipFill>
+          <a:blip r:embed="rId3">
+            <a:extLst>
+              <a:ext uri="{28A0092B-C50C-407E-A947-70E740481C1C}">
+                <a14:useLocalDpi xmlns:a14="http://schemas.microsoft.com/office/drawing/2010/main" val="0"/>
+              </a:ext>
+            </a:extLst>
+          </a:blip>
+          <a:stretch>
+            <a:fillRect/>
+          </a:stretch>
+        </p:blipFill>
+        <p:spPr>
+          <a:xfrm>
+            <a:off x="4678500" y="1385091"/>
+            <a:ext cx="2835000" cy="2404367"/>
+          </a:xfrm>
+          <a:prstGeom prst="rect">
+            <a:avLst/>
+          </a:prstGeom>
+        </p:spPr>
+      </p:pic>
+    </p:spTree>
+    <p:extLst>
+      <p:ext uri="{BB962C8B-B14F-4D97-AF65-F5344CB8AC3E}">
+        <p14:creationId xmlns:p14="http://schemas.microsoft.com/office/powerpoint/2010/main" val="3104196896"/>
+      </p:ext>
+    </p:extLst>
+  </p:cSld>
+  <p:clrMapOvr>
+    <a:masterClrMapping/>
+  </p:clrMapOvr>
+  <mc:AlternateContent xmlns:mc="http://schemas.openxmlformats.org/markup-compatibility/2006" xmlns:p14="http://schemas.microsoft.com/office/powerpoint/2010/main">
+    <mc:Choice Requires="p14">
+      <p:transition spd="slow" p14:dur="2000" advClick="0" advTm="5000"/>
+    </mc:Choice>
+    <mc:Fallback xmlns="">
+      <p:transition spd="slow" advClick="0" advTm="5000"/>
+    </mc:Fallback>
+  </mc:AlternateContent>
+</p:sld>
+</file>
+
+<file path=ppt/slides/slide11.xml><?xml version="1.0" encoding="utf-8"?>
+<p:sld xmlns:a="http://schemas.openxmlformats.org/drawingml/2006/main" xmlns:r="http://schemas.openxmlformats.org/officeDocument/2006/relationships" xmlns:p="http://schemas.openxmlformats.org/presentationml/2006/main">
+  <p:cSld>
+    <p:spTree>
+      <p:nvGrpSpPr>
+        <p:cNvPr id="1" name=""/>
+        <p:cNvGrpSpPr/>
+        <p:nvPr/>
+      </p:nvGrpSpPr>
+      <p:grpSpPr>
+        <a:xfrm>
+          <a:off x="0" y="0"/>
+          <a:ext cx="0" cy="0"/>
+          <a:chOff x="0" y="0"/>
+          <a:chExt cx="0" cy="0"/>
+        </a:xfrm>
+      </p:grpSpPr>
+      <p:sp>
+        <p:nvSpPr>
           <p:cNvPr id="2" name="Slide Number Placeholder 1">
             <a:extLst>
               <a:ext uri="{FF2B5EF4-FFF2-40B4-BE49-F238E27FC236}">
@@ -8201,7 +8347,7 @@
             <a:fld id="{2BF067CD-8E6B-4360-9AA8-C5DF2A48A6D1}" type="slidenum">
               <a:rPr lang="en-US" noProof="0" smtClean="0"/>
               <a:pPr/>
-              <a:t>10</a:t>
+              <a:t>11</a:t>
             </a:fld>
             <a:endParaRPr lang="en-US" noProof="0" dirty="0"/>
           </a:p>
@@ -8655,7 +8801,7 @@
 </p:sld>
 </file>
 
-<file path=ppt/slides/slide11.xml><?xml version="1.0" encoding="utf-8"?>
+<file path=ppt/slides/slide12.xml><?xml version="1.0" encoding="utf-8"?>
 <p:sld xmlns:a="http://schemas.openxmlformats.org/drawingml/2006/main" xmlns:r="http://schemas.openxmlformats.org/officeDocument/2006/relationships" xmlns:p="http://schemas.openxmlformats.org/presentationml/2006/main">
   <p:cSld>
     <p:spTree>
@@ -8789,7 +8935,7 @@
 </p:sld>
 </file>
 
-<file path=ppt/slides/slide12.xml><?xml version="1.0" encoding="utf-8"?>
+<file path=ppt/slides/slide13.xml><?xml version="1.0" encoding="utf-8"?>
 <p:sld xmlns:a="http://schemas.openxmlformats.org/drawingml/2006/main" xmlns:r="http://schemas.openxmlformats.org/officeDocument/2006/relationships" xmlns:p="http://schemas.openxmlformats.org/presentationml/2006/main">
   <p:cSld>
     <p:spTree>
@@ -8830,7 +8976,7 @@
             <a:fld id="{2BF067CD-8E6B-4360-9AA8-C5DF2A48A6D1}" type="slidenum">
               <a:rPr lang="en-US" noProof="0" smtClean="0"/>
               <a:pPr/>
-              <a:t>12</a:t>
+              <a:t>13</a:t>
             </a:fld>
             <a:endParaRPr lang="en-US" noProof="0" dirty="0"/>
           </a:p>
@@ -9318,7 +9464,7 @@
 </p:sld>
 </file>
 
-<file path=ppt/slides/slide13.xml><?xml version="1.0" encoding="utf-8"?>
+<file path=ppt/slides/slide14.xml><?xml version="1.0" encoding="utf-8"?>
 <p:sld xmlns:a="http://schemas.openxmlformats.org/drawingml/2006/main" xmlns:r="http://schemas.openxmlformats.org/officeDocument/2006/relationships" xmlns:p="http://schemas.openxmlformats.org/presentationml/2006/main">
   <p:cSld>
     <p:spTree>
@@ -9359,7 +9505,7 @@
             <a:fld id="{2BF067CD-8E6B-4360-9AA8-C5DF2A48A6D1}" type="slidenum">
               <a:rPr lang="en-US" noProof="0" smtClean="0"/>
               <a:pPr/>
-              <a:t>13</a:t>
+              <a:t>14</a:t>
             </a:fld>
             <a:endParaRPr lang="en-US" noProof="0" dirty="0"/>
           </a:p>
@@ -9993,7 +10139,7 @@
 </p:sld>
 </file>
 
-<file path=ppt/slides/slide14.xml><?xml version="1.0" encoding="utf-8"?>
+<file path=ppt/slides/slide15.xml><?xml version="1.0" encoding="utf-8"?>
 <p:sld xmlns:a="http://schemas.openxmlformats.org/drawingml/2006/main" xmlns:r="http://schemas.openxmlformats.org/officeDocument/2006/relationships" xmlns:p="http://schemas.openxmlformats.org/presentationml/2006/main">
   <p:cSld>
     <p:spTree>
@@ -10034,7 +10180,7 @@
             <a:fld id="{2BF067CD-8E6B-4360-9AA8-C5DF2A48A6D1}" type="slidenum">
               <a:rPr lang="en-US" noProof="0" smtClean="0"/>
               <a:pPr/>
-              <a:t>14</a:t>
+              <a:t>15</a:t>
             </a:fld>
             <a:endParaRPr lang="en-US" noProof="0" dirty="0"/>
           </a:p>
@@ -10851,7 +10997,7 @@
 </p:sld>
 </file>
 
-<file path=ppt/slides/slide15.xml><?xml version="1.0" encoding="utf-8"?>
+<file path=ppt/slides/slide16.xml><?xml version="1.0" encoding="utf-8"?>
 <p:sld xmlns:a="http://schemas.openxmlformats.org/drawingml/2006/main" xmlns:r="http://schemas.openxmlformats.org/officeDocument/2006/relationships" xmlns:p="http://schemas.openxmlformats.org/presentationml/2006/main">
   <p:cSld>
     <p:spTree>
@@ -10991,7 +11137,7 @@
 </p:sld>
 </file>
 
-<file path=ppt/slides/slide16.xml><?xml version="1.0" encoding="utf-8"?>
+<file path=ppt/slides/slide17.xml><?xml version="1.0" encoding="utf-8"?>
 <p:sld xmlns:a="http://schemas.openxmlformats.org/drawingml/2006/main" xmlns:r="http://schemas.openxmlformats.org/officeDocument/2006/relationships" xmlns:p="http://schemas.openxmlformats.org/presentationml/2006/main">
   <p:cSld>
     <p:spTree>
@@ -11032,7 +11178,7 @@
             <a:fld id="{2BF067CD-8E6B-4360-9AA8-C5DF2A48A6D1}" type="slidenum">
               <a:rPr lang="en-US" noProof="0" smtClean="0"/>
               <a:pPr/>
-              <a:t>16</a:t>
+              <a:t>17</a:t>
             </a:fld>
             <a:endParaRPr lang="en-US" noProof="0" dirty="0"/>
           </a:p>
@@ -11773,7 +11919,7 @@
 </p:sld>
 </file>
 
-<file path=ppt/slides/slide17.xml><?xml version="1.0" encoding="utf-8"?>
+<file path=ppt/slides/slide18.xml><?xml version="1.0" encoding="utf-8"?>
 <p:sld xmlns:a="http://schemas.openxmlformats.org/drawingml/2006/main" xmlns:r="http://schemas.openxmlformats.org/officeDocument/2006/relationships" xmlns:p="http://schemas.openxmlformats.org/presentationml/2006/main">
   <p:cSld>
     <p:spTree>
@@ -11814,7 +11960,7 @@
             <a:fld id="{2BF067CD-8E6B-4360-9AA8-C5DF2A48A6D1}" type="slidenum">
               <a:rPr lang="en-US" noProof="0" smtClean="0"/>
               <a:pPr/>
-              <a:t>17</a:t>
+              <a:t>18</a:t>
             </a:fld>
             <a:endParaRPr lang="en-US" noProof="0" dirty="0"/>
           </a:p>
@@ -12630,7 +12776,7 @@
 </p:sld>
 </file>
 
-<file path=ppt/slides/slide18.xml><?xml version="1.0" encoding="utf-8"?>
+<file path=ppt/slides/slide19.xml><?xml version="1.0" encoding="utf-8"?>
 <p:sld xmlns:a="http://schemas.openxmlformats.org/drawingml/2006/main" xmlns:r="http://schemas.openxmlformats.org/officeDocument/2006/relationships" xmlns:p="http://schemas.openxmlformats.org/presentationml/2006/main">
   <p:cSld>
     <p:spTree>
@@ -12671,7 +12817,7 @@
             <a:fld id="{2BF067CD-8E6B-4360-9AA8-C5DF2A48A6D1}" type="slidenum">
               <a:rPr lang="en-US" noProof="0" smtClean="0"/>
               <a:pPr/>
-              <a:t>18</a:t>
+              <a:t>19</a:t>
             </a:fld>
             <a:endParaRPr lang="en-US" noProof="0" dirty="0"/>
           </a:p>
@@ -12928,804 +13074,6 @@
                                           <p:spTgt spid="7">
                                             <p:txEl>
                                               <p:pRg st="2" end="2"/>
-                                            </p:txEl>
-                                          </p:spTgt>
-                                        </p:tgtEl>
-                                        <p:attrNameLst>
-                                          <p:attrName>style.visibility</p:attrName>
-                                        </p:attrNameLst>
-                                      </p:cBhvr>
-                                      <p:to>
-                                        <p:strVal val="visible"/>
-                                      </p:to>
-                                    </p:set>
-                                  </p:childTnLst>
-                                </p:cTn>
-                              </p:par>
-                            </p:childTnLst>
-                          </p:cTn>
-                        </p:par>
-                      </p:childTnLst>
-                    </p:cTn>
-                  </p:par>
-                </p:childTnLst>
-              </p:cTn>
-              <p:prevCondLst>
-                <p:cond evt="onPrev" delay="0">
-                  <p:tgtEl>
-                    <p:sldTgt/>
-                  </p:tgtEl>
-                </p:cond>
-              </p:prevCondLst>
-              <p:nextCondLst>
-                <p:cond evt="onNext" delay="0">
-                  <p:tgtEl>
-                    <p:sldTgt/>
-                  </p:tgtEl>
-                </p:cond>
-              </p:nextCondLst>
-            </p:seq>
-          </p:childTnLst>
-        </p:cTn>
-      </p:par>
-    </p:tnLst>
-  </p:timing>
-</p:sld>
-</file>
-
-<file path=ppt/slides/slide19.xml><?xml version="1.0" encoding="utf-8"?>
-<p:sld xmlns:a="http://schemas.openxmlformats.org/drawingml/2006/main" xmlns:r="http://schemas.openxmlformats.org/officeDocument/2006/relationships" xmlns:p="http://schemas.openxmlformats.org/presentationml/2006/main">
-  <p:cSld>
-    <p:spTree>
-      <p:nvGrpSpPr>
-        <p:cNvPr id="1" name=""/>
-        <p:cNvGrpSpPr/>
-        <p:nvPr/>
-      </p:nvGrpSpPr>
-      <p:grpSpPr>
-        <a:xfrm>
-          <a:off x="0" y="0"/>
-          <a:ext cx="0" cy="0"/>
-          <a:chOff x="0" y="0"/>
-          <a:chExt cx="0" cy="0"/>
-        </a:xfrm>
-      </p:grpSpPr>
-      <p:sp>
-        <p:nvSpPr>
-          <p:cNvPr id="2" name="Slide Number Placeholder 1">
-            <a:extLst>
-              <a:ext uri="{FF2B5EF4-FFF2-40B4-BE49-F238E27FC236}">
-                <a16:creationId xmlns:a16="http://schemas.microsoft.com/office/drawing/2014/main" id="{CCAABC86-82E0-F099-701A-D4347B605385}"/>
-              </a:ext>
-            </a:extLst>
-          </p:cNvPr>
-          <p:cNvSpPr>
-            <a:spLocks noGrp="1"/>
-          </p:cNvSpPr>
-          <p:nvPr>
-            <p:ph type="sldNum" sz="quarter" idx="5"/>
-          </p:nvPr>
-        </p:nvSpPr>
-        <p:spPr/>
-        <p:txBody>
-          <a:bodyPr/>
-          <a:lstStyle/>
-          <a:p>
-            <a:fld id="{2BF067CD-8E6B-4360-9AA8-C5DF2A48A6D1}" type="slidenum">
-              <a:rPr lang="en-US" noProof="0" smtClean="0"/>
-              <a:pPr/>
-              <a:t>19</a:t>
-            </a:fld>
-            <a:endParaRPr lang="en-US" noProof="0" dirty="0"/>
-          </a:p>
-        </p:txBody>
-      </p:sp>
-      <p:sp>
-        <p:nvSpPr>
-          <p:cNvPr id="4" name="Title 3">
-            <a:extLst>
-              <a:ext uri="{FF2B5EF4-FFF2-40B4-BE49-F238E27FC236}">
-                <a16:creationId xmlns:a16="http://schemas.microsoft.com/office/drawing/2014/main" id="{67B6A643-676D-3506-B008-B24B36AA34F1}"/>
-              </a:ext>
-            </a:extLst>
-          </p:cNvPr>
-          <p:cNvSpPr>
-            <a:spLocks noGrp="1"/>
-          </p:cNvSpPr>
-          <p:nvPr>
-            <p:ph type="title"/>
-          </p:nvPr>
-        </p:nvSpPr>
-        <p:spPr/>
-        <p:txBody>
-          <a:bodyPr>
-            <a:normAutofit/>
-          </a:bodyPr>
-          <a:lstStyle/>
-          <a:p>
-            <a:r>
-              <a:rPr lang="bg-BG" dirty="0"/>
-              <a:t>Проектиране</a:t>
-            </a:r>
-            <a:r>
-              <a:rPr lang="en-US" dirty="0"/>
-              <a:t>: </a:t>
-            </a:r>
-            <a:r>
-              <a:rPr lang="bg-BG" dirty="0"/>
-              <a:t>дизайн на </a:t>
-            </a:r>
-            <a:r>
-              <a:rPr lang="en-US" dirty="0"/>
-              <a:t>UI </a:t>
-            </a:r>
-            <a:r>
-              <a:rPr lang="bg-BG" dirty="0"/>
-              <a:t>- Главна форма</a:t>
-            </a:r>
-            <a:endParaRPr lang="en-BG" dirty="0"/>
-          </a:p>
-        </p:txBody>
-      </p:sp>
-      <p:sp>
-        <p:nvSpPr>
-          <p:cNvPr id="7" name="Text Placeholder 6">
-            <a:extLst>
-              <a:ext uri="{FF2B5EF4-FFF2-40B4-BE49-F238E27FC236}">
-                <a16:creationId xmlns:a16="http://schemas.microsoft.com/office/drawing/2014/main" id="{FBFEFCDD-E454-D1E7-D67F-EE67BB2A7ACE}"/>
-              </a:ext>
-            </a:extLst>
-          </p:cNvPr>
-          <p:cNvSpPr>
-            <a:spLocks noGrp="1"/>
-          </p:cNvSpPr>
-          <p:nvPr>
-            <p:ph type="body" sz="quarter" idx="10"/>
-          </p:nvPr>
-        </p:nvSpPr>
-        <p:spPr/>
-        <p:txBody>
-          <a:bodyPr>
-            <a:normAutofit fontScale="92500" lnSpcReduction="10000"/>
-          </a:bodyPr>
-          <a:lstStyle/>
-          <a:p>
-            <a:r>
-              <a:rPr lang="bg-BG" b="1" dirty="0">
-                <a:solidFill>
-                  <a:schemeClr val="bg1"/>
-                </a:solidFill>
-              </a:rPr>
-              <a:t>Управление на пациенти</a:t>
-            </a:r>
-          </a:p>
-          <a:p>
-            <a:pPr lvl="1"/>
-            <a:r>
-              <a:rPr lang="bg-BG" dirty="0"/>
-              <a:t>Полета за </a:t>
-            </a:r>
-            <a:r>
-              <a:rPr lang="bg-BG" b="1" dirty="0"/>
-              <a:t>име</a:t>
-            </a:r>
-            <a:r>
-              <a:rPr lang="bg-BG" dirty="0"/>
-              <a:t>, </a:t>
-            </a:r>
-            <a:r>
-              <a:rPr lang="bg-BG" b="1" dirty="0"/>
-              <a:t>фамилия</a:t>
-            </a:r>
-            <a:r>
-              <a:rPr lang="bg-BG" dirty="0"/>
-              <a:t>, </a:t>
-            </a:r>
-            <a:r>
-              <a:rPr lang="bg-BG" b="1" dirty="0"/>
-              <a:t>ЕГН</a:t>
-            </a:r>
-            <a:r>
-              <a:rPr lang="bg-BG" dirty="0"/>
-              <a:t>, </a:t>
-            </a:r>
-            <a:r>
-              <a:rPr lang="bg-BG" b="1" dirty="0"/>
-              <a:t>пол</a:t>
-            </a:r>
-            <a:r>
-              <a:rPr lang="bg-BG" dirty="0"/>
-              <a:t>, </a:t>
-            </a:r>
-            <a:r>
-              <a:rPr lang="bg-BG" b="1" dirty="0"/>
-              <a:t>телефон</a:t>
-            </a:r>
-            <a:endParaRPr lang="bg-BG" dirty="0"/>
-          </a:p>
-          <a:p>
-            <a:pPr lvl="1"/>
-            <a:r>
-              <a:rPr lang="bg-BG" dirty="0"/>
-              <a:t>Бутони за </a:t>
-            </a:r>
-            <a:r>
-              <a:rPr lang="bg-BG" b="1" dirty="0"/>
-              <a:t>добавяне</a:t>
-            </a:r>
-            <a:r>
-              <a:rPr lang="bg-BG" dirty="0"/>
-              <a:t>, </a:t>
-            </a:r>
-            <a:r>
-              <a:rPr lang="bg-BG" b="1" dirty="0"/>
-              <a:t>редактиране</a:t>
-            </a:r>
-            <a:r>
-              <a:rPr lang="bg-BG" dirty="0"/>
-              <a:t> и </a:t>
-            </a:r>
-            <a:r>
-              <a:rPr lang="bg-BG" b="1" dirty="0"/>
-              <a:t>изтриване</a:t>
-            </a:r>
-          </a:p>
-          <a:p>
-            <a:r>
-              <a:rPr lang="bg-BG" b="1" dirty="0">
-                <a:solidFill>
-                  <a:schemeClr val="bg1"/>
-                </a:solidFill>
-              </a:rPr>
-              <a:t>Управление на прегледи</a:t>
-            </a:r>
-          </a:p>
-          <a:p>
-            <a:pPr lvl="1"/>
-            <a:r>
-              <a:rPr lang="bg-BG" dirty="0"/>
-              <a:t>Полета за </a:t>
-            </a:r>
-            <a:r>
-              <a:rPr lang="bg-BG" b="1" dirty="0"/>
-              <a:t>дата</a:t>
-            </a:r>
-            <a:r>
-              <a:rPr lang="bg-BG" dirty="0"/>
-              <a:t>, </a:t>
-            </a:r>
-            <a:r>
-              <a:rPr lang="bg-BG" b="1" dirty="0"/>
-              <a:t>име</a:t>
-            </a:r>
-            <a:r>
-              <a:rPr lang="bg-BG" dirty="0"/>
-              <a:t> и </a:t>
-            </a:r>
-            <a:r>
-              <a:rPr lang="bg-BG" b="1" dirty="0"/>
-              <a:t>фамилия</a:t>
-            </a:r>
-            <a:r>
-              <a:rPr lang="bg-BG" dirty="0"/>
-              <a:t> на </a:t>
-            </a:r>
-            <a:r>
-              <a:rPr lang="bg-BG" b="1" dirty="0"/>
-              <a:t>лекар</a:t>
-            </a:r>
-            <a:r>
-              <a:rPr lang="bg-BG" dirty="0"/>
-              <a:t>, </a:t>
-            </a:r>
-            <a:r>
-              <a:rPr lang="bg-BG" b="1" dirty="0"/>
-              <a:t>описание</a:t>
-            </a:r>
-            <a:endParaRPr lang="bg-BG" dirty="0"/>
-          </a:p>
-          <a:p>
-            <a:pPr lvl="1"/>
-            <a:r>
-              <a:rPr lang="bg-BG" dirty="0"/>
-              <a:t>Бутони за </a:t>
-            </a:r>
-            <a:r>
-              <a:rPr lang="bg-BG" b="1" dirty="0"/>
-              <a:t>добавяне</a:t>
-            </a:r>
-            <a:r>
-              <a:rPr lang="bg-BG" dirty="0"/>
-              <a:t>, </a:t>
-            </a:r>
-            <a:r>
-              <a:rPr lang="bg-BG" b="1" dirty="0"/>
-              <a:t>редактиране</a:t>
-            </a:r>
-            <a:r>
-              <a:rPr lang="bg-BG" dirty="0"/>
-              <a:t> и </a:t>
-            </a:r>
-            <a:r>
-              <a:rPr lang="bg-BG" b="1" dirty="0"/>
-              <a:t>изтриване</a:t>
-            </a:r>
-          </a:p>
-          <a:p>
-            <a:r>
-              <a:rPr lang="bg-BG" b="1" dirty="0">
-                <a:solidFill>
-                  <a:schemeClr val="bg1"/>
-                </a:solidFill>
-              </a:rPr>
-              <a:t>Управление на лекари</a:t>
-            </a:r>
-          </a:p>
-          <a:p>
-            <a:pPr lvl="1"/>
-            <a:r>
-              <a:rPr lang="bg-BG" dirty="0"/>
-              <a:t>Полета за </a:t>
-            </a:r>
-            <a:r>
-              <a:rPr lang="bg-BG" b="1" dirty="0"/>
-              <a:t>име</a:t>
-            </a:r>
-            <a:r>
-              <a:rPr lang="bg-BG" dirty="0"/>
-              <a:t>, </a:t>
-            </a:r>
-            <a:r>
-              <a:rPr lang="bg-BG" b="1" dirty="0"/>
-              <a:t>фамилия</a:t>
-            </a:r>
-            <a:r>
-              <a:rPr lang="bg-BG" dirty="0"/>
-              <a:t>, </a:t>
-            </a:r>
-            <a:r>
-              <a:rPr lang="bg-BG" b="1" dirty="0"/>
-              <a:t>специалност</a:t>
-            </a:r>
-            <a:r>
-              <a:rPr lang="bg-BG" dirty="0"/>
-              <a:t>, </a:t>
-            </a:r>
-            <a:r>
-              <a:rPr lang="bg-BG" b="1" dirty="0"/>
-              <a:t>телефон</a:t>
-            </a:r>
-            <a:endParaRPr lang="bg-BG" dirty="0"/>
-          </a:p>
-          <a:p>
-            <a:pPr lvl="1"/>
-            <a:r>
-              <a:rPr lang="bg-BG" dirty="0"/>
-              <a:t>Бутони за </a:t>
-            </a:r>
-            <a:r>
-              <a:rPr lang="bg-BG" b="1" dirty="0"/>
-              <a:t>добавян</a:t>
-            </a:r>
-            <a:r>
-              <a:rPr lang="en-US" b="1" dirty="0"/>
-              <a:t>e</a:t>
-            </a:r>
-            <a:r>
-              <a:rPr lang="en-US" dirty="0"/>
-              <a:t>, </a:t>
-            </a:r>
-            <a:r>
-              <a:rPr lang="bg-BG" b="1" dirty="0"/>
-              <a:t>редактиране</a:t>
-            </a:r>
-            <a:r>
-              <a:rPr lang="bg-BG" dirty="0"/>
-              <a:t> и </a:t>
-            </a:r>
-            <a:r>
-              <a:rPr lang="bg-BG" b="1" dirty="0"/>
-              <a:t>изтриване</a:t>
-            </a:r>
-          </a:p>
-        </p:txBody>
-      </p:sp>
-    </p:spTree>
-    <p:extLst>
-      <p:ext uri="{BB962C8B-B14F-4D97-AF65-F5344CB8AC3E}">
-        <p14:creationId xmlns:p14="http://schemas.microsoft.com/office/powerpoint/2010/main" val="1951808226"/>
-      </p:ext>
-    </p:extLst>
-  </p:cSld>
-  <p:clrMapOvr>
-    <a:masterClrMapping/>
-  </p:clrMapOvr>
-  <mc:AlternateContent xmlns:mc="http://schemas.openxmlformats.org/markup-compatibility/2006" xmlns:p14="http://schemas.microsoft.com/office/powerpoint/2010/main">
-    <mc:Choice Requires="p14">
-      <p:transition spd="slow" p14:dur="2000" advClick="0" advTm="5000"/>
-    </mc:Choice>
-    <mc:Fallback xmlns="">
-      <p:transition spd="slow" advClick="0" advTm="5000"/>
-    </mc:Fallback>
-  </mc:AlternateContent>
-  <p:timing>
-    <p:tnLst>
-      <p:par>
-        <p:cTn id="1" dur="indefinite" restart="never" nodeType="tmRoot">
-          <p:childTnLst>
-            <p:seq concurrent="1" nextAc="seek">
-              <p:cTn id="2" dur="indefinite" nodeType="mainSeq">
-                <p:childTnLst>
-                  <p:par>
-                    <p:cTn id="3" fill="hold">
-                      <p:stCondLst>
-                        <p:cond delay="indefinite"/>
-                        <p:cond evt="onBegin" delay="0">
-                          <p:tn val="2"/>
-                        </p:cond>
-                      </p:stCondLst>
-                      <p:childTnLst>
-                        <p:par>
-                          <p:cTn id="4" fill="hold">
-                            <p:stCondLst>
-                              <p:cond delay="0"/>
-                            </p:stCondLst>
-                            <p:childTnLst>
-                              <p:par>
-                                <p:cTn id="5" presetID="1" presetClass="entr" presetSubtype="0" fill="hold" nodeType="withEffect">
-                                  <p:stCondLst>
-                                    <p:cond delay="0"/>
-                                  </p:stCondLst>
-                                  <p:childTnLst>
-                                    <p:set>
-                                      <p:cBhvr>
-                                        <p:cTn id="6" dur="1" fill="hold">
-                                          <p:stCondLst>
-                                            <p:cond delay="0"/>
-                                          </p:stCondLst>
-                                        </p:cTn>
-                                        <p:tgtEl>
-                                          <p:spTgt spid="7">
-                                            <p:txEl>
-                                              <p:pRg st="0" end="0"/>
-                                            </p:txEl>
-                                          </p:spTgt>
-                                        </p:tgtEl>
-                                        <p:attrNameLst>
-                                          <p:attrName>style.visibility</p:attrName>
-                                        </p:attrNameLst>
-                                      </p:cBhvr>
-                                      <p:to>
-                                        <p:strVal val="visible"/>
-                                      </p:to>
-                                    </p:set>
-                                  </p:childTnLst>
-                                </p:cTn>
-                              </p:par>
-                              <p:par>
-                                <p:cTn id="7" presetID="1" presetClass="entr" presetSubtype="0" fill="hold" nodeType="withEffect">
-                                  <p:stCondLst>
-                                    <p:cond delay="0"/>
-                                  </p:stCondLst>
-                                  <p:childTnLst>
-                                    <p:set>
-                                      <p:cBhvr>
-                                        <p:cTn id="8" dur="1" fill="hold">
-                                          <p:stCondLst>
-                                            <p:cond delay="0"/>
-                                          </p:stCondLst>
-                                        </p:cTn>
-                                        <p:tgtEl>
-                                          <p:spTgt spid="7">
-                                            <p:txEl>
-                                              <p:pRg st="1" end="1"/>
-                                            </p:txEl>
-                                          </p:spTgt>
-                                        </p:tgtEl>
-                                        <p:attrNameLst>
-                                          <p:attrName>style.visibility</p:attrName>
-                                        </p:attrNameLst>
-                                      </p:cBhvr>
-                                      <p:to>
-                                        <p:strVal val="visible"/>
-                                      </p:to>
-                                    </p:set>
-                                  </p:childTnLst>
-                                </p:cTn>
-                              </p:par>
-                            </p:childTnLst>
-                          </p:cTn>
-                        </p:par>
-                      </p:childTnLst>
-                    </p:cTn>
-                  </p:par>
-                  <p:par>
-                    <p:cTn id="9" fill="hold">
-                      <p:stCondLst>
-                        <p:cond delay="indefinite"/>
-                      </p:stCondLst>
-                      <p:childTnLst>
-                        <p:par>
-                          <p:cTn id="10" fill="hold">
-                            <p:stCondLst>
-                              <p:cond delay="0"/>
-                            </p:stCondLst>
-                            <p:childTnLst>
-                              <p:par>
-                                <p:cTn id="11" presetID="1" presetClass="entr" presetSubtype="0" fill="hold" nodeType="clickEffect">
-                                  <p:stCondLst>
-                                    <p:cond delay="0"/>
-                                  </p:stCondLst>
-                                  <p:childTnLst>
-                                    <p:set>
-                                      <p:cBhvr>
-                                        <p:cTn id="12" dur="1" fill="hold">
-                                          <p:stCondLst>
-                                            <p:cond delay="0"/>
-                                          </p:stCondLst>
-                                        </p:cTn>
-                                        <p:tgtEl>
-                                          <p:spTgt spid="7">
-                                            <p:txEl>
-                                              <p:pRg st="2" end="2"/>
-                                            </p:txEl>
-                                          </p:spTgt>
-                                        </p:tgtEl>
-                                        <p:attrNameLst>
-                                          <p:attrName>style.visibility</p:attrName>
-                                        </p:attrNameLst>
-                                      </p:cBhvr>
-                                      <p:to>
-                                        <p:strVal val="visible"/>
-                                      </p:to>
-                                    </p:set>
-                                  </p:childTnLst>
-                                </p:cTn>
-                              </p:par>
-                            </p:childTnLst>
-                          </p:cTn>
-                        </p:par>
-                      </p:childTnLst>
-                    </p:cTn>
-                  </p:par>
-                  <p:par>
-                    <p:cTn id="13" fill="hold">
-                      <p:stCondLst>
-                        <p:cond delay="indefinite"/>
-                      </p:stCondLst>
-                      <p:childTnLst>
-                        <p:par>
-                          <p:cTn id="14" fill="hold">
-                            <p:stCondLst>
-                              <p:cond delay="0"/>
-                            </p:stCondLst>
-                            <p:childTnLst>
-                              <p:par>
-                                <p:cTn id="15" presetID="1" presetClass="entr" presetSubtype="0" fill="hold" nodeType="clickEffect">
-                                  <p:stCondLst>
-                                    <p:cond delay="0"/>
-                                  </p:stCondLst>
-                                  <p:childTnLst>
-                                    <p:set>
-                                      <p:cBhvr>
-                                        <p:cTn id="16" dur="1" fill="hold">
-                                          <p:stCondLst>
-                                            <p:cond delay="0"/>
-                                          </p:stCondLst>
-                                        </p:cTn>
-                                        <p:tgtEl>
-                                          <p:spTgt spid="7">
-                                            <p:txEl>
-                                              <p:pRg st="3" end="3"/>
-                                            </p:txEl>
-                                          </p:spTgt>
-                                        </p:tgtEl>
-                                        <p:attrNameLst>
-                                          <p:attrName>style.visibility</p:attrName>
-                                        </p:attrNameLst>
-                                      </p:cBhvr>
-                                      <p:to>
-                                        <p:strVal val="visible"/>
-                                      </p:to>
-                                    </p:set>
-                                  </p:childTnLst>
-                                </p:cTn>
-                              </p:par>
-                              <p:par>
-                                <p:cTn id="17" presetID="1" presetClass="entr" presetSubtype="0" fill="hold" nodeType="withEffect">
-                                  <p:stCondLst>
-                                    <p:cond delay="0"/>
-                                  </p:stCondLst>
-                                  <p:childTnLst>
-                                    <p:set>
-                                      <p:cBhvr>
-                                        <p:cTn id="18" dur="1" fill="hold">
-                                          <p:stCondLst>
-                                            <p:cond delay="0"/>
-                                          </p:stCondLst>
-                                        </p:cTn>
-                                        <p:tgtEl>
-                                          <p:spTgt spid="7">
-                                            <p:txEl>
-                                              <p:pRg st="4" end="4"/>
-                                            </p:txEl>
-                                          </p:spTgt>
-                                        </p:tgtEl>
-                                        <p:attrNameLst>
-                                          <p:attrName>style.visibility</p:attrName>
-                                        </p:attrNameLst>
-                                      </p:cBhvr>
-                                      <p:to>
-                                        <p:strVal val="visible"/>
-                                      </p:to>
-                                    </p:set>
-                                  </p:childTnLst>
-                                </p:cTn>
-                              </p:par>
-                            </p:childTnLst>
-                          </p:cTn>
-                        </p:par>
-                      </p:childTnLst>
-                    </p:cTn>
-                  </p:par>
-                  <p:par>
-                    <p:cTn id="19" fill="hold">
-                      <p:stCondLst>
-                        <p:cond delay="indefinite"/>
-                      </p:stCondLst>
-                      <p:childTnLst>
-                        <p:par>
-                          <p:cTn id="20" fill="hold">
-                            <p:stCondLst>
-                              <p:cond delay="0"/>
-                            </p:stCondLst>
-                            <p:childTnLst>
-                              <p:par>
-                                <p:cTn id="21" presetID="1" presetClass="entr" presetSubtype="0" fill="hold" nodeType="clickEffect">
-                                  <p:stCondLst>
-                                    <p:cond delay="0"/>
-                                  </p:stCondLst>
-                                  <p:childTnLst>
-                                    <p:set>
-                                      <p:cBhvr>
-                                        <p:cTn id="22" dur="1" fill="hold">
-                                          <p:stCondLst>
-                                            <p:cond delay="0"/>
-                                          </p:stCondLst>
-                                        </p:cTn>
-                                        <p:tgtEl>
-                                          <p:spTgt spid="7">
-                                            <p:txEl>
-                                              <p:pRg st="5" end="5"/>
-                                            </p:txEl>
-                                          </p:spTgt>
-                                        </p:tgtEl>
-                                        <p:attrNameLst>
-                                          <p:attrName>style.visibility</p:attrName>
-                                        </p:attrNameLst>
-                                      </p:cBhvr>
-                                      <p:to>
-                                        <p:strVal val="visible"/>
-                                      </p:to>
-                                    </p:set>
-                                  </p:childTnLst>
-                                </p:cTn>
-                              </p:par>
-                            </p:childTnLst>
-                          </p:cTn>
-                        </p:par>
-                      </p:childTnLst>
-                    </p:cTn>
-                  </p:par>
-                  <p:par>
-                    <p:cTn id="23" fill="hold">
-                      <p:stCondLst>
-                        <p:cond delay="indefinite"/>
-                      </p:stCondLst>
-                      <p:childTnLst>
-                        <p:par>
-                          <p:cTn id="24" fill="hold">
-                            <p:stCondLst>
-                              <p:cond delay="0"/>
-                            </p:stCondLst>
-                            <p:childTnLst>
-                              <p:par>
-                                <p:cTn id="25" presetID="1" presetClass="entr" presetSubtype="0" fill="hold" nodeType="clickEffect">
-                                  <p:stCondLst>
-                                    <p:cond delay="0"/>
-                                  </p:stCondLst>
-                                  <p:childTnLst>
-                                    <p:set>
-                                      <p:cBhvr>
-                                        <p:cTn id="26" dur="1" fill="hold">
-                                          <p:stCondLst>
-                                            <p:cond delay="0"/>
-                                          </p:stCondLst>
-                                        </p:cTn>
-                                        <p:tgtEl>
-                                          <p:spTgt spid="7">
-                                            <p:txEl>
-                                              <p:pRg st="6" end="6"/>
-                                            </p:txEl>
-                                          </p:spTgt>
-                                        </p:tgtEl>
-                                        <p:attrNameLst>
-                                          <p:attrName>style.visibility</p:attrName>
-                                        </p:attrNameLst>
-                                      </p:cBhvr>
-                                      <p:to>
-                                        <p:strVal val="visible"/>
-                                      </p:to>
-                                    </p:set>
-                                  </p:childTnLst>
-                                </p:cTn>
-                              </p:par>
-                              <p:par>
-                                <p:cTn id="27" presetID="1" presetClass="entr" presetSubtype="0" fill="hold" nodeType="withEffect">
-                                  <p:stCondLst>
-                                    <p:cond delay="0"/>
-                                  </p:stCondLst>
-                                  <p:childTnLst>
-                                    <p:set>
-                                      <p:cBhvr>
-                                        <p:cTn id="28" dur="1" fill="hold">
-                                          <p:stCondLst>
-                                            <p:cond delay="0"/>
-                                          </p:stCondLst>
-                                        </p:cTn>
-                                        <p:tgtEl>
-                                          <p:spTgt spid="7">
-                                            <p:txEl>
-                                              <p:pRg st="7" end="7"/>
-                                            </p:txEl>
-                                          </p:spTgt>
-                                        </p:tgtEl>
-                                        <p:attrNameLst>
-                                          <p:attrName>style.visibility</p:attrName>
-                                        </p:attrNameLst>
-                                      </p:cBhvr>
-                                      <p:to>
-                                        <p:strVal val="visible"/>
-                                      </p:to>
-                                    </p:set>
-                                  </p:childTnLst>
-                                </p:cTn>
-                              </p:par>
-                            </p:childTnLst>
-                          </p:cTn>
-                        </p:par>
-                      </p:childTnLst>
-                    </p:cTn>
-                  </p:par>
-                  <p:par>
-                    <p:cTn id="29" fill="hold">
-                      <p:stCondLst>
-                        <p:cond delay="indefinite"/>
-                      </p:stCondLst>
-                      <p:childTnLst>
-                        <p:par>
-                          <p:cTn id="30" fill="hold">
-                            <p:stCondLst>
-                              <p:cond delay="0"/>
-                            </p:stCondLst>
-                            <p:childTnLst>
-                              <p:par>
-                                <p:cTn id="31" presetID="1" presetClass="entr" presetSubtype="0" fill="hold" nodeType="clickEffect">
-                                  <p:stCondLst>
-                                    <p:cond delay="0"/>
-                                  </p:stCondLst>
-                                  <p:childTnLst>
-                                    <p:set>
-                                      <p:cBhvr>
-                                        <p:cTn id="32" dur="1" fill="hold">
-                                          <p:stCondLst>
-                                            <p:cond delay="0"/>
-                                          </p:stCondLst>
-                                        </p:cTn>
-                                        <p:tgtEl>
-                                          <p:spTgt spid="7">
-                                            <p:txEl>
-                                              <p:pRg st="8" end="8"/>
                                             </p:txEl>
                                           </p:spTgt>
                                         </p:tgtEl>
@@ -14505,7 +13853,7 @@
             </a:r>
             <a:r>
               <a:rPr lang="bg-BG" dirty="0"/>
-              <a:t>- Пациенти</a:t>
+              <a:t>- Главна форма</a:t>
             </a:r>
             <a:endParaRPr lang="en-BG" dirty="0"/>
           </a:p>
@@ -14540,7 +13888,7 @@
                   <a:schemeClr val="bg1"/>
                 </a:solidFill>
               </a:rPr>
-              <a:t>Форма за добавяне на нов пациент</a:t>
+              <a:t>Управление на пациенти</a:t>
             </a:r>
           </a:p>
           <a:p>
@@ -14585,6 +13933,7 @@
               <a:rPr lang="bg-BG" b="1" dirty="0"/>
               <a:t>телефон</a:t>
             </a:r>
+            <a:endParaRPr lang="bg-BG" dirty="0"/>
           </a:p>
           <a:p>
             <a:pPr lvl="1"/>
@@ -14598,11 +13947,19 @@
             </a:r>
             <a:r>
               <a:rPr lang="bg-BG" dirty="0"/>
+              <a:t>, </a:t>
+            </a:r>
+            <a:r>
+              <a:rPr lang="bg-BG" b="1" dirty="0"/>
+              <a:t>редактиране</a:t>
+            </a:r>
+            <a:r>
+              <a:rPr lang="bg-BG" dirty="0"/>
               <a:t> и </a:t>
             </a:r>
             <a:r>
               <a:rPr lang="bg-BG" b="1" dirty="0"/>
-              <a:t>отказ</a:t>
+              <a:t>изтриване</a:t>
             </a:r>
           </a:p>
           <a:p>
@@ -14612,14 +13969,22 @@
                   <a:schemeClr val="bg1"/>
                 </a:solidFill>
               </a:rPr>
-              <a:t>Форма за редактиране на съществуващ пациент</a:t>
+              <a:t>Управление на прегледи</a:t>
             </a:r>
           </a:p>
           <a:p>
             <a:pPr lvl="1"/>
             <a:r>
               <a:rPr lang="bg-BG" dirty="0"/>
-              <a:t>Полета </a:t>
+              <a:t>Полета за </a:t>
+            </a:r>
+            <a:r>
+              <a:rPr lang="bg-BG" b="1" dirty="0"/>
+              <a:t>дата</a:t>
+            </a:r>
+            <a:r>
+              <a:rPr lang="bg-BG" dirty="0"/>
+              <a:t>, </a:t>
             </a:r>
             <a:r>
               <a:rPr lang="bg-BG" b="1" dirty="0"/>
@@ -14627,7 +13992,7 @@
             </a:r>
             <a:r>
               <a:rPr lang="bg-BG" dirty="0"/>
-              <a:t>, </a:t>
+              <a:t> и </a:t>
             </a:r>
             <a:r>
               <a:rPr lang="bg-BG" b="1" dirty="0"/>
@@ -14635,11 +14000,11 @@
             </a:r>
             <a:r>
               <a:rPr lang="bg-BG" dirty="0"/>
-              <a:t>, </a:t>
+              <a:t> на </a:t>
             </a:r>
             <a:r>
               <a:rPr lang="bg-BG" b="1" dirty="0"/>
-              <a:t>ЕГН</a:t>
+              <a:t>лекар</a:t>
             </a:r>
             <a:r>
               <a:rPr lang="bg-BG" dirty="0"/>
@@ -14647,7 +14012,19 @@
             </a:r>
             <a:r>
               <a:rPr lang="bg-BG" b="1" dirty="0"/>
-              <a:t>пол</a:t>
+              <a:t>описание</a:t>
+            </a:r>
+            <a:endParaRPr lang="bg-BG" dirty="0"/>
+          </a:p>
+          <a:p>
+            <a:pPr lvl="1"/>
+            <a:r>
+              <a:rPr lang="bg-BG" dirty="0"/>
+              <a:t>Бутони за </a:t>
+            </a:r>
+            <a:r>
+              <a:rPr lang="bg-BG" b="1" dirty="0"/>
+              <a:t>добавяне</a:t>
             </a:r>
             <a:r>
               <a:rPr lang="bg-BG" dirty="0"/>
@@ -14655,17 +14032,6 @@
             </a:r>
             <a:r>
               <a:rPr lang="bg-BG" b="1" dirty="0"/>
-              <a:t>телефон</a:t>
-            </a:r>
-          </a:p>
-          <a:p>
-            <a:pPr lvl="1"/>
-            <a:r>
-              <a:rPr lang="bg-BG" dirty="0"/>
-              <a:t>Бутони за </a:t>
-            </a:r>
-            <a:r>
-              <a:rPr lang="bg-BG" b="1" dirty="0"/>
               <a:t>редактиране</a:t>
             </a:r>
             <a:r>
@@ -14674,7 +14040,7 @@
             </a:r>
             <a:r>
               <a:rPr lang="bg-BG" b="1" dirty="0"/>
-              <a:t>отказ</a:t>
+              <a:t>изтриване</a:t>
             </a:r>
           </a:p>
           <a:p>
@@ -14684,14 +14050,14 @@
                   <a:schemeClr val="bg1"/>
                 </a:solidFill>
               </a:rPr>
-              <a:t>Форма за изтриване на съществуващ пациент</a:t>
+              <a:t>Управление на лекари</a:t>
             </a:r>
           </a:p>
           <a:p>
             <a:pPr lvl="1"/>
             <a:r>
               <a:rPr lang="bg-BG" dirty="0"/>
-              <a:t>Поле за </a:t>
+              <a:t>Полета за </a:t>
             </a:r>
             <a:r>
               <a:rPr lang="bg-BG" b="1" dirty="0"/>
@@ -14699,12 +14065,29 @@
             </a:r>
             <a:r>
               <a:rPr lang="bg-BG" dirty="0"/>
-              <a:t> и </a:t>
+              <a:t>, </a:t>
             </a:r>
             <a:r>
               <a:rPr lang="bg-BG" b="1" dirty="0"/>
               <a:t>фамилия</a:t>
             </a:r>
+            <a:r>
+              <a:rPr lang="bg-BG" dirty="0"/>
+              <a:t>, </a:t>
+            </a:r>
+            <a:r>
+              <a:rPr lang="bg-BG" b="1" dirty="0"/>
+              <a:t>специалност</a:t>
+            </a:r>
+            <a:r>
+              <a:rPr lang="bg-BG" dirty="0"/>
+              <a:t>, </a:t>
+            </a:r>
+            <a:r>
+              <a:rPr lang="bg-BG" b="1" dirty="0"/>
+              <a:t>телефон</a:t>
+            </a:r>
+            <a:endParaRPr lang="bg-BG" dirty="0"/>
           </a:p>
           <a:p>
             <a:pPr lvl="1"/>
@@ -14714,7 +14097,19 @@
             </a:r>
             <a:r>
               <a:rPr lang="bg-BG" b="1" dirty="0"/>
-              <a:t>изтриване</a:t>
+              <a:t>добавян</a:t>
+            </a:r>
+            <a:r>
+              <a:rPr lang="en-US" b="1" dirty="0"/>
+              <a:t>e</a:t>
+            </a:r>
+            <a:r>
+              <a:rPr lang="en-US" dirty="0"/>
+              <a:t>, </a:t>
+            </a:r>
+            <a:r>
+              <a:rPr lang="bg-BG" b="1" dirty="0"/>
+              <a:t>редактиране</a:t>
             </a:r>
             <a:r>
               <a:rPr lang="bg-BG" dirty="0"/>
@@ -14722,16 +14117,15 @@
             </a:r>
             <a:r>
               <a:rPr lang="bg-BG" b="1" dirty="0"/>
-              <a:t>отказ</a:t>
-            </a:r>
-            <a:endParaRPr lang="en-BG" b="1" dirty="0"/>
+              <a:t>изтриване</a:t>
+            </a:r>
           </a:p>
         </p:txBody>
       </p:sp>
     </p:spTree>
     <p:extLst>
       <p:ext uri="{BB962C8B-B14F-4D97-AF65-F5344CB8AC3E}">
-        <p14:creationId xmlns:p14="http://schemas.microsoft.com/office/powerpoint/2010/main" val="2251554703"/>
+        <p14:creationId xmlns:p14="http://schemas.microsoft.com/office/powerpoint/2010/main" val="1951808226"/>
       </p:ext>
     </p:extLst>
   </p:cSld>
@@ -15257,7 +14651,7 @@
             </a:r>
             <a:r>
               <a:rPr lang="bg-BG" dirty="0"/>
-              <a:t>- Прегледи</a:t>
+              <a:t>- Пациенти</a:t>
             </a:r>
             <a:endParaRPr lang="en-BG" dirty="0"/>
           </a:p>
@@ -15282,7 +14676,7 @@
         <p:spPr/>
         <p:txBody>
           <a:bodyPr>
-            <a:normAutofit fontScale="85000" lnSpcReduction="20000"/>
+            <a:normAutofit fontScale="92500" lnSpcReduction="10000"/>
           </a:bodyPr>
           <a:lstStyle/>
           <a:p>
@@ -15292,7 +14686,7 @@
                   <a:schemeClr val="bg1"/>
                 </a:solidFill>
               </a:rPr>
-              <a:t>Форма за добавяне на нов преглед</a:t>
+              <a:t>Форма за добавяне на нов пациент</a:t>
             </a:r>
           </a:p>
           <a:p>
@@ -15307,7 +14701,7 @@
             </a:r>
             <a:r>
               <a:rPr lang="bg-BG" dirty="0"/>
-              <a:t> и </a:t>
+              <a:t>, </a:t>
             </a:r>
             <a:r>
               <a:rPr lang="bg-BG" b="1" dirty="0"/>
@@ -15315,11 +14709,11 @@
             </a:r>
             <a:r>
               <a:rPr lang="bg-BG" dirty="0"/>
-              <a:t> на </a:t>
+              <a:t>, </a:t>
             </a:r>
             <a:r>
               <a:rPr lang="bg-BG" b="1" dirty="0"/>
-              <a:t>пациент</a:t>
+              <a:t>ЕГН</a:t>
             </a:r>
             <a:r>
               <a:rPr lang="bg-BG" dirty="0"/>
@@ -15327,23 +14721,7 @@
             </a:r>
             <a:r>
               <a:rPr lang="bg-BG" b="1" dirty="0"/>
-              <a:t>име</a:t>
-            </a:r>
-            <a:r>
-              <a:rPr lang="bg-BG" dirty="0"/>
-              <a:t> и </a:t>
-            </a:r>
-            <a:r>
-              <a:rPr lang="bg-BG" b="1" dirty="0"/>
-              <a:t>фамилия</a:t>
-            </a:r>
-            <a:r>
-              <a:rPr lang="bg-BG" dirty="0"/>
-              <a:t> на </a:t>
-            </a:r>
-            <a:r>
-              <a:rPr lang="bg-BG" b="1" dirty="0"/>
-              <a:t>лекар</a:t>
+              <a:t>пол</a:t>
             </a:r>
             <a:r>
               <a:rPr lang="bg-BG" dirty="0"/>
@@ -15351,15 +14729,7 @@
             </a:r>
             <a:r>
               <a:rPr lang="bg-BG" b="1" dirty="0"/>
-              <a:t>дата</a:t>
-            </a:r>
-            <a:r>
-              <a:rPr lang="bg-BG" dirty="0"/>
-              <a:t>, </a:t>
-            </a:r>
-            <a:r>
-              <a:rPr lang="bg-BG" b="1" dirty="0"/>
-              <a:t>описание</a:t>
+              <a:t>телефон</a:t>
             </a:r>
           </a:p>
           <a:p>
@@ -15388,14 +14758,14 @@
                   <a:schemeClr val="bg1"/>
                 </a:solidFill>
               </a:rPr>
-              <a:t>Форма за редактиране на съществуващ преглед</a:t>
+              <a:t>Форма за редактиране на съществуващ пациент</a:t>
             </a:r>
           </a:p>
           <a:p>
             <a:pPr lvl="1"/>
             <a:r>
               <a:rPr lang="bg-BG" dirty="0"/>
-              <a:t>Полета за </a:t>
+              <a:t>Полета </a:t>
             </a:r>
             <a:r>
               <a:rPr lang="bg-BG" b="1" dirty="0"/>
@@ -15403,7 +14773,7 @@
             </a:r>
             <a:r>
               <a:rPr lang="bg-BG" dirty="0"/>
-              <a:t> и </a:t>
+              <a:t>, </a:t>
             </a:r>
             <a:r>
               <a:rPr lang="bg-BG" b="1" dirty="0"/>
@@ -15411,11 +14781,11 @@
             </a:r>
             <a:r>
               <a:rPr lang="bg-BG" dirty="0"/>
-              <a:t> на </a:t>
+              <a:t>, </a:t>
             </a:r>
             <a:r>
               <a:rPr lang="bg-BG" b="1" dirty="0"/>
-              <a:t>пациент</a:t>
+              <a:t>ЕГН</a:t>
             </a:r>
             <a:r>
               <a:rPr lang="bg-BG" dirty="0"/>
@@ -15423,23 +14793,7 @@
             </a:r>
             <a:r>
               <a:rPr lang="bg-BG" b="1" dirty="0"/>
-              <a:t>име</a:t>
-            </a:r>
-            <a:r>
-              <a:rPr lang="bg-BG" dirty="0"/>
-              <a:t> и </a:t>
-            </a:r>
-            <a:r>
-              <a:rPr lang="bg-BG" b="1" dirty="0"/>
-              <a:t>фамилия</a:t>
-            </a:r>
-            <a:r>
-              <a:rPr lang="bg-BG" dirty="0"/>
-              <a:t> на </a:t>
-            </a:r>
-            <a:r>
-              <a:rPr lang="bg-BG" b="1" dirty="0"/>
-              <a:t>лекар</a:t>
+              <a:t>пол</a:t>
             </a:r>
             <a:r>
               <a:rPr lang="bg-BG" dirty="0"/>
@@ -15447,15 +14801,7 @@
             </a:r>
             <a:r>
               <a:rPr lang="bg-BG" b="1" dirty="0"/>
-              <a:t>дата</a:t>
-            </a:r>
-            <a:r>
-              <a:rPr lang="bg-BG" dirty="0"/>
-              <a:t>, </a:t>
-            </a:r>
-            <a:r>
-              <a:rPr lang="bg-BG" b="1" dirty="0"/>
-              <a:t>описание</a:t>
+              <a:t>телефон</a:t>
             </a:r>
           </a:p>
           <a:p>
@@ -15484,7 +14830,7 @@
                   <a:schemeClr val="bg1"/>
                 </a:solidFill>
               </a:rPr>
-              <a:t>Форма за изтриване на съществуващ преглед</a:t>
+              <a:t>Форма за изтриване на съществуващ пациент</a:t>
             </a:r>
           </a:p>
           <a:p>
@@ -15495,7 +14841,7 @@
             </a:r>
             <a:r>
               <a:rPr lang="bg-BG" b="1" dirty="0"/>
-              <a:t>дата</a:t>
+              <a:t>име</a:t>
             </a:r>
             <a:r>
               <a:rPr lang="bg-BG" dirty="0"/>
@@ -15503,7 +14849,7 @@
             </a:r>
             <a:r>
               <a:rPr lang="bg-BG" b="1" dirty="0"/>
-              <a:t>описание</a:t>
+              <a:t>фамилия</a:t>
             </a:r>
           </a:p>
           <a:p>
@@ -15531,7 +14877,7 @@
     </p:spTree>
     <p:extLst>
       <p:ext uri="{BB962C8B-B14F-4D97-AF65-F5344CB8AC3E}">
-        <p14:creationId xmlns:p14="http://schemas.microsoft.com/office/powerpoint/2010/main" val="2031587358"/>
+        <p14:creationId xmlns:p14="http://schemas.microsoft.com/office/powerpoint/2010/main" val="2251554703"/>
       </p:ext>
     </p:extLst>
   </p:cSld>
@@ -16057,7 +15403,7 @@
             </a:r>
             <a:r>
               <a:rPr lang="bg-BG" dirty="0"/>
-              <a:t>- Лекари</a:t>
+              <a:t>- Прегледи</a:t>
             </a:r>
             <a:endParaRPr lang="en-BG" dirty="0"/>
           </a:p>
@@ -16092,7 +15438,7 @@
                   <a:schemeClr val="bg1"/>
                 </a:solidFill>
               </a:rPr>
-              <a:t>Форма за добавяне на нов лекар</a:t>
+              <a:t>Форма за добавяне на нов преглед</a:t>
             </a:r>
           </a:p>
           <a:p>
@@ -16107,7 +15453,7 @@
             </a:r>
             <a:r>
               <a:rPr lang="bg-BG" dirty="0"/>
-              <a:t>, </a:t>
+              <a:t> и </a:t>
             </a:r>
             <a:r>
               <a:rPr lang="bg-BG" b="1" dirty="0"/>
@@ -16115,11 +15461,11 @@
             </a:r>
             <a:r>
               <a:rPr lang="bg-BG" dirty="0"/>
-              <a:t>, </a:t>
+              <a:t> на </a:t>
             </a:r>
             <a:r>
               <a:rPr lang="bg-BG" b="1" dirty="0"/>
-              <a:t>специалност</a:t>
+              <a:t>пациент</a:t>
             </a:r>
             <a:r>
               <a:rPr lang="bg-BG" dirty="0"/>
@@ -16127,7 +15473,23 @@
             </a:r>
             <a:r>
               <a:rPr lang="bg-BG" b="1" dirty="0"/>
-              <a:t>телефон</a:t>
+              <a:t>име</a:t>
+            </a:r>
+            <a:r>
+              <a:rPr lang="bg-BG" dirty="0"/>
+              <a:t> и </a:t>
+            </a:r>
+            <a:r>
+              <a:rPr lang="bg-BG" b="1" dirty="0"/>
+              <a:t>фамилия</a:t>
+            </a:r>
+            <a:r>
+              <a:rPr lang="bg-BG" dirty="0"/>
+              <a:t> на </a:t>
+            </a:r>
+            <a:r>
+              <a:rPr lang="bg-BG" b="1" dirty="0"/>
+              <a:t>лекар</a:t>
             </a:r>
             <a:r>
               <a:rPr lang="bg-BG" dirty="0"/>
@@ -16135,15 +15497,7 @@
             </a:r>
             <a:r>
               <a:rPr lang="bg-BG" b="1" dirty="0"/>
-              <a:t>потребителско</a:t>
-            </a:r>
-            <a:r>
-              <a:rPr lang="bg-BG" dirty="0"/>
-              <a:t> </a:t>
-            </a:r>
-            <a:r>
-              <a:rPr lang="bg-BG" b="1" dirty="0"/>
-              <a:t>име</a:t>
+              <a:t>дата</a:t>
             </a:r>
             <a:r>
               <a:rPr lang="bg-BG" dirty="0"/>
@@ -16151,7 +15505,7 @@
             </a:r>
             <a:r>
               <a:rPr lang="bg-BG" b="1" dirty="0"/>
-              <a:t>парола</a:t>
+              <a:t>описание</a:t>
             </a:r>
           </a:p>
           <a:p>
@@ -16180,7 +15534,7 @@
                   <a:schemeClr val="bg1"/>
                 </a:solidFill>
               </a:rPr>
-              <a:t>Форма за редактиране на съществуващ лекар</a:t>
+              <a:t>Форма за редактиране на съществуващ преглед</a:t>
             </a:r>
           </a:p>
           <a:p>
@@ -16195,7 +15549,7 @@
             </a:r>
             <a:r>
               <a:rPr lang="bg-BG" dirty="0"/>
-              <a:t>, </a:t>
+              <a:t> и </a:t>
             </a:r>
             <a:r>
               <a:rPr lang="bg-BG" b="1" dirty="0"/>
@@ -16203,11 +15557,11 @@
             </a:r>
             <a:r>
               <a:rPr lang="bg-BG" dirty="0"/>
-              <a:t>, </a:t>
+              <a:t> на </a:t>
             </a:r>
             <a:r>
               <a:rPr lang="bg-BG" b="1" dirty="0"/>
-              <a:t>специалност</a:t>
+              <a:t>пациент</a:t>
             </a:r>
             <a:r>
               <a:rPr lang="bg-BG" dirty="0"/>
@@ -16215,7 +15569,23 @@
             </a:r>
             <a:r>
               <a:rPr lang="bg-BG" b="1" dirty="0"/>
-              <a:t>телефон</a:t>
+              <a:t>име</a:t>
+            </a:r>
+            <a:r>
+              <a:rPr lang="bg-BG" dirty="0"/>
+              <a:t> и </a:t>
+            </a:r>
+            <a:r>
+              <a:rPr lang="bg-BG" b="1" dirty="0"/>
+              <a:t>фамилия</a:t>
+            </a:r>
+            <a:r>
+              <a:rPr lang="bg-BG" dirty="0"/>
+              <a:t> на </a:t>
+            </a:r>
+            <a:r>
+              <a:rPr lang="bg-BG" b="1" dirty="0"/>
+              <a:t>лекар</a:t>
             </a:r>
             <a:r>
               <a:rPr lang="bg-BG" dirty="0"/>
@@ -16223,15 +15593,7 @@
             </a:r>
             <a:r>
               <a:rPr lang="bg-BG" b="1" dirty="0"/>
-              <a:t>потребителско</a:t>
-            </a:r>
-            <a:r>
-              <a:rPr lang="bg-BG" dirty="0"/>
-              <a:t> </a:t>
-            </a:r>
-            <a:r>
-              <a:rPr lang="bg-BG" b="1" dirty="0"/>
-              <a:t>име</a:t>
+              <a:t>дата</a:t>
             </a:r>
             <a:r>
               <a:rPr lang="bg-BG" dirty="0"/>
@@ -16239,7 +15601,7 @@
             </a:r>
             <a:r>
               <a:rPr lang="bg-BG" b="1" dirty="0"/>
-              <a:t>парола</a:t>
+              <a:t>описание</a:t>
             </a:r>
           </a:p>
           <a:p>
@@ -16268,7 +15630,7 @@
                   <a:schemeClr val="bg1"/>
                 </a:solidFill>
               </a:rPr>
-              <a:t>Форма за изтриване на съществуващ лекар</a:t>
+              <a:t>Форма за изтриване на съществуващ преглед</a:t>
             </a:r>
           </a:p>
           <a:p>
@@ -16279,7 +15641,7 @@
             </a:r>
             <a:r>
               <a:rPr lang="bg-BG" b="1" dirty="0"/>
-              <a:t>име</a:t>
+              <a:t>дата</a:t>
             </a:r>
             <a:r>
               <a:rPr lang="bg-BG" dirty="0"/>
@@ -16287,7 +15649,7 @@
             </a:r>
             <a:r>
               <a:rPr lang="bg-BG" b="1" dirty="0"/>
-              <a:t>фамилия</a:t>
+              <a:t>описание</a:t>
             </a:r>
           </a:p>
           <a:p>
@@ -16315,7 +15677,7 @@
     </p:spTree>
     <p:extLst>
       <p:ext uri="{BB962C8B-B14F-4D97-AF65-F5344CB8AC3E}">
-        <p14:creationId xmlns:p14="http://schemas.microsoft.com/office/powerpoint/2010/main" val="1953620638"/>
+        <p14:creationId xmlns:p14="http://schemas.microsoft.com/office/powerpoint/2010/main" val="2031587358"/>
       </p:ext>
     </p:extLst>
   </p:cSld>
@@ -16770,6 +16132,790 @@
           <a:chExt cx="0" cy="0"/>
         </a:xfrm>
       </p:grpSpPr>
+      <p:sp>
+        <p:nvSpPr>
+          <p:cNvPr id="2" name="Slide Number Placeholder 1">
+            <a:extLst>
+              <a:ext uri="{FF2B5EF4-FFF2-40B4-BE49-F238E27FC236}">
+                <a16:creationId xmlns:a16="http://schemas.microsoft.com/office/drawing/2014/main" id="{CCAABC86-82E0-F099-701A-D4347B605385}"/>
+              </a:ext>
+            </a:extLst>
+          </p:cNvPr>
+          <p:cNvSpPr>
+            <a:spLocks noGrp="1"/>
+          </p:cNvSpPr>
+          <p:nvPr>
+            <p:ph type="sldNum" sz="quarter" idx="5"/>
+          </p:nvPr>
+        </p:nvSpPr>
+        <p:spPr/>
+        <p:txBody>
+          <a:bodyPr/>
+          <a:lstStyle/>
+          <a:p>
+            <a:fld id="{2BF067CD-8E6B-4360-9AA8-C5DF2A48A6D1}" type="slidenum">
+              <a:rPr lang="en-US" noProof="0" smtClean="0"/>
+              <a:pPr/>
+              <a:t>23</a:t>
+            </a:fld>
+            <a:endParaRPr lang="en-US" noProof="0" dirty="0"/>
+          </a:p>
+        </p:txBody>
+      </p:sp>
+      <p:sp>
+        <p:nvSpPr>
+          <p:cNvPr id="4" name="Title 3">
+            <a:extLst>
+              <a:ext uri="{FF2B5EF4-FFF2-40B4-BE49-F238E27FC236}">
+                <a16:creationId xmlns:a16="http://schemas.microsoft.com/office/drawing/2014/main" id="{67B6A643-676D-3506-B008-B24B36AA34F1}"/>
+              </a:ext>
+            </a:extLst>
+          </p:cNvPr>
+          <p:cNvSpPr>
+            <a:spLocks noGrp="1"/>
+          </p:cNvSpPr>
+          <p:nvPr>
+            <p:ph type="title"/>
+          </p:nvPr>
+        </p:nvSpPr>
+        <p:spPr/>
+        <p:txBody>
+          <a:bodyPr>
+            <a:normAutofit/>
+          </a:bodyPr>
+          <a:lstStyle/>
+          <a:p>
+            <a:r>
+              <a:rPr lang="bg-BG" dirty="0"/>
+              <a:t>Проектиране</a:t>
+            </a:r>
+            <a:r>
+              <a:rPr lang="en-US" dirty="0"/>
+              <a:t>: </a:t>
+            </a:r>
+            <a:r>
+              <a:rPr lang="bg-BG" dirty="0"/>
+              <a:t>дизайн на </a:t>
+            </a:r>
+            <a:r>
+              <a:rPr lang="en-US" dirty="0"/>
+              <a:t>UI </a:t>
+            </a:r>
+            <a:r>
+              <a:rPr lang="bg-BG" dirty="0"/>
+              <a:t>- Лекари</a:t>
+            </a:r>
+            <a:endParaRPr lang="en-BG" dirty="0"/>
+          </a:p>
+        </p:txBody>
+      </p:sp>
+      <p:sp>
+        <p:nvSpPr>
+          <p:cNvPr id="7" name="Text Placeholder 6">
+            <a:extLst>
+              <a:ext uri="{FF2B5EF4-FFF2-40B4-BE49-F238E27FC236}">
+                <a16:creationId xmlns:a16="http://schemas.microsoft.com/office/drawing/2014/main" id="{FBFEFCDD-E454-D1E7-D67F-EE67BB2A7ACE}"/>
+              </a:ext>
+            </a:extLst>
+          </p:cNvPr>
+          <p:cNvSpPr>
+            <a:spLocks noGrp="1"/>
+          </p:cNvSpPr>
+          <p:nvPr>
+            <p:ph type="body" sz="quarter" idx="10"/>
+          </p:nvPr>
+        </p:nvSpPr>
+        <p:spPr/>
+        <p:txBody>
+          <a:bodyPr>
+            <a:normAutofit fontScale="85000" lnSpcReduction="20000"/>
+          </a:bodyPr>
+          <a:lstStyle/>
+          <a:p>
+            <a:r>
+              <a:rPr lang="bg-BG" b="1" dirty="0">
+                <a:solidFill>
+                  <a:schemeClr val="bg1"/>
+                </a:solidFill>
+              </a:rPr>
+              <a:t>Форма за добавяне на нов лекар</a:t>
+            </a:r>
+          </a:p>
+          <a:p>
+            <a:pPr lvl="1"/>
+            <a:r>
+              <a:rPr lang="bg-BG" dirty="0"/>
+              <a:t>Полета за </a:t>
+            </a:r>
+            <a:r>
+              <a:rPr lang="bg-BG" b="1" dirty="0"/>
+              <a:t>име</a:t>
+            </a:r>
+            <a:r>
+              <a:rPr lang="bg-BG" dirty="0"/>
+              <a:t>, </a:t>
+            </a:r>
+            <a:r>
+              <a:rPr lang="bg-BG" b="1" dirty="0"/>
+              <a:t>фамилия</a:t>
+            </a:r>
+            <a:r>
+              <a:rPr lang="bg-BG" dirty="0"/>
+              <a:t>, </a:t>
+            </a:r>
+            <a:r>
+              <a:rPr lang="bg-BG" b="1" dirty="0"/>
+              <a:t>специалност</a:t>
+            </a:r>
+            <a:r>
+              <a:rPr lang="bg-BG" dirty="0"/>
+              <a:t>, </a:t>
+            </a:r>
+            <a:r>
+              <a:rPr lang="bg-BG" b="1" dirty="0"/>
+              <a:t>телефон</a:t>
+            </a:r>
+            <a:r>
+              <a:rPr lang="bg-BG" dirty="0"/>
+              <a:t>, </a:t>
+            </a:r>
+            <a:r>
+              <a:rPr lang="bg-BG" b="1" dirty="0"/>
+              <a:t>потребителско</a:t>
+            </a:r>
+            <a:r>
+              <a:rPr lang="bg-BG" dirty="0"/>
+              <a:t> </a:t>
+            </a:r>
+            <a:r>
+              <a:rPr lang="bg-BG" b="1" dirty="0"/>
+              <a:t>име</a:t>
+            </a:r>
+            <a:r>
+              <a:rPr lang="bg-BG" dirty="0"/>
+              <a:t>, </a:t>
+            </a:r>
+            <a:r>
+              <a:rPr lang="bg-BG" b="1" dirty="0"/>
+              <a:t>парола</a:t>
+            </a:r>
+          </a:p>
+          <a:p>
+            <a:pPr lvl="1"/>
+            <a:r>
+              <a:rPr lang="bg-BG" dirty="0"/>
+              <a:t>Бутони за </a:t>
+            </a:r>
+            <a:r>
+              <a:rPr lang="bg-BG" b="1" dirty="0"/>
+              <a:t>добавяне</a:t>
+            </a:r>
+            <a:r>
+              <a:rPr lang="bg-BG" dirty="0"/>
+              <a:t> и </a:t>
+            </a:r>
+            <a:r>
+              <a:rPr lang="bg-BG" b="1" dirty="0"/>
+              <a:t>отказ</a:t>
+            </a:r>
+          </a:p>
+          <a:p>
+            <a:r>
+              <a:rPr lang="bg-BG" b="1" dirty="0">
+                <a:solidFill>
+                  <a:schemeClr val="bg1"/>
+                </a:solidFill>
+              </a:rPr>
+              <a:t>Форма за редактиране на съществуващ лекар</a:t>
+            </a:r>
+          </a:p>
+          <a:p>
+            <a:pPr lvl="1"/>
+            <a:r>
+              <a:rPr lang="bg-BG" dirty="0"/>
+              <a:t>Полета за </a:t>
+            </a:r>
+            <a:r>
+              <a:rPr lang="bg-BG" b="1" dirty="0"/>
+              <a:t>име</a:t>
+            </a:r>
+            <a:r>
+              <a:rPr lang="bg-BG" dirty="0"/>
+              <a:t>, </a:t>
+            </a:r>
+            <a:r>
+              <a:rPr lang="bg-BG" b="1" dirty="0"/>
+              <a:t>фамилия</a:t>
+            </a:r>
+            <a:r>
+              <a:rPr lang="bg-BG" dirty="0"/>
+              <a:t>, </a:t>
+            </a:r>
+            <a:r>
+              <a:rPr lang="bg-BG" b="1" dirty="0"/>
+              <a:t>специалност</a:t>
+            </a:r>
+            <a:r>
+              <a:rPr lang="bg-BG" dirty="0"/>
+              <a:t>, </a:t>
+            </a:r>
+            <a:r>
+              <a:rPr lang="bg-BG" b="1" dirty="0"/>
+              <a:t>телефон</a:t>
+            </a:r>
+            <a:r>
+              <a:rPr lang="bg-BG" dirty="0"/>
+              <a:t>, </a:t>
+            </a:r>
+            <a:r>
+              <a:rPr lang="bg-BG" b="1" dirty="0"/>
+              <a:t>потребителско</a:t>
+            </a:r>
+            <a:r>
+              <a:rPr lang="bg-BG" dirty="0"/>
+              <a:t> </a:t>
+            </a:r>
+            <a:r>
+              <a:rPr lang="bg-BG" b="1" dirty="0"/>
+              <a:t>име</a:t>
+            </a:r>
+            <a:r>
+              <a:rPr lang="bg-BG" dirty="0"/>
+              <a:t>, </a:t>
+            </a:r>
+            <a:r>
+              <a:rPr lang="bg-BG" b="1" dirty="0"/>
+              <a:t>парола</a:t>
+            </a:r>
+          </a:p>
+          <a:p>
+            <a:pPr lvl="1"/>
+            <a:r>
+              <a:rPr lang="bg-BG" dirty="0"/>
+              <a:t>Бутони за </a:t>
+            </a:r>
+            <a:r>
+              <a:rPr lang="bg-BG" b="1" dirty="0"/>
+              <a:t>редактиране</a:t>
+            </a:r>
+            <a:r>
+              <a:rPr lang="bg-BG" dirty="0"/>
+              <a:t> и </a:t>
+            </a:r>
+            <a:r>
+              <a:rPr lang="bg-BG" b="1" dirty="0"/>
+              <a:t>отказ</a:t>
+            </a:r>
+          </a:p>
+          <a:p>
+            <a:r>
+              <a:rPr lang="bg-BG" b="1" dirty="0">
+                <a:solidFill>
+                  <a:schemeClr val="bg1"/>
+                </a:solidFill>
+              </a:rPr>
+              <a:t>Форма за изтриване на съществуващ лекар</a:t>
+            </a:r>
+          </a:p>
+          <a:p>
+            <a:pPr lvl="1"/>
+            <a:r>
+              <a:rPr lang="bg-BG" dirty="0"/>
+              <a:t>Поле за </a:t>
+            </a:r>
+            <a:r>
+              <a:rPr lang="bg-BG" b="1" dirty="0"/>
+              <a:t>име</a:t>
+            </a:r>
+            <a:r>
+              <a:rPr lang="bg-BG" dirty="0"/>
+              <a:t> и </a:t>
+            </a:r>
+            <a:r>
+              <a:rPr lang="bg-BG" b="1" dirty="0"/>
+              <a:t>фамилия</a:t>
+            </a:r>
+          </a:p>
+          <a:p>
+            <a:pPr lvl="1"/>
+            <a:r>
+              <a:rPr lang="bg-BG" dirty="0"/>
+              <a:t>Бутони за </a:t>
+            </a:r>
+            <a:r>
+              <a:rPr lang="bg-BG" b="1" dirty="0"/>
+              <a:t>изтриване</a:t>
+            </a:r>
+            <a:r>
+              <a:rPr lang="bg-BG" dirty="0"/>
+              <a:t> и </a:t>
+            </a:r>
+            <a:r>
+              <a:rPr lang="bg-BG" b="1" dirty="0"/>
+              <a:t>отказ</a:t>
+            </a:r>
+            <a:endParaRPr lang="en-BG" b="1" dirty="0"/>
+          </a:p>
+        </p:txBody>
+      </p:sp>
+    </p:spTree>
+    <p:extLst>
+      <p:ext uri="{BB962C8B-B14F-4D97-AF65-F5344CB8AC3E}">
+        <p14:creationId xmlns:p14="http://schemas.microsoft.com/office/powerpoint/2010/main" val="1953620638"/>
+      </p:ext>
+    </p:extLst>
+  </p:cSld>
+  <p:clrMapOvr>
+    <a:masterClrMapping/>
+  </p:clrMapOvr>
+  <mc:AlternateContent xmlns:mc="http://schemas.openxmlformats.org/markup-compatibility/2006" xmlns:p14="http://schemas.microsoft.com/office/powerpoint/2010/main">
+    <mc:Choice Requires="p14">
+      <p:transition spd="slow" p14:dur="2000" advClick="0" advTm="5000"/>
+    </mc:Choice>
+    <mc:Fallback xmlns="">
+      <p:transition spd="slow" advClick="0" advTm="5000"/>
+    </mc:Fallback>
+  </mc:AlternateContent>
+  <p:timing>
+    <p:tnLst>
+      <p:par>
+        <p:cTn id="1" dur="indefinite" restart="never" nodeType="tmRoot">
+          <p:childTnLst>
+            <p:seq concurrent="1" nextAc="seek">
+              <p:cTn id="2" dur="indefinite" nodeType="mainSeq">
+                <p:childTnLst>
+                  <p:par>
+                    <p:cTn id="3" fill="hold">
+                      <p:stCondLst>
+                        <p:cond delay="indefinite"/>
+                        <p:cond evt="onBegin" delay="0">
+                          <p:tn val="2"/>
+                        </p:cond>
+                      </p:stCondLst>
+                      <p:childTnLst>
+                        <p:par>
+                          <p:cTn id="4" fill="hold">
+                            <p:stCondLst>
+                              <p:cond delay="0"/>
+                            </p:stCondLst>
+                            <p:childTnLst>
+                              <p:par>
+                                <p:cTn id="5" presetID="1" presetClass="entr" presetSubtype="0" fill="hold" nodeType="withEffect">
+                                  <p:stCondLst>
+                                    <p:cond delay="0"/>
+                                  </p:stCondLst>
+                                  <p:childTnLst>
+                                    <p:set>
+                                      <p:cBhvr>
+                                        <p:cTn id="6" dur="1" fill="hold">
+                                          <p:stCondLst>
+                                            <p:cond delay="0"/>
+                                          </p:stCondLst>
+                                        </p:cTn>
+                                        <p:tgtEl>
+                                          <p:spTgt spid="7">
+                                            <p:txEl>
+                                              <p:pRg st="0" end="0"/>
+                                            </p:txEl>
+                                          </p:spTgt>
+                                        </p:tgtEl>
+                                        <p:attrNameLst>
+                                          <p:attrName>style.visibility</p:attrName>
+                                        </p:attrNameLst>
+                                      </p:cBhvr>
+                                      <p:to>
+                                        <p:strVal val="visible"/>
+                                      </p:to>
+                                    </p:set>
+                                  </p:childTnLst>
+                                </p:cTn>
+                              </p:par>
+                              <p:par>
+                                <p:cTn id="7" presetID="1" presetClass="entr" presetSubtype="0" fill="hold" nodeType="withEffect">
+                                  <p:stCondLst>
+                                    <p:cond delay="0"/>
+                                  </p:stCondLst>
+                                  <p:childTnLst>
+                                    <p:set>
+                                      <p:cBhvr>
+                                        <p:cTn id="8" dur="1" fill="hold">
+                                          <p:stCondLst>
+                                            <p:cond delay="0"/>
+                                          </p:stCondLst>
+                                        </p:cTn>
+                                        <p:tgtEl>
+                                          <p:spTgt spid="7">
+                                            <p:txEl>
+                                              <p:pRg st="1" end="1"/>
+                                            </p:txEl>
+                                          </p:spTgt>
+                                        </p:tgtEl>
+                                        <p:attrNameLst>
+                                          <p:attrName>style.visibility</p:attrName>
+                                        </p:attrNameLst>
+                                      </p:cBhvr>
+                                      <p:to>
+                                        <p:strVal val="visible"/>
+                                      </p:to>
+                                    </p:set>
+                                  </p:childTnLst>
+                                </p:cTn>
+                              </p:par>
+                            </p:childTnLst>
+                          </p:cTn>
+                        </p:par>
+                      </p:childTnLst>
+                    </p:cTn>
+                  </p:par>
+                  <p:par>
+                    <p:cTn id="9" fill="hold">
+                      <p:stCondLst>
+                        <p:cond delay="indefinite"/>
+                      </p:stCondLst>
+                      <p:childTnLst>
+                        <p:par>
+                          <p:cTn id="10" fill="hold">
+                            <p:stCondLst>
+                              <p:cond delay="0"/>
+                            </p:stCondLst>
+                            <p:childTnLst>
+                              <p:par>
+                                <p:cTn id="11" presetID="1" presetClass="entr" presetSubtype="0" fill="hold" nodeType="clickEffect">
+                                  <p:stCondLst>
+                                    <p:cond delay="0"/>
+                                  </p:stCondLst>
+                                  <p:childTnLst>
+                                    <p:set>
+                                      <p:cBhvr>
+                                        <p:cTn id="12" dur="1" fill="hold">
+                                          <p:stCondLst>
+                                            <p:cond delay="0"/>
+                                          </p:stCondLst>
+                                        </p:cTn>
+                                        <p:tgtEl>
+                                          <p:spTgt spid="7">
+                                            <p:txEl>
+                                              <p:pRg st="2" end="2"/>
+                                            </p:txEl>
+                                          </p:spTgt>
+                                        </p:tgtEl>
+                                        <p:attrNameLst>
+                                          <p:attrName>style.visibility</p:attrName>
+                                        </p:attrNameLst>
+                                      </p:cBhvr>
+                                      <p:to>
+                                        <p:strVal val="visible"/>
+                                      </p:to>
+                                    </p:set>
+                                  </p:childTnLst>
+                                </p:cTn>
+                              </p:par>
+                            </p:childTnLst>
+                          </p:cTn>
+                        </p:par>
+                      </p:childTnLst>
+                    </p:cTn>
+                  </p:par>
+                  <p:par>
+                    <p:cTn id="13" fill="hold">
+                      <p:stCondLst>
+                        <p:cond delay="indefinite"/>
+                      </p:stCondLst>
+                      <p:childTnLst>
+                        <p:par>
+                          <p:cTn id="14" fill="hold">
+                            <p:stCondLst>
+                              <p:cond delay="0"/>
+                            </p:stCondLst>
+                            <p:childTnLst>
+                              <p:par>
+                                <p:cTn id="15" presetID="1" presetClass="entr" presetSubtype="0" fill="hold" nodeType="clickEffect">
+                                  <p:stCondLst>
+                                    <p:cond delay="0"/>
+                                  </p:stCondLst>
+                                  <p:childTnLst>
+                                    <p:set>
+                                      <p:cBhvr>
+                                        <p:cTn id="16" dur="1" fill="hold">
+                                          <p:stCondLst>
+                                            <p:cond delay="0"/>
+                                          </p:stCondLst>
+                                        </p:cTn>
+                                        <p:tgtEl>
+                                          <p:spTgt spid="7">
+                                            <p:txEl>
+                                              <p:pRg st="3" end="3"/>
+                                            </p:txEl>
+                                          </p:spTgt>
+                                        </p:tgtEl>
+                                        <p:attrNameLst>
+                                          <p:attrName>style.visibility</p:attrName>
+                                        </p:attrNameLst>
+                                      </p:cBhvr>
+                                      <p:to>
+                                        <p:strVal val="visible"/>
+                                      </p:to>
+                                    </p:set>
+                                  </p:childTnLst>
+                                </p:cTn>
+                              </p:par>
+                              <p:par>
+                                <p:cTn id="17" presetID="1" presetClass="entr" presetSubtype="0" fill="hold" nodeType="withEffect">
+                                  <p:stCondLst>
+                                    <p:cond delay="0"/>
+                                  </p:stCondLst>
+                                  <p:childTnLst>
+                                    <p:set>
+                                      <p:cBhvr>
+                                        <p:cTn id="18" dur="1" fill="hold">
+                                          <p:stCondLst>
+                                            <p:cond delay="0"/>
+                                          </p:stCondLst>
+                                        </p:cTn>
+                                        <p:tgtEl>
+                                          <p:spTgt spid="7">
+                                            <p:txEl>
+                                              <p:pRg st="4" end="4"/>
+                                            </p:txEl>
+                                          </p:spTgt>
+                                        </p:tgtEl>
+                                        <p:attrNameLst>
+                                          <p:attrName>style.visibility</p:attrName>
+                                        </p:attrNameLst>
+                                      </p:cBhvr>
+                                      <p:to>
+                                        <p:strVal val="visible"/>
+                                      </p:to>
+                                    </p:set>
+                                  </p:childTnLst>
+                                </p:cTn>
+                              </p:par>
+                            </p:childTnLst>
+                          </p:cTn>
+                        </p:par>
+                      </p:childTnLst>
+                    </p:cTn>
+                  </p:par>
+                  <p:par>
+                    <p:cTn id="19" fill="hold">
+                      <p:stCondLst>
+                        <p:cond delay="indefinite"/>
+                      </p:stCondLst>
+                      <p:childTnLst>
+                        <p:par>
+                          <p:cTn id="20" fill="hold">
+                            <p:stCondLst>
+                              <p:cond delay="0"/>
+                            </p:stCondLst>
+                            <p:childTnLst>
+                              <p:par>
+                                <p:cTn id="21" presetID="1" presetClass="entr" presetSubtype="0" fill="hold" nodeType="clickEffect">
+                                  <p:stCondLst>
+                                    <p:cond delay="0"/>
+                                  </p:stCondLst>
+                                  <p:childTnLst>
+                                    <p:set>
+                                      <p:cBhvr>
+                                        <p:cTn id="22" dur="1" fill="hold">
+                                          <p:stCondLst>
+                                            <p:cond delay="0"/>
+                                          </p:stCondLst>
+                                        </p:cTn>
+                                        <p:tgtEl>
+                                          <p:spTgt spid="7">
+                                            <p:txEl>
+                                              <p:pRg st="5" end="5"/>
+                                            </p:txEl>
+                                          </p:spTgt>
+                                        </p:tgtEl>
+                                        <p:attrNameLst>
+                                          <p:attrName>style.visibility</p:attrName>
+                                        </p:attrNameLst>
+                                      </p:cBhvr>
+                                      <p:to>
+                                        <p:strVal val="visible"/>
+                                      </p:to>
+                                    </p:set>
+                                  </p:childTnLst>
+                                </p:cTn>
+                              </p:par>
+                            </p:childTnLst>
+                          </p:cTn>
+                        </p:par>
+                      </p:childTnLst>
+                    </p:cTn>
+                  </p:par>
+                  <p:par>
+                    <p:cTn id="23" fill="hold">
+                      <p:stCondLst>
+                        <p:cond delay="indefinite"/>
+                      </p:stCondLst>
+                      <p:childTnLst>
+                        <p:par>
+                          <p:cTn id="24" fill="hold">
+                            <p:stCondLst>
+                              <p:cond delay="0"/>
+                            </p:stCondLst>
+                            <p:childTnLst>
+                              <p:par>
+                                <p:cTn id="25" presetID="1" presetClass="entr" presetSubtype="0" fill="hold" nodeType="clickEffect">
+                                  <p:stCondLst>
+                                    <p:cond delay="0"/>
+                                  </p:stCondLst>
+                                  <p:childTnLst>
+                                    <p:set>
+                                      <p:cBhvr>
+                                        <p:cTn id="26" dur="1" fill="hold">
+                                          <p:stCondLst>
+                                            <p:cond delay="0"/>
+                                          </p:stCondLst>
+                                        </p:cTn>
+                                        <p:tgtEl>
+                                          <p:spTgt spid="7">
+                                            <p:txEl>
+                                              <p:pRg st="6" end="6"/>
+                                            </p:txEl>
+                                          </p:spTgt>
+                                        </p:tgtEl>
+                                        <p:attrNameLst>
+                                          <p:attrName>style.visibility</p:attrName>
+                                        </p:attrNameLst>
+                                      </p:cBhvr>
+                                      <p:to>
+                                        <p:strVal val="visible"/>
+                                      </p:to>
+                                    </p:set>
+                                  </p:childTnLst>
+                                </p:cTn>
+                              </p:par>
+                              <p:par>
+                                <p:cTn id="27" presetID="1" presetClass="entr" presetSubtype="0" fill="hold" nodeType="withEffect">
+                                  <p:stCondLst>
+                                    <p:cond delay="0"/>
+                                  </p:stCondLst>
+                                  <p:childTnLst>
+                                    <p:set>
+                                      <p:cBhvr>
+                                        <p:cTn id="28" dur="1" fill="hold">
+                                          <p:stCondLst>
+                                            <p:cond delay="0"/>
+                                          </p:stCondLst>
+                                        </p:cTn>
+                                        <p:tgtEl>
+                                          <p:spTgt spid="7">
+                                            <p:txEl>
+                                              <p:pRg st="7" end="7"/>
+                                            </p:txEl>
+                                          </p:spTgt>
+                                        </p:tgtEl>
+                                        <p:attrNameLst>
+                                          <p:attrName>style.visibility</p:attrName>
+                                        </p:attrNameLst>
+                                      </p:cBhvr>
+                                      <p:to>
+                                        <p:strVal val="visible"/>
+                                      </p:to>
+                                    </p:set>
+                                  </p:childTnLst>
+                                </p:cTn>
+                              </p:par>
+                            </p:childTnLst>
+                          </p:cTn>
+                        </p:par>
+                      </p:childTnLst>
+                    </p:cTn>
+                  </p:par>
+                  <p:par>
+                    <p:cTn id="29" fill="hold">
+                      <p:stCondLst>
+                        <p:cond delay="indefinite"/>
+                      </p:stCondLst>
+                      <p:childTnLst>
+                        <p:par>
+                          <p:cTn id="30" fill="hold">
+                            <p:stCondLst>
+                              <p:cond delay="0"/>
+                            </p:stCondLst>
+                            <p:childTnLst>
+                              <p:par>
+                                <p:cTn id="31" presetID="1" presetClass="entr" presetSubtype="0" fill="hold" nodeType="clickEffect">
+                                  <p:stCondLst>
+                                    <p:cond delay="0"/>
+                                  </p:stCondLst>
+                                  <p:childTnLst>
+                                    <p:set>
+                                      <p:cBhvr>
+                                        <p:cTn id="32" dur="1" fill="hold">
+                                          <p:stCondLst>
+                                            <p:cond delay="0"/>
+                                          </p:stCondLst>
+                                        </p:cTn>
+                                        <p:tgtEl>
+                                          <p:spTgt spid="7">
+                                            <p:txEl>
+                                              <p:pRg st="8" end="8"/>
+                                            </p:txEl>
+                                          </p:spTgt>
+                                        </p:tgtEl>
+                                        <p:attrNameLst>
+                                          <p:attrName>style.visibility</p:attrName>
+                                        </p:attrNameLst>
+                                      </p:cBhvr>
+                                      <p:to>
+                                        <p:strVal val="visible"/>
+                                      </p:to>
+                                    </p:set>
+                                  </p:childTnLst>
+                                </p:cTn>
+                              </p:par>
+                            </p:childTnLst>
+                          </p:cTn>
+                        </p:par>
+                      </p:childTnLst>
+                    </p:cTn>
+                  </p:par>
+                </p:childTnLst>
+              </p:cTn>
+              <p:prevCondLst>
+                <p:cond evt="onPrev" delay="0">
+                  <p:tgtEl>
+                    <p:sldTgt/>
+                  </p:tgtEl>
+                </p:cond>
+              </p:prevCondLst>
+              <p:nextCondLst>
+                <p:cond evt="onNext" delay="0">
+                  <p:tgtEl>
+                    <p:sldTgt/>
+                  </p:tgtEl>
+                </p:cond>
+              </p:nextCondLst>
+            </p:seq>
+          </p:childTnLst>
+        </p:cTn>
+      </p:par>
+    </p:tnLst>
+  </p:timing>
+</p:sld>
+</file>
+
+<file path=ppt/slides/slide24.xml><?xml version="1.0" encoding="utf-8"?>
+<p:sld xmlns:a="http://schemas.openxmlformats.org/drawingml/2006/main" xmlns:r="http://schemas.openxmlformats.org/officeDocument/2006/relationships" xmlns:p="http://schemas.openxmlformats.org/presentationml/2006/main">
+  <p:cSld>
+    <p:spTree>
+      <p:nvGrpSpPr>
+        <p:cNvPr id="1" name=""/>
+        <p:cNvGrpSpPr/>
+        <p:nvPr/>
+      </p:nvGrpSpPr>
+      <p:grpSpPr>
+        <a:xfrm>
+          <a:off x="0" y="0"/>
+          <a:ext cx="0" cy="0"/>
+          <a:chOff x="0" y="0"/>
+          <a:chExt cx="0" cy="0"/>
+        </a:xfrm>
+      </p:grpSpPr>
       <p:grpSp>
         <p:nvGrpSpPr>
           <p:cNvPr id="3" name="Summary Box Group">
@@ -17379,7 +17525,7 @@
             <a:fld id="{2BF067CD-8E6B-4360-9AA8-C5DF2A48A6D1}" type="slidenum">
               <a:rPr lang="en-US" noProof="0" smtClean="0"/>
               <a:pPr/>
-              <a:t>23</a:t>
+              <a:t>24</a:t>
             </a:fld>
             <a:endParaRPr lang="en-US" noProof="0" dirty="0"/>
           </a:p>
@@ -17862,7 +18008,7 @@
 </p:sld>
 </file>
 
-<file path=ppt/slides/slide24.xml><?xml version="1.0" encoding="utf-8"?>
+<file path=ppt/slides/slide25.xml><?xml version="1.0" encoding="utf-8"?>
 <p:sld xmlns:a="http://schemas.openxmlformats.org/drawingml/2006/main" xmlns:r="http://schemas.openxmlformats.org/officeDocument/2006/relationships" xmlns:p="http://schemas.openxmlformats.org/presentationml/2006/main">
   <p:cSld>
     <p:spTree>
@@ -18052,7 +18198,7 @@
 </p:sld>
 </file>
 
-<file path=ppt/slides/slide25.xml><?xml version="1.0" encoding="utf-8"?>
+<file path=ppt/slides/slide26.xml><?xml version="1.0" encoding="utf-8"?>
 <p:sld xmlns:a="http://schemas.openxmlformats.org/drawingml/2006/main" xmlns:r="http://schemas.openxmlformats.org/officeDocument/2006/relationships" xmlns:p="http://schemas.openxmlformats.org/presentationml/2006/main" show="0">
   <p:cSld>
     <p:spTree>
@@ -18105,7 +18251,7 @@
             <a:fld id="{2BF067CD-8E6B-4360-9AA8-C5DF2A48A6D1}" type="slidenum">
               <a:rPr lang="en-US" smtClean="0"/>
               <a:pPr/>
-              <a:t>25</a:t>
+              <a:t>26</a:t>
             </a:fld>
             <a:endParaRPr lang="en-US" dirty="0"/>
           </a:p>
@@ -18424,11 +18570,11 @@
   <p:clrMapOvr>
     <a:masterClrMapping/>
   </p:clrMapOvr>
-  <mc:AlternateContent xmlns:mc="http://schemas.openxmlformats.org/markup-compatibility/2006">
-    <mc:Choice xmlns:p14="http://schemas.microsoft.com/office/powerpoint/2010/main" Requires="p14">
+  <mc:AlternateContent xmlns:mc="http://schemas.openxmlformats.org/markup-compatibility/2006" xmlns:p14="http://schemas.microsoft.com/office/powerpoint/2010/main">
+    <mc:Choice Requires="p14">
       <p:transition spd="slow" p14:dur="2000" advClick="0" advTm="5000"/>
     </mc:Choice>
-    <mc:Fallback>
+    <mc:Fallback xmlns="">
       <p:transition spd="slow" advClick="0" advTm="5000"/>
     </mc:Fallback>
   </mc:AlternateContent>
@@ -18783,887 +18929,6 @@
           </a:p>
         </p:txBody>
       </p:sp>
-      <p:sp>
-        <p:nvSpPr>
-          <p:cNvPr id="3" name="Rounded Rectangle 2">
-            <a:extLst>
-              <a:ext uri="{FF2B5EF4-FFF2-40B4-BE49-F238E27FC236}">
-                <a16:creationId xmlns:a16="http://schemas.microsoft.com/office/drawing/2014/main" id="{89FD9C11-94F8-73F4-9398-3FEA3F371AC7}"/>
-              </a:ext>
-            </a:extLst>
-          </p:cNvPr>
-          <p:cNvSpPr/>
-          <p:nvPr/>
-        </p:nvSpPr>
-        <p:spPr bwMode="auto">
-          <a:xfrm>
-            <a:off x="8254061" y="3917052"/>
-            <a:ext cx="2430000" cy="720000"/>
-          </a:xfrm>
-          <a:prstGeom prst="roundRect">
-            <a:avLst/>
-          </a:prstGeom>
-          <a:solidFill>
-            <a:schemeClr val="dk2">
-              <a:alpha val="80000"/>
-            </a:schemeClr>
-          </a:solidFill>
-          <a:ln w="19050">
-            <a:solidFill>
-              <a:schemeClr val="tx1">
-                <a:lumMod val="75000"/>
-                <a:alpha val="80000"/>
-              </a:schemeClr>
-            </a:solidFill>
-          </a:ln>
-          <a:effectLst/>
-        </p:spPr>
-        <p:style>
-          <a:lnRef idx="2">
-            <a:schemeClr val="accent1">
-              <a:shade val="50000"/>
-            </a:schemeClr>
-          </a:lnRef>
-          <a:fillRef idx="1001">
-            <a:schemeClr val="dk2"/>
-          </a:fillRef>
-          <a:effectRef idx="0">
-            <a:schemeClr val="accent1"/>
-          </a:effectRef>
-          <a:fontRef idx="minor">
-            <a:schemeClr val="lt1"/>
-          </a:fontRef>
-        </p:style>
-        <p:txBody>
-          <a:bodyPr rot="0" spcFirstLastPara="0" vertOverflow="overflow" horzOverflow="overflow" vert="horz" wrap="square" lIns="91440" tIns="45720" rIns="91440" bIns="45720" numCol="1" spcCol="0" rtlCol="0" fromWordArt="0" anchor="ctr" anchorCtr="0" forceAA="0" compatLnSpc="1">
-            <a:prstTxWarp prst="textNoShape">
-              <a:avLst/>
-            </a:prstTxWarp>
-            <a:noAutofit/>
-          </a:bodyPr>
-          <a:lstStyle/>
-          <a:p>
-            <a:pPr algn="ctr"/>
-            <a:r>
-              <a:rPr lang="bg-BG" sz="2800" b="1" dirty="0">
-                <a:solidFill>
-                  <a:srgbClr val="FFFFFF"/>
-                </a:solidFill>
-                <a:effectLst>
-                  <a:outerShdw blurRad="38100" dist="38100" dir="2700000" algn="tl">
-                    <a:srgbClr val="000000">
-                      <a:alpha val="43137"/>
-                    </a:srgbClr>
-                  </a:outerShdw>
-                </a:effectLst>
-              </a:rPr>
-              <a:t>Проектиране</a:t>
-            </a:r>
-          </a:p>
-        </p:txBody>
-      </p:sp>
-      <p:sp>
-        <p:nvSpPr>
-          <p:cNvPr id="6" name="Right Arrow 5">
-            <a:extLst>
-              <a:ext uri="{FF2B5EF4-FFF2-40B4-BE49-F238E27FC236}">
-                <a16:creationId xmlns:a16="http://schemas.microsoft.com/office/drawing/2014/main" id="{D8D90AA5-3F3E-4582-8526-717A926AEAFC}"/>
-              </a:ext>
-            </a:extLst>
-          </p:cNvPr>
-          <p:cNvSpPr/>
-          <p:nvPr/>
-        </p:nvSpPr>
-        <p:spPr bwMode="auto">
-          <a:xfrm>
-            <a:off x="3609603" y="4135130"/>
-            <a:ext cx="585000" cy="405000"/>
-          </a:xfrm>
-          <a:prstGeom prst="rightArrow">
-            <a:avLst/>
-          </a:prstGeom>
-          <a:solidFill>
-            <a:schemeClr val="dk2">
-              <a:alpha val="80000"/>
-            </a:schemeClr>
-          </a:solidFill>
-          <a:ln w="19050">
-            <a:solidFill>
-              <a:schemeClr val="tx1">
-                <a:lumMod val="75000"/>
-                <a:alpha val="80000"/>
-              </a:schemeClr>
-            </a:solidFill>
-          </a:ln>
-          <a:effectLst/>
-        </p:spPr>
-        <p:style>
-          <a:lnRef idx="2">
-            <a:schemeClr val="accent1">
-              <a:shade val="50000"/>
-            </a:schemeClr>
-          </a:lnRef>
-          <a:fillRef idx="1001">
-            <a:schemeClr val="dk2"/>
-          </a:fillRef>
-          <a:effectRef idx="0">
-            <a:schemeClr val="accent1"/>
-          </a:effectRef>
-          <a:fontRef idx="minor">
-            <a:schemeClr val="lt1"/>
-          </a:fontRef>
-        </p:style>
-        <p:txBody>
-          <a:bodyPr rot="0" spcFirstLastPara="0" vertOverflow="overflow" horzOverflow="overflow" vert="horz" wrap="square" lIns="91440" tIns="45720" rIns="91440" bIns="45720" numCol="1" spcCol="0" rtlCol="0" fromWordArt="0" anchor="ctr" anchorCtr="0" forceAA="0" compatLnSpc="1">
-            <a:prstTxWarp prst="textNoShape">
-              <a:avLst/>
-            </a:prstTxWarp>
-            <a:noAutofit/>
-          </a:bodyPr>
-          <a:lstStyle/>
-          <a:p>
-            <a:pPr algn="ctr"/>
-            <a:endParaRPr lang="bg-BG" sz="2800" b="1" dirty="0">
-              <a:solidFill>
-                <a:srgbClr val="FFFFFF"/>
-              </a:solidFill>
-              <a:effectLst>
-                <a:outerShdw blurRad="38100" dist="38100" dir="2700000" algn="tl">
-                  <a:srgbClr val="000000">
-                    <a:alpha val="43137"/>
-                  </a:srgbClr>
-                </a:outerShdw>
-              </a:effectLst>
-            </a:endParaRPr>
-          </a:p>
-        </p:txBody>
-      </p:sp>
-      <p:sp>
-        <p:nvSpPr>
-          <p:cNvPr id="8" name="Rounded Rectangle 7">
-            <a:extLst>
-              <a:ext uri="{FF2B5EF4-FFF2-40B4-BE49-F238E27FC236}">
-                <a16:creationId xmlns:a16="http://schemas.microsoft.com/office/drawing/2014/main" id="{64FB2C79-91BD-1608-C930-9F7A63A29643}"/>
-              </a:ext>
-            </a:extLst>
-          </p:cNvPr>
-          <p:cNvSpPr/>
-          <p:nvPr/>
-        </p:nvSpPr>
-        <p:spPr bwMode="auto">
-          <a:xfrm>
-            <a:off x="1035145" y="5409000"/>
-            <a:ext cx="2857206" cy="720000"/>
-          </a:xfrm>
-          <a:prstGeom prst="roundRect">
-            <a:avLst/>
-          </a:prstGeom>
-          <a:solidFill>
-            <a:schemeClr val="dk2">
-              <a:alpha val="80000"/>
-            </a:schemeClr>
-          </a:solidFill>
-          <a:ln w="19050">
-            <a:solidFill>
-              <a:schemeClr val="tx1">
-                <a:lumMod val="75000"/>
-                <a:alpha val="80000"/>
-              </a:schemeClr>
-            </a:solidFill>
-          </a:ln>
-          <a:effectLst/>
-        </p:spPr>
-        <p:style>
-          <a:lnRef idx="2">
-            <a:schemeClr val="accent1">
-              <a:shade val="50000"/>
-            </a:schemeClr>
-          </a:lnRef>
-          <a:fillRef idx="1001">
-            <a:schemeClr val="dk2"/>
-          </a:fillRef>
-          <a:effectRef idx="0">
-            <a:schemeClr val="accent1"/>
-          </a:effectRef>
-          <a:fontRef idx="minor">
-            <a:schemeClr val="lt1"/>
-          </a:fontRef>
-        </p:style>
-        <p:txBody>
-          <a:bodyPr rot="0" spcFirstLastPara="0" vertOverflow="overflow" horzOverflow="overflow" vert="horz" wrap="square" lIns="91440" tIns="45720" rIns="91440" bIns="45720" numCol="1" spcCol="0" rtlCol="0" fromWordArt="0" anchor="ctr" anchorCtr="0" forceAA="0" compatLnSpc="1">
-            <a:prstTxWarp prst="textNoShape">
-              <a:avLst/>
-            </a:prstTxWarp>
-            <a:noAutofit/>
-          </a:bodyPr>
-          <a:lstStyle/>
-          <a:p>
-            <a:pPr algn="ctr"/>
-            <a:r>
-              <a:rPr lang="bg-BG" sz="2800" b="1" dirty="0">
-                <a:solidFill>
-                  <a:srgbClr val="FFFFFF"/>
-                </a:solidFill>
-                <a:effectLst>
-                  <a:outerShdw blurRad="38100" dist="38100" dir="2700000" algn="tl">
-                    <a:srgbClr val="000000">
-                      <a:alpha val="43137"/>
-                    </a:srgbClr>
-                  </a:outerShdw>
-                </a:effectLst>
-              </a:rPr>
-              <a:t>Имплементация</a:t>
-            </a:r>
-          </a:p>
-        </p:txBody>
-      </p:sp>
-      <p:sp>
-        <p:nvSpPr>
-          <p:cNvPr id="9" name="Right Arrow 8">
-            <a:extLst>
-              <a:ext uri="{FF2B5EF4-FFF2-40B4-BE49-F238E27FC236}">
-                <a16:creationId xmlns:a16="http://schemas.microsoft.com/office/drawing/2014/main" id="{EC9B23BE-DCA6-8004-068D-A8792EF484FD}"/>
-              </a:ext>
-            </a:extLst>
-          </p:cNvPr>
-          <p:cNvSpPr/>
-          <p:nvPr/>
-        </p:nvSpPr>
-        <p:spPr bwMode="auto">
-          <a:xfrm>
-            <a:off x="7524603" y="4112630"/>
-            <a:ext cx="585000" cy="405000"/>
-          </a:xfrm>
-          <a:prstGeom prst="rightArrow">
-            <a:avLst/>
-          </a:prstGeom>
-          <a:solidFill>
-            <a:schemeClr val="dk2">
-              <a:alpha val="80000"/>
-            </a:schemeClr>
-          </a:solidFill>
-          <a:ln w="19050">
-            <a:solidFill>
-              <a:schemeClr val="tx1">
-                <a:lumMod val="75000"/>
-                <a:alpha val="80000"/>
-              </a:schemeClr>
-            </a:solidFill>
-          </a:ln>
-          <a:effectLst/>
-        </p:spPr>
-        <p:style>
-          <a:lnRef idx="2">
-            <a:schemeClr val="accent1">
-              <a:shade val="50000"/>
-            </a:schemeClr>
-          </a:lnRef>
-          <a:fillRef idx="1001">
-            <a:schemeClr val="dk2"/>
-          </a:fillRef>
-          <a:effectRef idx="0">
-            <a:schemeClr val="accent1"/>
-          </a:effectRef>
-          <a:fontRef idx="minor">
-            <a:schemeClr val="lt1"/>
-          </a:fontRef>
-        </p:style>
-        <p:txBody>
-          <a:bodyPr rot="0" spcFirstLastPara="0" vertOverflow="overflow" horzOverflow="overflow" vert="horz" wrap="square" lIns="91440" tIns="45720" rIns="91440" bIns="45720" numCol="1" spcCol="0" rtlCol="0" fromWordArt="0" anchor="ctr" anchorCtr="0" forceAA="0" compatLnSpc="1">
-            <a:prstTxWarp prst="textNoShape">
-              <a:avLst/>
-            </a:prstTxWarp>
-            <a:noAutofit/>
-          </a:bodyPr>
-          <a:lstStyle/>
-          <a:p>
-            <a:pPr algn="ctr"/>
-            <a:endParaRPr lang="bg-BG" sz="2800" b="1" dirty="0">
-              <a:solidFill>
-                <a:srgbClr val="FFFFFF"/>
-              </a:solidFill>
-              <a:effectLst>
-                <a:outerShdw blurRad="38100" dist="38100" dir="2700000" algn="tl">
-                  <a:srgbClr val="000000">
-                    <a:alpha val="43137"/>
-                  </a:srgbClr>
-                </a:outerShdw>
-              </a:effectLst>
-            </a:endParaRPr>
-          </a:p>
-        </p:txBody>
-      </p:sp>
-      <p:sp>
-        <p:nvSpPr>
-          <p:cNvPr id="10" name="Rounded Rectangle 9">
-            <a:extLst>
-              <a:ext uri="{FF2B5EF4-FFF2-40B4-BE49-F238E27FC236}">
-                <a16:creationId xmlns:a16="http://schemas.microsoft.com/office/drawing/2014/main" id="{6D2F1712-3143-6607-513D-4AF452C5D85C}"/>
-              </a:ext>
-            </a:extLst>
-          </p:cNvPr>
-          <p:cNvSpPr/>
-          <p:nvPr/>
-        </p:nvSpPr>
-        <p:spPr bwMode="auto">
-          <a:xfrm>
-            <a:off x="4736542" y="5409000"/>
-            <a:ext cx="2430000" cy="720000"/>
-          </a:xfrm>
-          <a:prstGeom prst="roundRect">
-            <a:avLst/>
-          </a:prstGeom>
-          <a:solidFill>
-            <a:schemeClr val="dk2">
-              <a:alpha val="80000"/>
-            </a:schemeClr>
-          </a:solidFill>
-          <a:ln w="19050">
-            <a:solidFill>
-              <a:schemeClr val="tx1">
-                <a:lumMod val="75000"/>
-                <a:alpha val="80000"/>
-              </a:schemeClr>
-            </a:solidFill>
-          </a:ln>
-          <a:effectLst/>
-        </p:spPr>
-        <p:style>
-          <a:lnRef idx="2">
-            <a:schemeClr val="accent1">
-              <a:shade val="50000"/>
-            </a:schemeClr>
-          </a:lnRef>
-          <a:fillRef idx="1001">
-            <a:schemeClr val="dk2"/>
-          </a:fillRef>
-          <a:effectRef idx="0">
-            <a:schemeClr val="accent1"/>
-          </a:effectRef>
-          <a:fontRef idx="minor">
-            <a:schemeClr val="lt1"/>
-          </a:fontRef>
-        </p:style>
-        <p:txBody>
-          <a:bodyPr rot="0" spcFirstLastPara="0" vertOverflow="overflow" horzOverflow="overflow" vert="horz" wrap="square" lIns="91440" tIns="45720" rIns="91440" bIns="45720" numCol="1" spcCol="0" rtlCol="0" fromWordArt="0" anchor="ctr" anchorCtr="0" forceAA="0" compatLnSpc="1">
-            <a:prstTxWarp prst="textNoShape">
-              <a:avLst/>
-            </a:prstTxWarp>
-            <a:noAutofit/>
-          </a:bodyPr>
-          <a:lstStyle/>
-          <a:p>
-            <a:pPr algn="ctr"/>
-            <a:r>
-              <a:rPr lang="bg-BG" sz="2800" b="1" dirty="0">
-                <a:solidFill>
-                  <a:srgbClr val="FFFFFF"/>
-                </a:solidFill>
-                <a:effectLst>
-                  <a:outerShdw blurRad="38100" dist="38100" dir="2700000" algn="tl">
-                    <a:srgbClr val="000000">
-                      <a:alpha val="43137"/>
-                    </a:srgbClr>
-                  </a:outerShdw>
-                </a:effectLst>
-              </a:rPr>
-              <a:t>Тестване</a:t>
-            </a:r>
-          </a:p>
-        </p:txBody>
-      </p:sp>
-      <p:sp>
-        <p:nvSpPr>
-          <p:cNvPr id="11" name="Rounded Rectangle 10">
-            <a:extLst>
-              <a:ext uri="{FF2B5EF4-FFF2-40B4-BE49-F238E27FC236}">
-                <a16:creationId xmlns:a16="http://schemas.microsoft.com/office/drawing/2014/main" id="{9771699C-DFAF-0118-C7C7-D700AB2A654B}"/>
-              </a:ext>
-            </a:extLst>
-          </p:cNvPr>
-          <p:cNvSpPr/>
-          <p:nvPr/>
-        </p:nvSpPr>
-        <p:spPr bwMode="auto">
-          <a:xfrm>
-            <a:off x="8346000" y="5379443"/>
-            <a:ext cx="2430000" cy="720000"/>
-          </a:xfrm>
-          <a:prstGeom prst="roundRect">
-            <a:avLst/>
-          </a:prstGeom>
-          <a:solidFill>
-            <a:schemeClr val="dk2">
-              <a:alpha val="80000"/>
-            </a:schemeClr>
-          </a:solidFill>
-          <a:ln w="19050">
-            <a:solidFill>
-              <a:schemeClr val="tx1">
-                <a:lumMod val="75000"/>
-                <a:alpha val="80000"/>
-              </a:schemeClr>
-            </a:solidFill>
-          </a:ln>
-          <a:effectLst/>
-        </p:spPr>
-        <p:style>
-          <a:lnRef idx="2">
-            <a:schemeClr val="accent1">
-              <a:shade val="50000"/>
-            </a:schemeClr>
-          </a:lnRef>
-          <a:fillRef idx="1001">
-            <a:schemeClr val="dk2"/>
-          </a:fillRef>
-          <a:effectRef idx="0">
-            <a:schemeClr val="accent1"/>
-          </a:effectRef>
-          <a:fontRef idx="minor">
-            <a:schemeClr val="lt1"/>
-          </a:fontRef>
-        </p:style>
-        <p:txBody>
-          <a:bodyPr rot="0" spcFirstLastPara="0" vertOverflow="overflow" horzOverflow="overflow" vert="horz" wrap="square" lIns="91440" tIns="45720" rIns="91440" bIns="45720" numCol="1" spcCol="0" rtlCol="0" fromWordArt="0" anchor="ctr" anchorCtr="0" forceAA="0" compatLnSpc="1">
-            <a:prstTxWarp prst="textNoShape">
-              <a:avLst/>
-            </a:prstTxWarp>
-            <a:noAutofit/>
-          </a:bodyPr>
-          <a:lstStyle/>
-          <a:p>
-            <a:pPr algn="ctr"/>
-            <a:r>
-              <a:rPr lang="bg-BG" sz="2800" b="1" dirty="0">
-                <a:solidFill>
-                  <a:srgbClr val="FFFFFF"/>
-                </a:solidFill>
-                <a:effectLst>
-                  <a:outerShdw blurRad="38100" dist="38100" dir="2700000" algn="tl">
-                    <a:srgbClr val="000000">
-                      <a:alpha val="43137"/>
-                    </a:srgbClr>
-                  </a:outerShdw>
-                </a:effectLst>
-              </a:rPr>
-              <a:t>Тестване</a:t>
-            </a:r>
-          </a:p>
-        </p:txBody>
-      </p:sp>
-      <p:sp>
-        <p:nvSpPr>
-          <p:cNvPr id="12" name="Right Arrow 11">
-            <a:extLst>
-              <a:ext uri="{FF2B5EF4-FFF2-40B4-BE49-F238E27FC236}">
-                <a16:creationId xmlns:a16="http://schemas.microsoft.com/office/drawing/2014/main" id="{60FEDD12-AB40-EC6F-0691-85A3CFE7EDB8}"/>
-              </a:ext>
-            </a:extLst>
-          </p:cNvPr>
-          <p:cNvSpPr/>
-          <p:nvPr/>
-        </p:nvSpPr>
-        <p:spPr bwMode="auto">
-          <a:xfrm>
-            <a:off x="7616542" y="5565336"/>
-            <a:ext cx="585000" cy="405000"/>
-          </a:xfrm>
-          <a:prstGeom prst="rightArrow">
-            <a:avLst/>
-          </a:prstGeom>
-          <a:solidFill>
-            <a:schemeClr val="dk2">
-              <a:alpha val="80000"/>
-            </a:schemeClr>
-          </a:solidFill>
-          <a:ln w="19050">
-            <a:solidFill>
-              <a:schemeClr val="tx1">
-                <a:lumMod val="75000"/>
-                <a:alpha val="80000"/>
-              </a:schemeClr>
-            </a:solidFill>
-          </a:ln>
-          <a:effectLst/>
-        </p:spPr>
-        <p:style>
-          <a:lnRef idx="2">
-            <a:schemeClr val="accent1">
-              <a:shade val="50000"/>
-            </a:schemeClr>
-          </a:lnRef>
-          <a:fillRef idx="1001">
-            <a:schemeClr val="dk2"/>
-          </a:fillRef>
-          <a:effectRef idx="0">
-            <a:schemeClr val="accent1"/>
-          </a:effectRef>
-          <a:fontRef idx="minor">
-            <a:schemeClr val="lt1"/>
-          </a:fontRef>
-        </p:style>
-        <p:txBody>
-          <a:bodyPr rot="0" spcFirstLastPara="0" vertOverflow="overflow" horzOverflow="overflow" vert="horz" wrap="square" lIns="91440" tIns="45720" rIns="91440" bIns="45720" numCol="1" spcCol="0" rtlCol="0" fromWordArt="0" anchor="ctr" anchorCtr="0" forceAA="0" compatLnSpc="1">
-            <a:prstTxWarp prst="textNoShape">
-              <a:avLst/>
-            </a:prstTxWarp>
-            <a:noAutofit/>
-          </a:bodyPr>
-          <a:lstStyle/>
-          <a:p>
-            <a:pPr algn="ctr"/>
-            <a:endParaRPr lang="bg-BG" sz="2800" b="1" dirty="0">
-              <a:solidFill>
-                <a:srgbClr val="FFFFFF"/>
-              </a:solidFill>
-              <a:effectLst>
-                <a:outerShdw blurRad="38100" dist="38100" dir="2700000" algn="tl">
-                  <a:srgbClr val="000000">
-                    <a:alpha val="43137"/>
-                  </a:srgbClr>
-                </a:outerShdw>
-              </a:effectLst>
-            </a:endParaRPr>
-          </a:p>
-        </p:txBody>
-      </p:sp>
-      <p:sp>
-        <p:nvSpPr>
-          <p:cNvPr id="13" name="Right Arrow 12">
-            <a:extLst>
-              <a:ext uri="{FF2B5EF4-FFF2-40B4-BE49-F238E27FC236}">
-                <a16:creationId xmlns:a16="http://schemas.microsoft.com/office/drawing/2014/main" id="{DF8E0ED8-E97D-4C24-6F17-33063BEC2DE3}"/>
-              </a:ext>
-            </a:extLst>
-          </p:cNvPr>
-          <p:cNvSpPr/>
-          <p:nvPr/>
-        </p:nvSpPr>
-        <p:spPr bwMode="auto">
-          <a:xfrm>
-            <a:off x="4021671" y="5536943"/>
-            <a:ext cx="585000" cy="405000"/>
-          </a:xfrm>
-          <a:prstGeom prst="rightArrow">
-            <a:avLst/>
-          </a:prstGeom>
-          <a:solidFill>
-            <a:schemeClr val="dk2">
-              <a:alpha val="80000"/>
-            </a:schemeClr>
-          </a:solidFill>
-          <a:ln w="19050">
-            <a:solidFill>
-              <a:schemeClr val="tx1">
-                <a:lumMod val="75000"/>
-                <a:alpha val="80000"/>
-              </a:schemeClr>
-            </a:solidFill>
-          </a:ln>
-          <a:effectLst/>
-        </p:spPr>
-        <p:style>
-          <a:lnRef idx="2">
-            <a:schemeClr val="accent1">
-              <a:shade val="50000"/>
-            </a:schemeClr>
-          </a:lnRef>
-          <a:fillRef idx="1001">
-            <a:schemeClr val="dk2"/>
-          </a:fillRef>
-          <a:effectRef idx="0">
-            <a:schemeClr val="accent1"/>
-          </a:effectRef>
-          <a:fontRef idx="minor">
-            <a:schemeClr val="lt1"/>
-          </a:fontRef>
-        </p:style>
-        <p:txBody>
-          <a:bodyPr rot="0" spcFirstLastPara="0" vertOverflow="overflow" horzOverflow="overflow" vert="horz" wrap="square" lIns="91440" tIns="45720" rIns="91440" bIns="45720" numCol="1" spcCol="0" rtlCol="0" fromWordArt="0" anchor="ctr" anchorCtr="0" forceAA="0" compatLnSpc="1">
-            <a:prstTxWarp prst="textNoShape">
-              <a:avLst/>
-            </a:prstTxWarp>
-            <a:noAutofit/>
-          </a:bodyPr>
-          <a:lstStyle/>
-          <a:p>
-            <a:pPr algn="ctr"/>
-            <a:endParaRPr lang="bg-BG" sz="2800" b="1" dirty="0">
-              <a:solidFill>
-                <a:srgbClr val="FFFFFF"/>
-              </a:solidFill>
-              <a:effectLst>
-                <a:outerShdw blurRad="38100" dist="38100" dir="2700000" algn="tl">
-                  <a:srgbClr val="000000">
-                    <a:alpha val="43137"/>
-                  </a:srgbClr>
-                </a:outerShdw>
-              </a:effectLst>
-            </a:endParaRPr>
-          </a:p>
-        </p:txBody>
-      </p:sp>
-      <p:sp>
-        <p:nvSpPr>
-          <p:cNvPr id="14" name="Rounded Rectangle 13">
-            <a:extLst>
-              <a:ext uri="{FF2B5EF4-FFF2-40B4-BE49-F238E27FC236}">
-                <a16:creationId xmlns:a16="http://schemas.microsoft.com/office/drawing/2014/main" id="{4D418687-07A7-9D73-D73F-1AEAB0EE3380}"/>
-              </a:ext>
-            </a:extLst>
-          </p:cNvPr>
-          <p:cNvSpPr/>
-          <p:nvPr/>
-        </p:nvSpPr>
-        <p:spPr bwMode="auto">
-          <a:xfrm>
-            <a:off x="4632548" y="3744001"/>
-            <a:ext cx="2430000" cy="1079999"/>
-          </a:xfrm>
-          <a:prstGeom prst="roundRect">
-            <a:avLst/>
-          </a:prstGeom>
-          <a:solidFill>
-            <a:schemeClr val="dk2">
-              <a:alpha val="80000"/>
-            </a:schemeClr>
-          </a:solidFill>
-          <a:ln w="19050">
-            <a:solidFill>
-              <a:schemeClr val="tx1">
-                <a:lumMod val="75000"/>
-                <a:alpha val="80000"/>
-              </a:schemeClr>
-            </a:solidFill>
-          </a:ln>
-          <a:effectLst/>
-        </p:spPr>
-        <p:style>
-          <a:lnRef idx="2">
-            <a:schemeClr val="accent1">
-              <a:shade val="50000"/>
-            </a:schemeClr>
-          </a:lnRef>
-          <a:fillRef idx="1001">
-            <a:schemeClr val="dk2"/>
-          </a:fillRef>
-          <a:effectRef idx="0">
-            <a:schemeClr val="accent1"/>
-          </a:effectRef>
-          <a:fontRef idx="minor">
-            <a:schemeClr val="lt1"/>
-          </a:fontRef>
-        </p:style>
-        <p:txBody>
-          <a:bodyPr rot="0" spcFirstLastPara="0" vertOverflow="overflow" horzOverflow="overflow" vert="horz" wrap="square" lIns="91440" tIns="45720" rIns="91440" bIns="45720" numCol="1" spcCol="0" rtlCol="0" fromWordArt="0" anchor="ctr" anchorCtr="0" forceAA="0" compatLnSpc="1">
-            <a:prstTxWarp prst="textNoShape">
-              <a:avLst/>
-            </a:prstTxWarp>
-            <a:noAutofit/>
-          </a:bodyPr>
-          <a:lstStyle/>
-          <a:p>
-            <a:pPr algn="ctr"/>
-            <a:r>
-              <a:rPr lang="bg-BG" sz="2800" b="1" dirty="0">
-                <a:solidFill>
-                  <a:srgbClr val="FFFFFF"/>
-                </a:solidFill>
-                <a:effectLst>
-                  <a:outerShdw blurRad="38100" dist="38100" dir="2700000" algn="tl">
-                    <a:srgbClr val="000000">
-                      <a:alpha val="43137"/>
-                    </a:srgbClr>
-                  </a:outerShdw>
-                </a:effectLst>
-              </a:rPr>
-              <a:t>Анализ </a:t>
-            </a:r>
-            <a:r>
-              <a:rPr lang="bg-BG" sz="2800" b="1">
-                <a:solidFill>
-                  <a:srgbClr val="FFFFFF"/>
-                </a:solidFill>
-                <a:effectLst>
-                  <a:outerShdw blurRad="38100" dist="38100" dir="2700000" algn="tl">
-                    <a:srgbClr val="000000">
-                      <a:alpha val="43137"/>
-                    </a:srgbClr>
-                  </a:outerShdw>
-                </a:effectLst>
-              </a:rPr>
-              <a:t>на изискванията</a:t>
-            </a:r>
-            <a:endParaRPr lang="bg-BG" sz="2800" b="1" dirty="0">
-              <a:solidFill>
-                <a:srgbClr val="FFFFFF"/>
-              </a:solidFill>
-              <a:effectLst>
-                <a:outerShdw blurRad="38100" dist="38100" dir="2700000" algn="tl">
-                  <a:srgbClr val="000000">
-                    <a:alpha val="43137"/>
-                  </a:srgbClr>
-                </a:outerShdw>
-              </a:effectLst>
-            </a:endParaRPr>
-          </a:p>
-        </p:txBody>
-      </p:sp>
-      <p:sp>
-        <p:nvSpPr>
-          <p:cNvPr id="15" name="Rounded Rectangle 14">
-            <a:extLst>
-              <a:ext uri="{FF2B5EF4-FFF2-40B4-BE49-F238E27FC236}">
-                <a16:creationId xmlns:a16="http://schemas.microsoft.com/office/drawing/2014/main" id="{1D482733-CEB5-CD6E-B9C0-C2B4E1840FE3}"/>
-              </a:ext>
-            </a:extLst>
-          </p:cNvPr>
-          <p:cNvSpPr/>
-          <p:nvPr/>
-        </p:nvSpPr>
-        <p:spPr bwMode="auto">
-          <a:xfrm>
-            <a:off x="1011035" y="3744001"/>
-            <a:ext cx="2430000" cy="1168842"/>
-          </a:xfrm>
-          <a:prstGeom prst="roundRect">
-            <a:avLst/>
-          </a:prstGeom>
-          <a:solidFill>
-            <a:schemeClr val="dk2">
-              <a:alpha val="80000"/>
-            </a:schemeClr>
-          </a:solidFill>
-          <a:ln w="19050">
-            <a:solidFill>
-              <a:schemeClr val="tx1">
-                <a:lumMod val="75000"/>
-                <a:alpha val="80000"/>
-              </a:schemeClr>
-            </a:solidFill>
-          </a:ln>
-          <a:effectLst/>
-        </p:spPr>
-        <p:style>
-          <a:lnRef idx="2">
-            <a:schemeClr val="accent1">
-              <a:shade val="50000"/>
-            </a:schemeClr>
-          </a:lnRef>
-          <a:fillRef idx="1001">
-            <a:schemeClr val="dk2"/>
-          </a:fillRef>
-          <a:effectRef idx="0">
-            <a:schemeClr val="accent1"/>
-          </a:effectRef>
-          <a:fontRef idx="minor">
-            <a:schemeClr val="lt1"/>
-          </a:fontRef>
-        </p:style>
-        <p:txBody>
-          <a:bodyPr rot="0" spcFirstLastPara="0" vertOverflow="overflow" horzOverflow="overflow" vert="horz" wrap="square" lIns="91440" tIns="45720" rIns="91440" bIns="45720" numCol="1" spcCol="0" rtlCol="0" fromWordArt="0" anchor="ctr" anchorCtr="0" forceAA="0" compatLnSpc="1">
-            <a:prstTxWarp prst="textNoShape">
-              <a:avLst/>
-            </a:prstTxWarp>
-            <a:noAutofit/>
-          </a:bodyPr>
-          <a:lstStyle/>
-          <a:p>
-            <a:pPr algn="ctr"/>
-            <a:r>
-              <a:rPr lang="bg-BG" sz="2800" b="1" dirty="0">
-                <a:solidFill>
-                  <a:srgbClr val="FFFFFF"/>
-                </a:solidFill>
-                <a:effectLst>
-                  <a:outerShdw blurRad="38100" dist="38100" dir="2700000" algn="tl">
-                    <a:srgbClr val="000000">
-                      <a:alpha val="43137"/>
-                    </a:srgbClr>
-                  </a:outerShdw>
-                </a:effectLst>
-              </a:rPr>
-              <a:t>Събиране на изисквания</a:t>
-            </a:r>
-          </a:p>
-        </p:txBody>
-      </p:sp>
-      <p:sp>
-        <p:nvSpPr>
-          <p:cNvPr id="16" name="Right Arrow 15">
-            <a:extLst>
-              <a:ext uri="{FF2B5EF4-FFF2-40B4-BE49-F238E27FC236}">
-                <a16:creationId xmlns:a16="http://schemas.microsoft.com/office/drawing/2014/main" id="{FD2C24BA-7453-697E-AFFF-A4C93018C421}"/>
-              </a:ext>
-            </a:extLst>
-          </p:cNvPr>
-          <p:cNvSpPr/>
-          <p:nvPr/>
-        </p:nvSpPr>
-        <p:spPr bwMode="auto">
-          <a:xfrm>
-            <a:off x="335210" y="5662293"/>
-            <a:ext cx="585000" cy="405000"/>
-          </a:xfrm>
-          <a:prstGeom prst="rightArrow">
-            <a:avLst/>
-          </a:prstGeom>
-          <a:solidFill>
-            <a:schemeClr val="dk2">
-              <a:alpha val="80000"/>
-            </a:schemeClr>
-          </a:solidFill>
-          <a:ln w="19050">
-            <a:solidFill>
-              <a:schemeClr val="tx1">
-                <a:lumMod val="75000"/>
-                <a:alpha val="80000"/>
-              </a:schemeClr>
-            </a:solidFill>
-          </a:ln>
-          <a:effectLst/>
-        </p:spPr>
-        <p:style>
-          <a:lnRef idx="2">
-            <a:schemeClr val="accent1">
-              <a:shade val="50000"/>
-            </a:schemeClr>
-          </a:lnRef>
-          <a:fillRef idx="1001">
-            <a:schemeClr val="dk2"/>
-          </a:fillRef>
-          <a:effectRef idx="0">
-            <a:schemeClr val="accent1"/>
-          </a:effectRef>
-          <a:fontRef idx="minor">
-            <a:schemeClr val="lt1"/>
-          </a:fontRef>
-        </p:style>
-        <p:txBody>
-          <a:bodyPr rot="0" spcFirstLastPara="0" vertOverflow="overflow" horzOverflow="overflow" vert="horz" wrap="square" lIns="91440" tIns="45720" rIns="91440" bIns="45720" numCol="1" spcCol="0" rtlCol="0" fromWordArt="0" anchor="ctr" anchorCtr="0" forceAA="0" compatLnSpc="1">
-            <a:prstTxWarp prst="textNoShape">
-              <a:avLst/>
-            </a:prstTxWarp>
-            <a:noAutofit/>
-          </a:bodyPr>
-          <a:lstStyle/>
-          <a:p>
-            <a:pPr algn="ctr"/>
-            <a:endParaRPr lang="bg-BG" sz="2800" b="1" dirty="0">
-              <a:solidFill>
-                <a:srgbClr val="FFFFFF"/>
-              </a:solidFill>
-              <a:effectLst>
-                <a:outerShdw blurRad="38100" dist="38100" dir="2700000" algn="tl">
-                  <a:srgbClr val="000000">
-                    <a:alpha val="43137"/>
-                  </a:srgbClr>
-                </a:outerShdw>
-              </a:effectLst>
-            </a:endParaRPr>
-          </a:p>
-        </p:txBody>
-      </p:sp>
       <p:pic>
         <p:nvPicPr>
           <p:cNvPr id="17" name="Picture 16">
@@ -19692,7 +18957,7 @@
         </p:blipFill>
         <p:spPr>
           <a:xfrm>
-            <a:off x="6339683" y="3695177"/>
+            <a:off x="4537705" y="3716028"/>
             <a:ext cx="3116589" cy="2999717"/>
           </a:xfrm>
           <a:prstGeom prst="rect">
@@ -19772,43 +19037,21 @@
                                   </p:childTnLst>
                                 </p:cTn>
                               </p:par>
-                            </p:childTnLst>
-                          </p:cTn>
-                        </p:par>
-                      </p:childTnLst>
-                    </p:cTn>
-                  </p:par>
-                  <p:par>
-                    <p:cTn id="7" fill="hold">
-                      <p:stCondLst>
-                        <p:cond delay="indefinite"/>
-                      </p:stCondLst>
-                      <p:childTnLst>
-                        <p:par>
-                          <p:cTn id="8" fill="hold">
-                            <p:stCondLst>
-                              <p:cond delay="0"/>
-                            </p:stCondLst>
-                            <p:childTnLst>
                               <p:par>
-                                <p:cTn id="9" presetID="1" presetClass="entr" presetSubtype="0" fill="hold" nodeType="clickEffect">
+                                <p:cTn id="7" presetID="1" presetClass="entr" presetSubtype="0" fill="hold" nodeType="withEffect">
                                   <p:stCondLst>
                                     <p:cond delay="0"/>
                                   </p:stCondLst>
                                   <p:childTnLst>
                                     <p:set>
                                       <p:cBhvr>
-                                        <p:cTn id="10" dur="1" fill="hold">
+                                        <p:cTn id="8" dur="1" fill="hold">
                                           <p:stCondLst>
                                             <p:cond delay="0"/>
                                           </p:stCondLst>
                                         </p:cTn>
                                         <p:tgtEl>
-                                          <p:spTgt spid="7">
-                                            <p:txEl>
-                                              <p:pRg st="1" end="1"/>
-                                            </p:txEl>
-                                          </p:spTgt>
+                                          <p:spTgt spid="17"/>
                                         </p:tgtEl>
                                         <p:attrNameLst>
                                           <p:attrName>style.visibility</p:attrName>
@@ -19821,8 +19064,26 @@
                                   </p:childTnLst>
                                 </p:cTn>
                               </p:par>
+                            </p:childTnLst>
+                          </p:cTn>
+                        </p:par>
+                      </p:childTnLst>
+                    </p:cTn>
+                  </p:par>
+                  <p:par>
+                    <p:cTn id="9" fill="hold">
+                      <p:stCondLst>
+                        <p:cond delay="indefinite"/>
+                      </p:stCondLst>
+                      <p:childTnLst>
+                        <p:par>
+                          <p:cTn id="10" fill="hold">
+                            <p:stCondLst>
+                              <p:cond delay="0"/>
+                            </p:stCondLst>
+                            <p:childTnLst>
                               <p:par>
-                                <p:cTn id="11" presetID="1" presetClass="entr" presetSubtype="0" fill="hold" nodeType="withEffect">
+                                <p:cTn id="11" presetID="1" presetClass="entr" presetSubtype="0" fill="hold" nodeType="clickEffect">
                                   <p:stCondLst>
                                     <p:cond delay="0"/>
                                   </p:stCondLst>
@@ -19835,7 +19096,11 @@
                                           </p:stCondLst>
                                         </p:cTn>
                                         <p:tgtEl>
-                                          <p:spTgt spid="17"/>
+                                          <p:spTgt spid="7">
+                                            <p:txEl>
+                                              <p:pRg st="1" end="1"/>
+                                            </p:txEl>
+                                          </p:spTgt>
                                         </p:tgtEl>
                                         <p:attrNameLst>
                                           <p:attrName>style.visibility</p:attrName>
@@ -19901,6 +19166,1496 @@
           <p:cNvPr id="2" name="Slide Number Placeholder 1">
             <a:extLst>
               <a:ext uri="{FF2B5EF4-FFF2-40B4-BE49-F238E27FC236}">
+                <a16:creationId xmlns:a16="http://schemas.microsoft.com/office/drawing/2014/main" id="{80A8FC7B-B8D1-2FF9-BE15-82AE21EE0339}"/>
+              </a:ext>
+            </a:extLst>
+          </p:cNvPr>
+          <p:cNvSpPr>
+            <a:spLocks noGrp="1"/>
+          </p:cNvSpPr>
+          <p:nvPr>
+            <p:ph type="sldNum" sz="quarter" idx="5"/>
+          </p:nvPr>
+        </p:nvSpPr>
+        <p:spPr/>
+        <p:txBody>
+          <a:bodyPr/>
+          <a:lstStyle/>
+          <a:p>
+            <a:fld id="{2BF067CD-8E6B-4360-9AA8-C5DF2A48A6D1}" type="slidenum">
+              <a:rPr lang="en-US" noProof="0" smtClean="0"/>
+              <a:pPr/>
+              <a:t>5</a:t>
+            </a:fld>
+            <a:endParaRPr lang="en-US" noProof="0" dirty="0"/>
+          </a:p>
+        </p:txBody>
+      </p:sp>
+      <p:sp>
+        <p:nvSpPr>
+          <p:cNvPr id="4" name="Title 3">
+            <a:extLst>
+              <a:ext uri="{FF2B5EF4-FFF2-40B4-BE49-F238E27FC236}">
+                <a16:creationId xmlns:a16="http://schemas.microsoft.com/office/drawing/2014/main" id="{D10E5891-D2BA-E1D5-201B-70178ED440F5}"/>
+              </a:ext>
+            </a:extLst>
+          </p:cNvPr>
+          <p:cNvSpPr>
+            <a:spLocks noGrp="1"/>
+          </p:cNvSpPr>
+          <p:nvPr>
+            <p:ph type="title"/>
+          </p:nvPr>
+        </p:nvSpPr>
+        <p:spPr/>
+        <p:txBody>
+          <a:bodyPr/>
+          <a:lstStyle/>
+          <a:p>
+            <a:r>
+              <a:rPr lang="bg-BG" dirty="0"/>
+              <a:t>Жизнен цикъл на ИС</a:t>
+            </a:r>
+            <a:endParaRPr lang="en-BG" dirty="0"/>
+          </a:p>
+        </p:txBody>
+      </p:sp>
+      <p:grpSp>
+        <p:nvGrpSpPr>
+          <p:cNvPr id="41" name="Group 40">
+            <a:extLst>
+              <a:ext uri="{FF2B5EF4-FFF2-40B4-BE49-F238E27FC236}">
+                <a16:creationId xmlns:a16="http://schemas.microsoft.com/office/drawing/2014/main" id="{186AB80A-B1A0-9B13-BB69-D7964FEBB18E}"/>
+              </a:ext>
+            </a:extLst>
+          </p:cNvPr>
+          <p:cNvGrpSpPr/>
+          <p:nvPr/>
+        </p:nvGrpSpPr>
+        <p:grpSpPr>
+          <a:xfrm>
+            <a:off x="3400462" y="1181717"/>
+            <a:ext cx="5391076" cy="5473783"/>
+            <a:chOff x="3442467" y="1175539"/>
+            <a:chExt cx="5391076" cy="5473783"/>
+          </a:xfrm>
+        </p:grpSpPr>
+        <p:grpSp>
+          <p:nvGrpSpPr>
+            <p:cNvPr id="5" name="Group 4">
+              <a:extLst>
+                <a:ext uri="{FF2B5EF4-FFF2-40B4-BE49-F238E27FC236}">
+                  <a16:creationId xmlns:a16="http://schemas.microsoft.com/office/drawing/2014/main" id="{73D9B468-E64F-4666-3016-A94EB6D990A4}"/>
+                </a:ext>
+              </a:extLst>
+            </p:cNvPr>
+            <p:cNvGrpSpPr/>
+            <p:nvPr/>
+          </p:nvGrpSpPr>
+          <p:grpSpPr>
+            <a:xfrm>
+              <a:off x="3442467" y="1175539"/>
+              <a:ext cx="5391076" cy="5473783"/>
+              <a:chOff x="909424" y="1283467"/>
+              <a:chExt cx="5018976" cy="5018976"/>
+            </a:xfrm>
+          </p:grpSpPr>
+          <p:grpSp>
+            <p:nvGrpSpPr>
+              <p:cNvPr id="13" name="Group 12">
+                <a:extLst>
+                  <a:ext uri="{FF2B5EF4-FFF2-40B4-BE49-F238E27FC236}">
+                    <a16:creationId xmlns:a16="http://schemas.microsoft.com/office/drawing/2014/main" id="{7B172E01-944B-73C8-3B0E-FC8B20CCD7B3}"/>
+                  </a:ext>
+                </a:extLst>
+              </p:cNvPr>
+              <p:cNvGrpSpPr/>
+              <p:nvPr/>
+            </p:nvGrpSpPr>
+            <p:grpSpPr>
+              <a:xfrm>
+                <a:off x="909424" y="1283467"/>
+                <a:ext cx="5018976" cy="5018976"/>
+                <a:chOff x="-6580188" y="39688"/>
+                <a:chExt cx="6372225" cy="6372225"/>
+              </a:xfrm>
+              <a:gradFill>
+                <a:gsLst>
+                  <a:gs pos="0">
+                    <a:schemeClr val="tx2">
+                      <a:shade val="30000"/>
+                      <a:satMod val="115000"/>
+                    </a:schemeClr>
+                  </a:gs>
+                  <a:gs pos="50000">
+                    <a:schemeClr val="tx2">
+                      <a:shade val="67500"/>
+                      <a:satMod val="115000"/>
+                    </a:schemeClr>
+                  </a:gs>
+                  <a:gs pos="100000">
+                    <a:schemeClr val="tx2">
+                      <a:shade val="100000"/>
+                      <a:satMod val="115000"/>
+                    </a:schemeClr>
+                  </a:gs>
+                </a:gsLst>
+                <a:lin ang="16200000" scaled="1"/>
+              </a:gradFill>
+            </p:grpSpPr>
+            <p:sp>
+              <p:nvSpPr>
+                <p:cNvPr id="15" name="Freeform 14">
+                  <a:extLst>
+                    <a:ext uri="{FF2B5EF4-FFF2-40B4-BE49-F238E27FC236}">
+                      <a16:creationId xmlns:a16="http://schemas.microsoft.com/office/drawing/2014/main" id="{A600FEE7-B034-A8E3-E4C7-B1F8BDDCC9F2}"/>
+                    </a:ext>
+                  </a:extLst>
+                </p:cNvPr>
+                <p:cNvSpPr>
+                  <a:spLocks/>
+                </p:cNvSpPr>
+                <p:nvPr/>
+              </p:nvSpPr>
+              <p:spPr bwMode="auto">
+                <a:xfrm>
+                  <a:off x="-5886451" y="4559300"/>
+                  <a:ext cx="2825750" cy="1852613"/>
+                </a:xfrm>
+                <a:custGeom>
+                  <a:avLst/>
+                  <a:gdLst>
+                    <a:gd name="T0" fmla="*/ 692 w 752"/>
+                    <a:gd name="T1" fmla="*/ 248 h 493"/>
+                    <a:gd name="T2" fmla="*/ 663 w 752"/>
+                    <a:gd name="T3" fmla="*/ 249 h 493"/>
+                    <a:gd name="T4" fmla="*/ 175 w 752"/>
+                    <a:gd name="T5" fmla="*/ 0 h 493"/>
+                    <a:gd name="T6" fmla="*/ 41 w 752"/>
+                    <a:gd name="T7" fmla="*/ 14 h 493"/>
+                    <a:gd name="T8" fmla="*/ 0 w 752"/>
+                    <a:gd name="T9" fmla="*/ 175 h 493"/>
+                    <a:gd name="T10" fmla="*/ 663 w 752"/>
+                    <a:gd name="T11" fmla="*/ 493 h 493"/>
+                    <a:gd name="T12" fmla="*/ 752 w 752"/>
+                    <a:gd name="T13" fmla="*/ 489 h 493"/>
+                    <a:gd name="T14" fmla="*/ 635 w 752"/>
+                    <a:gd name="T15" fmla="*/ 372 h 493"/>
+                    <a:gd name="T16" fmla="*/ 692 w 752"/>
+                    <a:gd name="T17" fmla="*/ 248 h 493"/>
+                  </a:gdLst>
+                  <a:ahLst/>
+                  <a:cxnLst>
+                    <a:cxn ang="0">
+                      <a:pos x="T0" y="T1"/>
+                    </a:cxn>
+                    <a:cxn ang="0">
+                      <a:pos x="T2" y="T3"/>
+                    </a:cxn>
+                    <a:cxn ang="0">
+                      <a:pos x="T4" y="T5"/>
+                    </a:cxn>
+                    <a:cxn ang="0">
+                      <a:pos x="T6" y="T7"/>
+                    </a:cxn>
+                    <a:cxn ang="0">
+                      <a:pos x="T8" y="T9"/>
+                    </a:cxn>
+                    <a:cxn ang="0">
+                      <a:pos x="T10" y="T11"/>
+                    </a:cxn>
+                    <a:cxn ang="0">
+                      <a:pos x="T12" y="T13"/>
+                    </a:cxn>
+                    <a:cxn ang="0">
+                      <a:pos x="T14" y="T15"/>
+                    </a:cxn>
+                    <a:cxn ang="0">
+                      <a:pos x="T16" y="T17"/>
+                    </a:cxn>
+                  </a:cxnLst>
+                  <a:rect l="0" t="0" r="r" b="b"/>
+                  <a:pathLst>
+                    <a:path w="752" h="493">
+                      <a:moveTo>
+                        <a:pt x="692" y="248"/>
+                      </a:moveTo>
+                      <a:cubicBezTo>
+                        <a:pt x="682" y="248"/>
+                        <a:pt x="673" y="249"/>
+                        <a:pt x="663" y="249"/>
+                      </a:cubicBezTo>
+                      <a:cubicBezTo>
+                        <a:pt x="462" y="249"/>
+                        <a:pt x="284" y="151"/>
+                        <a:pt x="175" y="0"/>
+                      </a:cubicBezTo>
+                      <a:cubicBezTo>
+                        <a:pt x="41" y="14"/>
+                        <a:pt x="41" y="14"/>
+                        <a:pt x="41" y="14"/>
+                      </a:cubicBezTo>
+                      <a:cubicBezTo>
+                        <a:pt x="0" y="175"/>
+                        <a:pt x="0" y="175"/>
+                        <a:pt x="0" y="175"/>
+                      </a:cubicBezTo>
+                      <a:cubicBezTo>
+                        <a:pt x="156" y="369"/>
+                        <a:pt x="395" y="493"/>
+                        <a:pt x="663" y="493"/>
+                      </a:cubicBezTo>
+                      <a:cubicBezTo>
+                        <a:pt x="693" y="493"/>
+                        <a:pt x="723" y="492"/>
+                        <a:pt x="752" y="489"/>
+                      </a:cubicBezTo>
+                      <a:cubicBezTo>
+                        <a:pt x="635" y="372"/>
+                        <a:pt x="635" y="372"/>
+                        <a:pt x="635" y="372"/>
+                      </a:cubicBezTo>
+                      <a:lnTo>
+                        <a:pt x="692" y="248"/>
+                      </a:lnTo>
+                      <a:close/>
+                    </a:path>
+                  </a:pathLst>
+                </a:custGeom>
+                <a:solidFill>
+                  <a:schemeClr val="accent3">
+                    <a:lumMod val="75000"/>
+                  </a:schemeClr>
+                </a:solidFill>
+                <a:ln w="9525">
+                  <a:noFill/>
+                  <a:round/>
+                  <a:headEnd/>
+                  <a:tailEnd/>
+                </a:ln>
+              </p:spPr>
+              <p:txBody>
+                <a:bodyPr vert="horz" wrap="square" lIns="91440" tIns="45720" rIns="91440" bIns="45720" numCol="1" anchor="t" anchorCtr="0" compatLnSpc="1">
+                  <a:prstTxWarp prst="textNoShape">
+                    <a:avLst/>
+                  </a:prstTxWarp>
+                </a:bodyPr>
+                <a:lstStyle/>
+                <a:p>
+                  <a:endParaRPr lang="en-US" dirty="0">
+                    <a:solidFill>
+                      <a:schemeClr val="bg1"/>
+                    </a:solidFill>
+                    <a:latin typeface="Arial" panose="020B0604020202020204" pitchFamily="34" charset="0"/>
+                    <a:cs typeface="Arial" panose="020B0604020202020204" pitchFamily="34" charset="0"/>
+                  </a:endParaRPr>
+                </a:p>
+              </p:txBody>
+            </p:sp>
+            <p:sp>
+              <p:nvSpPr>
+                <p:cNvPr id="16" name="Freeform 15">
+                  <a:extLst>
+                    <a:ext uri="{FF2B5EF4-FFF2-40B4-BE49-F238E27FC236}">
+                      <a16:creationId xmlns:a16="http://schemas.microsoft.com/office/drawing/2014/main" id="{D85E20EE-188A-ECD8-A073-F037199ECB8F}"/>
+                    </a:ext>
+                  </a:extLst>
+                </p:cNvPr>
+                <p:cNvSpPr>
+                  <a:spLocks/>
+                </p:cNvSpPr>
+                <p:nvPr/>
+              </p:nvSpPr>
+              <p:spPr bwMode="auto">
+                <a:xfrm>
+                  <a:off x="-3962401" y="39688"/>
+                  <a:ext cx="3116263" cy="1922463"/>
+                </a:xfrm>
+                <a:custGeom>
+                  <a:avLst/>
+                  <a:gdLst>
+                    <a:gd name="T0" fmla="*/ 77 w 829"/>
+                    <a:gd name="T1" fmla="*/ 249 h 512"/>
+                    <a:gd name="T2" fmla="*/ 151 w 829"/>
+                    <a:gd name="T3" fmla="*/ 245 h 512"/>
+                    <a:gd name="T4" fmla="*/ 652 w 829"/>
+                    <a:gd name="T5" fmla="*/ 512 h 512"/>
+                    <a:gd name="T6" fmla="*/ 782 w 829"/>
+                    <a:gd name="T7" fmla="*/ 503 h 512"/>
+                    <a:gd name="T8" fmla="*/ 829 w 829"/>
+                    <a:gd name="T9" fmla="*/ 340 h 512"/>
+                    <a:gd name="T10" fmla="*/ 151 w 829"/>
+                    <a:gd name="T11" fmla="*/ 0 h 512"/>
+                    <a:gd name="T12" fmla="*/ 0 w 829"/>
+                    <a:gd name="T13" fmla="*/ 14 h 512"/>
+                    <a:gd name="T14" fmla="*/ 125 w 829"/>
+                    <a:gd name="T15" fmla="*/ 123 h 512"/>
+                    <a:gd name="T16" fmla="*/ 77 w 829"/>
+                    <a:gd name="T17" fmla="*/ 249 h 512"/>
+                  </a:gdLst>
+                  <a:ahLst/>
+                  <a:cxnLst>
+                    <a:cxn ang="0">
+                      <a:pos x="T0" y="T1"/>
+                    </a:cxn>
+                    <a:cxn ang="0">
+                      <a:pos x="T2" y="T3"/>
+                    </a:cxn>
+                    <a:cxn ang="0">
+                      <a:pos x="T4" y="T5"/>
+                    </a:cxn>
+                    <a:cxn ang="0">
+                      <a:pos x="T6" y="T7"/>
+                    </a:cxn>
+                    <a:cxn ang="0">
+                      <a:pos x="T8" y="T9"/>
+                    </a:cxn>
+                    <a:cxn ang="0">
+                      <a:pos x="T10" y="T11"/>
+                    </a:cxn>
+                    <a:cxn ang="0">
+                      <a:pos x="T12" y="T13"/>
+                    </a:cxn>
+                    <a:cxn ang="0">
+                      <a:pos x="T14" y="T15"/>
+                    </a:cxn>
+                    <a:cxn ang="0">
+                      <a:pos x="T16" y="T17"/>
+                    </a:cxn>
+                  </a:cxnLst>
+                  <a:rect l="0" t="0" r="r" b="b"/>
+                  <a:pathLst>
+                    <a:path w="829" h="512">
+                      <a:moveTo>
+                        <a:pt x="77" y="249"/>
+                      </a:moveTo>
+                      <a:cubicBezTo>
+                        <a:pt x="101" y="247"/>
+                        <a:pt x="126" y="245"/>
+                        <a:pt x="151" y="245"/>
+                      </a:cubicBezTo>
+                      <a:cubicBezTo>
+                        <a:pt x="359" y="245"/>
+                        <a:pt x="543" y="351"/>
+                        <a:pt x="652" y="512"/>
+                      </a:cubicBezTo>
+                      <a:cubicBezTo>
+                        <a:pt x="782" y="503"/>
+                        <a:pt x="782" y="503"/>
+                        <a:pt x="782" y="503"/>
+                      </a:cubicBezTo>
+                      <a:cubicBezTo>
+                        <a:pt x="829" y="340"/>
+                        <a:pt x="829" y="340"/>
+                        <a:pt x="829" y="340"/>
+                      </a:cubicBezTo>
+                      <a:cubicBezTo>
+                        <a:pt x="675" y="134"/>
+                        <a:pt x="428" y="0"/>
+                        <a:pt x="151" y="0"/>
+                      </a:cubicBezTo>
+                      <a:cubicBezTo>
+                        <a:pt x="99" y="0"/>
+                        <a:pt x="49" y="5"/>
+                        <a:pt x="0" y="14"/>
+                      </a:cubicBezTo>
+                      <a:cubicBezTo>
+                        <a:pt x="125" y="123"/>
+                        <a:pt x="125" y="123"/>
+                        <a:pt x="125" y="123"/>
+                      </a:cubicBezTo>
+                      <a:lnTo>
+                        <a:pt x="77" y="249"/>
+                      </a:lnTo>
+                      <a:close/>
+                    </a:path>
+                  </a:pathLst>
+                </a:custGeom>
+                <a:solidFill>
+                  <a:srgbClr val="FFD000"/>
+                </a:solidFill>
+                <a:ln w="9525">
+                  <a:noFill/>
+                  <a:round/>
+                  <a:headEnd/>
+                  <a:tailEnd/>
+                </a:ln>
+              </p:spPr>
+              <p:txBody>
+                <a:bodyPr vert="horz" wrap="square" lIns="91440" tIns="45720" rIns="91440" bIns="45720" numCol="1" anchor="t" anchorCtr="0" compatLnSpc="1">
+                  <a:prstTxWarp prst="textNoShape">
+                    <a:avLst/>
+                  </a:prstTxWarp>
+                </a:bodyPr>
+                <a:lstStyle/>
+                <a:p>
+                  <a:endParaRPr lang="en-US">
+                    <a:solidFill>
+                      <a:schemeClr val="bg1"/>
+                    </a:solidFill>
+                    <a:latin typeface="Arial" panose="020B0604020202020204" pitchFamily="34" charset="0"/>
+                    <a:cs typeface="Arial" panose="020B0604020202020204" pitchFamily="34" charset="0"/>
+                  </a:endParaRPr>
+                </a:p>
+              </p:txBody>
+            </p:sp>
+            <p:sp>
+              <p:nvSpPr>
+                <p:cNvPr id="17" name="Freeform 16">
+                  <a:extLst>
+                    <a:ext uri="{FF2B5EF4-FFF2-40B4-BE49-F238E27FC236}">
+                      <a16:creationId xmlns:a16="http://schemas.microsoft.com/office/drawing/2014/main" id="{87F42D3B-28D7-05D7-7F69-DDA008DC2076}"/>
+                    </a:ext>
+                  </a:extLst>
+                </p:cNvPr>
+                <p:cNvSpPr>
+                  <a:spLocks/>
+                </p:cNvSpPr>
+                <p:nvPr/>
+              </p:nvSpPr>
+              <p:spPr bwMode="auto">
+                <a:xfrm>
+                  <a:off x="-6445251" y="109538"/>
+                  <a:ext cx="2867025" cy="2338388"/>
+                </a:xfrm>
+                <a:custGeom>
+                  <a:avLst/>
+                  <a:gdLst>
+                    <a:gd name="T0" fmla="*/ 245 w 763"/>
+                    <a:gd name="T1" fmla="*/ 622 h 622"/>
+                    <a:gd name="T2" fmla="*/ 716 w 763"/>
+                    <a:gd name="T3" fmla="*/ 234 h 622"/>
+                    <a:gd name="T4" fmla="*/ 763 w 763"/>
+                    <a:gd name="T5" fmla="*/ 110 h 622"/>
+                    <a:gd name="T6" fmla="*/ 636 w 763"/>
+                    <a:gd name="T7" fmla="*/ 0 h 622"/>
+                    <a:gd name="T8" fmla="*/ 0 w 763"/>
+                    <a:gd name="T9" fmla="*/ 582 h 622"/>
+                    <a:gd name="T10" fmla="*/ 153 w 763"/>
+                    <a:gd name="T11" fmla="*/ 521 h 622"/>
+                    <a:gd name="T12" fmla="*/ 245 w 763"/>
+                    <a:gd name="T13" fmla="*/ 622 h 622"/>
+                  </a:gdLst>
+                  <a:ahLst/>
+                  <a:cxnLst>
+                    <a:cxn ang="0">
+                      <a:pos x="T0" y="T1"/>
+                    </a:cxn>
+                    <a:cxn ang="0">
+                      <a:pos x="T2" y="T3"/>
+                    </a:cxn>
+                    <a:cxn ang="0">
+                      <a:pos x="T4" y="T5"/>
+                    </a:cxn>
+                    <a:cxn ang="0">
+                      <a:pos x="T6" y="T7"/>
+                    </a:cxn>
+                    <a:cxn ang="0">
+                      <a:pos x="T8" y="T9"/>
+                    </a:cxn>
+                    <a:cxn ang="0">
+                      <a:pos x="T10" y="T11"/>
+                    </a:cxn>
+                    <a:cxn ang="0">
+                      <a:pos x="T12" y="T13"/>
+                    </a:cxn>
+                  </a:cxnLst>
+                  <a:rect l="0" t="0" r="r" b="b"/>
+                  <a:pathLst>
+                    <a:path w="763" h="622">
+                      <a:moveTo>
+                        <a:pt x="245" y="622"/>
+                      </a:moveTo>
+                      <a:cubicBezTo>
+                        <a:pt x="319" y="420"/>
+                        <a:pt x="498" y="269"/>
+                        <a:pt x="716" y="234"/>
+                      </a:cubicBezTo>
+                      <a:cubicBezTo>
+                        <a:pt x="763" y="110"/>
+                        <a:pt x="763" y="110"/>
+                        <a:pt x="763" y="110"/>
+                      </a:cubicBezTo>
+                      <a:cubicBezTo>
+                        <a:pt x="636" y="0"/>
+                        <a:pt x="636" y="0"/>
+                        <a:pt x="636" y="0"/>
+                      </a:cubicBezTo>
+                      <a:cubicBezTo>
+                        <a:pt x="333" y="63"/>
+                        <a:pt x="90" y="289"/>
+                        <a:pt x="0" y="582"/>
+                      </a:cubicBezTo>
+                      <a:cubicBezTo>
+                        <a:pt x="153" y="521"/>
+                        <a:pt x="153" y="521"/>
+                        <a:pt x="153" y="521"/>
+                      </a:cubicBezTo>
+                      <a:lnTo>
+                        <a:pt x="245" y="622"/>
+                      </a:lnTo>
+                      <a:close/>
+                    </a:path>
+                  </a:pathLst>
+                </a:custGeom>
+                <a:solidFill>
+                  <a:schemeClr val="accent2">
+                    <a:lumMod val="75000"/>
+                  </a:schemeClr>
+                </a:solidFill>
+                <a:ln w="9525">
+                  <a:noFill/>
+                  <a:round/>
+                  <a:headEnd/>
+                  <a:tailEnd/>
+                </a:ln>
+              </p:spPr>
+              <p:txBody>
+                <a:bodyPr vert="horz" wrap="square" lIns="91440" tIns="45720" rIns="91440" bIns="45720" numCol="1" anchor="t" anchorCtr="0" compatLnSpc="1">
+                  <a:prstTxWarp prst="textNoShape">
+                    <a:avLst/>
+                  </a:prstTxWarp>
+                </a:bodyPr>
+                <a:lstStyle/>
+                <a:p>
+                  <a:endParaRPr lang="en-US" dirty="0">
+                    <a:solidFill>
+                      <a:schemeClr val="bg1"/>
+                    </a:solidFill>
+                    <a:latin typeface="Arial" panose="020B0604020202020204" pitchFamily="34" charset="0"/>
+                    <a:cs typeface="Arial" panose="020B0604020202020204" pitchFamily="34" charset="0"/>
+                  </a:endParaRPr>
+                </a:p>
+              </p:txBody>
+            </p:sp>
+            <p:sp>
+              <p:nvSpPr>
+                <p:cNvPr id="18" name="Freeform 17">
+                  <a:extLst>
+                    <a:ext uri="{FF2B5EF4-FFF2-40B4-BE49-F238E27FC236}">
+                      <a16:creationId xmlns:a16="http://schemas.microsoft.com/office/drawing/2014/main" id="{57D2BAC3-7849-463E-FD92-F1CBCCEF1623}"/>
+                    </a:ext>
+                  </a:extLst>
+                </p:cNvPr>
+                <p:cNvSpPr>
+                  <a:spLocks/>
+                </p:cNvSpPr>
+                <p:nvPr/>
+              </p:nvSpPr>
+              <p:spPr bwMode="auto">
+                <a:xfrm>
+                  <a:off x="-3409951" y="4311650"/>
+                  <a:ext cx="2901950" cy="2073275"/>
+                </a:xfrm>
+                <a:custGeom>
+                  <a:avLst/>
+                  <a:gdLst>
+                    <a:gd name="T0" fmla="*/ 772 w 772"/>
+                    <a:gd name="T1" fmla="*/ 71 h 552"/>
+                    <a:gd name="T2" fmla="*/ 609 w 772"/>
+                    <a:gd name="T3" fmla="*/ 111 h 552"/>
+                    <a:gd name="T4" fmla="*/ 534 w 772"/>
+                    <a:gd name="T5" fmla="*/ 0 h 552"/>
+                    <a:gd name="T6" fmla="*/ 56 w 772"/>
+                    <a:gd name="T7" fmla="*/ 312 h 552"/>
+                    <a:gd name="T8" fmla="*/ 0 w 772"/>
+                    <a:gd name="T9" fmla="*/ 434 h 552"/>
+                    <a:gd name="T10" fmla="*/ 118 w 772"/>
+                    <a:gd name="T11" fmla="*/ 552 h 552"/>
+                    <a:gd name="T12" fmla="*/ 772 w 772"/>
+                    <a:gd name="T13" fmla="*/ 71 h 552"/>
+                  </a:gdLst>
+                  <a:ahLst/>
+                  <a:cxnLst>
+                    <a:cxn ang="0">
+                      <a:pos x="T0" y="T1"/>
+                    </a:cxn>
+                    <a:cxn ang="0">
+                      <a:pos x="T2" y="T3"/>
+                    </a:cxn>
+                    <a:cxn ang="0">
+                      <a:pos x="T4" y="T5"/>
+                    </a:cxn>
+                    <a:cxn ang="0">
+                      <a:pos x="T6" y="T7"/>
+                    </a:cxn>
+                    <a:cxn ang="0">
+                      <a:pos x="T8" y="T9"/>
+                    </a:cxn>
+                    <a:cxn ang="0">
+                      <a:pos x="T10" y="T11"/>
+                    </a:cxn>
+                    <a:cxn ang="0">
+                      <a:pos x="T12" y="T13"/>
+                    </a:cxn>
+                  </a:cxnLst>
+                  <a:rect l="0" t="0" r="r" b="b"/>
+                  <a:pathLst>
+                    <a:path w="772" h="552">
+                      <a:moveTo>
+                        <a:pt x="772" y="71"/>
+                      </a:moveTo>
+                      <a:cubicBezTo>
+                        <a:pt x="609" y="111"/>
+                        <a:pt x="609" y="111"/>
+                        <a:pt x="609" y="111"/>
+                      </a:cubicBezTo>
+                      <a:cubicBezTo>
+                        <a:pt x="534" y="0"/>
+                        <a:pt x="534" y="0"/>
+                        <a:pt x="534" y="0"/>
+                      </a:cubicBezTo>
+                      <a:cubicBezTo>
+                        <a:pt x="439" y="173"/>
+                        <a:pt x="262" y="295"/>
+                        <a:pt x="56" y="312"/>
+                      </a:cubicBezTo>
+                      <a:cubicBezTo>
+                        <a:pt x="0" y="434"/>
+                        <a:pt x="0" y="434"/>
+                        <a:pt x="0" y="434"/>
+                      </a:cubicBezTo>
+                      <a:cubicBezTo>
+                        <a:pt x="118" y="552"/>
+                        <a:pt x="118" y="552"/>
+                        <a:pt x="118" y="552"/>
+                      </a:cubicBezTo>
+                      <a:cubicBezTo>
+                        <a:pt x="408" y="513"/>
+                        <a:pt x="652" y="327"/>
+                        <a:pt x="772" y="71"/>
+                      </a:cubicBezTo>
+                      <a:close/>
+                    </a:path>
+                  </a:pathLst>
+                </a:custGeom>
+                <a:solidFill>
+                  <a:schemeClr val="accent4">
+                    <a:lumMod val="75000"/>
+                  </a:schemeClr>
+                </a:solidFill>
+                <a:ln w="9525">
+                  <a:noFill/>
+                  <a:round/>
+                  <a:headEnd/>
+                  <a:tailEnd/>
+                </a:ln>
+              </p:spPr>
+              <p:txBody>
+                <a:bodyPr vert="horz" wrap="square" lIns="91440" tIns="45720" rIns="91440" bIns="45720" numCol="1" anchor="t" anchorCtr="0" compatLnSpc="1">
+                  <a:prstTxWarp prst="textNoShape">
+                    <a:avLst/>
+                  </a:prstTxWarp>
+                </a:bodyPr>
+                <a:lstStyle/>
+                <a:p>
+                  <a:endParaRPr lang="en-US">
+                    <a:solidFill>
+                      <a:schemeClr val="bg1"/>
+                    </a:solidFill>
+                    <a:latin typeface="Arial" panose="020B0604020202020204" pitchFamily="34" charset="0"/>
+                    <a:cs typeface="Arial" panose="020B0604020202020204" pitchFamily="34" charset="0"/>
+                  </a:endParaRPr>
+                </a:p>
+              </p:txBody>
+            </p:sp>
+            <p:sp>
+              <p:nvSpPr>
+                <p:cNvPr id="19" name="Freeform 18">
+                  <a:extLst>
+                    <a:ext uri="{FF2B5EF4-FFF2-40B4-BE49-F238E27FC236}">
+                      <a16:creationId xmlns:a16="http://schemas.microsoft.com/office/drawing/2014/main" id="{4706DFB5-3D81-30CD-08EA-B33505E12CFE}"/>
+                    </a:ext>
+                  </a:extLst>
+                </p:cNvPr>
+                <p:cNvSpPr>
+                  <a:spLocks/>
+                </p:cNvSpPr>
+                <p:nvPr/>
+              </p:nvSpPr>
+              <p:spPr bwMode="auto">
+                <a:xfrm>
+                  <a:off x="-1466851" y="1392238"/>
+                  <a:ext cx="1258888" cy="3252788"/>
+                </a:xfrm>
+                <a:custGeom>
+                  <a:avLst/>
+                  <a:gdLst>
+                    <a:gd name="T0" fmla="*/ 0 w 335"/>
+                    <a:gd name="T1" fmla="*/ 171 h 866"/>
+                    <a:gd name="T2" fmla="*/ 90 w 335"/>
+                    <a:gd name="T3" fmla="*/ 488 h 866"/>
+                    <a:gd name="T4" fmla="*/ 27 w 335"/>
+                    <a:gd name="T5" fmla="*/ 757 h 866"/>
+                    <a:gd name="T6" fmla="*/ 101 w 335"/>
+                    <a:gd name="T7" fmla="*/ 866 h 866"/>
+                    <a:gd name="T8" fmla="*/ 265 w 335"/>
+                    <a:gd name="T9" fmla="*/ 825 h 866"/>
+                    <a:gd name="T10" fmla="*/ 335 w 335"/>
+                    <a:gd name="T11" fmla="*/ 488 h 866"/>
+                    <a:gd name="T12" fmla="*/ 180 w 335"/>
+                    <a:gd name="T13" fmla="*/ 0 h 866"/>
+                    <a:gd name="T14" fmla="*/ 133 w 335"/>
+                    <a:gd name="T15" fmla="*/ 162 h 866"/>
+                    <a:gd name="T16" fmla="*/ 0 w 335"/>
+                    <a:gd name="T17" fmla="*/ 171 h 866"/>
+                  </a:gdLst>
+                  <a:ahLst/>
+                  <a:cxnLst>
+                    <a:cxn ang="0">
+                      <a:pos x="T0" y="T1"/>
+                    </a:cxn>
+                    <a:cxn ang="0">
+                      <a:pos x="T2" y="T3"/>
+                    </a:cxn>
+                    <a:cxn ang="0">
+                      <a:pos x="T4" y="T5"/>
+                    </a:cxn>
+                    <a:cxn ang="0">
+                      <a:pos x="T6" y="T7"/>
+                    </a:cxn>
+                    <a:cxn ang="0">
+                      <a:pos x="T8" y="T9"/>
+                    </a:cxn>
+                    <a:cxn ang="0">
+                      <a:pos x="T10" y="T11"/>
+                    </a:cxn>
+                    <a:cxn ang="0">
+                      <a:pos x="T12" y="T13"/>
+                    </a:cxn>
+                    <a:cxn ang="0">
+                      <a:pos x="T14" y="T15"/>
+                    </a:cxn>
+                    <a:cxn ang="0">
+                      <a:pos x="T16" y="T17"/>
+                    </a:cxn>
+                  </a:cxnLst>
+                  <a:rect l="0" t="0" r="r" b="b"/>
+                  <a:pathLst>
+                    <a:path w="335" h="866">
+                      <a:moveTo>
+                        <a:pt x="0" y="171"/>
+                      </a:moveTo>
+                      <a:cubicBezTo>
+                        <a:pt x="57" y="264"/>
+                        <a:pt x="90" y="372"/>
+                        <a:pt x="90" y="488"/>
+                      </a:cubicBezTo>
+                      <a:cubicBezTo>
+                        <a:pt x="90" y="585"/>
+                        <a:pt x="67" y="676"/>
+                        <a:pt x="27" y="757"/>
+                      </a:cubicBezTo>
+                      <a:cubicBezTo>
+                        <a:pt x="101" y="866"/>
+                        <a:pt x="101" y="866"/>
+                        <a:pt x="101" y="866"/>
+                      </a:cubicBezTo>
+                      <a:cubicBezTo>
+                        <a:pt x="265" y="825"/>
+                        <a:pt x="265" y="825"/>
+                        <a:pt x="265" y="825"/>
+                      </a:cubicBezTo>
+                      <a:cubicBezTo>
+                        <a:pt x="310" y="722"/>
+                        <a:pt x="335" y="608"/>
+                        <a:pt x="335" y="488"/>
+                      </a:cubicBezTo>
+                      <a:cubicBezTo>
+                        <a:pt x="335" y="307"/>
+                        <a:pt x="278" y="138"/>
+                        <a:pt x="180" y="0"/>
+                      </a:cubicBezTo>
+                      <a:cubicBezTo>
+                        <a:pt x="133" y="162"/>
+                        <a:pt x="133" y="162"/>
+                        <a:pt x="133" y="162"/>
+                      </a:cubicBezTo>
+                      <a:lnTo>
+                        <a:pt x="0" y="171"/>
+                      </a:lnTo>
+                      <a:close/>
+                    </a:path>
+                  </a:pathLst>
+                </a:custGeom>
+                <a:solidFill>
+                  <a:srgbClr val="C00000"/>
+                </a:solidFill>
+                <a:ln w="9525">
+                  <a:noFill/>
+                  <a:round/>
+                  <a:headEnd/>
+                  <a:tailEnd/>
+                </a:ln>
+              </p:spPr>
+              <p:txBody>
+                <a:bodyPr vert="horz" wrap="square" lIns="91440" tIns="45720" rIns="91440" bIns="45720" numCol="1" anchor="t" anchorCtr="0" compatLnSpc="1">
+                  <a:prstTxWarp prst="textNoShape">
+                    <a:avLst/>
+                  </a:prstTxWarp>
+                </a:bodyPr>
+                <a:lstStyle/>
+                <a:p>
+                  <a:endParaRPr lang="en-US">
+                    <a:solidFill>
+                      <a:schemeClr val="bg1"/>
+                    </a:solidFill>
+                    <a:latin typeface="Arial" panose="020B0604020202020204" pitchFamily="34" charset="0"/>
+                    <a:cs typeface="Arial" panose="020B0604020202020204" pitchFamily="34" charset="0"/>
+                  </a:endParaRPr>
+                </a:p>
+              </p:txBody>
+            </p:sp>
+            <p:sp>
+              <p:nvSpPr>
+                <p:cNvPr id="20" name="Freeform 19">
+                  <a:extLst>
+                    <a:ext uri="{FF2B5EF4-FFF2-40B4-BE49-F238E27FC236}">
+                      <a16:creationId xmlns:a16="http://schemas.microsoft.com/office/drawing/2014/main" id="{48FF8C07-6DF4-E250-AD03-E20E6FE15DCA}"/>
+                    </a:ext>
+                  </a:extLst>
+                </p:cNvPr>
+                <p:cNvSpPr>
+                  <a:spLocks/>
+                </p:cNvSpPr>
+                <p:nvPr/>
+              </p:nvSpPr>
+              <p:spPr bwMode="auto">
+                <a:xfrm>
+                  <a:off x="-6580188" y="2154238"/>
+                  <a:ext cx="1300163" cy="2987675"/>
+                </a:xfrm>
+                <a:custGeom>
+                  <a:avLst/>
+                  <a:gdLst>
+                    <a:gd name="T0" fmla="*/ 346 w 346"/>
+                    <a:gd name="T1" fmla="*/ 621 h 795"/>
+                    <a:gd name="T2" fmla="*/ 244 w 346"/>
+                    <a:gd name="T3" fmla="*/ 285 h 795"/>
+                    <a:gd name="T4" fmla="*/ 273 w 346"/>
+                    <a:gd name="T5" fmla="*/ 100 h 795"/>
+                    <a:gd name="T6" fmla="*/ 183 w 346"/>
+                    <a:gd name="T7" fmla="*/ 0 h 795"/>
+                    <a:gd name="T8" fmla="*/ 29 w 346"/>
+                    <a:gd name="T9" fmla="*/ 62 h 795"/>
+                    <a:gd name="T10" fmla="*/ 0 w 346"/>
+                    <a:gd name="T11" fmla="*/ 285 h 795"/>
+                    <a:gd name="T12" fmla="*/ 170 w 346"/>
+                    <a:gd name="T13" fmla="*/ 795 h 795"/>
+                    <a:gd name="T14" fmla="*/ 210 w 346"/>
+                    <a:gd name="T15" fmla="*/ 636 h 795"/>
+                    <a:gd name="T16" fmla="*/ 346 w 346"/>
+                    <a:gd name="T17" fmla="*/ 621 h 795"/>
+                  </a:gdLst>
+                  <a:ahLst/>
+                  <a:cxnLst>
+                    <a:cxn ang="0">
+                      <a:pos x="T0" y="T1"/>
+                    </a:cxn>
+                    <a:cxn ang="0">
+                      <a:pos x="T2" y="T3"/>
+                    </a:cxn>
+                    <a:cxn ang="0">
+                      <a:pos x="T4" y="T5"/>
+                    </a:cxn>
+                    <a:cxn ang="0">
+                      <a:pos x="T6" y="T7"/>
+                    </a:cxn>
+                    <a:cxn ang="0">
+                      <a:pos x="T8" y="T9"/>
+                    </a:cxn>
+                    <a:cxn ang="0">
+                      <a:pos x="T10" y="T11"/>
+                    </a:cxn>
+                    <a:cxn ang="0">
+                      <a:pos x="T12" y="T13"/>
+                    </a:cxn>
+                    <a:cxn ang="0">
+                      <a:pos x="T14" y="T15"/>
+                    </a:cxn>
+                    <a:cxn ang="0">
+                      <a:pos x="T16" y="T17"/>
+                    </a:cxn>
+                  </a:cxnLst>
+                  <a:rect l="0" t="0" r="r" b="b"/>
+                  <a:pathLst>
+                    <a:path w="346" h="795">
+                      <a:moveTo>
+                        <a:pt x="346" y="621"/>
+                      </a:moveTo>
+                      <a:cubicBezTo>
+                        <a:pt x="282" y="525"/>
+                        <a:pt x="244" y="410"/>
+                        <a:pt x="244" y="285"/>
+                      </a:cubicBezTo>
+                      <a:cubicBezTo>
+                        <a:pt x="244" y="221"/>
+                        <a:pt x="255" y="158"/>
+                        <a:pt x="273" y="100"/>
+                      </a:cubicBezTo>
+                      <a:cubicBezTo>
+                        <a:pt x="183" y="0"/>
+                        <a:pt x="183" y="0"/>
+                        <a:pt x="183" y="0"/>
+                      </a:cubicBezTo>
+                      <a:cubicBezTo>
+                        <a:pt x="29" y="62"/>
+                        <a:pt x="29" y="62"/>
+                        <a:pt x="29" y="62"/>
+                      </a:cubicBezTo>
+                      <a:cubicBezTo>
+                        <a:pt x="10" y="133"/>
+                        <a:pt x="0" y="208"/>
+                        <a:pt x="0" y="285"/>
+                      </a:cubicBezTo>
+                      <a:cubicBezTo>
+                        <a:pt x="0" y="476"/>
+                        <a:pt x="63" y="653"/>
+                        <a:pt x="170" y="795"/>
+                      </a:cubicBezTo>
+                      <a:cubicBezTo>
+                        <a:pt x="210" y="636"/>
+                        <a:pt x="210" y="636"/>
+                        <a:pt x="210" y="636"/>
+                      </a:cubicBezTo>
+                      <a:lnTo>
+                        <a:pt x="346" y="621"/>
+                      </a:lnTo>
+                      <a:close/>
+                    </a:path>
+                  </a:pathLst>
+                </a:custGeom>
+                <a:solidFill>
+                  <a:srgbClr val="DE62B9"/>
+                </a:solidFill>
+                <a:ln w="9525">
+                  <a:noFill/>
+                  <a:round/>
+                  <a:headEnd/>
+                  <a:tailEnd/>
+                </a:ln>
+              </p:spPr>
+              <p:txBody>
+                <a:bodyPr vert="horz" wrap="square" lIns="91440" tIns="45720" rIns="91440" bIns="45720" numCol="1" anchor="t" anchorCtr="0" compatLnSpc="1">
+                  <a:prstTxWarp prst="textNoShape">
+                    <a:avLst/>
+                  </a:prstTxWarp>
+                </a:bodyPr>
+                <a:lstStyle/>
+                <a:p>
+                  <a:endParaRPr lang="en-US">
+                    <a:solidFill>
+                      <a:schemeClr val="bg1"/>
+                    </a:solidFill>
+                    <a:latin typeface="Arial" panose="020B0604020202020204" pitchFamily="34" charset="0"/>
+                    <a:cs typeface="Arial" panose="020B0604020202020204" pitchFamily="34" charset="0"/>
+                  </a:endParaRPr>
+                </a:p>
+              </p:txBody>
+            </p:sp>
+          </p:grpSp>
+          <p:sp>
+            <p:nvSpPr>
+              <p:cNvPr id="7" name="TextBox 6">
+                <a:extLst>
+                  <a:ext uri="{FF2B5EF4-FFF2-40B4-BE49-F238E27FC236}">
+                    <a16:creationId xmlns:a16="http://schemas.microsoft.com/office/drawing/2014/main" id="{D2E3752B-A8F3-C5AE-8DAC-CC5A670718BD}"/>
+                  </a:ext>
+                </a:extLst>
+              </p:cNvPr>
+              <p:cNvSpPr txBox="1"/>
+              <p:nvPr/>
+            </p:nvSpPr>
+            <p:spPr>
+              <a:xfrm rot="19347858">
+                <a:off x="1436874" y="1989932"/>
+                <a:ext cx="2853145" cy="1990673"/>
+              </a:xfrm>
+              <a:prstGeom prst="rect">
+                <a:avLst/>
+              </a:prstGeom>
+              <a:noFill/>
+            </p:spPr>
+            <p:txBody>
+              <a:bodyPr wrap="none" rtlCol="0">
+                <a:prstTxWarp prst="textArchUp">
+                  <a:avLst>
+                    <a:gd name="adj" fmla="val 8626940"/>
+                  </a:avLst>
+                </a:prstTxWarp>
+                <a:spAutoFit/>
+              </a:bodyPr>
+              <a:lstStyle/>
+              <a:p>
+                <a:pPr algn="ctr">
+                  <a:lnSpc>
+                    <a:spcPct val="90000"/>
+                  </a:lnSpc>
+                </a:pPr>
+                <a:r>
+                  <a:rPr lang="bg-BG" sz="2000" b="1" dirty="0">
+                    <a:solidFill>
+                      <a:schemeClr val="bg2"/>
+                    </a:solidFill>
+                    <a:cs typeface="Calibri" panose="020F0502020204030204" pitchFamily="34" charset="0"/>
+                  </a:rPr>
+                  <a:t>Събиране на</a:t>
+                </a:r>
+              </a:p>
+              <a:p>
+                <a:pPr algn="ctr">
+                  <a:lnSpc>
+                    <a:spcPct val="90000"/>
+                  </a:lnSpc>
+                </a:pPr>
+                <a:r>
+                  <a:rPr lang="bg-BG" sz="2000" b="1" dirty="0">
+                    <a:solidFill>
+                      <a:schemeClr val="bg2"/>
+                    </a:solidFill>
+                    <a:cs typeface="Calibri" panose="020F0502020204030204" pitchFamily="34" charset="0"/>
+                  </a:rPr>
+                  <a:t>изисквания</a:t>
+                </a:r>
+                <a:endParaRPr lang="en-US" sz="2000" b="1" dirty="0">
+                  <a:solidFill>
+                    <a:schemeClr val="bg2"/>
+                  </a:solidFill>
+                  <a:cs typeface="Calibri" panose="020F0502020204030204" pitchFamily="34" charset="0"/>
+                </a:endParaRPr>
+              </a:p>
+            </p:txBody>
+          </p:sp>
+          <p:sp>
+            <p:nvSpPr>
+              <p:cNvPr id="8" name="TextBox 7">
+                <a:extLst>
+                  <a:ext uri="{FF2B5EF4-FFF2-40B4-BE49-F238E27FC236}">
+                    <a16:creationId xmlns:a16="http://schemas.microsoft.com/office/drawing/2014/main" id="{D34F7A19-52DE-92E2-FC59-CF8378D7C089}"/>
+                  </a:ext>
+                </a:extLst>
+              </p:cNvPr>
+              <p:cNvSpPr txBox="1"/>
+              <p:nvPr/>
+            </p:nvSpPr>
+            <p:spPr>
+              <a:xfrm rot="1430453">
+                <a:off x="2483807" y="1937845"/>
+                <a:ext cx="2853145" cy="1990673"/>
+              </a:xfrm>
+              <a:prstGeom prst="rect">
+                <a:avLst/>
+              </a:prstGeom>
+              <a:noFill/>
+            </p:spPr>
+            <p:txBody>
+              <a:bodyPr wrap="none" rtlCol="0">
+                <a:prstTxWarp prst="textArchUp">
+                  <a:avLst>
+                    <a:gd name="adj" fmla="val 8626940"/>
+                  </a:avLst>
+                </a:prstTxWarp>
+                <a:spAutoFit/>
+              </a:bodyPr>
+              <a:lstStyle/>
+              <a:p>
+                <a:pPr algn="ctr">
+                  <a:lnSpc>
+                    <a:spcPct val="90000"/>
+                  </a:lnSpc>
+                </a:pPr>
+                <a:r>
+                  <a:rPr lang="bg-BG" sz="2000" b="1" dirty="0">
+                    <a:solidFill>
+                      <a:schemeClr val="bg2"/>
+                    </a:solidFill>
+                    <a:latin typeface="Calibri" panose="020F0502020204030204" pitchFamily="34" charset="0"/>
+                    <a:cs typeface="Calibri" panose="020F0502020204030204" pitchFamily="34" charset="0"/>
+                  </a:rPr>
+                  <a:t>Анализ на</a:t>
+                </a:r>
+              </a:p>
+              <a:p>
+                <a:pPr algn="ctr">
+                  <a:lnSpc>
+                    <a:spcPct val="90000"/>
+                  </a:lnSpc>
+                </a:pPr>
+                <a:r>
+                  <a:rPr lang="bg-BG" sz="2000" b="1" dirty="0">
+                    <a:solidFill>
+                      <a:schemeClr val="bg2"/>
+                    </a:solidFill>
+                    <a:latin typeface="Calibri" panose="020F0502020204030204" pitchFamily="34" charset="0"/>
+                    <a:cs typeface="Calibri" panose="020F0502020204030204" pitchFamily="34" charset="0"/>
+                  </a:rPr>
+                  <a:t>изисквания</a:t>
+                </a:r>
+                <a:endParaRPr lang="en-US" sz="2000" b="1" dirty="0">
+                  <a:solidFill>
+                    <a:schemeClr val="bg2"/>
+                  </a:solidFill>
+                  <a:latin typeface="Calibri" panose="020F0502020204030204" pitchFamily="34" charset="0"/>
+                  <a:cs typeface="Calibri" panose="020F0502020204030204" pitchFamily="34" charset="0"/>
+                </a:endParaRPr>
+              </a:p>
+            </p:txBody>
+          </p:sp>
+        </p:grpSp>
+        <p:sp>
+          <p:nvSpPr>
+            <p:cNvPr id="37" name="TextBox 36">
+              <a:extLst>
+                <a:ext uri="{FF2B5EF4-FFF2-40B4-BE49-F238E27FC236}">
+                  <a16:creationId xmlns:a16="http://schemas.microsoft.com/office/drawing/2014/main" id="{7CD5E8CA-6B02-7A3E-CA05-DBFC30078A9F}"/>
+                </a:ext>
+              </a:extLst>
+            </p:cNvPr>
+            <p:cNvSpPr txBox="1"/>
+            <p:nvPr/>
+          </p:nvSpPr>
+          <p:spPr>
+            <a:xfrm rot="5400000">
+              <a:off x="5983211" y="2912402"/>
+              <a:ext cx="2853145" cy="1990673"/>
+            </a:xfrm>
+            <a:prstGeom prst="rect">
+              <a:avLst/>
+            </a:prstGeom>
+            <a:noFill/>
+          </p:spPr>
+          <p:txBody>
+            <a:bodyPr wrap="none" rtlCol="0">
+              <a:prstTxWarp prst="textArchUp">
+                <a:avLst>
+                  <a:gd name="adj" fmla="val 8626940"/>
+                </a:avLst>
+              </a:prstTxWarp>
+              <a:spAutoFit/>
+            </a:bodyPr>
+            <a:lstStyle/>
+            <a:p>
+              <a:pPr algn="ctr">
+                <a:lnSpc>
+                  <a:spcPct val="90000"/>
+                </a:lnSpc>
+              </a:pPr>
+              <a:r>
+                <a:rPr lang="bg-BG" sz="2200" b="1" dirty="0">
+                  <a:solidFill>
+                    <a:schemeClr val="bg2"/>
+                  </a:solidFill>
+                  <a:latin typeface="Calibri" panose="020F0502020204030204" pitchFamily="34" charset="0"/>
+                  <a:cs typeface="Calibri" panose="020F0502020204030204" pitchFamily="34" charset="0"/>
+                </a:rPr>
+                <a:t>Проектиране</a:t>
+              </a:r>
+              <a:endParaRPr lang="en-US" sz="2200" b="1" dirty="0">
+                <a:solidFill>
+                  <a:schemeClr val="bg2"/>
+                </a:solidFill>
+                <a:latin typeface="Calibri" panose="020F0502020204030204" pitchFamily="34" charset="0"/>
+                <a:cs typeface="Calibri" panose="020F0502020204030204" pitchFamily="34" charset="0"/>
+              </a:endParaRPr>
+            </a:p>
+          </p:txBody>
+        </p:sp>
+        <p:sp>
+          <p:nvSpPr>
+            <p:cNvPr id="38" name="TextBox 37">
+              <a:extLst>
+                <a:ext uri="{FF2B5EF4-FFF2-40B4-BE49-F238E27FC236}">
+                  <a16:creationId xmlns:a16="http://schemas.microsoft.com/office/drawing/2014/main" id="{03A108E8-F051-4FB2-C1EF-3122F542D419}"/>
+                </a:ext>
+              </a:extLst>
+            </p:cNvPr>
+            <p:cNvSpPr txBox="1"/>
+            <p:nvPr/>
+          </p:nvSpPr>
+          <p:spPr>
+            <a:xfrm rot="8891700">
+              <a:off x="5292384" y="4062578"/>
+              <a:ext cx="2853145" cy="1990673"/>
+            </a:xfrm>
+            <a:prstGeom prst="rect">
+              <a:avLst/>
+            </a:prstGeom>
+            <a:noFill/>
+          </p:spPr>
+          <p:txBody>
+            <a:bodyPr wrap="none" rtlCol="0">
+              <a:prstTxWarp prst="textArchUp">
+                <a:avLst>
+                  <a:gd name="adj" fmla="val 8626940"/>
+                </a:avLst>
+              </a:prstTxWarp>
+              <a:spAutoFit/>
+            </a:bodyPr>
+            <a:lstStyle/>
+            <a:p>
+              <a:pPr algn="ctr">
+                <a:lnSpc>
+                  <a:spcPct val="90000"/>
+                </a:lnSpc>
+              </a:pPr>
+              <a:r>
+                <a:rPr lang="bg-BG" sz="2000" b="1" dirty="0">
+                  <a:solidFill>
+                    <a:schemeClr val="bg2"/>
+                  </a:solidFill>
+                  <a:latin typeface="Calibri" panose="020F0502020204030204" pitchFamily="34" charset="0"/>
+                  <a:cs typeface="Calibri" panose="020F0502020204030204" pitchFamily="34" charset="0"/>
+                </a:rPr>
+                <a:t>Имплементация</a:t>
+              </a:r>
+              <a:endParaRPr lang="en-US" sz="2000" b="1" dirty="0">
+                <a:solidFill>
+                  <a:schemeClr val="bg2"/>
+                </a:solidFill>
+                <a:latin typeface="Calibri" panose="020F0502020204030204" pitchFamily="34" charset="0"/>
+                <a:cs typeface="Calibri" panose="020F0502020204030204" pitchFamily="34" charset="0"/>
+              </a:endParaRPr>
+            </a:p>
+          </p:txBody>
+        </p:sp>
+        <p:sp>
+          <p:nvSpPr>
+            <p:cNvPr id="39" name="TextBox 38">
+              <a:extLst>
+                <a:ext uri="{FF2B5EF4-FFF2-40B4-BE49-F238E27FC236}">
+                  <a16:creationId xmlns:a16="http://schemas.microsoft.com/office/drawing/2014/main" id="{6C2A7DF5-1A75-E8FA-1019-5989593650D7}"/>
+                </a:ext>
+              </a:extLst>
+            </p:cNvPr>
+            <p:cNvSpPr txBox="1"/>
+            <p:nvPr/>
+          </p:nvSpPr>
+          <p:spPr>
+            <a:xfrm rot="12595599">
+              <a:off x="4114784" y="4053244"/>
+              <a:ext cx="2853145" cy="1990673"/>
+            </a:xfrm>
+            <a:prstGeom prst="rect">
+              <a:avLst/>
+            </a:prstGeom>
+            <a:noFill/>
+          </p:spPr>
+          <p:txBody>
+            <a:bodyPr wrap="none" rtlCol="0">
+              <a:prstTxWarp prst="textArchUp">
+                <a:avLst>
+                  <a:gd name="adj" fmla="val 8626940"/>
+                </a:avLst>
+              </a:prstTxWarp>
+              <a:spAutoFit/>
+            </a:bodyPr>
+            <a:lstStyle/>
+            <a:p>
+              <a:pPr algn="ctr">
+                <a:lnSpc>
+                  <a:spcPct val="90000"/>
+                </a:lnSpc>
+              </a:pPr>
+              <a:r>
+                <a:rPr lang="bg-BG" sz="2200" b="1" dirty="0">
+                  <a:solidFill>
+                    <a:schemeClr val="bg2"/>
+                  </a:solidFill>
+                  <a:latin typeface="Calibri" panose="020F0502020204030204" pitchFamily="34" charset="0"/>
+                  <a:cs typeface="Calibri" panose="020F0502020204030204" pitchFamily="34" charset="0"/>
+                </a:rPr>
+                <a:t>Тестване</a:t>
+              </a:r>
+              <a:endParaRPr lang="en-US" sz="2200" b="1" dirty="0">
+                <a:solidFill>
+                  <a:schemeClr val="bg2"/>
+                </a:solidFill>
+                <a:latin typeface="Calibri" panose="020F0502020204030204" pitchFamily="34" charset="0"/>
+                <a:cs typeface="Calibri" panose="020F0502020204030204" pitchFamily="34" charset="0"/>
+              </a:endParaRPr>
+            </a:p>
+          </p:txBody>
+        </p:sp>
+        <p:sp>
+          <p:nvSpPr>
+            <p:cNvPr id="40" name="TextBox 39">
+              <a:extLst>
+                <a:ext uri="{FF2B5EF4-FFF2-40B4-BE49-F238E27FC236}">
+                  <a16:creationId xmlns:a16="http://schemas.microsoft.com/office/drawing/2014/main" id="{5BC4ED8A-6D42-FE41-4A96-E618DFF2FA19}"/>
+                </a:ext>
+              </a:extLst>
+            </p:cNvPr>
+            <p:cNvSpPr txBox="1"/>
+            <p:nvPr/>
+          </p:nvSpPr>
+          <p:spPr>
+            <a:xfrm rot="15743599">
+              <a:off x="3427569" y="2986964"/>
+              <a:ext cx="2853145" cy="1990673"/>
+            </a:xfrm>
+            <a:prstGeom prst="rect">
+              <a:avLst/>
+            </a:prstGeom>
+            <a:noFill/>
+          </p:spPr>
+          <p:txBody>
+            <a:bodyPr wrap="none" rtlCol="0">
+              <a:prstTxWarp prst="textArchUp">
+                <a:avLst>
+                  <a:gd name="adj" fmla="val 8626940"/>
+                </a:avLst>
+              </a:prstTxWarp>
+              <a:spAutoFit/>
+            </a:bodyPr>
+            <a:lstStyle/>
+            <a:p>
+              <a:pPr algn="ctr">
+                <a:lnSpc>
+                  <a:spcPct val="90000"/>
+                </a:lnSpc>
+              </a:pPr>
+              <a:r>
+                <a:rPr lang="bg-BG" sz="2200" b="1" dirty="0">
+                  <a:solidFill>
+                    <a:schemeClr val="bg2"/>
+                  </a:solidFill>
+                  <a:latin typeface="Calibri" panose="020F0502020204030204" pitchFamily="34" charset="0"/>
+                  <a:cs typeface="Calibri" panose="020F0502020204030204" pitchFamily="34" charset="0"/>
+                </a:rPr>
+                <a:t>Внедряване</a:t>
+              </a:r>
+              <a:endParaRPr lang="en-US" sz="2200" b="1" dirty="0">
+                <a:solidFill>
+                  <a:schemeClr val="bg2"/>
+                </a:solidFill>
+                <a:latin typeface="Calibri" panose="020F0502020204030204" pitchFamily="34" charset="0"/>
+                <a:cs typeface="Calibri" panose="020F0502020204030204" pitchFamily="34" charset="0"/>
+              </a:endParaRPr>
+            </a:p>
+          </p:txBody>
+        </p:sp>
+      </p:grpSp>
+    </p:spTree>
+    <p:extLst>
+      <p:ext uri="{BB962C8B-B14F-4D97-AF65-F5344CB8AC3E}">
+        <p14:creationId xmlns:p14="http://schemas.microsoft.com/office/powerpoint/2010/main" val="3128071045"/>
+      </p:ext>
+    </p:extLst>
+  </p:cSld>
+  <p:clrMapOvr>
+    <a:masterClrMapping/>
+  </p:clrMapOvr>
+  <mc:AlternateContent xmlns:mc="http://schemas.openxmlformats.org/markup-compatibility/2006" xmlns:p14="http://schemas.microsoft.com/office/powerpoint/2010/main">
+    <mc:Choice Requires="p14">
+      <p:transition spd="slow" p14:dur="2000" advClick="0" advTm="5000"/>
+    </mc:Choice>
+    <mc:Fallback xmlns="">
+      <p:transition spd="slow" advClick="0" advTm="5000"/>
+    </mc:Fallback>
+  </mc:AlternateContent>
+  <p:timing>
+    <p:tnLst>
+      <p:par>
+        <p:cTn id="1" dur="indefinite" restart="never" nodeType="tmRoot">
+          <p:childTnLst>
+            <p:seq concurrent="1" nextAc="seek">
+              <p:cTn id="2" dur="indefinite" nodeType="mainSeq">
+                <p:childTnLst>
+                  <p:par>
+                    <p:cTn id="3" fill="hold">
+                      <p:stCondLst>
+                        <p:cond delay="indefinite"/>
+                        <p:cond evt="onBegin" delay="0">
+                          <p:tn val="2"/>
+                        </p:cond>
+                      </p:stCondLst>
+                      <p:childTnLst>
+                        <p:par>
+                          <p:cTn id="4" fill="hold">
+                            <p:stCondLst>
+                              <p:cond delay="0"/>
+                            </p:stCondLst>
+                            <p:childTnLst>
+                              <p:par>
+                                <p:cTn id="5" presetID="1" presetClass="entr" presetSubtype="0" fill="hold" nodeType="withEffect">
+                                  <p:stCondLst>
+                                    <p:cond delay="0"/>
+                                  </p:stCondLst>
+                                  <p:childTnLst>
+                                    <p:set>
+                                      <p:cBhvr>
+                                        <p:cTn id="6" dur="1" fill="hold">
+                                          <p:stCondLst>
+                                            <p:cond delay="0"/>
+                                          </p:stCondLst>
+                                        </p:cTn>
+                                        <p:tgtEl>
+                                          <p:spTgt spid="41"/>
+                                        </p:tgtEl>
+                                        <p:attrNameLst>
+                                          <p:attrName>style.visibility</p:attrName>
+                                        </p:attrNameLst>
+                                      </p:cBhvr>
+                                      <p:to>
+                                        <p:strVal val="visible"/>
+                                      </p:to>
+                                    </p:set>
+                                  </p:childTnLst>
+                                </p:cTn>
+                              </p:par>
+                            </p:childTnLst>
+                          </p:cTn>
+                        </p:par>
+                      </p:childTnLst>
+                    </p:cTn>
+                  </p:par>
+                </p:childTnLst>
+              </p:cTn>
+              <p:prevCondLst>
+                <p:cond evt="onPrev" delay="0">
+                  <p:tgtEl>
+                    <p:sldTgt/>
+                  </p:tgtEl>
+                </p:cond>
+              </p:prevCondLst>
+              <p:nextCondLst>
+                <p:cond evt="onNext" delay="0">
+                  <p:tgtEl>
+                    <p:sldTgt/>
+                  </p:tgtEl>
+                </p:cond>
+              </p:nextCondLst>
+            </p:seq>
+          </p:childTnLst>
+        </p:cTn>
+      </p:par>
+    </p:tnLst>
+  </p:timing>
+</p:sld>
+</file>
+
+<file path=ppt/slides/slide6.xml><?xml version="1.0" encoding="utf-8"?>
+<p:sld xmlns:a="http://schemas.openxmlformats.org/drawingml/2006/main" xmlns:r="http://schemas.openxmlformats.org/officeDocument/2006/relationships" xmlns:p="http://schemas.openxmlformats.org/presentationml/2006/main">
+  <p:cSld>
+    <p:spTree>
+      <p:nvGrpSpPr>
+        <p:cNvPr id="1" name=""/>
+        <p:cNvGrpSpPr/>
+        <p:nvPr/>
+      </p:nvGrpSpPr>
+      <p:grpSpPr>
+        <a:xfrm>
+          <a:off x="0" y="0"/>
+          <a:ext cx="0" cy="0"/>
+          <a:chOff x="0" y="0"/>
+          <a:chExt cx="0" cy="0"/>
+        </a:xfrm>
+      </p:grpSpPr>
+      <p:sp>
+        <p:nvSpPr>
+          <p:cNvPr id="2" name="Slide Number Placeholder 1">
+            <a:extLst>
+              <a:ext uri="{FF2B5EF4-FFF2-40B4-BE49-F238E27FC236}">
                 <a16:creationId xmlns:a16="http://schemas.microsoft.com/office/drawing/2014/main" id="{CCAABC86-82E0-F099-701A-D4347B605385}"/>
               </a:ext>
             </a:extLst>
@@ -19920,7 +20675,7 @@
             <a:fld id="{2BF067CD-8E6B-4360-9AA8-C5DF2A48A6D1}" type="slidenum">
               <a:rPr lang="en-US" noProof="0" smtClean="0"/>
               <a:pPr/>
-              <a:t>5</a:t>
+              <a:t>6</a:t>
             </a:fld>
             <a:endParaRPr lang="en-US" noProof="0" dirty="0"/>
           </a:p>
@@ -20125,71 +20880,42 @@
           </a:p>
         </p:txBody>
       </p:sp>
-      <p:sp>
-        <p:nvSpPr>
-          <p:cNvPr id="3" name="TextBox 2">
+      <p:pic>
+        <p:nvPicPr>
+          <p:cNvPr id="6" name="Picture 5">
             <a:extLst>
               <a:ext uri="{FF2B5EF4-FFF2-40B4-BE49-F238E27FC236}">
-                <a16:creationId xmlns:a16="http://schemas.microsoft.com/office/drawing/2014/main" id="{E1A6E3F3-F825-4AF6-60E3-320F2B412839}"/>
+                <a16:creationId xmlns:a16="http://schemas.microsoft.com/office/drawing/2014/main" id="{ABBC8F22-8A1A-0495-017A-B79033015D21}"/>
               </a:ext>
             </a:extLst>
           </p:cNvPr>
-          <p:cNvSpPr txBox="1"/>
+          <p:cNvPicPr>
+            <a:picLocks noChangeAspect="1"/>
+          </p:cNvPicPr>
           <p:nvPr/>
-        </p:nvSpPr>
+        </p:nvPicPr>
+        <p:blipFill>
+          <a:blip r:embed="rId2">
+            <a:extLst>
+              <a:ext uri="{28A0092B-C50C-407E-A947-70E740481C1C}">
+                <a14:useLocalDpi xmlns:a14="http://schemas.microsoft.com/office/drawing/2010/main" val="0"/>
+              </a:ext>
+            </a:extLst>
+          </a:blip>
+          <a:stretch>
+            <a:fillRect/>
+          </a:stretch>
+        </p:blipFill>
         <p:spPr>
           <a:xfrm>
-            <a:off x="5267885" y="5231194"/>
-            <a:ext cx="6392996" cy="861362"/>
+            <a:off x="2085516" y="3718775"/>
+            <a:ext cx="7772400" cy="3886200"/>
           </a:xfrm>
           <a:prstGeom prst="rect">
             <a:avLst/>
           </a:prstGeom>
-          <a:ln/>
         </p:spPr>
-        <p:style>
-          <a:lnRef idx="2">
-            <a:schemeClr val="accent2"/>
-          </a:lnRef>
-          <a:fillRef idx="1">
-            <a:schemeClr val="lt1"/>
-          </a:fillRef>
-          <a:effectRef idx="0">
-            <a:schemeClr val="accent2"/>
-          </a:effectRef>
-          <a:fontRef idx="minor">
-            <a:schemeClr val="dk1"/>
-          </a:fontRef>
-        </p:style>
-        <p:txBody>
-          <a:bodyPr vert="horz" wrap="none" lIns="144000" tIns="108000" rIns="144000" bIns="108000" rtlCol="0">
-            <a:spAutoFit/>
-          </a:bodyPr>
-          <a:lstStyle/>
-          <a:p>
-            <a:pPr algn="l" eaLnBrk="0" hangingPunct="0">
-              <a:lnSpc>
-                <a:spcPct val="110000"/>
-              </a:lnSpc>
-              <a:buClr>
-                <a:schemeClr val="accent5">
-                  <a:lumMod val="40000"/>
-                  <a:lumOff val="60000"/>
-                </a:schemeClr>
-              </a:buClr>
-              <a:buSzPct val="70000"/>
-            </a:pPr>
-            <a:r>
-              <a:rPr lang="en-US" sz="4000" b="1" dirty="0"/>
-              <a:t>TODO: </a:t>
-            </a:r>
-            <a:r>
-              <a:rPr lang="bg-BG" sz="4000" b="1" dirty="0"/>
-              <a:t>да се добави иконка</a:t>
-            </a:r>
-          </a:p>
-        </p:txBody>
-      </p:sp>
+      </p:pic>
     </p:spTree>
     <p:extLst>
       <p:ext uri="{BB962C8B-B14F-4D97-AF65-F5344CB8AC3E}">
@@ -20276,6 +21002,33 @@
                                           </p:stCondLst>
                                         </p:cTn>
                                         <p:tgtEl>
+                                          <p:spTgt spid="6"/>
+                                        </p:tgtEl>
+                                        <p:attrNameLst>
+                                          <p:attrName>style.visibility</p:attrName>
+                                        </p:attrNameLst>
+                                      </p:cBhvr>
+                                      <p:to>
+                                        <p:strVal val="visible"/>
+                                      </p:to>
+                                    </p:set>
+                                  </p:childTnLst>
+                                </p:cTn>
+                              </p:par>
+                              <p:par>
+                                <p:cTn id="9" presetID="1" presetClass="entr" presetSubtype="0" fill="hold" nodeType="withEffect">
+                                  <p:stCondLst>
+                                    <p:cond delay="0"/>
+                                  </p:stCondLst>
+                                  <p:childTnLst>
+                                    <p:set>
+                                      <p:cBhvr>
+                                        <p:cTn id="10" dur="1" fill="hold">
+                                          <p:stCondLst>
+                                            <p:cond delay="0"/>
+                                          </p:stCondLst>
+                                        </p:cTn>
+                                        <p:tgtEl>
                                           <p:spTgt spid="7">
                                             <p:txEl>
                                               <p:pRg st="1" end="1"/>
@@ -20300,26 +21053,26 @@
                     </p:cTn>
                   </p:par>
                   <p:par>
-                    <p:cTn id="9" fill="hold">
+                    <p:cTn id="11" fill="hold">
                       <p:stCondLst>
                         <p:cond delay="indefinite"/>
                       </p:stCondLst>
                       <p:childTnLst>
                         <p:par>
-                          <p:cTn id="10" fill="hold">
+                          <p:cTn id="12" fill="hold">
                             <p:stCondLst>
                               <p:cond delay="0"/>
                             </p:stCondLst>
                             <p:childTnLst>
                               <p:par>
-                                <p:cTn id="11" presetID="1" presetClass="entr" presetSubtype="0" fill="hold" nodeType="clickEffect">
+                                <p:cTn id="13" presetID="1" presetClass="entr" presetSubtype="0" fill="hold" nodeType="clickEffect">
                                   <p:stCondLst>
                                     <p:cond delay="0"/>
                                   </p:stCondLst>
                                   <p:childTnLst>
                                     <p:set>
                                       <p:cBhvr>
-                                        <p:cTn id="12" dur="1" fill="hold">
+                                        <p:cTn id="14" dur="1" fill="hold">
                                           <p:stCondLst>
                                             <p:cond delay="0"/>
                                           </p:stCondLst>
@@ -20349,26 +21102,26 @@
                     </p:cTn>
                   </p:par>
                   <p:par>
-                    <p:cTn id="13" fill="hold">
+                    <p:cTn id="15" fill="hold">
                       <p:stCondLst>
                         <p:cond delay="indefinite"/>
                       </p:stCondLst>
                       <p:childTnLst>
                         <p:par>
-                          <p:cTn id="14" fill="hold">
+                          <p:cTn id="16" fill="hold">
                             <p:stCondLst>
                               <p:cond delay="0"/>
                             </p:stCondLst>
                             <p:childTnLst>
                               <p:par>
-                                <p:cTn id="15" presetID="1" presetClass="entr" presetSubtype="0" fill="hold" nodeType="clickEffect">
+                                <p:cTn id="17" presetID="1" presetClass="entr" presetSubtype="0" fill="hold" nodeType="clickEffect">
                                   <p:stCondLst>
                                     <p:cond delay="0"/>
                                   </p:stCondLst>
                                   <p:childTnLst>
                                     <p:set>
                                       <p:cBhvr>
-                                        <p:cTn id="16" dur="1" fill="hold">
+                                        <p:cTn id="18" dur="1" fill="hold">
                                           <p:stCondLst>
                                             <p:cond delay="0"/>
                                           </p:stCondLst>
@@ -20392,14 +21145,14 @@
                                 </p:cTn>
                               </p:par>
                               <p:par>
-                                <p:cTn id="17" presetID="1" presetClass="entr" presetSubtype="0" fill="hold" nodeType="withEffect">
+                                <p:cTn id="19" presetID="1" presetClass="entr" presetSubtype="0" fill="hold" nodeType="withEffect">
                                   <p:stCondLst>
                                     <p:cond delay="0"/>
                                   </p:stCondLst>
                                   <p:childTnLst>
                                     <p:set>
                                       <p:cBhvr>
-                                        <p:cTn id="18" dur="1" fill="hold">
+                                        <p:cTn id="20" dur="1" fill="hold">
                                           <p:stCondLst>
                                             <p:cond delay="0"/>
                                           </p:stCondLst>
@@ -20429,26 +21182,26 @@
                     </p:cTn>
                   </p:par>
                   <p:par>
-                    <p:cTn id="19" fill="hold">
+                    <p:cTn id="21" fill="hold">
                       <p:stCondLst>
                         <p:cond delay="indefinite"/>
                       </p:stCondLst>
                       <p:childTnLst>
                         <p:par>
-                          <p:cTn id="20" fill="hold">
+                          <p:cTn id="22" fill="hold">
                             <p:stCondLst>
                               <p:cond delay="0"/>
                             </p:stCondLst>
                             <p:childTnLst>
                               <p:par>
-                                <p:cTn id="21" presetID="1" presetClass="entr" presetSubtype="0" fill="hold" nodeType="clickEffect">
+                                <p:cTn id="23" presetID="1" presetClass="entr" presetSubtype="0" fill="hold" nodeType="clickEffect">
                                   <p:stCondLst>
                                     <p:cond delay="0"/>
                                   </p:stCondLst>
                                   <p:childTnLst>
                                     <p:set>
                                       <p:cBhvr>
-                                        <p:cTn id="22" dur="1" fill="hold">
+                                        <p:cTn id="24" dur="1" fill="hold">
                                           <p:stCondLst>
                                             <p:cond delay="0"/>
                                           </p:stCondLst>
@@ -20502,7 +21255,7 @@
 </p:sld>
 </file>
 
-<file path=ppt/slides/slide6.xml><?xml version="1.0" encoding="utf-8"?>
+<file path=ppt/slides/slide7.xml><?xml version="1.0" encoding="utf-8"?>
 <p:sld xmlns:a="http://schemas.openxmlformats.org/drawingml/2006/main" xmlns:r="http://schemas.openxmlformats.org/officeDocument/2006/relationships" xmlns:p="http://schemas.openxmlformats.org/presentationml/2006/main">
   <p:cSld>
     <p:spTree>
@@ -20543,7 +21296,7 @@
             <a:fld id="{2BF067CD-8E6B-4360-9AA8-C5DF2A48A6D1}" type="slidenum">
               <a:rPr lang="en-US" noProof="0" smtClean="0"/>
               <a:pPr/>
-              <a:t>6</a:t>
+              <a:t>7</a:t>
             </a:fld>
             <a:endParaRPr lang="en-US" noProof="0" dirty="0"/>
           </a:p>
@@ -21168,7 +21921,7 @@
 </p:sld>
 </file>
 
-<file path=ppt/slides/slide7.xml><?xml version="1.0" encoding="utf-8"?>
+<file path=ppt/slides/slide8.xml><?xml version="1.0" encoding="utf-8"?>
 <p:sld xmlns:a="http://schemas.openxmlformats.org/drawingml/2006/main" xmlns:r="http://schemas.openxmlformats.org/officeDocument/2006/relationships" xmlns:p="http://schemas.openxmlformats.org/presentationml/2006/main">
   <p:cSld>
     <p:spTree>
@@ -21209,7 +21962,7 @@
             <a:fld id="{2BF067CD-8E6B-4360-9AA8-C5DF2A48A6D1}" type="slidenum">
               <a:rPr lang="en-US" noProof="0" smtClean="0"/>
               <a:pPr/>
-              <a:t>7</a:t>
+              <a:t>8</a:t>
             </a:fld>
             <a:endParaRPr lang="en-US" noProof="0" dirty="0"/>
           </a:p>
@@ -21702,7 +22455,7 @@
 </p:sld>
 </file>
 
-<file path=ppt/slides/slide8.xml><?xml version="1.0" encoding="utf-8"?>
+<file path=ppt/slides/slide9.xml><?xml version="1.0" encoding="utf-8"?>
 <p:sld xmlns:a="http://schemas.openxmlformats.org/drawingml/2006/main" xmlns:r="http://schemas.openxmlformats.org/officeDocument/2006/relationships" xmlns:p="http://schemas.openxmlformats.org/presentationml/2006/main">
   <p:cSld>
     <p:spTree>
@@ -21743,7 +22496,7 @@
             <a:fld id="{2BF067CD-8E6B-4360-9AA8-C5DF2A48A6D1}" type="slidenum">
               <a:rPr lang="en-US" noProof="0" smtClean="0"/>
               <a:pPr/>
-              <a:t>8</a:t>
+              <a:t>9</a:t>
             </a:fld>
             <a:endParaRPr lang="en-US" noProof="0" dirty="0"/>
           </a:p>
@@ -22060,150 +22813,6 @@
       </p:par>
     </p:tnLst>
   </p:timing>
-</p:sld>
-</file>
-
-<file path=ppt/slides/slide9.xml><?xml version="1.0" encoding="utf-8"?>
-<p:sld xmlns:a="http://schemas.openxmlformats.org/drawingml/2006/main" xmlns:r="http://schemas.openxmlformats.org/officeDocument/2006/relationships" xmlns:p="http://schemas.openxmlformats.org/presentationml/2006/main">
-  <p:cSld>
-    <p:spTree>
-      <p:nvGrpSpPr>
-        <p:cNvPr id="1" name=""/>
-        <p:cNvGrpSpPr/>
-        <p:nvPr/>
-      </p:nvGrpSpPr>
-      <p:grpSpPr>
-        <a:xfrm>
-          <a:off x="0" y="0"/>
-          <a:ext cx="0" cy="0"/>
-          <a:chOff x="0" y="0"/>
-          <a:chExt cx="0" cy="0"/>
-        </a:xfrm>
-      </p:grpSpPr>
-      <p:sp>
-        <p:nvSpPr>
-          <p:cNvPr id="4" name="Slide Subtitle">
-            <a:extLst>
-              <a:ext uri="{FF2B5EF4-FFF2-40B4-BE49-F238E27FC236}">
-                <a16:creationId xmlns:a16="http://schemas.microsoft.com/office/drawing/2014/main" id="{BEB5BB41-09D4-4E9F-8C80-EE8709171CB3}"/>
-              </a:ext>
-            </a:extLst>
-          </p:cNvPr>
-          <p:cNvSpPr>
-            <a:spLocks noGrp="1"/>
-          </p:cNvSpPr>
-          <p:nvPr>
-            <p:ph type="subTitle" sz="quarter" idx="11"/>
-          </p:nvPr>
-        </p:nvSpPr>
-        <p:spPr/>
-        <p:txBody>
-          <a:bodyPr/>
-          <a:lstStyle/>
-          <a:p>
-            <a:r>
-              <a:rPr lang="bg-BG" dirty="0"/>
-              <a:t>От текстово описание до </a:t>
-            </a:r>
-            <a:r>
-              <a:rPr lang="en-US" dirty="0"/>
-              <a:t>UI </a:t>
-            </a:r>
-            <a:r>
-              <a:rPr lang="bg-BG" dirty="0"/>
-              <a:t>дизайн и БД</a:t>
-            </a:r>
-          </a:p>
-        </p:txBody>
-      </p:sp>
-      <p:sp>
-        <p:nvSpPr>
-          <p:cNvPr id="6" name="Slide Title">
-            <a:extLst>
-              <a:ext uri="{FF2B5EF4-FFF2-40B4-BE49-F238E27FC236}">
-                <a16:creationId xmlns:a16="http://schemas.microsoft.com/office/drawing/2014/main" id="{028D9EA3-B5E0-4F17-9467-4BE3C280DA68}"/>
-              </a:ext>
-            </a:extLst>
-          </p:cNvPr>
-          <p:cNvSpPr>
-            <a:spLocks noGrp="1"/>
-          </p:cNvSpPr>
-          <p:nvPr>
-            <p:ph type="title" sz="quarter" idx="10"/>
-          </p:nvPr>
-        </p:nvSpPr>
-        <p:spPr>
-          <a:xfrm>
-            <a:off x="615109" y="4775916"/>
-            <a:ext cx="10961783" cy="768084"/>
-          </a:xfrm>
-        </p:spPr>
-        <p:txBody>
-          <a:bodyPr/>
-          <a:lstStyle/>
-          <a:p>
-            <a:r>
-              <a:rPr lang="bg-BG" sz="5400" dirty="0"/>
-              <a:t>Анализ на изискванията</a:t>
-            </a:r>
-            <a:endParaRPr lang="en-US" sz="5400" dirty="0"/>
-          </a:p>
-        </p:txBody>
-      </p:sp>
-      <p:pic>
-        <p:nvPicPr>
-          <p:cNvPr id="11" name="Picture 10">
-            <a:extLst>
-              <a:ext uri="{FF2B5EF4-FFF2-40B4-BE49-F238E27FC236}">
-                <a16:creationId xmlns:a16="http://schemas.microsoft.com/office/drawing/2014/main" id="{7E1F136C-1A8F-14C5-907E-6A18C884AFF1}"/>
-              </a:ext>
-            </a:extLst>
-          </p:cNvPr>
-          <p:cNvPicPr>
-            <a:picLocks noChangeAspect="1"/>
-          </p:cNvPicPr>
-          <p:nvPr/>
-        </p:nvPicPr>
-        <p:blipFill>
-          <a:blip r:embed="rId3">
-            <a:extLst>
-              <a:ext uri="{28A0092B-C50C-407E-A947-70E740481C1C}">
-                <a14:useLocalDpi xmlns:a14="http://schemas.microsoft.com/office/drawing/2010/main" val="0"/>
-              </a:ext>
-            </a:extLst>
-          </a:blip>
-          <a:stretch>
-            <a:fillRect/>
-          </a:stretch>
-        </p:blipFill>
-        <p:spPr>
-          <a:xfrm>
-            <a:off x="4678500" y="1385091"/>
-            <a:ext cx="2835000" cy="2404367"/>
-          </a:xfrm>
-          <a:prstGeom prst="rect">
-            <a:avLst/>
-          </a:prstGeom>
-        </p:spPr>
-      </p:pic>
-    </p:spTree>
-    <p:extLst>
-      <p:ext uri="{BB962C8B-B14F-4D97-AF65-F5344CB8AC3E}">
-        <p14:creationId xmlns:p14="http://schemas.microsoft.com/office/powerpoint/2010/main" val="3104196896"/>
-      </p:ext>
-    </p:extLst>
-  </p:cSld>
-  <p:clrMapOvr>
-    <a:masterClrMapping/>
-  </p:clrMapOvr>
-  <mc:AlternateContent xmlns:mc="http://schemas.openxmlformats.org/markup-compatibility/2006" xmlns:p14="http://schemas.microsoft.com/office/powerpoint/2010/main">
-    <mc:Choice Requires="p14">
-      <p:transition spd="slow" p14:dur="2000" advClick="0" advTm="5000"/>
-    </mc:Choice>
-    <mc:Fallback xmlns="">
-      <p:transition spd="slow" advClick="0" advTm="5000"/>
-    </mc:Fallback>
-  </mc:AlternateContent>
 </p:sld>
 </file>
 

--- a/Courses/Software-Sciences/Module-4-Information-Systems-New/09-Life-cycle-of-Information-System/09-Life-cycle-of-Information-System.pptx
+++ b/Courses/Software-Sciences/Module-4-Information-Systems-New/09-Life-cycle-of-Information-System/09-Life-cycle-of-Information-System.pptx
@@ -19222,10 +19222,10 @@
       </p:sp>
       <p:grpSp>
         <p:nvGrpSpPr>
-          <p:cNvPr id="41" name="Group 40">
+          <p:cNvPr id="12" name="Group 11">
             <a:extLst>
               <a:ext uri="{FF2B5EF4-FFF2-40B4-BE49-F238E27FC236}">
-                <a16:creationId xmlns:a16="http://schemas.microsoft.com/office/drawing/2014/main" id="{186AB80A-B1A0-9B13-BB69-D7964FEBB18E}"/>
+                <a16:creationId xmlns:a16="http://schemas.microsoft.com/office/drawing/2014/main" id="{2BF9DDC7-9970-68EF-F72C-4B3F87D59168}"/>
               </a:ext>
             </a:extLst>
           </p:cNvPr>
@@ -19236,7 +19236,7 @@
           <a:xfrm>
             <a:off x="3400462" y="1181717"/>
             <a:ext cx="5391076" cy="5473783"/>
-            <a:chOff x="3442467" y="1175539"/>
+            <a:chOff x="3666000" y="1295766"/>
             <a:chExt cx="5391076" cy="5473783"/>
           </a:xfrm>
         </p:grpSpPr>
@@ -19254,7 +19254,7 @@
           </p:nvGrpSpPr>
           <p:grpSpPr>
             <a:xfrm>
-              <a:off x="3442467" y="1175539"/>
+              <a:off x="3666000" y="1295766"/>
               <a:ext cx="5391076" cy="5473783"/>
               <a:chOff x="909424" y="1283467"/>
               <a:chExt cx="5018976" cy="5018976"/>
@@ -20304,10 +20304,10 @@
         </p:grpSp>
         <p:sp>
           <p:nvSpPr>
-            <p:cNvPr id="37" name="TextBox 36">
+            <p:cNvPr id="6" name="TextBox 5">
               <a:extLst>
                 <a:ext uri="{FF2B5EF4-FFF2-40B4-BE49-F238E27FC236}">
-                  <a16:creationId xmlns:a16="http://schemas.microsoft.com/office/drawing/2014/main" id="{7CD5E8CA-6B02-7A3E-CA05-DBFC30078A9F}"/>
+                  <a16:creationId xmlns:a16="http://schemas.microsoft.com/office/drawing/2014/main" id="{3E5F9AF2-1A5A-615E-EDA2-8D67B09F1F22}"/>
                 </a:ext>
               </a:extLst>
             </p:cNvPr>
@@ -20315,8 +20315,8 @@
             <p:nvPr/>
           </p:nvSpPr>
           <p:spPr>
-            <a:xfrm rot="5400000">
-              <a:off x="5983211" y="2912402"/>
+            <a:xfrm rot="16004287">
+              <a:off x="6263418" y="3036786"/>
               <a:ext cx="2853145" cy="1990673"/>
             </a:xfrm>
             <a:prstGeom prst="rect">
@@ -20326,10 +20326,8 @@
           </p:spPr>
           <p:txBody>
             <a:bodyPr wrap="none" rtlCol="0">
-              <a:prstTxWarp prst="textArchUp">
-                <a:avLst>
-                  <a:gd name="adj" fmla="val 8626940"/>
-                </a:avLst>
+              <a:prstTxWarp prst="textArchDown">
+                <a:avLst/>
               </a:prstTxWarp>
               <a:spAutoFit/>
             </a:bodyPr>
@@ -20362,10 +20360,10 @@
         </p:sp>
         <p:sp>
           <p:nvSpPr>
-            <p:cNvPr id="38" name="TextBox 37">
+            <p:cNvPr id="9" name="TextBox 8">
               <a:extLst>
                 <a:ext uri="{FF2B5EF4-FFF2-40B4-BE49-F238E27FC236}">
-                  <a16:creationId xmlns:a16="http://schemas.microsoft.com/office/drawing/2014/main" id="{03A108E8-F051-4FB2-C1EF-3122F542D419}"/>
+                  <a16:creationId xmlns:a16="http://schemas.microsoft.com/office/drawing/2014/main" id="{F75E5DC8-4425-04B0-49E5-1BDEF314E45D}"/>
                 </a:ext>
               </a:extLst>
             </p:cNvPr>
@@ -20373,8 +20371,8 @@
             <p:nvPr/>
           </p:nvSpPr>
           <p:spPr>
-            <a:xfrm rot="8891700">
-              <a:off x="5292384" y="4062578"/>
+            <a:xfrm rot="19886401">
+              <a:off x="5619407" y="4256444"/>
               <a:ext cx="2853145" cy="1990673"/>
             </a:xfrm>
             <a:prstGeom prst="rect">
@@ -20384,10 +20382,8 @@
           </p:spPr>
           <p:txBody>
             <a:bodyPr wrap="none" rtlCol="0">
-              <a:prstTxWarp prst="textArchUp">
-                <a:avLst>
-                  <a:gd name="adj" fmla="val 8626940"/>
-                </a:avLst>
+              <a:prstTxWarp prst="textArchDown">
+                <a:avLst/>
               </a:prstTxWarp>
               <a:spAutoFit/>
             </a:bodyPr>
@@ -20399,7 +20395,7 @@
                 </a:lnSpc>
               </a:pPr>
               <a:r>
-                <a:rPr lang="bg-BG" sz="2000" b="1" dirty="0">
+                <a:rPr lang="bg-BG" sz="2200" b="1" dirty="0">
                   <a:solidFill>
                     <a:schemeClr val="bg2"/>
                   </a:solidFill>
@@ -20408,7 +20404,7 @@
                 </a:rPr>
                 <a:t>Имплементация</a:t>
               </a:r>
-              <a:endParaRPr lang="en-US" sz="2000" b="1" dirty="0">
+              <a:endParaRPr lang="en-US" sz="2200" b="1" dirty="0">
                 <a:solidFill>
                   <a:schemeClr val="bg2"/>
                 </a:solidFill>
@@ -20420,10 +20416,10 @@
         </p:sp>
         <p:sp>
           <p:nvSpPr>
-            <p:cNvPr id="39" name="TextBox 38">
+            <p:cNvPr id="10" name="TextBox 9">
               <a:extLst>
                 <a:ext uri="{FF2B5EF4-FFF2-40B4-BE49-F238E27FC236}">
-                  <a16:creationId xmlns:a16="http://schemas.microsoft.com/office/drawing/2014/main" id="{6C2A7DF5-1A75-E8FA-1019-5989593650D7}"/>
+                  <a16:creationId xmlns:a16="http://schemas.microsoft.com/office/drawing/2014/main" id="{A66BB1C5-5406-61AF-BC10-41309F5B2834}"/>
                 </a:ext>
               </a:extLst>
             </p:cNvPr>
@@ -20431,8 +20427,8 @@
             <p:nvPr/>
           </p:nvSpPr>
           <p:spPr>
-            <a:xfrm rot="12595599">
-              <a:off x="4114784" y="4053244"/>
+            <a:xfrm rot="1694651">
+              <a:off x="4248404" y="4206458"/>
               <a:ext cx="2853145" cy="1990673"/>
             </a:xfrm>
             <a:prstGeom prst="rect">
@@ -20442,10 +20438,8 @@
           </p:spPr>
           <p:txBody>
             <a:bodyPr wrap="none" rtlCol="0">
-              <a:prstTxWarp prst="textArchUp">
-                <a:avLst>
-                  <a:gd name="adj" fmla="val 8626940"/>
-                </a:avLst>
+              <a:prstTxWarp prst="textArchDown">
+                <a:avLst/>
               </a:prstTxWarp>
               <a:spAutoFit/>
             </a:bodyPr>
@@ -20478,10 +20472,10 @@
         </p:sp>
         <p:sp>
           <p:nvSpPr>
-            <p:cNvPr id="40" name="TextBox 39">
+            <p:cNvPr id="11" name="TextBox 10">
               <a:extLst>
                 <a:ext uri="{FF2B5EF4-FFF2-40B4-BE49-F238E27FC236}">
-                  <a16:creationId xmlns:a16="http://schemas.microsoft.com/office/drawing/2014/main" id="{5BC4ED8A-6D42-FE41-4A96-E618DFF2FA19}"/>
+                  <a16:creationId xmlns:a16="http://schemas.microsoft.com/office/drawing/2014/main" id="{720369BB-88C5-D0EE-473F-62584EAE4972}"/>
                 </a:ext>
               </a:extLst>
             </p:cNvPr>
@@ -20489,8 +20483,8 @@
             <p:nvPr/>
           </p:nvSpPr>
           <p:spPr>
-            <a:xfrm rot="15743599">
-              <a:off x="3427569" y="2986964"/>
+            <a:xfrm rot="4815726">
+              <a:off x="3563836" y="3079027"/>
               <a:ext cx="2853145" cy="1990673"/>
             </a:xfrm>
             <a:prstGeom prst="rect">
@@ -20500,10 +20494,8 @@
           </p:spPr>
           <p:txBody>
             <a:bodyPr wrap="none" rtlCol="0">
-              <a:prstTxWarp prst="textArchUp">
-                <a:avLst>
-                  <a:gd name="adj" fmla="val 8626940"/>
-                </a:avLst>
+              <a:prstTxWarp prst="textArchDown">
+                <a:avLst/>
               </a:prstTxWarp>
               <a:spAutoFit/>
             </a:bodyPr>
@@ -20553,84 +20545,6 @@
       <p:transition spd="slow" advClick="0" advTm="5000"/>
     </mc:Fallback>
   </mc:AlternateContent>
-  <p:timing>
-    <p:tnLst>
-      <p:par>
-        <p:cTn id="1" dur="indefinite" restart="never" nodeType="tmRoot">
-          <p:childTnLst>
-            <p:seq concurrent="1" nextAc="seek">
-              <p:cTn id="2" dur="indefinite" nodeType="mainSeq">
-                <p:childTnLst>
-                  <p:par>
-                    <p:cTn id="3" fill="hold">
-                      <p:stCondLst>
-                        <p:cond delay="indefinite"/>
-                        <p:cond evt="onBegin" delay="0">
-                          <p:tn val="2"/>
-                        </p:cond>
-                      </p:stCondLst>
-                      <p:childTnLst>
-                        <p:par>
-                          <p:cTn id="4" fill="hold">
-                            <p:stCondLst>
-                              <p:cond delay="0"/>
-                            </p:stCondLst>
-                            <p:childTnLst>
-                              <p:par>
-                                <p:cTn id="5" presetID="1" presetClass="entr" presetSubtype="0" fill="hold" nodeType="withEffect">
-                                  <p:stCondLst>
-                                    <p:cond delay="0"/>
-                                  </p:stCondLst>
-                                  <p:childTnLst>
-                                    <p:set>
-                                      <p:cBhvr>
-                                        <p:cTn id="6" dur="1" fill="hold">
-                                          <p:stCondLst>
-                                            <p:cond delay="0"/>
-                                          </p:stCondLst>
-                                        </p:cTn>
-                                        <p:tgtEl>
-                                          <p:spTgt spid="41"/>
-                                        </p:tgtEl>
-                                        <p:attrNameLst>
-                                          <p:attrName>style.visibility</p:attrName>
-                                        </p:attrNameLst>
-                                      </p:cBhvr>
-                                      <p:to>
-                                        <p:strVal val="visible"/>
-                                      </p:to>
-                                    </p:set>
-                                  </p:childTnLst>
-                                </p:cTn>
-                              </p:par>
-                            </p:childTnLst>
-                          </p:cTn>
-                        </p:par>
-                      </p:childTnLst>
-                    </p:cTn>
-                  </p:par>
-                </p:childTnLst>
-              </p:cTn>
-              <p:prevCondLst>
-                <p:cond evt="onPrev" delay="0">
-                  <p:tgtEl>
-                    <p:sldTgt/>
-                  </p:tgtEl>
-                </p:cond>
-              </p:prevCondLst>
-              <p:nextCondLst>
-                <p:cond evt="onNext" delay="0">
-                  <p:tgtEl>
-                    <p:sldTgt/>
-                  </p:tgtEl>
-                </p:cond>
-              </p:nextCondLst>
-            </p:seq>
-          </p:childTnLst>
-        </p:cTn>
-      </p:par>
-    </p:tnLst>
-  </p:timing>
 </p:sld>
 </file>
 

--- a/Courses/Software-Sciences/Module-4-Information-Systems-New/09-Life-cycle-of-Information-System/09-Life-cycle-of-Information-System.pptx
+++ b/Courses/Software-Sciences/Module-4-Information-Systems-New/09-Life-cycle-of-Information-System/09-Life-cycle-of-Information-System.pptx
@@ -305,7 +305,7 @@
           <a:p>
             <a:fld id="{4E087215-0C8F-4762-A664-737A353EC9A4}" type="datetimeFigureOut">
               <a:rPr lang="bg-BG" smtClean="0"/>
-              <a:t>5.08.24 г.</a:t>
+              <a:t>6.08.24 г.</a:t>
             </a:fld>
             <a:endParaRPr lang="bg-BG"/>
           </a:p>
@@ -501,7 +501,7 @@
           <a:p>
             <a:fld id="{72D84649-876A-46C9-8472-14CB09C070D8}" type="datetimeFigureOut">
               <a:rPr lang="en-US" smtClean="0"/>
-              <a:t>8/5/24</a:t>
+              <a:t>8/6/24</a:t>
             </a:fld>
             <a:endParaRPr lang="en-US"/>
           </a:p>
@@ -12130,11 +12130,11 @@
           <a:p>
             <a:pPr lvl="1"/>
             <a:r>
-              <a:rPr lang="bg-BG" sz="3000" b="1" dirty="0"/>
-              <a:t>Дата и час</a:t>
-            </a:r>
-            <a:r>
-              <a:rPr lang="bg-BG" sz="3000" dirty="0"/>
+              <a:rPr lang="bg-BG" sz="3000" b="1"/>
+              <a:t>Дата</a:t>
+            </a:r>
+            <a:r>
+              <a:rPr lang="bg-BG" sz="3000"/>
               <a:t>, </a:t>
             </a:r>
             <a:r>

--- a/Courses/Software-Sciences/Module-4-Information-Systems-New/09-Life-cycle-of-Information-System/09-Life-cycle-of-Information-System.pptx
+++ b/Courses/Software-Sciences/Module-4-Information-Systems-New/09-Life-cycle-of-Information-System/09-Life-cycle-of-Information-System.pptx
@@ -5,10 +5,10 @@
     <p:sldMasterId id="2147483675" r:id="rId1"/>
   </p:sldMasterIdLst>
   <p:notesMasterIdLst>
-    <p:notesMasterId r:id="rId28"/>
+    <p:notesMasterId r:id="rId32"/>
   </p:notesMasterIdLst>
   <p:handoutMasterIdLst>
-    <p:handoutMasterId r:id="rId29"/>
+    <p:handoutMasterId r:id="rId33"/>
   </p:handoutMasterIdLst>
   <p:sldIdLst>
     <p:sldId id="503" r:id="rId2"/>
@@ -27,16 +27,20 @@
     <p:sldId id="773" r:id="rId15"/>
     <p:sldId id="774" r:id="rId16"/>
     <p:sldId id="649" r:id="rId17"/>
-    <p:sldId id="766" r:id="rId18"/>
-    <p:sldId id="767" r:id="rId19"/>
-    <p:sldId id="779" r:id="rId20"/>
-    <p:sldId id="770" r:id="rId21"/>
-    <p:sldId id="768" r:id="rId22"/>
-    <p:sldId id="777" r:id="rId23"/>
-    <p:sldId id="776" r:id="rId24"/>
-    <p:sldId id="633" r:id="rId25"/>
-    <p:sldId id="504" r:id="rId26"/>
-    <p:sldId id="505" r:id="rId27"/>
+    <p:sldId id="781" r:id="rId18"/>
+    <p:sldId id="766" r:id="rId19"/>
+    <p:sldId id="767" r:id="rId20"/>
+    <p:sldId id="782" r:id="rId21"/>
+    <p:sldId id="783" r:id="rId22"/>
+    <p:sldId id="779" r:id="rId23"/>
+    <p:sldId id="770" r:id="rId24"/>
+    <p:sldId id="768" r:id="rId25"/>
+    <p:sldId id="785" r:id="rId26"/>
+    <p:sldId id="776" r:id="rId27"/>
+    <p:sldId id="784" r:id="rId28"/>
+    <p:sldId id="633" r:id="rId29"/>
+    <p:sldId id="504" r:id="rId30"/>
+    <p:sldId id="505" r:id="rId31"/>
   </p:sldIdLst>
   <p:sldSz cx="12192000" cy="6858000"/>
   <p:notesSz cx="6858000" cy="9144000"/>
@@ -172,13 +176,17 @@
         <p14:section name="Примерно приложение" id="{A764BDC4-FBCF-8642-9DA0-2A050F6690EB}">
           <p14:sldIdLst>
             <p14:sldId id="649"/>
+            <p14:sldId id="781"/>
             <p14:sldId id="766"/>
             <p14:sldId id="767"/>
+            <p14:sldId id="782"/>
+            <p14:sldId id="783"/>
             <p14:sldId id="779"/>
             <p14:sldId id="770"/>
             <p14:sldId id="768"/>
-            <p14:sldId id="777"/>
+            <p14:sldId id="785"/>
             <p14:sldId id="776"/>
+            <p14:sldId id="784"/>
           </p14:sldIdLst>
         </p14:section>
         <p14:section name="Заключение" id="{E19D07F1-86E2-47E9-B2AB-7ADC4F89DC12}">
@@ -305,7 +313,7 @@
           <a:p>
             <a:fld id="{4E087215-0C8F-4762-A664-737A353EC9A4}" type="datetimeFigureOut">
               <a:rPr lang="bg-BG" smtClean="0"/>
-              <a:t>6.08.24 г.</a:t>
+              <a:t>9.8.2024 г.</a:t>
             </a:fld>
             <a:endParaRPr lang="bg-BG"/>
           </a:p>
@@ -501,7 +509,7 @@
           <a:p>
             <a:fld id="{72D84649-876A-46C9-8472-14CB09C070D8}" type="datetimeFigureOut">
               <a:rPr lang="en-US" smtClean="0"/>
-              <a:t>8/6/24</a:t>
+              <a:t>9-Aug-24</a:t>
             </a:fld>
             <a:endParaRPr lang="en-US"/>
           </a:p>
@@ -2263,7 +2271,7 @@
             <a:fld id="{3EBA5BD7-F043-4D1B-AA17-CD412FC534DE}" type="slidenum">
               <a:rPr lang="en-US" smtClean="0"/>
               <a:pPr/>
-              <a:t>24</a:t>
+              <a:t>28</a:t>
             </a:fld>
             <a:endParaRPr lang="en-US" dirty="0"/>
           </a:p>
@@ -2509,7 +2517,7 @@
             <a:fld id="{3EBA5BD7-F043-4D1B-AA17-CD412FC534DE}" type="slidenum">
               <a:rPr lang="en-US" smtClean="0"/>
               <a:pPr/>
-              <a:t>25</a:t>
+              <a:t>29</a:t>
             </a:fld>
             <a:endParaRPr lang="en-US" dirty="0"/>
           </a:p>
@@ -2739,7 +2747,7 @@
             <a:fld id="{3EBA5BD7-F043-4D1B-AA17-CD412FC534DE}" type="slidenum">
               <a:rPr lang="en-US" smtClean="0"/>
               <a:pPr/>
-              <a:t>26</a:t>
+              <a:t>30</a:t>
             </a:fld>
             <a:endParaRPr lang="en-US" dirty="0"/>
           </a:p>
@@ -11159,6 +11167,176 @@
           <p:cNvPr id="2" name="Slide Number Placeholder 1">
             <a:extLst>
               <a:ext uri="{FF2B5EF4-FFF2-40B4-BE49-F238E27FC236}">
+                <a16:creationId xmlns:a16="http://schemas.microsoft.com/office/drawing/2014/main" id="{A84542DB-EF0E-9B0D-DE1C-0E467BD2E779}"/>
+              </a:ext>
+            </a:extLst>
+          </p:cNvPr>
+          <p:cNvSpPr>
+            <a:spLocks noGrp="1"/>
+          </p:cNvSpPr>
+          <p:nvPr>
+            <p:ph type="sldNum" sz="quarter" idx="5"/>
+          </p:nvPr>
+        </p:nvSpPr>
+        <p:spPr/>
+        <p:txBody>
+          <a:bodyPr/>
+          <a:lstStyle/>
+          <a:p>
+            <a:fld id="{2BF067CD-8E6B-4360-9AA8-C5DF2A48A6D1}" type="slidenum">
+              <a:rPr lang="en-US" noProof="0" smtClean="0"/>
+              <a:pPr/>
+              <a:t>17</a:t>
+            </a:fld>
+            <a:endParaRPr lang="en-US" noProof="0" dirty="0"/>
+          </a:p>
+        </p:txBody>
+      </p:sp>
+      <p:sp>
+        <p:nvSpPr>
+          <p:cNvPr id="3" name="Text Placeholder 2">
+            <a:extLst>
+              <a:ext uri="{FF2B5EF4-FFF2-40B4-BE49-F238E27FC236}">
+                <a16:creationId xmlns:a16="http://schemas.microsoft.com/office/drawing/2014/main" id="{636132D1-0FF5-26CB-3565-D0AE8716156A}"/>
+              </a:ext>
+            </a:extLst>
+          </p:cNvPr>
+          <p:cNvSpPr>
+            <a:spLocks noGrp="1"/>
+          </p:cNvSpPr>
+          <p:nvPr>
+            <p:ph type="body" sz="quarter" idx="10"/>
+          </p:nvPr>
+        </p:nvSpPr>
+        <p:spPr/>
+        <p:txBody>
+          <a:bodyPr/>
+          <a:lstStyle/>
+          <a:p>
+            <a:r>
+              <a:rPr lang="bg-BG" dirty="0">
+                <a:highlight>
+                  <a:srgbClr val="FFFF00"/>
+                </a:highlight>
+              </a:rPr>
+              <a:t>Да се опишат по-разбираемо </a:t>
+            </a:r>
+            <a:r>
+              <a:rPr lang="en-US" dirty="0">
+                <a:highlight>
+                  <a:srgbClr val="FFFF00"/>
+                </a:highlight>
+              </a:rPr>
+              <a:t>use cases:</a:t>
+            </a:r>
+          </a:p>
+          <a:p>
+            <a:endParaRPr lang="en-US" dirty="0">
+              <a:highlight>
+                <a:srgbClr val="FFFF00"/>
+              </a:highlight>
+            </a:endParaRPr>
+          </a:p>
+          <a:p>
+            <a:pPr lvl="1"/>
+            <a:r>
+              <a:rPr lang="bg-BG" sz="3200" dirty="0">
+                <a:highlight>
+                  <a:srgbClr val="FFFF00"/>
+                </a:highlight>
+              </a:rPr>
+              <a:t>Лекарят може да вижда, добавя и редактира пациенти</a:t>
+            </a:r>
+          </a:p>
+          <a:p>
+            <a:pPr lvl="1"/>
+            <a:r>
+              <a:rPr lang="bg-BG" sz="3200" dirty="0">
+                <a:highlight>
+                  <a:srgbClr val="FFFF00"/>
+                </a:highlight>
+              </a:rPr>
+              <a:t>Админът може да добавя, редактира, изтрива пациенти</a:t>
+            </a:r>
+          </a:p>
+          <a:p>
+            <a:pPr lvl="1"/>
+            <a:endParaRPr lang="en-US" dirty="0">
+              <a:highlight>
+                <a:srgbClr val="FFFF00"/>
+              </a:highlight>
+            </a:endParaRPr>
+          </a:p>
+        </p:txBody>
+      </p:sp>
+      <p:sp>
+        <p:nvSpPr>
+          <p:cNvPr id="4" name="Title 3">
+            <a:extLst>
+              <a:ext uri="{FF2B5EF4-FFF2-40B4-BE49-F238E27FC236}">
+                <a16:creationId xmlns:a16="http://schemas.microsoft.com/office/drawing/2014/main" id="{2865DADD-B044-26DD-EDD9-BB1A54CEE310}"/>
+              </a:ext>
+            </a:extLst>
+          </p:cNvPr>
+          <p:cNvSpPr>
+            <a:spLocks noGrp="1"/>
+          </p:cNvSpPr>
+          <p:nvPr>
+            <p:ph type="title"/>
+          </p:nvPr>
+        </p:nvSpPr>
+        <p:spPr/>
+        <p:txBody>
+          <a:bodyPr/>
+          <a:lstStyle/>
+          <a:p>
+            <a:endParaRPr lang="en-US"/>
+          </a:p>
+        </p:txBody>
+      </p:sp>
+    </p:spTree>
+    <p:extLst>
+      <p:ext uri="{BB962C8B-B14F-4D97-AF65-F5344CB8AC3E}">
+        <p14:creationId xmlns:p14="http://schemas.microsoft.com/office/powerpoint/2010/main" val="3521294264"/>
+      </p:ext>
+    </p:extLst>
+  </p:cSld>
+  <p:clrMapOvr>
+    <a:masterClrMapping/>
+  </p:clrMapOvr>
+  <mc:AlternateContent xmlns:mc="http://schemas.openxmlformats.org/markup-compatibility/2006" xmlns:p14="http://schemas.microsoft.com/office/powerpoint/2010/main">
+    <mc:Choice Requires="p14">
+      <p:transition spd="slow" p14:dur="2000" advClick="0" advTm="5000"/>
+    </mc:Choice>
+    <mc:Fallback xmlns="">
+      <p:transition spd="slow" advClick="0" advTm="5000"/>
+    </mc:Fallback>
+  </mc:AlternateContent>
+</p:sld>
+</file>
+
+<file path=ppt/slides/slide18.xml><?xml version="1.0" encoding="utf-8"?>
+<p:sld xmlns:a="http://schemas.openxmlformats.org/drawingml/2006/main" xmlns:r="http://schemas.openxmlformats.org/officeDocument/2006/relationships" xmlns:p="http://schemas.openxmlformats.org/presentationml/2006/main">
+  <p:cSld>
+    <p:spTree>
+      <p:nvGrpSpPr>
+        <p:cNvPr id="1" name=""/>
+        <p:cNvGrpSpPr/>
+        <p:nvPr/>
+      </p:nvGrpSpPr>
+      <p:grpSpPr>
+        <a:xfrm>
+          <a:off x="0" y="0"/>
+          <a:ext cx="0" cy="0"/>
+          <a:chOff x="0" y="0"/>
+          <a:chExt cx="0" cy="0"/>
+        </a:xfrm>
+      </p:grpSpPr>
+      <p:sp>
+        <p:nvSpPr>
+          <p:cNvPr id="2" name="Slide Number Placeholder 1">
+            <a:extLst>
+              <a:ext uri="{FF2B5EF4-FFF2-40B4-BE49-F238E27FC236}">
                 <a16:creationId xmlns:a16="http://schemas.microsoft.com/office/drawing/2014/main" id="{CCAABC86-82E0-F099-701A-D4347B605385}"/>
               </a:ext>
             </a:extLst>
@@ -11178,7 +11356,7 @@
             <a:fld id="{2BF067CD-8E6B-4360-9AA8-C5DF2A48A6D1}" type="slidenum">
               <a:rPr lang="en-US" noProof="0" smtClean="0"/>
               <a:pPr/>
-              <a:t>17</a:t>
+              <a:t>18</a:t>
             </a:fld>
             <a:endParaRPr lang="en-US" noProof="0" dirty="0"/>
           </a:p>
@@ -11919,7 +12097,7 @@
 </p:sld>
 </file>
 
-<file path=ppt/slides/slide18.xml><?xml version="1.0" encoding="utf-8"?>
+<file path=ppt/slides/slide19.xml><?xml version="1.0" encoding="utf-8"?>
 <p:sld xmlns:a="http://schemas.openxmlformats.org/drawingml/2006/main" xmlns:r="http://schemas.openxmlformats.org/officeDocument/2006/relationships" xmlns:p="http://schemas.openxmlformats.org/presentationml/2006/main">
   <p:cSld>
     <p:spTree>
@@ -11960,7 +12138,7 @@
             <a:fld id="{2BF067CD-8E6B-4360-9AA8-C5DF2A48A6D1}" type="slidenum">
               <a:rPr lang="en-US" noProof="0" smtClean="0"/>
               <a:pPr/>
-              <a:t>18</a:t>
+              <a:t>19</a:t>
             </a:fld>
             <a:endParaRPr lang="en-US" noProof="0" dirty="0"/>
           </a:p>
@@ -12024,12 +12202,45 @@
         <p:spPr/>
         <p:txBody>
           <a:bodyPr>
-            <a:normAutofit fontScale="77500" lnSpcReduction="20000"/>
+            <a:noAutofit/>
           </a:bodyPr>
           <a:lstStyle/>
           <a:p>
             <a:r>
-              <a:rPr lang="bg-BG" sz="3200" b="1" dirty="0">
+              <a:rPr lang="bg-BG" sz="1800" b="1" dirty="0">
+                <a:solidFill>
+                  <a:schemeClr val="bg1"/>
+                </a:solidFill>
+              </a:rPr>
+              <a:t>Таблица с потребители</a:t>
+            </a:r>
+          </a:p>
+          <a:p>
+            <a:pPr lvl="1"/>
+            <a:r>
+              <a:rPr lang="bg-BG" sz="1600" b="1" dirty="0"/>
+              <a:t>Потребителско име</a:t>
+            </a:r>
+            <a:r>
+              <a:rPr lang="bg-BG" sz="1600" dirty="0"/>
+              <a:t>,</a:t>
+            </a:r>
+            <a:r>
+              <a:rPr lang="bg-BG" sz="1600" b="1" dirty="0"/>
+              <a:t> парола </a:t>
+            </a:r>
+            <a:r>
+              <a:rPr lang="bg-BG" sz="1600" b="1" dirty="0">
+                <a:highlight>
+                  <a:srgbClr val="FFFF00"/>
+                </a:highlight>
+              </a:rPr>
+              <a:t>(криптирана)</a:t>
+            </a:r>
+          </a:p>
+          <a:p>
+            <a:r>
+              <a:rPr lang="bg-BG" sz="1600" b="1" dirty="0">
                 <a:solidFill>
                   <a:schemeClr val="bg1"/>
                 </a:solidFill>
@@ -12040,45 +12251,45 @@
           <a:p>
             <a:pPr lvl="1"/>
             <a:r>
-              <a:rPr lang="bg-BG" sz="3000" b="1" dirty="0"/>
+              <a:rPr lang="bg-BG" sz="1600" b="1" dirty="0"/>
               <a:t>Име</a:t>
             </a:r>
             <a:r>
-              <a:rPr lang="bg-BG" sz="3000" dirty="0"/>
+              <a:rPr lang="bg-BG" sz="1600" dirty="0"/>
               <a:t>, </a:t>
             </a:r>
             <a:r>
-              <a:rPr lang="bg-BG" sz="3000" b="1" dirty="0"/>
+              <a:rPr lang="bg-BG" sz="1600" b="1" dirty="0"/>
               <a:t>фамилия</a:t>
             </a:r>
             <a:r>
-              <a:rPr lang="bg-BG" sz="3000" dirty="0"/>
+              <a:rPr lang="bg-BG" sz="1600" dirty="0"/>
               <a:t>, </a:t>
             </a:r>
             <a:r>
-              <a:rPr lang="bg-BG" sz="3000" b="1" dirty="0"/>
+              <a:rPr lang="bg-BG" sz="1600" b="1" dirty="0"/>
               <a:t>ЕГН</a:t>
             </a:r>
             <a:r>
-              <a:rPr lang="bg-BG" sz="3000" dirty="0"/>
+              <a:rPr lang="bg-BG" sz="1600" dirty="0"/>
               <a:t>, </a:t>
             </a:r>
             <a:r>
-              <a:rPr lang="bg-BG" sz="3000" b="1" dirty="0"/>
+              <a:rPr lang="bg-BG" sz="1600" b="1" dirty="0"/>
               <a:t>пол</a:t>
             </a:r>
             <a:r>
-              <a:rPr lang="bg-BG" sz="3000" dirty="0"/>
+              <a:rPr lang="bg-BG" sz="1600" dirty="0"/>
               <a:t>, </a:t>
             </a:r>
             <a:r>
-              <a:rPr lang="bg-BG" sz="3000" b="1" dirty="0"/>
+              <a:rPr lang="bg-BG" sz="1600" b="1" dirty="0"/>
               <a:t>телефон</a:t>
             </a:r>
           </a:p>
           <a:p>
             <a:r>
-              <a:rPr lang="bg-BG" sz="3200" b="1" dirty="0">
+              <a:rPr lang="bg-BG" sz="1600" b="1" dirty="0">
                 <a:solidFill>
                   <a:schemeClr val="bg1"/>
                 </a:solidFill>
@@ -12089,37 +12300,106 @@
           <a:p>
             <a:pPr lvl="1"/>
             <a:r>
-              <a:rPr lang="bg-BG" sz="3000" b="1" dirty="0"/>
+              <a:rPr lang="bg-BG" sz="1600" b="1" dirty="0"/>
               <a:t>Име</a:t>
             </a:r>
             <a:r>
-              <a:rPr lang="bg-BG" sz="3000" dirty="0"/>
+              <a:rPr lang="bg-BG" sz="1600" dirty="0"/>
               <a:t>, </a:t>
             </a:r>
             <a:r>
-              <a:rPr lang="bg-BG" sz="3000" b="1" dirty="0"/>
+              <a:rPr lang="bg-BG" sz="1600" b="1" dirty="0"/>
               <a:t>фамилия</a:t>
             </a:r>
             <a:r>
-              <a:rPr lang="bg-BG" sz="3000" dirty="0"/>
+              <a:rPr lang="bg-BG" sz="1600" dirty="0"/>
               <a:t>, </a:t>
             </a:r>
             <a:r>
-              <a:rPr lang="bg-BG" sz="3000" b="1" dirty="0"/>
+              <a:rPr lang="bg-BG" sz="1600" b="1" dirty="0"/>
               <a:t>специалност</a:t>
             </a:r>
             <a:r>
-              <a:rPr lang="bg-BG" sz="3000" dirty="0"/>
+              <a:rPr lang="bg-BG" sz="1600" dirty="0"/>
               <a:t>, </a:t>
             </a:r>
             <a:r>
-              <a:rPr lang="bg-BG" sz="3000" b="1" dirty="0"/>
+              <a:rPr lang="bg-BG" sz="1600" b="1" dirty="0"/>
               <a:t>телефон</a:t>
             </a:r>
           </a:p>
           <a:p>
-            <a:r>
-              <a:rPr lang="bg-BG" sz="3200" b="1" dirty="0">
+            <a:pPr lvl="1"/>
+            <a:r>
+              <a:rPr lang="bg-BG" sz="1600" dirty="0"/>
+              <a:t>Връзка с </a:t>
+            </a:r>
+            <a:r>
+              <a:rPr lang="bg-BG" sz="1600" b="1" dirty="0"/>
+              <a:t>потребител</a:t>
+            </a:r>
+            <a:r>
+              <a:rPr lang="en-US" sz="1600" dirty="0"/>
+              <a:t> (</a:t>
+            </a:r>
+            <a:r>
+              <a:rPr lang="bg-BG" sz="1600" dirty="0"/>
+              <a:t>лекарят си има потребител)</a:t>
+            </a:r>
+          </a:p>
+          <a:p>
+            <a:r>
+              <a:rPr lang="bg-BG" sz="1600" b="1" dirty="0">
+                <a:solidFill>
+                  <a:schemeClr val="bg1"/>
+                </a:solidFill>
+              </a:rPr>
+              <a:t>Таблица с администратори</a:t>
+            </a:r>
+          </a:p>
+          <a:p>
+            <a:pPr lvl="1"/>
+            <a:r>
+              <a:rPr lang="bg-BG" sz="1600" b="1" dirty="0"/>
+              <a:t>Име</a:t>
+            </a:r>
+            <a:r>
+              <a:rPr lang="bg-BG" sz="1600" dirty="0"/>
+              <a:t>, </a:t>
+            </a:r>
+            <a:r>
+              <a:rPr lang="bg-BG" sz="1600" b="1" dirty="0"/>
+              <a:t>телефон, </a:t>
+            </a:r>
+            <a:r>
+              <a:rPr lang="en-US" sz="1600" b="1" dirty="0"/>
+              <a:t>email</a:t>
+            </a:r>
+            <a:endParaRPr lang="bg-BG" sz="1600" b="1" dirty="0"/>
+          </a:p>
+          <a:p>
+            <a:pPr lvl="1"/>
+            <a:r>
+              <a:rPr lang="bg-BG" sz="1600" dirty="0"/>
+              <a:t>Връзка с </a:t>
+            </a:r>
+            <a:r>
+              <a:rPr lang="bg-BG" sz="1600" b="1" dirty="0"/>
+              <a:t>потребител</a:t>
+            </a:r>
+            <a:r>
+              <a:rPr lang="en-US" sz="1600" dirty="0"/>
+              <a:t> (</a:t>
+            </a:r>
+            <a:r>
+              <a:rPr lang="bg-BG" sz="1600" dirty="0"/>
+              <a:t>лекарят си има потребител)</a:t>
+            </a:r>
+            <a:endParaRPr lang="bg-BG" sz="1600" b="1" dirty="0"/>
+          </a:p>
+          <a:p>
+            <a:r>
+              <a:rPr lang="bg-BG" sz="1600" b="1" dirty="0">
                 <a:solidFill>
                   <a:schemeClr val="bg1"/>
                 </a:solidFill>
@@ -12130,96 +12410,39 @@
           <a:p>
             <a:pPr lvl="1"/>
             <a:r>
-              <a:rPr lang="bg-BG" sz="3000" b="1"/>
+              <a:rPr lang="bg-BG" sz="1600" b="1" dirty="0"/>
               <a:t>Дата</a:t>
             </a:r>
             <a:r>
-              <a:rPr lang="bg-BG" sz="3000"/>
+              <a:rPr lang="bg-BG" sz="1600" dirty="0"/>
               <a:t>, </a:t>
             </a:r>
             <a:r>
-              <a:rPr lang="bg-BG" sz="3000" b="1" dirty="0"/>
-              <a:t>описание</a:t>
+              <a:rPr lang="bg-BG" sz="1600" b="1" dirty="0"/>
+              <a:t>състояние, лечение</a:t>
             </a:r>
           </a:p>
           <a:p>
             <a:pPr lvl="1"/>
             <a:r>
-              <a:rPr lang="bg-BG" sz="3000" dirty="0"/>
+              <a:rPr lang="bg-BG" sz="1600" dirty="0"/>
               <a:t>Връзка с </a:t>
             </a:r>
             <a:r>
-              <a:rPr lang="bg-BG" sz="3000" b="1" dirty="0"/>
+              <a:rPr lang="bg-BG" sz="1600" b="1" dirty="0"/>
               <a:t>пациент</a:t>
             </a:r>
             <a:r>
-              <a:rPr lang="bg-BG" sz="3000" dirty="0"/>
+              <a:rPr lang="bg-BG" sz="1600" dirty="0"/>
               <a:t> и </a:t>
             </a:r>
             <a:r>
-              <a:rPr lang="bg-BG" sz="3000" b="1" dirty="0"/>
+              <a:rPr lang="bg-BG" sz="1600" b="1" dirty="0"/>
               <a:t>лекар</a:t>
             </a:r>
-          </a:p>
-          <a:p>
-            <a:r>
-              <a:rPr lang="bg-BG" sz="3200" b="1" dirty="0">
-                <a:solidFill>
-                  <a:schemeClr val="bg1"/>
-                </a:solidFill>
-              </a:rPr>
-              <a:t>Таблица с роли</a:t>
-            </a:r>
-          </a:p>
-          <a:p>
-            <a:pPr lvl="1"/>
-            <a:r>
-              <a:rPr lang="bg-BG" sz="3000" b="1" dirty="0"/>
-              <a:t>Име</a:t>
-            </a:r>
-          </a:p>
-          <a:p>
-            <a:r>
-              <a:rPr lang="bg-BG" sz="3400" b="1" dirty="0">
-                <a:solidFill>
-                  <a:schemeClr val="bg1"/>
-                </a:solidFill>
-              </a:rPr>
-              <a:t>Таблица с потребители</a:t>
-            </a:r>
-          </a:p>
-          <a:p>
-            <a:pPr lvl="1"/>
-            <a:r>
-              <a:rPr lang="bg-BG" sz="3000" b="1" dirty="0"/>
-              <a:t>Потребителско име</a:t>
-            </a:r>
-            <a:r>
-              <a:rPr lang="bg-BG" sz="3000" dirty="0"/>
-              <a:t>,</a:t>
-            </a:r>
-            <a:r>
-              <a:rPr lang="bg-BG" sz="3000" b="1" dirty="0"/>
-              <a:t> парола</a:t>
-            </a:r>
-          </a:p>
-          <a:p>
-            <a:pPr lvl="1"/>
-            <a:r>
-              <a:rPr lang="bg-BG" sz="3000" dirty="0"/>
-              <a:t>Връзка с </a:t>
-            </a:r>
-            <a:r>
-              <a:rPr lang="bg-BG" sz="3000" b="1" dirty="0"/>
-              <a:t>роля</a:t>
-            </a:r>
-            <a:r>
-              <a:rPr lang="bg-BG" sz="3000" dirty="0"/>
-              <a:t> и </a:t>
-            </a:r>
-            <a:r>
-              <a:rPr lang="bg-BG" sz="3000" b="1" dirty="0"/>
-              <a:t>лекар</a:t>
+            <a:r>
+              <a:rPr lang="bg-BG" sz="1600" dirty="0"/>
+              <a:t> (прегледът си има пациент и лекар)</a:t>
             </a:r>
           </a:p>
         </p:txBody>
@@ -12327,33 +12550,15 @@
                                   </p:childTnLst>
                                 </p:cTn>
                               </p:par>
-                            </p:childTnLst>
-                          </p:cTn>
-                        </p:par>
-                      </p:childTnLst>
-                    </p:cTn>
-                  </p:par>
-                  <p:par>
-                    <p:cTn id="9" fill="hold">
-                      <p:stCondLst>
-                        <p:cond delay="indefinite"/>
-                      </p:stCondLst>
-                      <p:childTnLst>
-                        <p:par>
-                          <p:cTn id="10" fill="hold">
-                            <p:stCondLst>
-                              <p:cond delay="0"/>
-                            </p:stCondLst>
-                            <p:childTnLst>
                               <p:par>
-                                <p:cTn id="11" presetID="1" presetClass="entr" presetSubtype="0" fill="hold" nodeType="clickEffect">
+                                <p:cTn id="9" presetID="1" presetClass="entr" presetSubtype="0" fill="hold" nodeType="withEffect">
                                   <p:stCondLst>
                                     <p:cond delay="0"/>
                                   </p:stCondLst>
                                   <p:childTnLst>
                                     <p:set>
                                       <p:cBhvr>
-                                        <p:cTn id="12" dur="1" fill="hold">
+                                        <p:cTn id="10" dur="1" fill="hold">
                                           <p:stCondLst>
                                             <p:cond delay="0"/>
                                           </p:stCondLst>
@@ -12377,14 +12582,14 @@
                                 </p:cTn>
                               </p:par>
                               <p:par>
-                                <p:cTn id="13" presetID="1" presetClass="entr" presetSubtype="0" fill="hold" nodeType="withEffect">
+                                <p:cTn id="11" presetID="1" presetClass="entr" presetSubtype="0" fill="hold" nodeType="withEffect">
                                   <p:stCondLst>
                                     <p:cond delay="0"/>
                                   </p:stCondLst>
                                   <p:childTnLst>
                                     <p:set>
                                       <p:cBhvr>
-                                        <p:cTn id="14" dur="1" fill="hold">
+                                        <p:cTn id="12" dur="1" fill="hold">
                                           <p:stCondLst>
                                             <p:cond delay="0"/>
                                           </p:stCondLst>
@@ -12414,19 +12619,50 @@
                     </p:cTn>
                   </p:par>
                   <p:par>
-                    <p:cTn id="15" fill="hold">
+                    <p:cTn id="13" fill="hold">
                       <p:stCondLst>
                         <p:cond delay="indefinite"/>
                       </p:stCondLst>
                       <p:childTnLst>
                         <p:par>
-                          <p:cTn id="16" fill="hold">
+                          <p:cTn id="14" fill="hold">
                             <p:stCondLst>
                               <p:cond delay="0"/>
                             </p:stCondLst>
                             <p:childTnLst>
                               <p:par>
-                                <p:cTn id="17" presetID="1" presetClass="entr" presetSubtype="0" fill="hold" nodeType="clickEffect">
+                                <p:cTn id="15" presetID="1" presetClass="entr" presetSubtype="0" fill="hold" nodeType="clickEffect">
+                                  <p:stCondLst>
+                                    <p:cond delay="0"/>
+                                  </p:stCondLst>
+                                  <p:childTnLst>
+                                    <p:set>
+                                      <p:cBhvr>
+                                        <p:cTn id="16" dur="1" fill="hold">
+                                          <p:stCondLst>
+                                            <p:cond delay="0"/>
+                                          </p:stCondLst>
+                                        </p:cTn>
+                                        <p:tgtEl>
+                                          <p:spTgt spid="7">
+                                            <p:txEl>
+                                              <p:pRg st="4" end="4"/>
+                                            </p:txEl>
+                                          </p:spTgt>
+                                        </p:tgtEl>
+                                        <p:attrNameLst>
+                                          <p:attrName>style.visibility</p:attrName>
+                                        </p:attrNameLst>
+                                      </p:cBhvr>
+                                      <p:to>
+                                        <p:strVal val="visible"/>
+                                      </p:to>
+                                    </p:set>
+                                  </p:childTnLst>
+                                </p:cTn>
+                              </p:par>
+                              <p:par>
+                                <p:cTn id="17" presetID="1" presetClass="entr" presetSubtype="0" fill="hold" nodeType="withEffect">
                                   <p:stCondLst>
                                     <p:cond delay="0"/>
                                   </p:stCondLst>
@@ -12441,7 +12677,7 @@
                                         <p:tgtEl>
                                           <p:spTgt spid="7">
                                             <p:txEl>
-                                              <p:pRg st="4" end="4"/>
+                                              <p:pRg st="5" end="5"/>
                                             </p:txEl>
                                           </p:spTgt>
                                         </p:tgtEl>
@@ -12472,55 +12708,6 @@
                                         <p:tgtEl>
                                           <p:spTgt spid="7">
                                             <p:txEl>
-                                              <p:pRg st="5" end="5"/>
-                                            </p:txEl>
-                                          </p:spTgt>
-                                        </p:tgtEl>
-                                        <p:attrNameLst>
-                                          <p:attrName>style.visibility</p:attrName>
-                                        </p:attrNameLst>
-                                      </p:cBhvr>
-                                      <p:to>
-                                        <p:strVal val="visible"/>
-                                      </p:to>
-                                    </p:set>
-                                  </p:childTnLst>
-                                </p:cTn>
-                              </p:par>
-                            </p:childTnLst>
-                          </p:cTn>
-                        </p:par>
-                      </p:childTnLst>
-                    </p:cTn>
-                  </p:par>
-                  <p:par>
-                    <p:cTn id="21" fill="hold">
-                      <p:stCondLst>
-                        <p:cond delay="indefinite"/>
-                      </p:stCondLst>
-                      <p:childTnLst>
-                        <p:par>
-                          <p:cTn id="22" fill="hold">
-                            <p:stCondLst>
-                              <p:cond delay="0"/>
-                            </p:stCondLst>
-                            <p:childTnLst>
-                              <p:par>
-                                <p:cTn id="23" presetID="1" presetClass="entr" presetSubtype="0" fill="hold" nodeType="clickEffect">
-                                  <p:stCondLst>
-                                    <p:cond delay="0"/>
-                                  </p:stCondLst>
-                                  <p:childTnLst>
-                                    <p:set>
-                                      <p:cBhvr>
-                                        <p:cTn id="24" dur="1" fill="hold">
-                                          <p:stCondLst>
-                                            <p:cond delay="0"/>
-                                          </p:stCondLst>
-                                        </p:cTn>
-                                        <p:tgtEl>
-                                          <p:spTgt spid="7">
-                                            <p:txEl>
                                               <p:pRg st="6" end="6"/>
                                             </p:txEl>
                                           </p:spTgt>
@@ -12536,33 +12723,15 @@
                                   </p:childTnLst>
                                 </p:cTn>
                               </p:par>
-                            </p:childTnLst>
-                          </p:cTn>
-                        </p:par>
-                      </p:childTnLst>
-                    </p:cTn>
-                  </p:par>
-                  <p:par>
-                    <p:cTn id="25" fill="hold">
-                      <p:stCondLst>
-                        <p:cond delay="indefinite"/>
-                      </p:stCondLst>
-                      <p:childTnLst>
-                        <p:par>
-                          <p:cTn id="26" fill="hold">
-                            <p:stCondLst>
-                              <p:cond delay="0"/>
-                            </p:stCondLst>
-                            <p:childTnLst>
                               <p:par>
-                                <p:cTn id="27" presetID="1" presetClass="entr" presetSubtype="0" fill="hold" nodeType="clickEffect">
+                                <p:cTn id="21" presetID="1" presetClass="entr" presetSubtype="0" fill="hold" nodeType="withEffect">
                                   <p:stCondLst>
                                     <p:cond delay="0"/>
                                   </p:stCondLst>
                                   <p:childTnLst>
                                     <p:set>
                                       <p:cBhvr>
-                                        <p:cTn id="28" dur="1" fill="hold">
+                                        <p:cTn id="22" dur="1" fill="hold">
                                           <p:stCondLst>
                                             <p:cond delay="0"/>
                                           </p:stCondLst>
@@ -12586,14 +12755,14 @@
                                 </p:cTn>
                               </p:par>
                               <p:par>
-                                <p:cTn id="29" presetID="1" presetClass="entr" presetSubtype="0" fill="hold" nodeType="withEffect">
+                                <p:cTn id="23" presetID="1" presetClass="entr" presetSubtype="0" fill="hold" nodeType="withEffect">
                                   <p:stCondLst>
                                     <p:cond delay="0"/>
                                   </p:stCondLst>
                                   <p:childTnLst>
                                     <p:set>
                                       <p:cBhvr>
-                                        <p:cTn id="30" dur="1" fill="hold">
+                                        <p:cTn id="24" dur="1" fill="hold">
                                           <p:stCondLst>
                                             <p:cond delay="0"/>
                                           </p:stCondLst>
@@ -12616,33 +12785,15 @@
                                   </p:childTnLst>
                                 </p:cTn>
                               </p:par>
-                            </p:childTnLst>
-                          </p:cTn>
-                        </p:par>
-                      </p:childTnLst>
-                    </p:cTn>
-                  </p:par>
-                  <p:par>
-                    <p:cTn id="31" fill="hold">
-                      <p:stCondLst>
-                        <p:cond delay="indefinite"/>
-                      </p:stCondLst>
-                      <p:childTnLst>
-                        <p:par>
-                          <p:cTn id="32" fill="hold">
-                            <p:stCondLst>
-                              <p:cond delay="0"/>
-                            </p:stCondLst>
-                            <p:childTnLst>
                               <p:par>
-                                <p:cTn id="33" presetID="1" presetClass="entr" presetSubtype="0" fill="hold" nodeType="clickEffect">
+                                <p:cTn id="25" presetID="1" presetClass="entr" presetSubtype="0" fill="hold" nodeType="withEffect">
                                   <p:stCondLst>
                                     <p:cond delay="0"/>
                                   </p:stCondLst>
                                   <p:childTnLst>
                                     <p:set>
                                       <p:cBhvr>
-                                        <p:cTn id="34" dur="1" fill="hold">
+                                        <p:cTn id="26" dur="1" fill="hold">
                                           <p:stCondLst>
                                             <p:cond delay="0"/>
                                           </p:stCondLst>
@@ -12665,15 +12816,33 @@
                                   </p:childTnLst>
                                 </p:cTn>
                               </p:par>
+                            </p:childTnLst>
+                          </p:cTn>
+                        </p:par>
+                      </p:childTnLst>
+                    </p:cTn>
+                  </p:par>
+                  <p:par>
+                    <p:cTn id="27" fill="hold">
+                      <p:stCondLst>
+                        <p:cond delay="indefinite"/>
+                      </p:stCondLst>
+                      <p:childTnLst>
+                        <p:par>
+                          <p:cTn id="28" fill="hold">
+                            <p:stCondLst>
+                              <p:cond delay="0"/>
+                            </p:stCondLst>
+                            <p:childTnLst>
                               <p:par>
-                                <p:cTn id="35" presetID="1" presetClass="entr" presetSubtype="0" fill="hold" nodeType="withEffect">
+                                <p:cTn id="29" presetID="1" presetClass="entr" presetSubtype="0" fill="hold" nodeType="clickEffect">
                                   <p:stCondLst>
                                     <p:cond delay="0"/>
                                   </p:stCondLst>
                                   <p:childTnLst>
                                     <p:set>
                                       <p:cBhvr>
-                                        <p:cTn id="36" dur="1" fill="hold">
+                                        <p:cTn id="30" dur="1" fill="hold">
                                           <p:stCondLst>
                                             <p:cond delay="0"/>
                                           </p:stCondLst>
@@ -12696,33 +12865,15 @@
                                   </p:childTnLst>
                                 </p:cTn>
                               </p:par>
-                            </p:childTnLst>
-                          </p:cTn>
-                        </p:par>
-                      </p:childTnLst>
-                    </p:cTn>
-                  </p:par>
-                  <p:par>
-                    <p:cTn id="37" fill="hold">
-                      <p:stCondLst>
-                        <p:cond delay="indefinite"/>
-                      </p:stCondLst>
-                      <p:childTnLst>
-                        <p:par>
-                          <p:cTn id="38" fill="hold">
-                            <p:stCondLst>
-                              <p:cond delay="0"/>
-                            </p:stCondLst>
-                            <p:childTnLst>
                               <p:par>
-                                <p:cTn id="39" presetID="1" presetClass="entr" presetSubtype="0" fill="hold" nodeType="clickEffect">
+                                <p:cTn id="31" presetID="1" presetClass="entr" presetSubtype="0" fill="hold" nodeType="withEffect">
                                   <p:stCondLst>
                                     <p:cond delay="0"/>
                                   </p:stCondLst>
                                   <p:childTnLst>
                                     <p:set>
                                       <p:cBhvr>
-                                        <p:cTn id="40" dur="1" fill="hold">
+                                        <p:cTn id="32" dur="1" fill="hold">
                                           <p:stCondLst>
                                             <p:cond delay="0"/>
                                           </p:stCondLst>
@@ -12745,247 +12896,15 @@
                                   </p:childTnLst>
                                 </p:cTn>
                               </p:par>
-                            </p:childTnLst>
-                          </p:cTn>
-                        </p:par>
-                      </p:childTnLst>
-                    </p:cTn>
-                  </p:par>
-                </p:childTnLst>
-              </p:cTn>
-              <p:prevCondLst>
-                <p:cond evt="onPrev" delay="0">
-                  <p:tgtEl>
-                    <p:sldTgt/>
-                  </p:tgtEl>
-                </p:cond>
-              </p:prevCondLst>
-              <p:nextCondLst>
-                <p:cond evt="onNext" delay="0">
-                  <p:tgtEl>
-                    <p:sldTgt/>
-                  </p:tgtEl>
-                </p:cond>
-              </p:nextCondLst>
-            </p:seq>
-          </p:childTnLst>
-        </p:cTn>
-      </p:par>
-    </p:tnLst>
-  </p:timing>
-</p:sld>
-</file>
-
-<file path=ppt/slides/slide19.xml><?xml version="1.0" encoding="utf-8"?>
-<p:sld xmlns:a="http://schemas.openxmlformats.org/drawingml/2006/main" xmlns:r="http://schemas.openxmlformats.org/officeDocument/2006/relationships" xmlns:p="http://schemas.openxmlformats.org/presentationml/2006/main">
-  <p:cSld>
-    <p:spTree>
-      <p:nvGrpSpPr>
-        <p:cNvPr id="1" name=""/>
-        <p:cNvGrpSpPr/>
-        <p:nvPr/>
-      </p:nvGrpSpPr>
-      <p:grpSpPr>
-        <a:xfrm>
-          <a:off x="0" y="0"/>
-          <a:ext cx="0" cy="0"/>
-          <a:chOff x="0" y="0"/>
-          <a:chExt cx="0" cy="0"/>
-        </a:xfrm>
-      </p:grpSpPr>
-      <p:sp>
-        <p:nvSpPr>
-          <p:cNvPr id="2" name="Slide Number Placeholder 1">
-            <a:extLst>
-              <a:ext uri="{FF2B5EF4-FFF2-40B4-BE49-F238E27FC236}">
-                <a16:creationId xmlns:a16="http://schemas.microsoft.com/office/drawing/2014/main" id="{CCAABC86-82E0-F099-701A-D4347B605385}"/>
-              </a:ext>
-            </a:extLst>
-          </p:cNvPr>
-          <p:cNvSpPr>
-            <a:spLocks noGrp="1"/>
-          </p:cNvSpPr>
-          <p:nvPr>
-            <p:ph type="sldNum" sz="quarter" idx="5"/>
-          </p:nvPr>
-        </p:nvSpPr>
-        <p:spPr/>
-        <p:txBody>
-          <a:bodyPr/>
-          <a:lstStyle/>
-          <a:p>
-            <a:fld id="{2BF067CD-8E6B-4360-9AA8-C5DF2A48A6D1}" type="slidenum">
-              <a:rPr lang="en-US" noProof="0" smtClean="0"/>
-              <a:pPr/>
-              <a:t>19</a:t>
-            </a:fld>
-            <a:endParaRPr lang="en-US" noProof="0" dirty="0"/>
-          </a:p>
-        </p:txBody>
-      </p:sp>
-      <p:sp>
-        <p:nvSpPr>
-          <p:cNvPr id="4" name="Title 3">
-            <a:extLst>
-              <a:ext uri="{FF2B5EF4-FFF2-40B4-BE49-F238E27FC236}">
-                <a16:creationId xmlns:a16="http://schemas.microsoft.com/office/drawing/2014/main" id="{67B6A643-676D-3506-B008-B24B36AA34F1}"/>
-              </a:ext>
-            </a:extLst>
-          </p:cNvPr>
-          <p:cNvSpPr>
-            <a:spLocks noGrp="1"/>
-          </p:cNvSpPr>
-          <p:nvPr>
-            <p:ph type="title"/>
-          </p:nvPr>
-        </p:nvSpPr>
-        <p:spPr/>
-        <p:txBody>
-          <a:bodyPr>
-            <a:normAutofit/>
-          </a:bodyPr>
-          <a:lstStyle/>
-          <a:p>
-            <a:r>
-              <a:rPr lang="bg-BG" dirty="0"/>
-              <a:t>Проектиране</a:t>
-            </a:r>
-            <a:r>
-              <a:rPr lang="en-US" dirty="0"/>
-              <a:t>: </a:t>
-            </a:r>
-            <a:r>
-              <a:rPr lang="bg-BG" dirty="0"/>
-              <a:t>дизайн на </a:t>
-            </a:r>
-            <a:r>
-              <a:rPr lang="en-US" dirty="0"/>
-              <a:t>UI </a:t>
-            </a:r>
-            <a:r>
-              <a:rPr lang="bg-BG" dirty="0"/>
-              <a:t>- Входна форма</a:t>
-            </a:r>
-            <a:endParaRPr lang="en-BG" dirty="0"/>
-          </a:p>
-        </p:txBody>
-      </p:sp>
-      <p:sp>
-        <p:nvSpPr>
-          <p:cNvPr id="7" name="Text Placeholder 6">
-            <a:extLst>
-              <a:ext uri="{FF2B5EF4-FFF2-40B4-BE49-F238E27FC236}">
-                <a16:creationId xmlns:a16="http://schemas.microsoft.com/office/drawing/2014/main" id="{FBFEFCDD-E454-D1E7-D67F-EE67BB2A7ACE}"/>
-              </a:ext>
-            </a:extLst>
-          </p:cNvPr>
-          <p:cNvSpPr>
-            <a:spLocks noGrp="1"/>
-          </p:cNvSpPr>
-          <p:nvPr>
-            <p:ph type="body" sz="quarter" idx="10"/>
-          </p:nvPr>
-        </p:nvSpPr>
-        <p:spPr/>
-        <p:txBody>
-          <a:bodyPr>
-            <a:normAutofit/>
-          </a:bodyPr>
-          <a:lstStyle/>
-          <a:p>
-            <a:r>
-              <a:rPr lang="bg-BG" b="1" dirty="0">
-                <a:solidFill>
-                  <a:schemeClr val="bg1"/>
-                </a:solidFill>
-              </a:rPr>
-              <a:t>Предоставяне на достъп до приложението</a:t>
-            </a:r>
-          </a:p>
-          <a:p>
-            <a:pPr lvl="1"/>
-            <a:r>
-              <a:rPr lang="bg-BG" dirty="0"/>
-              <a:t>Полета с данни за </a:t>
-            </a:r>
-            <a:r>
-              <a:rPr lang="bg-BG" b="1" dirty="0"/>
-              <a:t>потребителско име</a:t>
-            </a:r>
-            <a:r>
-              <a:rPr lang="bg-BG" dirty="0"/>
-              <a:t> и</a:t>
-            </a:r>
-            <a:r>
-              <a:rPr lang="bg-BG" b="1" dirty="0"/>
-              <a:t> парола</a:t>
-            </a:r>
-            <a:endParaRPr lang="bg-BG" dirty="0"/>
-          </a:p>
-          <a:p>
-            <a:pPr lvl="1"/>
-            <a:r>
-              <a:rPr lang="bg-BG" dirty="0"/>
-              <a:t>Бутон за </a:t>
-            </a:r>
-            <a:r>
-              <a:rPr lang="bg-BG" b="1" dirty="0"/>
-              <a:t>вход</a:t>
-            </a:r>
-            <a:endParaRPr lang="bg-BG" dirty="0"/>
-          </a:p>
-        </p:txBody>
-      </p:sp>
-    </p:spTree>
-    <p:extLst>
-      <p:ext uri="{BB962C8B-B14F-4D97-AF65-F5344CB8AC3E}">
-        <p14:creationId xmlns:p14="http://schemas.microsoft.com/office/powerpoint/2010/main" val="574509519"/>
-      </p:ext>
-    </p:extLst>
-  </p:cSld>
-  <p:clrMapOvr>
-    <a:masterClrMapping/>
-  </p:clrMapOvr>
-  <mc:AlternateContent xmlns:mc="http://schemas.openxmlformats.org/markup-compatibility/2006" xmlns:p14="http://schemas.microsoft.com/office/powerpoint/2010/main">
-    <mc:Choice Requires="p14">
-      <p:transition spd="slow" p14:dur="2000" advClick="0" advTm="5000"/>
-    </mc:Choice>
-    <mc:Fallback xmlns="">
-      <p:transition spd="slow" advClick="0" advTm="5000"/>
-    </mc:Fallback>
-  </mc:AlternateContent>
-  <p:timing>
-    <p:tnLst>
-      <p:par>
-        <p:cTn id="1" dur="indefinite" restart="never" nodeType="tmRoot">
-          <p:childTnLst>
-            <p:seq concurrent="1" nextAc="seek">
-              <p:cTn id="2" dur="indefinite" nodeType="mainSeq">
-                <p:childTnLst>
-                  <p:par>
-                    <p:cTn id="3" fill="hold">
-                      <p:stCondLst>
-                        <p:cond delay="indefinite"/>
-                        <p:cond evt="onBegin" delay="0">
-                          <p:tn val="2"/>
-                        </p:cond>
-                      </p:stCondLst>
-                      <p:childTnLst>
-                        <p:par>
-                          <p:cTn id="4" fill="hold">
-                            <p:stCondLst>
-                              <p:cond delay="0"/>
-                            </p:stCondLst>
-                            <p:childTnLst>
                               <p:par>
-                                <p:cTn id="5" presetID="1" presetClass="entr" presetSubtype="0" fill="hold" nodeType="withEffect">
+                                <p:cTn id="33" presetID="1" presetClass="entr" presetSubtype="0" fill="hold" nodeType="withEffect">
                                   <p:stCondLst>
                                     <p:cond delay="0"/>
                                   </p:stCondLst>
                                   <p:childTnLst>
                                     <p:set>
                                       <p:cBhvr>
-                                        <p:cTn id="6" dur="1" fill="hold">
+                                        <p:cTn id="34" dur="1" fill="hold">
                                           <p:stCondLst>
                                             <p:cond delay="0"/>
                                           </p:stCondLst>
@@ -12993,87 +12912,7 @@
                                         <p:tgtEl>
                                           <p:spTgt spid="7">
                                             <p:txEl>
-                                              <p:pRg st="0" end="0"/>
-                                            </p:txEl>
-                                          </p:spTgt>
-                                        </p:tgtEl>
-                                        <p:attrNameLst>
-                                          <p:attrName>style.visibility</p:attrName>
-                                        </p:attrNameLst>
-                                      </p:cBhvr>
-                                      <p:to>
-                                        <p:strVal val="visible"/>
-                                      </p:to>
-                                    </p:set>
-                                  </p:childTnLst>
-                                </p:cTn>
-                              </p:par>
-                              <p:par>
-                                <p:cTn id="7" presetID="1" presetClass="entr" presetSubtype="0" fill="hold" nodeType="withEffect">
-                                  <p:stCondLst>
-                                    <p:cond delay="0"/>
-                                  </p:stCondLst>
-                                  <p:childTnLst>
-                                    <p:set>
-                                      <p:cBhvr>
-                                        <p:cTn id="8" dur="1" fill="hold">
-                                          <p:stCondLst>
-                                            <p:cond delay="0"/>
-                                          </p:stCondLst>
-                                        </p:cTn>
-                                        <p:tgtEl>
-                                          <p:spTgt spid="7">
-                                            <p:txEl>
-                                              <p:pRg st="1" end="1"/>
-                                            </p:txEl>
-                                          </p:spTgt>
-                                        </p:tgtEl>
-                                        <p:attrNameLst>
-                                          <p:attrName>style.visibility</p:attrName>
-                                        </p:attrNameLst>
-                                      </p:cBhvr>
-                                      <p:to>
-                                        <p:strVal val="visible"/>
-                                      </p:to>
-                                    </p:set>
-                                  </p:childTnLst>
-                                </p:cTn>
-                              </p:par>
-                            </p:childTnLst>
-                          </p:cTn>
-                        </p:par>
-                      </p:childTnLst>
-                    </p:cTn>
-                  </p:par>
-                  <p:par>
-                    <p:cTn id="9" fill="hold">
-                      <p:stCondLst>
-                        <p:cond delay="indefinite"/>
-                      </p:stCondLst>
-                      <p:childTnLst>
-                        <p:par>
-                          <p:cTn id="10" fill="hold">
-                            <p:stCondLst>
-                              <p:cond delay="0"/>
-                            </p:stCondLst>
-                            <p:childTnLst>
-                              <p:par>
-                                <p:cTn id="11" presetID="1" presetClass="entr" presetSubtype="0" fill="hold" nodeType="clickEffect">
-                                  <p:stCondLst>
-                                    <p:cond delay="0"/>
-                                  </p:stCondLst>
-                                  <p:childTnLst>
-                                    <p:set>
-                                      <p:cBhvr>
-                                        <p:cTn id="12" dur="1" fill="hold">
-                                          <p:stCondLst>
-                                            <p:cond delay="0"/>
-                                          </p:stCondLst>
-                                        </p:cTn>
-                                        <p:tgtEl>
-                                          <p:spTgt spid="7">
-                                            <p:txEl>
-                                              <p:pRg st="2" end="2"/>
+                                              <p:pRg st="12" end="12"/>
                                             </p:txEl>
                                           </p:spTgt>
                                         </p:tgtEl>
@@ -13787,6 +13626,135 @@
           <p:cNvPr id="2" name="Slide Number Placeholder 1">
             <a:extLst>
               <a:ext uri="{FF2B5EF4-FFF2-40B4-BE49-F238E27FC236}">
+                <a16:creationId xmlns:a16="http://schemas.microsoft.com/office/drawing/2014/main" id="{DE068892-22B0-0781-814F-C94199C20C8F}"/>
+              </a:ext>
+            </a:extLst>
+          </p:cNvPr>
+          <p:cNvSpPr>
+            <a:spLocks noGrp="1"/>
+          </p:cNvSpPr>
+          <p:nvPr>
+            <p:ph type="sldNum" sz="quarter" idx="5"/>
+          </p:nvPr>
+        </p:nvSpPr>
+        <p:spPr/>
+        <p:txBody>
+          <a:bodyPr/>
+          <a:lstStyle/>
+          <a:p>
+            <a:fld id="{2BF067CD-8E6B-4360-9AA8-C5DF2A48A6D1}" type="slidenum">
+              <a:rPr lang="en-US" noProof="0" smtClean="0"/>
+              <a:pPr/>
+              <a:t>20</a:t>
+            </a:fld>
+            <a:endParaRPr lang="en-US" noProof="0" dirty="0"/>
+          </a:p>
+        </p:txBody>
+      </p:sp>
+      <p:sp>
+        <p:nvSpPr>
+          <p:cNvPr id="3" name="Text Placeholder 2">
+            <a:extLst>
+              <a:ext uri="{FF2B5EF4-FFF2-40B4-BE49-F238E27FC236}">
+                <a16:creationId xmlns:a16="http://schemas.microsoft.com/office/drawing/2014/main" id="{378D0169-C08C-C1E0-FAC1-A9C62669EB45}"/>
+              </a:ext>
+            </a:extLst>
+          </p:cNvPr>
+          <p:cNvSpPr>
+            <a:spLocks noGrp="1"/>
+          </p:cNvSpPr>
+          <p:nvPr>
+            <p:ph type="body" sz="quarter" idx="10"/>
+          </p:nvPr>
+        </p:nvSpPr>
+        <p:spPr/>
+        <p:txBody>
+          <a:bodyPr/>
+          <a:lstStyle/>
+          <a:p>
+            <a:r>
+              <a:rPr lang="en-US" dirty="0">
+                <a:highlight>
+                  <a:srgbClr val="FFFF00"/>
+                </a:highlight>
+              </a:rPr>
+              <a:t>TODO</a:t>
+            </a:r>
+          </a:p>
+        </p:txBody>
+      </p:sp>
+      <p:sp>
+        <p:nvSpPr>
+          <p:cNvPr id="4" name="Title 3">
+            <a:extLst>
+              <a:ext uri="{FF2B5EF4-FFF2-40B4-BE49-F238E27FC236}">
+                <a16:creationId xmlns:a16="http://schemas.microsoft.com/office/drawing/2014/main" id="{8718B34B-E2E6-D29F-009D-C1CC0A9608C6}"/>
+              </a:ext>
+            </a:extLst>
+          </p:cNvPr>
+          <p:cNvSpPr>
+            <a:spLocks noGrp="1"/>
+          </p:cNvSpPr>
+          <p:nvPr>
+            <p:ph type="title"/>
+          </p:nvPr>
+        </p:nvSpPr>
+        <p:spPr/>
+        <p:txBody>
+          <a:bodyPr/>
+          <a:lstStyle/>
+          <a:p>
+            <a:r>
+              <a:rPr lang="bg-BG" dirty="0"/>
+              <a:t>Диаграма на базата данни</a:t>
+            </a:r>
+            <a:endParaRPr lang="en-US" dirty="0"/>
+          </a:p>
+        </p:txBody>
+      </p:sp>
+    </p:spTree>
+    <p:extLst>
+      <p:ext uri="{BB962C8B-B14F-4D97-AF65-F5344CB8AC3E}">
+        <p14:creationId xmlns:p14="http://schemas.microsoft.com/office/powerpoint/2010/main" val="2725041579"/>
+      </p:ext>
+    </p:extLst>
+  </p:cSld>
+  <p:clrMapOvr>
+    <a:masterClrMapping/>
+  </p:clrMapOvr>
+  <mc:AlternateContent xmlns:mc="http://schemas.openxmlformats.org/markup-compatibility/2006" xmlns:p14="http://schemas.microsoft.com/office/powerpoint/2010/main">
+    <mc:Choice Requires="p14">
+      <p:transition spd="slow" p14:dur="2000" advClick="0" advTm="5000"/>
+    </mc:Choice>
+    <mc:Fallback xmlns="">
+      <p:transition spd="slow" advClick="0" advTm="5000"/>
+    </mc:Fallback>
+  </mc:AlternateContent>
+</p:sld>
+</file>
+
+<file path=ppt/slides/slide21.xml><?xml version="1.0" encoding="utf-8"?>
+<p:sld xmlns:a="http://schemas.openxmlformats.org/drawingml/2006/main" xmlns:r="http://schemas.openxmlformats.org/officeDocument/2006/relationships" xmlns:p="http://schemas.openxmlformats.org/presentationml/2006/main">
+  <p:cSld>
+    <p:spTree>
+      <p:nvGrpSpPr>
+        <p:cNvPr id="1" name=""/>
+        <p:cNvGrpSpPr/>
+        <p:nvPr/>
+      </p:nvGrpSpPr>
+      <p:grpSpPr>
+        <a:xfrm>
+          <a:off x="0" y="0"/>
+          <a:ext cx="0" cy="0"/>
+          <a:chOff x="0" y="0"/>
+          <a:chExt cx="0" cy="0"/>
+        </a:xfrm>
+      </p:grpSpPr>
+      <p:sp>
+        <p:nvSpPr>
+          <p:cNvPr id="2" name="Slide Number Placeholder 1">
+            <a:extLst>
+              <a:ext uri="{FF2B5EF4-FFF2-40B4-BE49-F238E27FC236}">
                 <a16:creationId xmlns:a16="http://schemas.microsoft.com/office/drawing/2014/main" id="{CCAABC86-82E0-F099-701A-D4347B605385}"/>
               </a:ext>
             </a:extLst>
@@ -13806,7 +13774,7 @@
             <a:fld id="{2BF067CD-8E6B-4360-9AA8-C5DF2A48A6D1}" type="slidenum">
               <a:rPr lang="en-US" noProof="0" smtClean="0"/>
               <a:pPr/>
-              <a:t>20</a:t>
+              <a:t>21</a:t>
             </a:fld>
             <a:endParaRPr lang="en-US" noProof="0" dirty="0"/>
           </a:p>
@@ -13849,11 +13817,2714 @@
             </a:r>
             <a:r>
               <a:rPr lang="en-US" dirty="0"/>
+              <a:t>UI – </a:t>
+            </a:r>
+            <a:r>
+              <a:rPr lang="bg-BG" dirty="0"/>
+              <a:t>навигация</a:t>
+            </a:r>
+            <a:endParaRPr lang="en-BG" dirty="0"/>
+          </a:p>
+        </p:txBody>
+      </p:sp>
+      <p:sp>
+        <p:nvSpPr>
+          <p:cNvPr id="7" name="Text Placeholder 6">
+            <a:extLst>
+              <a:ext uri="{FF2B5EF4-FFF2-40B4-BE49-F238E27FC236}">
+                <a16:creationId xmlns:a16="http://schemas.microsoft.com/office/drawing/2014/main" id="{FBFEFCDD-E454-D1E7-D67F-EE67BB2A7ACE}"/>
+              </a:ext>
+            </a:extLst>
+          </p:cNvPr>
+          <p:cNvSpPr>
+            <a:spLocks noGrp="1"/>
+          </p:cNvSpPr>
+          <p:nvPr>
+            <p:ph type="body" sz="quarter" idx="10"/>
+          </p:nvPr>
+        </p:nvSpPr>
+        <p:spPr>
+          <a:xfrm>
+            <a:off x="190402" y="1196125"/>
+            <a:ext cx="2980598" cy="5528766"/>
+          </a:xfrm>
+        </p:spPr>
+        <p:txBody>
+          <a:bodyPr>
+            <a:normAutofit/>
+          </a:bodyPr>
+          <a:lstStyle/>
+          <a:p>
+            <a:r>
+              <a:rPr lang="en-US" sz="2000" b="1" dirty="0">
+                <a:solidFill>
+                  <a:schemeClr val="bg1"/>
+                </a:solidFill>
+                <a:highlight>
+                  <a:srgbClr val="FFFF00"/>
+                </a:highlight>
+              </a:rPr>
+              <a:t>TODO:</a:t>
+            </a:r>
+            <a:r>
+              <a:rPr lang="bg-BG" sz="2000" b="1" dirty="0">
+                <a:solidFill>
+                  <a:schemeClr val="bg1"/>
+                </a:solidFill>
+                <a:highlight>
+                  <a:srgbClr val="FFFF00"/>
+                </a:highlight>
+              </a:rPr>
+              <a:t> на една картинка със </a:t>
+            </a:r>
+            <a:r>
+              <a:rPr lang="bg-BG" sz="2000" b="1" dirty="0" err="1">
+                <a:solidFill>
+                  <a:schemeClr val="bg1"/>
+                </a:solidFill>
+                <a:highlight>
+                  <a:srgbClr val="FFFF00"/>
+                </a:highlight>
+              </a:rPr>
+              <a:t>стрелкички</a:t>
+            </a:r>
+            <a:r>
+              <a:rPr lang="bg-BG" sz="2000" b="1" dirty="0">
+                <a:solidFill>
+                  <a:schemeClr val="bg1"/>
+                </a:solidFill>
+                <a:highlight>
+                  <a:srgbClr val="FFFF00"/>
+                </a:highlight>
+              </a:rPr>
+              <a:t> се показва потока на навигация</a:t>
+            </a:r>
+            <a:endParaRPr lang="bg-BG" sz="2000" b="1" dirty="0">
+              <a:highlight>
+                <a:srgbClr val="FFFF00"/>
+              </a:highlight>
+            </a:endParaRPr>
+          </a:p>
+        </p:txBody>
+      </p:sp>
+      <p:sp>
+        <p:nvSpPr>
+          <p:cNvPr id="3" name="Rectangle: Rounded Corners 2">
+            <a:extLst>
+              <a:ext uri="{FF2B5EF4-FFF2-40B4-BE49-F238E27FC236}">
+                <a16:creationId xmlns:a16="http://schemas.microsoft.com/office/drawing/2014/main" id="{25C21E76-A94E-BB6F-B5EE-013FBC27A4DE}"/>
+              </a:ext>
+            </a:extLst>
+          </p:cNvPr>
+          <p:cNvSpPr/>
+          <p:nvPr/>
+        </p:nvSpPr>
+        <p:spPr bwMode="auto">
+          <a:xfrm>
+            <a:off x="1191000" y="2911615"/>
+            <a:ext cx="2243819" cy="920909"/>
+          </a:xfrm>
+          <a:prstGeom prst="roundRect">
+            <a:avLst/>
+          </a:prstGeom>
+          <a:solidFill>
+            <a:schemeClr val="dk2">
+              <a:alpha val="80000"/>
+            </a:schemeClr>
+          </a:solidFill>
+          <a:ln w="19050">
+            <a:solidFill>
+              <a:schemeClr val="tx1">
+                <a:lumMod val="75000"/>
+                <a:alpha val="80000"/>
+              </a:schemeClr>
+            </a:solidFill>
+          </a:ln>
+          <a:effectLst/>
+        </p:spPr>
+        <p:style>
+          <a:lnRef idx="2">
+            <a:schemeClr val="accent1">
+              <a:shade val="50000"/>
+            </a:schemeClr>
+          </a:lnRef>
+          <a:fillRef idx="1001">
+            <a:schemeClr val="dk2"/>
+          </a:fillRef>
+          <a:effectRef idx="0">
+            <a:schemeClr val="accent1"/>
+          </a:effectRef>
+          <a:fontRef idx="minor">
+            <a:schemeClr val="lt1"/>
+          </a:fontRef>
+        </p:style>
+        <p:txBody>
+          <a:bodyPr rot="0" spcFirstLastPara="0" vertOverflow="overflow" horzOverflow="overflow" vert="horz" wrap="square" lIns="91440" tIns="45720" rIns="91440" bIns="45720" numCol="1" spcCol="0" rtlCol="0" fromWordArt="0" anchor="ctr" anchorCtr="0" forceAA="0" compatLnSpc="1">
+            <a:prstTxWarp prst="textNoShape">
+              <a:avLst/>
+            </a:prstTxWarp>
+            <a:noAutofit/>
+          </a:bodyPr>
+          <a:lstStyle/>
+          <a:p>
+            <a:pPr algn="ctr"/>
+            <a:r>
+              <a:rPr lang="bg-BG" sz="2400" b="1" dirty="0">
+                <a:solidFill>
+                  <a:srgbClr val="FFFFFF"/>
+                </a:solidFill>
+                <a:effectLst>
+                  <a:outerShdw blurRad="38100" dist="38100" dir="2700000" algn="tl">
+                    <a:srgbClr val="000000">
+                      <a:alpha val="43137"/>
+                    </a:srgbClr>
+                  </a:outerShdw>
+                </a:effectLst>
+              </a:rPr>
+              <a:t>главна форма за лекари</a:t>
+            </a:r>
+            <a:endParaRPr lang="en-US" sz="2400" b="1" dirty="0">
+              <a:solidFill>
+                <a:srgbClr val="FFFFFF"/>
+              </a:solidFill>
+              <a:effectLst>
+                <a:outerShdw blurRad="38100" dist="38100" dir="2700000" algn="tl">
+                  <a:srgbClr val="000000">
+                    <a:alpha val="43137"/>
+                  </a:srgbClr>
+                </a:outerShdw>
+              </a:effectLst>
+            </a:endParaRPr>
+          </a:p>
+        </p:txBody>
+      </p:sp>
+      <p:sp>
+        <p:nvSpPr>
+          <p:cNvPr id="5" name="Rectangle: Rounded Corners 4">
+            <a:extLst>
+              <a:ext uri="{FF2B5EF4-FFF2-40B4-BE49-F238E27FC236}">
+                <a16:creationId xmlns:a16="http://schemas.microsoft.com/office/drawing/2014/main" id="{F8839F0C-4538-DE73-E49C-9B9E819C86FE}"/>
+              </a:ext>
+            </a:extLst>
+          </p:cNvPr>
+          <p:cNvSpPr/>
+          <p:nvPr/>
+        </p:nvSpPr>
+        <p:spPr bwMode="auto">
+          <a:xfrm>
+            <a:off x="4341000" y="1449000"/>
+            <a:ext cx="2243819" cy="920909"/>
+          </a:xfrm>
+          <a:prstGeom prst="roundRect">
+            <a:avLst/>
+          </a:prstGeom>
+          <a:solidFill>
+            <a:schemeClr val="dk2">
+              <a:alpha val="80000"/>
+            </a:schemeClr>
+          </a:solidFill>
+          <a:ln w="19050">
+            <a:solidFill>
+              <a:schemeClr val="tx1">
+                <a:lumMod val="75000"/>
+                <a:alpha val="80000"/>
+              </a:schemeClr>
+            </a:solidFill>
+          </a:ln>
+          <a:effectLst/>
+        </p:spPr>
+        <p:style>
+          <a:lnRef idx="2">
+            <a:schemeClr val="accent1">
+              <a:shade val="50000"/>
+            </a:schemeClr>
+          </a:lnRef>
+          <a:fillRef idx="1001">
+            <a:schemeClr val="dk2"/>
+          </a:fillRef>
+          <a:effectRef idx="0">
+            <a:schemeClr val="accent1"/>
+          </a:effectRef>
+          <a:fontRef idx="minor">
+            <a:schemeClr val="lt1"/>
+          </a:fontRef>
+        </p:style>
+        <p:txBody>
+          <a:bodyPr rot="0" spcFirstLastPara="0" vertOverflow="overflow" horzOverflow="overflow" vert="horz" wrap="square" lIns="91440" tIns="45720" rIns="91440" bIns="45720" numCol="1" spcCol="0" rtlCol="0" fromWordArt="0" anchor="ctr" anchorCtr="0" forceAA="0" compatLnSpc="1">
+            <a:prstTxWarp prst="textNoShape">
+              <a:avLst/>
+            </a:prstTxWarp>
+            <a:noAutofit/>
+          </a:bodyPr>
+          <a:lstStyle/>
+          <a:p>
+            <a:pPr algn="ctr"/>
+            <a:r>
+              <a:rPr lang="bg-BG" sz="2400" b="1" dirty="0">
+                <a:solidFill>
+                  <a:srgbClr val="FFFFFF"/>
+                </a:solidFill>
+                <a:effectLst>
+                  <a:outerShdw blurRad="38100" dist="38100" dir="2700000" algn="tl">
+                    <a:srgbClr val="000000">
+                      <a:alpha val="43137"/>
+                    </a:srgbClr>
+                  </a:outerShdw>
+                </a:effectLst>
+              </a:rPr>
+              <a:t>вход в приложението</a:t>
+            </a:r>
+            <a:endParaRPr lang="en-US" sz="2400" b="1" dirty="0">
+              <a:solidFill>
+                <a:srgbClr val="FFFFFF"/>
+              </a:solidFill>
+              <a:effectLst>
+                <a:outerShdw blurRad="38100" dist="38100" dir="2700000" algn="tl">
+                  <a:srgbClr val="000000">
+                    <a:alpha val="43137"/>
+                  </a:srgbClr>
+                </a:outerShdw>
+              </a:effectLst>
+            </a:endParaRPr>
+          </a:p>
+        </p:txBody>
+      </p:sp>
+      <p:sp>
+        <p:nvSpPr>
+          <p:cNvPr id="6" name="Rectangle: Rounded Corners 5">
+            <a:extLst>
+              <a:ext uri="{FF2B5EF4-FFF2-40B4-BE49-F238E27FC236}">
+                <a16:creationId xmlns:a16="http://schemas.microsoft.com/office/drawing/2014/main" id="{5059EBDF-0317-D630-2E09-8DE5F3028091}"/>
+              </a:ext>
+            </a:extLst>
+          </p:cNvPr>
+          <p:cNvSpPr/>
+          <p:nvPr/>
+        </p:nvSpPr>
+        <p:spPr bwMode="auto">
+          <a:xfrm>
+            <a:off x="7143318" y="2876481"/>
+            <a:ext cx="2243819" cy="920909"/>
+          </a:xfrm>
+          <a:prstGeom prst="roundRect">
+            <a:avLst/>
+          </a:prstGeom>
+          <a:solidFill>
+            <a:schemeClr val="dk2">
+              <a:alpha val="80000"/>
+            </a:schemeClr>
+          </a:solidFill>
+          <a:ln w="19050">
+            <a:solidFill>
+              <a:schemeClr val="tx1">
+                <a:lumMod val="75000"/>
+                <a:alpha val="80000"/>
+              </a:schemeClr>
+            </a:solidFill>
+          </a:ln>
+          <a:effectLst/>
+        </p:spPr>
+        <p:style>
+          <a:lnRef idx="2">
+            <a:schemeClr val="accent1">
+              <a:shade val="50000"/>
+            </a:schemeClr>
+          </a:lnRef>
+          <a:fillRef idx="1001">
+            <a:schemeClr val="dk2"/>
+          </a:fillRef>
+          <a:effectRef idx="0">
+            <a:schemeClr val="accent1"/>
+          </a:effectRef>
+          <a:fontRef idx="minor">
+            <a:schemeClr val="lt1"/>
+          </a:fontRef>
+        </p:style>
+        <p:txBody>
+          <a:bodyPr rot="0" spcFirstLastPara="0" vertOverflow="overflow" horzOverflow="overflow" vert="horz" wrap="square" lIns="91440" tIns="45720" rIns="91440" bIns="45720" numCol="1" spcCol="0" rtlCol="0" fromWordArt="0" anchor="ctr" anchorCtr="0" forceAA="0" compatLnSpc="1">
+            <a:prstTxWarp prst="textNoShape">
+              <a:avLst/>
+            </a:prstTxWarp>
+            <a:noAutofit/>
+          </a:bodyPr>
+          <a:lstStyle/>
+          <a:p>
+            <a:pPr algn="ctr"/>
+            <a:r>
+              <a:rPr lang="bg-BG" sz="2400" b="1" dirty="0">
+                <a:solidFill>
+                  <a:srgbClr val="FFFFFF"/>
+                </a:solidFill>
+                <a:effectLst>
+                  <a:outerShdw blurRad="38100" dist="38100" dir="2700000" algn="tl">
+                    <a:srgbClr val="000000">
+                      <a:alpha val="43137"/>
+                    </a:srgbClr>
+                  </a:outerShdw>
+                </a:effectLst>
+              </a:rPr>
+              <a:t>главна форма за админи</a:t>
+            </a:r>
+            <a:endParaRPr lang="en-US" sz="2400" b="1" dirty="0">
+              <a:solidFill>
+                <a:srgbClr val="FFFFFF"/>
+              </a:solidFill>
+              <a:effectLst>
+                <a:outerShdw blurRad="38100" dist="38100" dir="2700000" algn="tl">
+                  <a:srgbClr val="000000">
+                    <a:alpha val="43137"/>
+                  </a:srgbClr>
+                </a:outerShdw>
+              </a:effectLst>
+            </a:endParaRPr>
+          </a:p>
+        </p:txBody>
+      </p:sp>
+      <p:cxnSp>
+        <p:nvCxnSpPr>
+          <p:cNvPr id="9" name="Straight Arrow Connector 8">
+            <a:extLst>
+              <a:ext uri="{FF2B5EF4-FFF2-40B4-BE49-F238E27FC236}">
+                <a16:creationId xmlns:a16="http://schemas.microsoft.com/office/drawing/2014/main" id="{2BA5F39F-5A84-88EF-0407-8469C5DE9BB5}"/>
+              </a:ext>
+            </a:extLst>
+          </p:cNvPr>
+          <p:cNvCxnSpPr>
+            <a:stCxn id="5" idx="2"/>
+            <a:endCxn id="3" idx="0"/>
+          </p:cNvCxnSpPr>
+          <p:nvPr/>
+        </p:nvCxnSpPr>
+        <p:spPr>
+          <a:xfrm rot="5400000">
+            <a:off x="3617057" y="1065762"/>
+            <a:ext cx="541706" cy="3150000"/>
+          </a:xfrm>
+          <a:prstGeom prst="bentConnector3">
+            <a:avLst>
+              <a:gd name="adj1" fmla="val 50000"/>
+            </a:avLst>
+          </a:prstGeom>
+          <a:ln w="38100" cap="flat" cmpd="sng" algn="ctr">
+            <a:solidFill>
+              <a:schemeClr val="dk1"/>
+            </a:solidFill>
+            <a:prstDash val="solid"/>
+            <a:round/>
+            <a:headEnd type="none" w="med" len="med"/>
+            <a:tailEnd type="arrow" w="med" len="med"/>
+          </a:ln>
+        </p:spPr>
+        <p:style>
+          <a:lnRef idx="0">
+            <a:scrgbClr r="0" g="0" b="0"/>
+          </a:lnRef>
+          <a:fillRef idx="0">
+            <a:scrgbClr r="0" g="0" b="0"/>
+          </a:fillRef>
+          <a:effectRef idx="0">
+            <a:scrgbClr r="0" g="0" b="0"/>
+          </a:effectRef>
+          <a:fontRef idx="minor">
+            <a:schemeClr val="tx1"/>
+          </a:fontRef>
+        </p:style>
+      </p:cxnSp>
+      <p:cxnSp>
+        <p:nvCxnSpPr>
+          <p:cNvPr id="10" name="Straight Arrow Connector 9">
+            <a:extLst>
+              <a:ext uri="{FF2B5EF4-FFF2-40B4-BE49-F238E27FC236}">
+                <a16:creationId xmlns:a16="http://schemas.microsoft.com/office/drawing/2014/main" id="{A8F21238-56D1-0C84-76C0-35AD5E10C187}"/>
+              </a:ext>
+            </a:extLst>
+          </p:cNvPr>
+          <p:cNvCxnSpPr>
+            <a:cxnSpLocks/>
+            <a:stCxn id="5" idx="2"/>
+            <a:endCxn id="6" idx="0"/>
+          </p:cNvCxnSpPr>
+          <p:nvPr/>
+        </p:nvCxnSpPr>
+        <p:spPr>
+          <a:xfrm rot="16200000" flipH="1">
+            <a:off x="6610783" y="1222036"/>
+            <a:ext cx="506572" cy="2802318"/>
+          </a:xfrm>
+          <a:prstGeom prst="bentConnector3">
+            <a:avLst>
+              <a:gd name="adj1" fmla="val 50000"/>
+            </a:avLst>
+          </a:prstGeom>
+          <a:ln w="38100" cap="flat" cmpd="sng" algn="ctr">
+            <a:solidFill>
+              <a:schemeClr val="dk1"/>
+            </a:solidFill>
+            <a:prstDash val="solid"/>
+            <a:round/>
+            <a:headEnd type="none" w="med" len="med"/>
+            <a:tailEnd type="arrow" w="med" len="med"/>
+          </a:ln>
+        </p:spPr>
+        <p:style>
+          <a:lnRef idx="0">
+            <a:scrgbClr r="0" g="0" b="0"/>
+          </a:lnRef>
+          <a:fillRef idx="0">
+            <a:scrgbClr r="0" g="0" b="0"/>
+          </a:fillRef>
+          <a:effectRef idx="0">
+            <a:scrgbClr r="0" g="0" b="0"/>
+          </a:effectRef>
+          <a:fontRef idx="minor">
+            <a:schemeClr val="tx1"/>
+          </a:fontRef>
+        </p:style>
+      </p:cxnSp>
+      <p:sp>
+        <p:nvSpPr>
+          <p:cNvPr id="13" name="Rectangle: Rounded Corners 12">
+            <a:extLst>
+              <a:ext uri="{FF2B5EF4-FFF2-40B4-BE49-F238E27FC236}">
+                <a16:creationId xmlns:a16="http://schemas.microsoft.com/office/drawing/2014/main" id="{A9EB0740-9357-670C-BA1A-7A72AD8A104A}"/>
+              </a:ext>
+            </a:extLst>
+          </p:cNvPr>
+          <p:cNvSpPr/>
+          <p:nvPr/>
+        </p:nvSpPr>
+        <p:spPr bwMode="auto">
+          <a:xfrm>
+            <a:off x="381000" y="4334564"/>
+            <a:ext cx="1624625" cy="920909"/>
+          </a:xfrm>
+          <a:prstGeom prst="roundRect">
+            <a:avLst/>
+          </a:prstGeom>
+          <a:solidFill>
+            <a:schemeClr val="dk2">
+              <a:alpha val="80000"/>
+            </a:schemeClr>
+          </a:solidFill>
+          <a:ln w="19050">
+            <a:solidFill>
+              <a:schemeClr val="tx1">
+                <a:lumMod val="75000"/>
+                <a:alpha val="80000"/>
+              </a:schemeClr>
+            </a:solidFill>
+          </a:ln>
+          <a:effectLst/>
+        </p:spPr>
+        <p:style>
+          <a:lnRef idx="2">
+            <a:schemeClr val="accent1">
+              <a:shade val="50000"/>
+            </a:schemeClr>
+          </a:lnRef>
+          <a:fillRef idx="1001">
+            <a:schemeClr val="dk2"/>
+          </a:fillRef>
+          <a:effectRef idx="0">
+            <a:schemeClr val="accent1"/>
+          </a:effectRef>
+          <a:fontRef idx="minor">
+            <a:schemeClr val="lt1"/>
+          </a:fontRef>
+        </p:style>
+        <p:txBody>
+          <a:bodyPr rot="0" spcFirstLastPara="0" vertOverflow="overflow" horzOverflow="overflow" vert="horz" wrap="square" lIns="91440" tIns="45720" rIns="91440" bIns="45720" numCol="1" spcCol="0" rtlCol="0" fromWordArt="0" anchor="ctr" anchorCtr="0" forceAA="0" compatLnSpc="1">
+            <a:prstTxWarp prst="textNoShape">
+              <a:avLst/>
+            </a:prstTxWarp>
+            <a:noAutofit/>
+          </a:bodyPr>
+          <a:lstStyle/>
+          <a:p>
+            <a:pPr algn="ctr"/>
+            <a:r>
+              <a:rPr lang="bg-BG" sz="2400" b="1" dirty="0">
+                <a:solidFill>
+                  <a:srgbClr val="FFFFFF"/>
+                </a:solidFill>
+                <a:effectLst>
+                  <a:outerShdw blurRad="38100" dist="38100" dir="2700000" algn="tl">
+                    <a:srgbClr val="000000">
+                      <a:alpha val="43137"/>
+                    </a:srgbClr>
+                  </a:outerShdw>
+                </a:effectLst>
+              </a:rPr>
+              <a:t>форма за пациенти</a:t>
+            </a:r>
+            <a:endParaRPr lang="en-US" sz="2400" b="1" dirty="0">
+              <a:solidFill>
+                <a:srgbClr val="FFFFFF"/>
+              </a:solidFill>
+              <a:effectLst>
+                <a:outerShdw blurRad="38100" dist="38100" dir="2700000" algn="tl">
+                  <a:srgbClr val="000000">
+                    <a:alpha val="43137"/>
+                  </a:srgbClr>
+                </a:outerShdw>
+              </a:effectLst>
+            </a:endParaRPr>
+          </a:p>
+        </p:txBody>
+      </p:sp>
+      <p:sp>
+        <p:nvSpPr>
+          <p:cNvPr id="14" name="Rectangle: Rounded Corners 13">
+            <a:extLst>
+              <a:ext uri="{FF2B5EF4-FFF2-40B4-BE49-F238E27FC236}">
+                <a16:creationId xmlns:a16="http://schemas.microsoft.com/office/drawing/2014/main" id="{DF0B9F73-1B59-6665-CDDD-AE9D314DAAC4}"/>
+              </a:ext>
+            </a:extLst>
+          </p:cNvPr>
+          <p:cNvSpPr/>
+          <p:nvPr/>
+        </p:nvSpPr>
+        <p:spPr bwMode="auto">
+          <a:xfrm>
+            <a:off x="2421908" y="4344944"/>
+            <a:ext cx="1624625" cy="920909"/>
+          </a:xfrm>
+          <a:prstGeom prst="roundRect">
+            <a:avLst/>
+          </a:prstGeom>
+          <a:solidFill>
+            <a:schemeClr val="dk2">
+              <a:alpha val="80000"/>
+            </a:schemeClr>
+          </a:solidFill>
+          <a:ln w="19050">
+            <a:solidFill>
+              <a:schemeClr val="tx1">
+                <a:lumMod val="75000"/>
+                <a:alpha val="80000"/>
+              </a:schemeClr>
+            </a:solidFill>
+          </a:ln>
+          <a:effectLst/>
+        </p:spPr>
+        <p:style>
+          <a:lnRef idx="2">
+            <a:schemeClr val="accent1">
+              <a:shade val="50000"/>
+            </a:schemeClr>
+          </a:lnRef>
+          <a:fillRef idx="1001">
+            <a:schemeClr val="dk2"/>
+          </a:fillRef>
+          <a:effectRef idx="0">
+            <a:schemeClr val="accent1"/>
+          </a:effectRef>
+          <a:fontRef idx="minor">
+            <a:schemeClr val="lt1"/>
+          </a:fontRef>
+        </p:style>
+        <p:txBody>
+          <a:bodyPr rot="0" spcFirstLastPara="0" vertOverflow="overflow" horzOverflow="overflow" vert="horz" wrap="square" lIns="91440" tIns="45720" rIns="91440" bIns="45720" numCol="1" spcCol="0" rtlCol="0" fromWordArt="0" anchor="ctr" anchorCtr="0" forceAA="0" compatLnSpc="1">
+            <a:prstTxWarp prst="textNoShape">
+              <a:avLst/>
+            </a:prstTxWarp>
+            <a:noAutofit/>
+          </a:bodyPr>
+          <a:lstStyle/>
+          <a:p>
+            <a:pPr algn="ctr"/>
+            <a:r>
+              <a:rPr lang="bg-BG" sz="2400" b="1" dirty="0">
+                <a:solidFill>
+                  <a:srgbClr val="FFFFFF"/>
+                </a:solidFill>
+                <a:effectLst>
+                  <a:outerShdw blurRad="38100" dist="38100" dir="2700000" algn="tl">
+                    <a:srgbClr val="000000">
+                      <a:alpha val="43137"/>
+                    </a:srgbClr>
+                  </a:outerShdw>
+                </a:effectLst>
+              </a:rPr>
+              <a:t>форма за прегледи</a:t>
+            </a:r>
+            <a:endParaRPr lang="en-US" sz="2400" b="1" dirty="0">
+              <a:solidFill>
+                <a:srgbClr val="FFFFFF"/>
+              </a:solidFill>
+              <a:effectLst>
+                <a:outerShdw blurRad="38100" dist="38100" dir="2700000" algn="tl">
+                  <a:srgbClr val="000000">
+                    <a:alpha val="43137"/>
+                  </a:srgbClr>
+                </a:outerShdw>
+              </a:effectLst>
+            </a:endParaRPr>
+          </a:p>
+        </p:txBody>
+      </p:sp>
+      <p:cxnSp>
+        <p:nvCxnSpPr>
+          <p:cNvPr id="15" name="Straight Arrow Connector 9">
+            <a:extLst>
+              <a:ext uri="{FF2B5EF4-FFF2-40B4-BE49-F238E27FC236}">
+                <a16:creationId xmlns:a16="http://schemas.microsoft.com/office/drawing/2014/main" id="{4EB546CE-7B54-9EF6-EA7F-F6475C60D3C9}"/>
+              </a:ext>
+            </a:extLst>
+          </p:cNvPr>
+          <p:cNvCxnSpPr>
+            <a:cxnSpLocks/>
+            <a:stCxn id="3" idx="2"/>
+            <a:endCxn id="13" idx="0"/>
+          </p:cNvCxnSpPr>
+          <p:nvPr/>
+        </p:nvCxnSpPr>
+        <p:spPr>
+          <a:xfrm rot="5400000">
+            <a:off x="1502092" y="3523746"/>
+            <a:ext cx="502040" cy="1119597"/>
+          </a:xfrm>
+          <a:prstGeom prst="bentConnector3">
+            <a:avLst>
+              <a:gd name="adj1" fmla="val 50000"/>
+            </a:avLst>
+          </a:prstGeom>
+          <a:ln w="38100" cap="flat" cmpd="sng" algn="ctr">
+            <a:solidFill>
+              <a:schemeClr val="dk1"/>
+            </a:solidFill>
+            <a:prstDash val="solid"/>
+            <a:round/>
+            <a:headEnd type="none" w="med" len="med"/>
+            <a:tailEnd type="arrow" w="med" len="med"/>
+          </a:ln>
+        </p:spPr>
+        <p:style>
+          <a:lnRef idx="0">
+            <a:scrgbClr r="0" g="0" b="0"/>
+          </a:lnRef>
+          <a:fillRef idx="0">
+            <a:scrgbClr r="0" g="0" b="0"/>
+          </a:fillRef>
+          <a:effectRef idx="0">
+            <a:scrgbClr r="0" g="0" b="0"/>
+          </a:effectRef>
+          <a:fontRef idx="minor">
+            <a:schemeClr val="tx1"/>
+          </a:fontRef>
+        </p:style>
+      </p:cxnSp>
+      <p:cxnSp>
+        <p:nvCxnSpPr>
+          <p:cNvPr id="18" name="Straight Arrow Connector 9">
+            <a:extLst>
+              <a:ext uri="{FF2B5EF4-FFF2-40B4-BE49-F238E27FC236}">
+                <a16:creationId xmlns:a16="http://schemas.microsoft.com/office/drawing/2014/main" id="{2863456E-5234-BEF1-CC8F-E69708C43EF2}"/>
+              </a:ext>
+            </a:extLst>
+          </p:cNvPr>
+          <p:cNvCxnSpPr>
+            <a:cxnSpLocks/>
+            <a:stCxn id="13" idx="3"/>
+            <a:endCxn id="14" idx="1"/>
+          </p:cNvCxnSpPr>
+          <p:nvPr/>
+        </p:nvCxnSpPr>
+        <p:spPr>
+          <a:xfrm>
+            <a:off x="2005625" y="4795019"/>
+            <a:ext cx="416283" cy="10380"/>
+          </a:xfrm>
+          <a:prstGeom prst="bentConnector3">
+            <a:avLst>
+              <a:gd name="adj1" fmla="val 50000"/>
+            </a:avLst>
+          </a:prstGeom>
+          <a:ln w="38100" cap="flat" cmpd="sng" algn="ctr">
+            <a:solidFill>
+              <a:schemeClr val="dk1"/>
+            </a:solidFill>
+            <a:prstDash val="solid"/>
+            <a:round/>
+            <a:headEnd type="none" w="med" len="med"/>
+            <a:tailEnd type="arrow" w="med" len="med"/>
+          </a:ln>
+        </p:spPr>
+        <p:style>
+          <a:lnRef idx="0">
+            <a:scrgbClr r="0" g="0" b="0"/>
+          </a:lnRef>
+          <a:fillRef idx="0">
+            <a:scrgbClr r="0" g="0" b="0"/>
+          </a:fillRef>
+          <a:effectRef idx="0">
+            <a:scrgbClr r="0" g="0" b="0"/>
+          </a:effectRef>
+          <a:fontRef idx="minor">
+            <a:schemeClr val="tx1"/>
+          </a:fontRef>
+        </p:style>
+      </p:cxnSp>
+      <p:sp>
+        <p:nvSpPr>
+          <p:cNvPr id="21" name="Rectangle: Rounded Corners 20">
+            <a:extLst>
+              <a:ext uri="{FF2B5EF4-FFF2-40B4-BE49-F238E27FC236}">
+                <a16:creationId xmlns:a16="http://schemas.microsoft.com/office/drawing/2014/main" id="{E3089070-811F-9C23-B2DD-0F43DE45729D}"/>
+              </a:ext>
+            </a:extLst>
+          </p:cNvPr>
+          <p:cNvSpPr/>
+          <p:nvPr/>
+        </p:nvSpPr>
+        <p:spPr bwMode="auto">
+          <a:xfrm>
+            <a:off x="4429674" y="4349458"/>
+            <a:ext cx="1624625" cy="920909"/>
+          </a:xfrm>
+          <a:prstGeom prst="roundRect">
+            <a:avLst/>
+          </a:prstGeom>
+          <a:solidFill>
+            <a:schemeClr val="dk2">
+              <a:alpha val="80000"/>
+            </a:schemeClr>
+          </a:solidFill>
+          <a:ln w="19050">
+            <a:solidFill>
+              <a:schemeClr val="tx1">
+                <a:lumMod val="75000"/>
+                <a:alpha val="80000"/>
+              </a:schemeClr>
+            </a:solidFill>
+          </a:ln>
+          <a:effectLst/>
+        </p:spPr>
+        <p:style>
+          <a:lnRef idx="2">
+            <a:schemeClr val="accent1">
+              <a:shade val="50000"/>
+            </a:schemeClr>
+          </a:lnRef>
+          <a:fillRef idx="1001">
+            <a:schemeClr val="dk2"/>
+          </a:fillRef>
+          <a:effectRef idx="0">
+            <a:schemeClr val="accent1"/>
+          </a:effectRef>
+          <a:fontRef idx="minor">
+            <a:schemeClr val="lt1"/>
+          </a:fontRef>
+        </p:style>
+        <p:txBody>
+          <a:bodyPr rot="0" spcFirstLastPara="0" vertOverflow="overflow" horzOverflow="overflow" vert="horz" wrap="square" lIns="91440" tIns="45720" rIns="91440" bIns="45720" numCol="1" spcCol="0" rtlCol="0" fromWordArt="0" anchor="ctr" anchorCtr="0" forceAA="0" compatLnSpc="1">
+            <a:prstTxWarp prst="textNoShape">
+              <a:avLst/>
+            </a:prstTxWarp>
+            <a:noAutofit/>
+          </a:bodyPr>
+          <a:lstStyle/>
+          <a:p>
+            <a:pPr algn="ctr"/>
+            <a:r>
+              <a:rPr lang="bg-BG" sz="2400" b="1" dirty="0">
+                <a:solidFill>
+                  <a:srgbClr val="FFFFFF"/>
+                </a:solidFill>
+                <a:effectLst>
+                  <a:outerShdw blurRad="38100" dist="38100" dir="2700000" algn="tl">
+                    <a:srgbClr val="000000">
+                      <a:alpha val="43137"/>
+                    </a:srgbClr>
+                  </a:outerShdw>
+                </a:effectLst>
+              </a:rPr>
+              <a:t>форма за пациенти</a:t>
+            </a:r>
+            <a:endParaRPr lang="en-US" sz="2400" b="1" dirty="0">
+              <a:solidFill>
+                <a:srgbClr val="FFFFFF"/>
+              </a:solidFill>
+              <a:effectLst>
+                <a:outerShdw blurRad="38100" dist="38100" dir="2700000" algn="tl">
+                  <a:srgbClr val="000000">
+                    <a:alpha val="43137"/>
+                  </a:srgbClr>
+                </a:outerShdw>
+              </a:effectLst>
+            </a:endParaRPr>
+          </a:p>
+        </p:txBody>
+      </p:sp>
+      <p:sp>
+        <p:nvSpPr>
+          <p:cNvPr id="22" name="Rectangle: Rounded Corners 21">
+            <a:extLst>
+              <a:ext uri="{FF2B5EF4-FFF2-40B4-BE49-F238E27FC236}">
+                <a16:creationId xmlns:a16="http://schemas.microsoft.com/office/drawing/2014/main" id="{E96092AC-53A3-5637-18AB-6576CD6382D3}"/>
+              </a:ext>
+            </a:extLst>
+          </p:cNvPr>
+          <p:cNvSpPr/>
+          <p:nvPr/>
+        </p:nvSpPr>
+        <p:spPr bwMode="auto">
+          <a:xfrm>
+            <a:off x="6331005" y="4344944"/>
+            <a:ext cx="1624625" cy="920909"/>
+          </a:xfrm>
+          <a:prstGeom prst="roundRect">
+            <a:avLst/>
+          </a:prstGeom>
+          <a:solidFill>
+            <a:schemeClr val="dk2">
+              <a:alpha val="80000"/>
+            </a:schemeClr>
+          </a:solidFill>
+          <a:ln w="19050">
+            <a:solidFill>
+              <a:schemeClr val="tx1">
+                <a:lumMod val="75000"/>
+                <a:alpha val="80000"/>
+              </a:schemeClr>
+            </a:solidFill>
+          </a:ln>
+          <a:effectLst/>
+        </p:spPr>
+        <p:style>
+          <a:lnRef idx="2">
+            <a:schemeClr val="accent1">
+              <a:shade val="50000"/>
+            </a:schemeClr>
+          </a:lnRef>
+          <a:fillRef idx="1001">
+            <a:schemeClr val="dk2"/>
+          </a:fillRef>
+          <a:effectRef idx="0">
+            <a:schemeClr val="accent1"/>
+          </a:effectRef>
+          <a:fontRef idx="minor">
+            <a:schemeClr val="lt1"/>
+          </a:fontRef>
+        </p:style>
+        <p:txBody>
+          <a:bodyPr rot="0" spcFirstLastPara="0" vertOverflow="overflow" horzOverflow="overflow" vert="horz" wrap="square" lIns="91440" tIns="45720" rIns="91440" bIns="45720" numCol="1" spcCol="0" rtlCol="0" fromWordArt="0" anchor="ctr" anchorCtr="0" forceAA="0" compatLnSpc="1">
+            <a:prstTxWarp prst="textNoShape">
+              <a:avLst/>
+            </a:prstTxWarp>
+            <a:noAutofit/>
+          </a:bodyPr>
+          <a:lstStyle/>
+          <a:p>
+            <a:pPr algn="ctr"/>
+            <a:r>
+              <a:rPr lang="bg-BG" sz="2400" b="1" dirty="0">
+                <a:solidFill>
+                  <a:srgbClr val="FFFFFF"/>
+                </a:solidFill>
+                <a:effectLst>
+                  <a:outerShdw blurRad="38100" dist="38100" dir="2700000" algn="tl">
+                    <a:srgbClr val="000000">
+                      <a:alpha val="43137"/>
+                    </a:srgbClr>
+                  </a:outerShdw>
+                </a:effectLst>
+              </a:rPr>
+              <a:t>форма за прегледи</a:t>
+            </a:r>
+            <a:endParaRPr lang="en-US" sz="2400" b="1" dirty="0">
+              <a:solidFill>
+                <a:srgbClr val="FFFFFF"/>
+              </a:solidFill>
+              <a:effectLst>
+                <a:outerShdw blurRad="38100" dist="38100" dir="2700000" algn="tl">
+                  <a:srgbClr val="000000">
+                    <a:alpha val="43137"/>
+                  </a:srgbClr>
+                </a:outerShdw>
+              </a:effectLst>
+            </a:endParaRPr>
+          </a:p>
+        </p:txBody>
+      </p:sp>
+      <p:cxnSp>
+        <p:nvCxnSpPr>
+          <p:cNvPr id="23" name="Straight Arrow Connector 9">
+            <a:extLst>
+              <a:ext uri="{FF2B5EF4-FFF2-40B4-BE49-F238E27FC236}">
+                <a16:creationId xmlns:a16="http://schemas.microsoft.com/office/drawing/2014/main" id="{310EF940-D9A6-661F-72B2-EE461AE6E162}"/>
+              </a:ext>
+            </a:extLst>
+          </p:cNvPr>
+          <p:cNvCxnSpPr>
+            <a:cxnSpLocks/>
+            <a:stCxn id="6" idx="2"/>
+            <a:endCxn id="21" idx="0"/>
+          </p:cNvCxnSpPr>
+          <p:nvPr/>
+        </p:nvCxnSpPr>
+        <p:spPr>
+          <a:xfrm rot="5400000">
+            <a:off x="6477574" y="2561804"/>
+            <a:ext cx="552068" cy="3023241"/>
+          </a:xfrm>
+          <a:prstGeom prst="bentConnector3">
+            <a:avLst>
+              <a:gd name="adj1" fmla="val 50000"/>
+            </a:avLst>
+          </a:prstGeom>
+          <a:ln w="38100" cap="flat" cmpd="sng" algn="ctr">
+            <a:solidFill>
+              <a:schemeClr val="dk1"/>
+            </a:solidFill>
+            <a:prstDash val="solid"/>
+            <a:round/>
+            <a:headEnd type="none" w="med" len="med"/>
+            <a:tailEnd type="arrow" w="med" len="med"/>
+          </a:ln>
+        </p:spPr>
+        <p:style>
+          <a:lnRef idx="0">
+            <a:scrgbClr r="0" g="0" b="0"/>
+          </a:lnRef>
+          <a:fillRef idx="0">
+            <a:scrgbClr r="0" g="0" b="0"/>
+          </a:fillRef>
+          <a:effectRef idx="0">
+            <a:scrgbClr r="0" g="0" b="0"/>
+          </a:effectRef>
+          <a:fontRef idx="minor">
+            <a:schemeClr val="tx1"/>
+          </a:fontRef>
+        </p:style>
+      </p:cxnSp>
+      <p:cxnSp>
+        <p:nvCxnSpPr>
+          <p:cNvPr id="24" name="Straight Arrow Connector 9">
+            <a:extLst>
+              <a:ext uri="{FF2B5EF4-FFF2-40B4-BE49-F238E27FC236}">
+                <a16:creationId xmlns:a16="http://schemas.microsoft.com/office/drawing/2014/main" id="{090CE504-6C22-C99A-C518-30D9AF6744A4}"/>
+              </a:ext>
+            </a:extLst>
+          </p:cNvPr>
+          <p:cNvCxnSpPr>
+            <a:cxnSpLocks/>
+            <a:stCxn id="6" idx="2"/>
+            <a:endCxn id="22" idx="0"/>
+          </p:cNvCxnSpPr>
+          <p:nvPr/>
+        </p:nvCxnSpPr>
+        <p:spPr>
+          <a:xfrm rot="5400000">
+            <a:off x="7430496" y="3510212"/>
+            <a:ext cx="547554" cy="1121910"/>
+          </a:xfrm>
+          <a:prstGeom prst="bentConnector3">
+            <a:avLst>
+              <a:gd name="adj1" fmla="val 50000"/>
+            </a:avLst>
+          </a:prstGeom>
+          <a:ln w="38100" cap="flat" cmpd="sng" algn="ctr">
+            <a:solidFill>
+              <a:schemeClr val="dk1"/>
+            </a:solidFill>
+            <a:prstDash val="solid"/>
+            <a:round/>
+            <a:headEnd type="none" w="med" len="med"/>
+            <a:tailEnd type="arrow" w="med" len="med"/>
+          </a:ln>
+        </p:spPr>
+        <p:style>
+          <a:lnRef idx="0">
+            <a:scrgbClr r="0" g="0" b="0"/>
+          </a:lnRef>
+          <a:fillRef idx="0">
+            <a:scrgbClr r="0" g="0" b="0"/>
+          </a:fillRef>
+          <a:effectRef idx="0">
+            <a:scrgbClr r="0" g="0" b="0"/>
+          </a:effectRef>
+          <a:fontRef idx="minor">
+            <a:schemeClr val="tx1"/>
+          </a:fontRef>
+        </p:style>
+      </p:cxnSp>
+      <p:sp>
+        <p:nvSpPr>
+          <p:cNvPr id="27" name="Rectangle: Rounded Corners 26">
+            <a:extLst>
+              <a:ext uri="{FF2B5EF4-FFF2-40B4-BE49-F238E27FC236}">
+                <a16:creationId xmlns:a16="http://schemas.microsoft.com/office/drawing/2014/main" id="{3B6E2D70-28BD-0D15-6084-957A858A64DB}"/>
+              </a:ext>
+            </a:extLst>
+          </p:cNvPr>
+          <p:cNvSpPr/>
+          <p:nvPr/>
+        </p:nvSpPr>
+        <p:spPr bwMode="auto">
+          <a:xfrm>
+            <a:off x="8232335" y="4344944"/>
+            <a:ext cx="1624625" cy="920909"/>
+          </a:xfrm>
+          <a:prstGeom prst="roundRect">
+            <a:avLst/>
+          </a:prstGeom>
+          <a:solidFill>
+            <a:schemeClr val="dk2">
+              <a:alpha val="80000"/>
+            </a:schemeClr>
+          </a:solidFill>
+          <a:ln w="19050">
+            <a:solidFill>
+              <a:schemeClr val="tx1">
+                <a:lumMod val="75000"/>
+                <a:alpha val="80000"/>
+              </a:schemeClr>
+            </a:solidFill>
+          </a:ln>
+          <a:effectLst/>
+        </p:spPr>
+        <p:style>
+          <a:lnRef idx="2">
+            <a:schemeClr val="accent1">
+              <a:shade val="50000"/>
+            </a:schemeClr>
+          </a:lnRef>
+          <a:fillRef idx="1001">
+            <a:schemeClr val="dk2"/>
+          </a:fillRef>
+          <a:effectRef idx="0">
+            <a:schemeClr val="accent1"/>
+          </a:effectRef>
+          <a:fontRef idx="minor">
+            <a:schemeClr val="lt1"/>
+          </a:fontRef>
+        </p:style>
+        <p:txBody>
+          <a:bodyPr rot="0" spcFirstLastPara="0" vertOverflow="overflow" horzOverflow="overflow" vert="horz" wrap="square" lIns="91440" tIns="45720" rIns="91440" bIns="45720" numCol="1" spcCol="0" rtlCol="0" fromWordArt="0" anchor="ctr" anchorCtr="0" forceAA="0" compatLnSpc="1">
+            <a:prstTxWarp prst="textNoShape">
+              <a:avLst/>
+            </a:prstTxWarp>
+            <a:noAutofit/>
+          </a:bodyPr>
+          <a:lstStyle/>
+          <a:p>
+            <a:pPr algn="ctr"/>
+            <a:r>
+              <a:rPr lang="bg-BG" sz="2400" b="1" dirty="0">
+                <a:solidFill>
+                  <a:srgbClr val="FFFFFF"/>
+                </a:solidFill>
+                <a:effectLst>
+                  <a:outerShdw blurRad="38100" dist="38100" dir="2700000" algn="tl">
+                    <a:srgbClr val="000000">
+                      <a:alpha val="43137"/>
+                    </a:srgbClr>
+                  </a:outerShdw>
+                </a:effectLst>
+              </a:rPr>
+              <a:t>форма за лекари</a:t>
+            </a:r>
+            <a:endParaRPr lang="en-US" sz="2400" b="1" dirty="0">
+              <a:solidFill>
+                <a:srgbClr val="FFFFFF"/>
+              </a:solidFill>
+              <a:effectLst>
+                <a:outerShdw blurRad="38100" dist="38100" dir="2700000" algn="tl">
+                  <a:srgbClr val="000000">
+                    <a:alpha val="43137"/>
+                  </a:srgbClr>
+                </a:outerShdw>
+              </a:effectLst>
+            </a:endParaRPr>
+          </a:p>
+        </p:txBody>
+      </p:sp>
+      <p:cxnSp>
+        <p:nvCxnSpPr>
+          <p:cNvPr id="28" name="Straight Arrow Connector 9">
+            <a:extLst>
+              <a:ext uri="{FF2B5EF4-FFF2-40B4-BE49-F238E27FC236}">
+                <a16:creationId xmlns:a16="http://schemas.microsoft.com/office/drawing/2014/main" id="{79E7371D-F8AF-FD3C-9337-A03C468C6549}"/>
+              </a:ext>
+            </a:extLst>
+          </p:cNvPr>
+          <p:cNvCxnSpPr>
+            <a:cxnSpLocks/>
+            <a:stCxn id="6" idx="2"/>
+            <a:endCxn id="27" idx="0"/>
+          </p:cNvCxnSpPr>
+          <p:nvPr/>
+        </p:nvCxnSpPr>
+        <p:spPr>
+          <a:xfrm rot="16200000" flipH="1">
+            <a:off x="8381161" y="3681457"/>
+            <a:ext cx="547554" cy="779420"/>
+          </a:xfrm>
+          <a:prstGeom prst="bentConnector3">
+            <a:avLst>
+              <a:gd name="adj1" fmla="val 50000"/>
+            </a:avLst>
+          </a:prstGeom>
+          <a:ln w="38100" cap="flat" cmpd="sng" algn="ctr">
+            <a:solidFill>
+              <a:schemeClr val="dk1"/>
+            </a:solidFill>
+            <a:prstDash val="solid"/>
+            <a:round/>
+            <a:headEnd type="none" w="med" len="med"/>
+            <a:tailEnd type="arrow" w="med" len="med"/>
+          </a:ln>
+        </p:spPr>
+        <p:style>
+          <a:lnRef idx="0">
+            <a:scrgbClr r="0" g="0" b="0"/>
+          </a:lnRef>
+          <a:fillRef idx="0">
+            <a:scrgbClr r="0" g="0" b="0"/>
+          </a:fillRef>
+          <a:effectRef idx="0">
+            <a:scrgbClr r="0" g="0" b="0"/>
+          </a:effectRef>
+          <a:fontRef idx="minor">
+            <a:schemeClr val="tx1"/>
+          </a:fontRef>
+        </p:style>
+      </p:cxnSp>
+      <p:sp>
+        <p:nvSpPr>
+          <p:cNvPr id="36" name="Rectangle: Rounded Corners 35">
+            <a:extLst>
+              <a:ext uri="{FF2B5EF4-FFF2-40B4-BE49-F238E27FC236}">
+                <a16:creationId xmlns:a16="http://schemas.microsoft.com/office/drawing/2014/main" id="{EE8F9B70-0641-B641-C074-160AB327622A}"/>
+              </a:ext>
+            </a:extLst>
+          </p:cNvPr>
+          <p:cNvSpPr/>
+          <p:nvPr/>
+        </p:nvSpPr>
+        <p:spPr bwMode="auto">
+          <a:xfrm>
+            <a:off x="10133665" y="4344944"/>
+            <a:ext cx="1624625" cy="920909"/>
+          </a:xfrm>
+          <a:prstGeom prst="roundRect">
+            <a:avLst/>
+          </a:prstGeom>
+          <a:solidFill>
+            <a:schemeClr val="dk2">
+              <a:alpha val="80000"/>
+            </a:schemeClr>
+          </a:solidFill>
+          <a:ln w="19050">
+            <a:solidFill>
+              <a:schemeClr val="tx1">
+                <a:lumMod val="75000"/>
+                <a:alpha val="80000"/>
+              </a:schemeClr>
+            </a:solidFill>
+          </a:ln>
+          <a:effectLst/>
+        </p:spPr>
+        <p:style>
+          <a:lnRef idx="2">
+            <a:schemeClr val="accent1">
+              <a:shade val="50000"/>
+            </a:schemeClr>
+          </a:lnRef>
+          <a:fillRef idx="1001">
+            <a:schemeClr val="dk2"/>
+          </a:fillRef>
+          <a:effectRef idx="0">
+            <a:schemeClr val="accent1"/>
+          </a:effectRef>
+          <a:fontRef idx="minor">
+            <a:schemeClr val="lt1"/>
+          </a:fontRef>
+        </p:style>
+        <p:txBody>
+          <a:bodyPr rot="0" spcFirstLastPara="0" vertOverflow="overflow" horzOverflow="overflow" vert="horz" wrap="square" lIns="91440" tIns="45720" rIns="91440" bIns="45720" numCol="1" spcCol="0" rtlCol="0" fromWordArt="0" anchor="ctr" anchorCtr="0" forceAA="0" compatLnSpc="1">
+            <a:prstTxWarp prst="textNoShape">
+              <a:avLst/>
+            </a:prstTxWarp>
+            <a:noAutofit/>
+          </a:bodyPr>
+          <a:lstStyle/>
+          <a:p>
+            <a:pPr algn="ctr"/>
+            <a:r>
+              <a:rPr lang="bg-BG" sz="2400" b="1" dirty="0">
+                <a:solidFill>
+                  <a:srgbClr val="FFFFFF"/>
+                </a:solidFill>
+                <a:effectLst>
+                  <a:outerShdw blurRad="38100" dist="38100" dir="2700000" algn="tl">
+                    <a:srgbClr val="000000">
+                      <a:alpha val="43137"/>
+                    </a:srgbClr>
+                  </a:outerShdw>
+                </a:effectLst>
+              </a:rPr>
+              <a:t>форма за админи</a:t>
+            </a:r>
+            <a:endParaRPr lang="en-US" sz="2400" b="1" dirty="0">
+              <a:solidFill>
+                <a:srgbClr val="FFFFFF"/>
+              </a:solidFill>
+              <a:effectLst>
+                <a:outerShdw blurRad="38100" dist="38100" dir="2700000" algn="tl">
+                  <a:srgbClr val="000000">
+                    <a:alpha val="43137"/>
+                  </a:srgbClr>
+                </a:outerShdw>
+              </a:effectLst>
+            </a:endParaRPr>
+          </a:p>
+        </p:txBody>
+      </p:sp>
+      <p:cxnSp>
+        <p:nvCxnSpPr>
+          <p:cNvPr id="37" name="Straight Arrow Connector 9">
+            <a:extLst>
+              <a:ext uri="{FF2B5EF4-FFF2-40B4-BE49-F238E27FC236}">
+                <a16:creationId xmlns:a16="http://schemas.microsoft.com/office/drawing/2014/main" id="{DD57E221-271E-D691-F899-13641EB72B52}"/>
+              </a:ext>
+            </a:extLst>
+          </p:cNvPr>
+          <p:cNvCxnSpPr>
+            <a:cxnSpLocks/>
+            <a:stCxn id="6" idx="2"/>
+            <a:endCxn id="36" idx="0"/>
+          </p:cNvCxnSpPr>
+          <p:nvPr/>
+        </p:nvCxnSpPr>
+        <p:spPr>
+          <a:xfrm rot="16200000" flipH="1">
+            <a:off x="9331826" y="2730792"/>
+            <a:ext cx="547554" cy="2680750"/>
+          </a:xfrm>
+          <a:prstGeom prst="bentConnector3">
+            <a:avLst>
+              <a:gd name="adj1" fmla="val 50000"/>
+            </a:avLst>
+          </a:prstGeom>
+          <a:ln w="38100" cap="flat" cmpd="sng" algn="ctr">
+            <a:solidFill>
+              <a:schemeClr val="dk1"/>
+            </a:solidFill>
+            <a:prstDash val="solid"/>
+            <a:round/>
+            <a:headEnd type="none" w="med" len="med"/>
+            <a:tailEnd type="arrow" w="med" len="med"/>
+          </a:ln>
+        </p:spPr>
+        <p:style>
+          <a:lnRef idx="0">
+            <a:scrgbClr r="0" g="0" b="0"/>
+          </a:lnRef>
+          <a:fillRef idx="0">
+            <a:scrgbClr r="0" g="0" b="0"/>
+          </a:fillRef>
+          <a:effectRef idx="0">
+            <a:scrgbClr r="0" g="0" b="0"/>
+          </a:effectRef>
+          <a:fontRef idx="minor">
+            <a:schemeClr val="tx1"/>
+          </a:fontRef>
+        </p:style>
+      </p:cxnSp>
+      <p:sp>
+        <p:nvSpPr>
+          <p:cNvPr id="58" name="Rectangle: Rounded Corners 57">
+            <a:extLst>
+              <a:ext uri="{FF2B5EF4-FFF2-40B4-BE49-F238E27FC236}">
+                <a16:creationId xmlns:a16="http://schemas.microsoft.com/office/drawing/2014/main" id="{7E27ACBF-6E1C-40F4-2A5C-B68D5CD29E8C}"/>
+              </a:ext>
+            </a:extLst>
+          </p:cNvPr>
+          <p:cNvSpPr/>
+          <p:nvPr/>
+        </p:nvSpPr>
+        <p:spPr bwMode="auto">
+          <a:xfrm>
+            <a:off x="381000" y="5647005"/>
+            <a:ext cx="1624625" cy="920909"/>
+          </a:xfrm>
+          <a:prstGeom prst="roundRect">
+            <a:avLst/>
+          </a:prstGeom>
+          <a:solidFill>
+            <a:schemeClr val="dk2">
+              <a:alpha val="80000"/>
+            </a:schemeClr>
+          </a:solidFill>
+          <a:ln w="19050">
+            <a:solidFill>
+              <a:schemeClr val="tx1">
+                <a:lumMod val="75000"/>
+                <a:alpha val="80000"/>
+              </a:schemeClr>
+            </a:solidFill>
+          </a:ln>
+          <a:effectLst/>
+        </p:spPr>
+        <p:style>
+          <a:lnRef idx="2">
+            <a:schemeClr val="accent1">
+              <a:shade val="50000"/>
+            </a:schemeClr>
+          </a:lnRef>
+          <a:fillRef idx="1001">
+            <a:schemeClr val="dk2"/>
+          </a:fillRef>
+          <a:effectRef idx="0">
+            <a:schemeClr val="accent1"/>
+          </a:effectRef>
+          <a:fontRef idx="minor">
+            <a:schemeClr val="lt1"/>
+          </a:fontRef>
+        </p:style>
+        <p:txBody>
+          <a:bodyPr rot="0" spcFirstLastPara="0" vertOverflow="overflow" horzOverflow="overflow" vert="horz" wrap="square" lIns="91440" tIns="45720" rIns="91440" bIns="45720" numCol="1" spcCol="0" rtlCol="0" fromWordArt="0" anchor="ctr" anchorCtr="0" forceAA="0" compatLnSpc="1">
+            <a:prstTxWarp prst="textNoShape">
+              <a:avLst/>
+            </a:prstTxWarp>
+            <a:noAutofit/>
+          </a:bodyPr>
+          <a:lstStyle/>
+          <a:p>
+            <a:pPr algn="ctr"/>
+            <a:r>
+              <a:rPr lang="bg-BG" sz="2000" b="1" dirty="0">
+                <a:solidFill>
+                  <a:srgbClr val="FFFFFF"/>
+                </a:solidFill>
+                <a:effectLst>
+                  <a:outerShdw blurRad="38100" dist="38100" dir="2700000" algn="tl">
+                    <a:srgbClr val="000000">
+                      <a:alpha val="43137"/>
+                    </a:srgbClr>
+                  </a:outerShdw>
+                </a:effectLst>
+              </a:rPr>
+              <a:t>добавяне</a:t>
+            </a:r>
+            <a:r>
+              <a:rPr lang="en-US" sz="2000" b="1" dirty="0">
+                <a:solidFill>
+                  <a:srgbClr val="FFFFFF"/>
+                </a:solidFill>
+                <a:effectLst>
+                  <a:outerShdw blurRad="38100" dist="38100" dir="2700000" algn="tl">
+                    <a:srgbClr val="000000">
+                      <a:alpha val="43137"/>
+                    </a:srgbClr>
+                  </a:outerShdw>
+                </a:effectLst>
+              </a:rPr>
+              <a:t> / </a:t>
+            </a:r>
+            <a:r>
+              <a:rPr lang="bg-BG" sz="2000" b="1" dirty="0">
+                <a:solidFill>
+                  <a:srgbClr val="FFFFFF"/>
+                </a:solidFill>
+                <a:effectLst>
+                  <a:outerShdw blurRad="38100" dist="38100" dir="2700000" algn="tl">
+                    <a:srgbClr val="000000">
+                      <a:alpha val="43137"/>
+                    </a:srgbClr>
+                  </a:outerShdw>
+                </a:effectLst>
+              </a:rPr>
+              <a:t>редакция</a:t>
+            </a:r>
+            <a:r>
+              <a:rPr lang="en-US" sz="2000" b="1" dirty="0">
+                <a:solidFill>
+                  <a:srgbClr val="FFFFFF"/>
+                </a:solidFill>
+                <a:effectLst>
+                  <a:outerShdw blurRad="38100" dist="38100" dir="2700000" algn="tl">
+                    <a:srgbClr val="000000">
+                      <a:alpha val="43137"/>
+                    </a:srgbClr>
+                  </a:outerShdw>
+                </a:effectLst>
+              </a:rPr>
+              <a:t> / </a:t>
+            </a:r>
+            <a:r>
+              <a:rPr lang="bg-BG" sz="2000" b="1" dirty="0">
+                <a:solidFill>
+                  <a:srgbClr val="FFFFFF"/>
+                </a:solidFill>
+                <a:effectLst>
+                  <a:outerShdw blurRad="38100" dist="38100" dir="2700000" algn="tl">
+                    <a:srgbClr val="000000">
+                      <a:alpha val="43137"/>
+                    </a:srgbClr>
+                  </a:outerShdw>
+                </a:effectLst>
+              </a:rPr>
+              <a:t>изтриване</a:t>
+            </a:r>
+            <a:endParaRPr lang="en-US" sz="2000" b="1" dirty="0">
+              <a:solidFill>
+                <a:srgbClr val="FFFFFF"/>
+              </a:solidFill>
+              <a:effectLst>
+                <a:outerShdw blurRad="38100" dist="38100" dir="2700000" algn="tl">
+                  <a:srgbClr val="000000">
+                    <a:alpha val="43137"/>
+                  </a:srgbClr>
+                </a:outerShdw>
+              </a:effectLst>
+            </a:endParaRPr>
+          </a:p>
+        </p:txBody>
+      </p:sp>
+      <p:cxnSp>
+        <p:nvCxnSpPr>
+          <p:cNvPr id="59" name="Straight Arrow Connector 9">
+            <a:extLst>
+              <a:ext uri="{FF2B5EF4-FFF2-40B4-BE49-F238E27FC236}">
+                <a16:creationId xmlns:a16="http://schemas.microsoft.com/office/drawing/2014/main" id="{FE077CDA-662E-960B-CAFC-EF6B47EFD5E2}"/>
+              </a:ext>
+            </a:extLst>
+          </p:cNvPr>
+          <p:cNvCxnSpPr>
+            <a:cxnSpLocks/>
+            <a:stCxn id="13" idx="2"/>
+            <a:endCxn id="58" idx="0"/>
+          </p:cNvCxnSpPr>
+          <p:nvPr/>
+        </p:nvCxnSpPr>
+        <p:spPr>
+          <a:xfrm>
+            <a:off x="1193313" y="5255473"/>
+            <a:ext cx="0" cy="391532"/>
+          </a:xfrm>
+          <a:prstGeom prst="straightConnector1">
+            <a:avLst/>
+          </a:prstGeom>
+          <a:ln w="38100" cap="flat" cmpd="sng" algn="ctr">
+            <a:solidFill>
+              <a:schemeClr val="dk1"/>
+            </a:solidFill>
+            <a:prstDash val="solid"/>
+            <a:round/>
+            <a:headEnd type="none" w="med" len="med"/>
+            <a:tailEnd type="arrow" w="med" len="med"/>
+          </a:ln>
+        </p:spPr>
+        <p:style>
+          <a:lnRef idx="0">
+            <a:scrgbClr r="0" g="0" b="0"/>
+          </a:lnRef>
+          <a:fillRef idx="0">
+            <a:scrgbClr r="0" g="0" b="0"/>
+          </a:fillRef>
+          <a:effectRef idx="0">
+            <a:scrgbClr r="0" g="0" b="0"/>
+          </a:effectRef>
+          <a:fontRef idx="minor">
+            <a:schemeClr val="tx1"/>
+          </a:fontRef>
+        </p:style>
+      </p:cxnSp>
+      <p:sp>
+        <p:nvSpPr>
+          <p:cNvPr id="63" name="Rectangle: Rounded Corners 62">
+            <a:extLst>
+              <a:ext uri="{FF2B5EF4-FFF2-40B4-BE49-F238E27FC236}">
+                <a16:creationId xmlns:a16="http://schemas.microsoft.com/office/drawing/2014/main" id="{01D1B430-F4EA-F016-FF72-E6E629DEA047}"/>
+              </a:ext>
+            </a:extLst>
+          </p:cNvPr>
+          <p:cNvSpPr/>
+          <p:nvPr/>
+        </p:nvSpPr>
+        <p:spPr bwMode="auto">
+          <a:xfrm>
+            <a:off x="2421908" y="5647005"/>
+            <a:ext cx="1624625" cy="920909"/>
+          </a:xfrm>
+          <a:prstGeom prst="roundRect">
+            <a:avLst/>
+          </a:prstGeom>
+          <a:solidFill>
+            <a:schemeClr val="dk2">
+              <a:alpha val="80000"/>
+            </a:schemeClr>
+          </a:solidFill>
+          <a:ln w="19050">
+            <a:solidFill>
+              <a:schemeClr val="tx1">
+                <a:lumMod val="75000"/>
+                <a:alpha val="80000"/>
+              </a:schemeClr>
+            </a:solidFill>
+          </a:ln>
+          <a:effectLst/>
+        </p:spPr>
+        <p:style>
+          <a:lnRef idx="2">
+            <a:schemeClr val="accent1">
+              <a:shade val="50000"/>
+            </a:schemeClr>
+          </a:lnRef>
+          <a:fillRef idx="1001">
+            <a:schemeClr val="dk2"/>
+          </a:fillRef>
+          <a:effectRef idx="0">
+            <a:schemeClr val="accent1"/>
+          </a:effectRef>
+          <a:fontRef idx="minor">
+            <a:schemeClr val="lt1"/>
+          </a:fontRef>
+        </p:style>
+        <p:txBody>
+          <a:bodyPr rot="0" spcFirstLastPara="0" vertOverflow="overflow" horzOverflow="overflow" vert="horz" wrap="square" lIns="91440" tIns="45720" rIns="91440" bIns="45720" numCol="1" spcCol="0" rtlCol="0" fromWordArt="0" anchor="ctr" anchorCtr="0" forceAA="0" compatLnSpc="1">
+            <a:prstTxWarp prst="textNoShape">
+              <a:avLst/>
+            </a:prstTxWarp>
+            <a:noAutofit/>
+          </a:bodyPr>
+          <a:lstStyle/>
+          <a:p>
+            <a:pPr algn="ctr"/>
+            <a:r>
+              <a:rPr lang="bg-BG" sz="2000" b="1" dirty="0">
+                <a:solidFill>
+                  <a:srgbClr val="FFFFFF"/>
+                </a:solidFill>
+                <a:effectLst>
+                  <a:outerShdw blurRad="38100" dist="38100" dir="2700000" algn="tl">
+                    <a:srgbClr val="000000">
+                      <a:alpha val="43137"/>
+                    </a:srgbClr>
+                  </a:outerShdw>
+                </a:effectLst>
+              </a:rPr>
+              <a:t>добавяне</a:t>
+            </a:r>
+            <a:r>
+              <a:rPr lang="en-US" sz="2000" b="1" dirty="0">
+                <a:solidFill>
+                  <a:srgbClr val="FFFFFF"/>
+                </a:solidFill>
+                <a:effectLst>
+                  <a:outerShdw blurRad="38100" dist="38100" dir="2700000" algn="tl">
+                    <a:srgbClr val="000000">
+                      <a:alpha val="43137"/>
+                    </a:srgbClr>
+                  </a:outerShdw>
+                </a:effectLst>
+              </a:rPr>
+              <a:t> / </a:t>
+            </a:r>
+            <a:r>
+              <a:rPr lang="bg-BG" sz="2000" b="1" dirty="0">
+                <a:solidFill>
+                  <a:srgbClr val="FFFFFF"/>
+                </a:solidFill>
+                <a:effectLst>
+                  <a:outerShdw blurRad="38100" dist="38100" dir="2700000" algn="tl">
+                    <a:srgbClr val="000000">
+                      <a:alpha val="43137"/>
+                    </a:srgbClr>
+                  </a:outerShdw>
+                </a:effectLst>
+              </a:rPr>
+              <a:t>редакция</a:t>
+            </a:r>
+            <a:r>
+              <a:rPr lang="en-US" sz="2000" b="1" dirty="0">
+                <a:solidFill>
+                  <a:srgbClr val="FFFFFF"/>
+                </a:solidFill>
+                <a:effectLst>
+                  <a:outerShdw blurRad="38100" dist="38100" dir="2700000" algn="tl">
+                    <a:srgbClr val="000000">
+                      <a:alpha val="43137"/>
+                    </a:srgbClr>
+                  </a:outerShdw>
+                </a:effectLst>
+              </a:rPr>
+              <a:t> / </a:t>
+            </a:r>
+            <a:r>
+              <a:rPr lang="bg-BG" sz="2000" b="1" dirty="0">
+                <a:solidFill>
+                  <a:srgbClr val="FFFFFF"/>
+                </a:solidFill>
+                <a:effectLst>
+                  <a:outerShdw blurRad="38100" dist="38100" dir="2700000" algn="tl">
+                    <a:srgbClr val="000000">
+                      <a:alpha val="43137"/>
+                    </a:srgbClr>
+                  </a:outerShdw>
+                </a:effectLst>
+              </a:rPr>
+              <a:t>изтриване</a:t>
+            </a:r>
+            <a:endParaRPr lang="en-US" sz="2000" b="1" dirty="0">
+              <a:solidFill>
+                <a:srgbClr val="FFFFFF"/>
+              </a:solidFill>
+              <a:effectLst>
+                <a:outerShdw blurRad="38100" dist="38100" dir="2700000" algn="tl">
+                  <a:srgbClr val="000000">
+                    <a:alpha val="43137"/>
+                  </a:srgbClr>
+                </a:outerShdw>
+              </a:effectLst>
+            </a:endParaRPr>
+          </a:p>
+        </p:txBody>
+      </p:sp>
+      <p:cxnSp>
+        <p:nvCxnSpPr>
+          <p:cNvPr id="64" name="Straight Arrow Connector 9">
+            <a:extLst>
+              <a:ext uri="{FF2B5EF4-FFF2-40B4-BE49-F238E27FC236}">
+                <a16:creationId xmlns:a16="http://schemas.microsoft.com/office/drawing/2014/main" id="{0EAE4285-B57D-7AD1-5F7F-48D02C0E85B3}"/>
+              </a:ext>
+            </a:extLst>
+          </p:cNvPr>
+          <p:cNvCxnSpPr>
+            <a:cxnSpLocks/>
+            <a:stCxn id="14" idx="2"/>
+            <a:endCxn id="63" idx="0"/>
+          </p:cNvCxnSpPr>
+          <p:nvPr/>
+        </p:nvCxnSpPr>
+        <p:spPr>
+          <a:xfrm>
+            <a:off x="3234221" y="5265853"/>
+            <a:ext cx="0" cy="381152"/>
+          </a:xfrm>
+          <a:prstGeom prst="straightConnector1">
+            <a:avLst/>
+          </a:prstGeom>
+          <a:ln w="38100" cap="flat" cmpd="sng" algn="ctr">
+            <a:solidFill>
+              <a:schemeClr val="dk1"/>
+            </a:solidFill>
+            <a:prstDash val="solid"/>
+            <a:round/>
+            <a:headEnd type="none" w="med" len="med"/>
+            <a:tailEnd type="arrow" w="med" len="med"/>
+          </a:ln>
+        </p:spPr>
+        <p:style>
+          <a:lnRef idx="0">
+            <a:scrgbClr r="0" g="0" b="0"/>
+          </a:lnRef>
+          <a:fillRef idx="0">
+            <a:scrgbClr r="0" g="0" b="0"/>
+          </a:fillRef>
+          <a:effectRef idx="0">
+            <a:scrgbClr r="0" g="0" b="0"/>
+          </a:effectRef>
+          <a:fontRef idx="minor">
+            <a:schemeClr val="tx1"/>
+          </a:fontRef>
+        </p:style>
+      </p:cxnSp>
+      <p:sp>
+        <p:nvSpPr>
+          <p:cNvPr id="66" name="Rectangle: Rounded Corners 65">
+            <a:extLst>
+              <a:ext uri="{FF2B5EF4-FFF2-40B4-BE49-F238E27FC236}">
+                <a16:creationId xmlns:a16="http://schemas.microsoft.com/office/drawing/2014/main" id="{7EBA0833-311D-2205-D2E1-40BB745BC9A4}"/>
+              </a:ext>
+            </a:extLst>
+          </p:cNvPr>
+          <p:cNvSpPr/>
+          <p:nvPr/>
+        </p:nvSpPr>
+        <p:spPr bwMode="auto">
+          <a:xfrm>
+            <a:off x="4429674" y="5647005"/>
+            <a:ext cx="1624625" cy="920909"/>
+          </a:xfrm>
+          <a:prstGeom prst="roundRect">
+            <a:avLst/>
+          </a:prstGeom>
+          <a:solidFill>
+            <a:schemeClr val="dk2">
+              <a:alpha val="80000"/>
+            </a:schemeClr>
+          </a:solidFill>
+          <a:ln w="19050">
+            <a:solidFill>
+              <a:schemeClr val="tx1">
+                <a:lumMod val="75000"/>
+                <a:alpha val="80000"/>
+              </a:schemeClr>
+            </a:solidFill>
+          </a:ln>
+          <a:effectLst/>
+        </p:spPr>
+        <p:style>
+          <a:lnRef idx="2">
+            <a:schemeClr val="accent1">
+              <a:shade val="50000"/>
+            </a:schemeClr>
+          </a:lnRef>
+          <a:fillRef idx="1001">
+            <a:schemeClr val="dk2"/>
+          </a:fillRef>
+          <a:effectRef idx="0">
+            <a:schemeClr val="accent1"/>
+          </a:effectRef>
+          <a:fontRef idx="minor">
+            <a:schemeClr val="lt1"/>
+          </a:fontRef>
+        </p:style>
+        <p:txBody>
+          <a:bodyPr rot="0" spcFirstLastPara="0" vertOverflow="overflow" horzOverflow="overflow" vert="horz" wrap="square" lIns="91440" tIns="45720" rIns="91440" bIns="45720" numCol="1" spcCol="0" rtlCol="0" fromWordArt="0" anchor="ctr" anchorCtr="0" forceAA="0" compatLnSpc="1">
+            <a:prstTxWarp prst="textNoShape">
+              <a:avLst/>
+            </a:prstTxWarp>
+            <a:noAutofit/>
+          </a:bodyPr>
+          <a:lstStyle/>
+          <a:p>
+            <a:pPr algn="ctr"/>
+            <a:r>
+              <a:rPr lang="bg-BG" sz="2000" b="1" dirty="0">
+                <a:solidFill>
+                  <a:srgbClr val="FFFFFF"/>
+                </a:solidFill>
+                <a:effectLst>
+                  <a:outerShdw blurRad="38100" dist="38100" dir="2700000" algn="tl">
+                    <a:srgbClr val="000000">
+                      <a:alpha val="43137"/>
+                    </a:srgbClr>
+                  </a:outerShdw>
+                </a:effectLst>
+              </a:rPr>
+              <a:t>добавяне</a:t>
+            </a:r>
+            <a:r>
+              <a:rPr lang="en-US" sz="2000" b="1" dirty="0">
+                <a:solidFill>
+                  <a:srgbClr val="FFFFFF"/>
+                </a:solidFill>
+                <a:effectLst>
+                  <a:outerShdw blurRad="38100" dist="38100" dir="2700000" algn="tl">
+                    <a:srgbClr val="000000">
+                      <a:alpha val="43137"/>
+                    </a:srgbClr>
+                  </a:outerShdw>
+                </a:effectLst>
+              </a:rPr>
+              <a:t> / </a:t>
+            </a:r>
+            <a:r>
+              <a:rPr lang="bg-BG" sz="2000" b="1" dirty="0">
+                <a:solidFill>
+                  <a:srgbClr val="FFFFFF"/>
+                </a:solidFill>
+                <a:effectLst>
+                  <a:outerShdw blurRad="38100" dist="38100" dir="2700000" algn="tl">
+                    <a:srgbClr val="000000">
+                      <a:alpha val="43137"/>
+                    </a:srgbClr>
+                  </a:outerShdw>
+                </a:effectLst>
+              </a:rPr>
+              <a:t>редакция</a:t>
+            </a:r>
+            <a:r>
+              <a:rPr lang="en-US" sz="2000" b="1" dirty="0">
+                <a:solidFill>
+                  <a:srgbClr val="FFFFFF"/>
+                </a:solidFill>
+                <a:effectLst>
+                  <a:outerShdw blurRad="38100" dist="38100" dir="2700000" algn="tl">
+                    <a:srgbClr val="000000">
+                      <a:alpha val="43137"/>
+                    </a:srgbClr>
+                  </a:outerShdw>
+                </a:effectLst>
+              </a:rPr>
+              <a:t> / </a:t>
+            </a:r>
+            <a:r>
+              <a:rPr lang="bg-BG" sz="2000" b="1" dirty="0">
+                <a:solidFill>
+                  <a:srgbClr val="FFFFFF"/>
+                </a:solidFill>
+                <a:effectLst>
+                  <a:outerShdw blurRad="38100" dist="38100" dir="2700000" algn="tl">
+                    <a:srgbClr val="000000">
+                      <a:alpha val="43137"/>
+                    </a:srgbClr>
+                  </a:outerShdw>
+                </a:effectLst>
+              </a:rPr>
+              <a:t>изтриване</a:t>
+            </a:r>
+            <a:endParaRPr lang="en-US" sz="2000" b="1" dirty="0">
+              <a:solidFill>
+                <a:srgbClr val="FFFFFF"/>
+              </a:solidFill>
+              <a:effectLst>
+                <a:outerShdw blurRad="38100" dist="38100" dir="2700000" algn="tl">
+                  <a:srgbClr val="000000">
+                    <a:alpha val="43137"/>
+                  </a:srgbClr>
+                </a:outerShdw>
+              </a:effectLst>
+            </a:endParaRPr>
+          </a:p>
+        </p:txBody>
+      </p:sp>
+      <p:cxnSp>
+        <p:nvCxnSpPr>
+          <p:cNvPr id="67" name="Straight Arrow Connector 9">
+            <a:extLst>
+              <a:ext uri="{FF2B5EF4-FFF2-40B4-BE49-F238E27FC236}">
+                <a16:creationId xmlns:a16="http://schemas.microsoft.com/office/drawing/2014/main" id="{9EC618AB-A4F5-38A1-4DC9-152DC652733E}"/>
+              </a:ext>
+            </a:extLst>
+          </p:cNvPr>
+          <p:cNvCxnSpPr>
+            <a:cxnSpLocks/>
+            <a:stCxn id="21" idx="2"/>
+            <a:endCxn id="66" idx="0"/>
+          </p:cNvCxnSpPr>
+          <p:nvPr/>
+        </p:nvCxnSpPr>
+        <p:spPr>
+          <a:xfrm>
+            <a:off x="5241987" y="5270367"/>
+            <a:ext cx="0" cy="376638"/>
+          </a:xfrm>
+          <a:prstGeom prst="straightConnector1">
+            <a:avLst/>
+          </a:prstGeom>
+          <a:ln w="38100" cap="flat" cmpd="sng" algn="ctr">
+            <a:solidFill>
+              <a:schemeClr val="dk1"/>
+            </a:solidFill>
+            <a:prstDash val="solid"/>
+            <a:round/>
+            <a:headEnd type="none" w="med" len="med"/>
+            <a:tailEnd type="arrow" w="med" len="med"/>
+          </a:ln>
+        </p:spPr>
+        <p:style>
+          <a:lnRef idx="0">
+            <a:scrgbClr r="0" g="0" b="0"/>
+          </a:lnRef>
+          <a:fillRef idx="0">
+            <a:scrgbClr r="0" g="0" b="0"/>
+          </a:fillRef>
+          <a:effectRef idx="0">
+            <a:scrgbClr r="0" g="0" b="0"/>
+          </a:effectRef>
+          <a:fontRef idx="minor">
+            <a:schemeClr val="tx1"/>
+          </a:fontRef>
+        </p:style>
+      </p:cxnSp>
+      <p:sp>
+        <p:nvSpPr>
+          <p:cNvPr id="69" name="Rectangle: Rounded Corners 68">
+            <a:extLst>
+              <a:ext uri="{FF2B5EF4-FFF2-40B4-BE49-F238E27FC236}">
+                <a16:creationId xmlns:a16="http://schemas.microsoft.com/office/drawing/2014/main" id="{C1F6820F-BF82-BA9A-149A-8BE9870FA3F4}"/>
+              </a:ext>
+            </a:extLst>
+          </p:cNvPr>
+          <p:cNvSpPr/>
+          <p:nvPr/>
+        </p:nvSpPr>
+        <p:spPr bwMode="auto">
+          <a:xfrm>
+            <a:off x="6340317" y="5600911"/>
+            <a:ext cx="1624625" cy="920909"/>
+          </a:xfrm>
+          <a:prstGeom prst="roundRect">
+            <a:avLst/>
+          </a:prstGeom>
+          <a:solidFill>
+            <a:schemeClr val="dk2">
+              <a:alpha val="80000"/>
+            </a:schemeClr>
+          </a:solidFill>
+          <a:ln w="19050">
+            <a:solidFill>
+              <a:schemeClr val="tx1">
+                <a:lumMod val="75000"/>
+                <a:alpha val="80000"/>
+              </a:schemeClr>
+            </a:solidFill>
+          </a:ln>
+          <a:effectLst/>
+        </p:spPr>
+        <p:style>
+          <a:lnRef idx="2">
+            <a:schemeClr val="accent1">
+              <a:shade val="50000"/>
+            </a:schemeClr>
+          </a:lnRef>
+          <a:fillRef idx="1001">
+            <a:schemeClr val="dk2"/>
+          </a:fillRef>
+          <a:effectRef idx="0">
+            <a:schemeClr val="accent1"/>
+          </a:effectRef>
+          <a:fontRef idx="minor">
+            <a:schemeClr val="lt1"/>
+          </a:fontRef>
+        </p:style>
+        <p:txBody>
+          <a:bodyPr rot="0" spcFirstLastPara="0" vertOverflow="overflow" horzOverflow="overflow" vert="horz" wrap="square" lIns="91440" tIns="45720" rIns="91440" bIns="45720" numCol="1" spcCol="0" rtlCol="0" fromWordArt="0" anchor="ctr" anchorCtr="0" forceAA="0" compatLnSpc="1">
+            <a:prstTxWarp prst="textNoShape">
+              <a:avLst/>
+            </a:prstTxWarp>
+            <a:noAutofit/>
+          </a:bodyPr>
+          <a:lstStyle/>
+          <a:p>
+            <a:pPr algn="ctr"/>
+            <a:r>
+              <a:rPr lang="bg-BG" sz="2000" b="1" dirty="0">
+                <a:solidFill>
+                  <a:srgbClr val="FFFFFF"/>
+                </a:solidFill>
+                <a:effectLst>
+                  <a:outerShdw blurRad="38100" dist="38100" dir="2700000" algn="tl">
+                    <a:srgbClr val="000000">
+                      <a:alpha val="43137"/>
+                    </a:srgbClr>
+                  </a:outerShdw>
+                </a:effectLst>
+              </a:rPr>
+              <a:t>добавяне</a:t>
+            </a:r>
+            <a:r>
+              <a:rPr lang="en-US" sz="2000" b="1" dirty="0">
+                <a:solidFill>
+                  <a:srgbClr val="FFFFFF"/>
+                </a:solidFill>
+                <a:effectLst>
+                  <a:outerShdw blurRad="38100" dist="38100" dir="2700000" algn="tl">
+                    <a:srgbClr val="000000">
+                      <a:alpha val="43137"/>
+                    </a:srgbClr>
+                  </a:outerShdw>
+                </a:effectLst>
+              </a:rPr>
+              <a:t> / </a:t>
+            </a:r>
+            <a:r>
+              <a:rPr lang="bg-BG" sz="2000" b="1" dirty="0">
+                <a:solidFill>
+                  <a:srgbClr val="FFFFFF"/>
+                </a:solidFill>
+                <a:effectLst>
+                  <a:outerShdw blurRad="38100" dist="38100" dir="2700000" algn="tl">
+                    <a:srgbClr val="000000">
+                      <a:alpha val="43137"/>
+                    </a:srgbClr>
+                  </a:outerShdw>
+                </a:effectLst>
+              </a:rPr>
+              <a:t>редакция</a:t>
+            </a:r>
+            <a:r>
+              <a:rPr lang="en-US" sz="2000" b="1" dirty="0">
+                <a:solidFill>
+                  <a:srgbClr val="FFFFFF"/>
+                </a:solidFill>
+                <a:effectLst>
+                  <a:outerShdw blurRad="38100" dist="38100" dir="2700000" algn="tl">
+                    <a:srgbClr val="000000">
+                      <a:alpha val="43137"/>
+                    </a:srgbClr>
+                  </a:outerShdw>
+                </a:effectLst>
+              </a:rPr>
+              <a:t> / </a:t>
+            </a:r>
+            <a:r>
+              <a:rPr lang="bg-BG" sz="2000" b="1" dirty="0">
+                <a:solidFill>
+                  <a:srgbClr val="FFFFFF"/>
+                </a:solidFill>
+                <a:effectLst>
+                  <a:outerShdw blurRad="38100" dist="38100" dir="2700000" algn="tl">
+                    <a:srgbClr val="000000">
+                      <a:alpha val="43137"/>
+                    </a:srgbClr>
+                  </a:outerShdw>
+                </a:effectLst>
+              </a:rPr>
+              <a:t>изтриване</a:t>
+            </a:r>
+            <a:endParaRPr lang="en-US" sz="2000" b="1" dirty="0">
+              <a:solidFill>
+                <a:srgbClr val="FFFFFF"/>
+              </a:solidFill>
+              <a:effectLst>
+                <a:outerShdw blurRad="38100" dist="38100" dir="2700000" algn="tl">
+                  <a:srgbClr val="000000">
+                    <a:alpha val="43137"/>
+                  </a:srgbClr>
+                </a:outerShdw>
+              </a:effectLst>
+            </a:endParaRPr>
+          </a:p>
+        </p:txBody>
+      </p:sp>
+      <p:cxnSp>
+        <p:nvCxnSpPr>
+          <p:cNvPr id="70" name="Straight Arrow Connector 9">
+            <a:extLst>
+              <a:ext uri="{FF2B5EF4-FFF2-40B4-BE49-F238E27FC236}">
+                <a16:creationId xmlns:a16="http://schemas.microsoft.com/office/drawing/2014/main" id="{6D18C441-9D63-E15D-5B9B-BC0C80BC92FC}"/>
+              </a:ext>
+            </a:extLst>
+          </p:cNvPr>
+          <p:cNvCxnSpPr>
+            <a:cxnSpLocks/>
+            <a:stCxn id="22" idx="2"/>
+            <a:endCxn id="69" idx="0"/>
+          </p:cNvCxnSpPr>
+          <p:nvPr/>
+        </p:nvCxnSpPr>
+        <p:spPr>
+          <a:xfrm>
+            <a:off x="7143318" y="5265853"/>
+            <a:ext cx="9312" cy="335058"/>
+          </a:xfrm>
+          <a:prstGeom prst="straightConnector1">
+            <a:avLst/>
+          </a:prstGeom>
+          <a:ln w="38100" cap="flat" cmpd="sng" algn="ctr">
+            <a:solidFill>
+              <a:schemeClr val="dk1"/>
+            </a:solidFill>
+            <a:prstDash val="solid"/>
+            <a:round/>
+            <a:headEnd type="none" w="med" len="med"/>
+            <a:tailEnd type="arrow" w="med" len="med"/>
+          </a:ln>
+        </p:spPr>
+        <p:style>
+          <a:lnRef idx="0">
+            <a:scrgbClr r="0" g="0" b="0"/>
+          </a:lnRef>
+          <a:fillRef idx="0">
+            <a:scrgbClr r="0" g="0" b="0"/>
+          </a:fillRef>
+          <a:effectRef idx="0">
+            <a:scrgbClr r="0" g="0" b="0"/>
+          </a:effectRef>
+          <a:fontRef idx="minor">
+            <a:schemeClr val="tx1"/>
+          </a:fontRef>
+        </p:style>
+      </p:cxnSp>
+      <p:sp>
+        <p:nvSpPr>
+          <p:cNvPr id="72" name="Rectangle: Rounded Corners 71">
+            <a:extLst>
+              <a:ext uri="{FF2B5EF4-FFF2-40B4-BE49-F238E27FC236}">
+                <a16:creationId xmlns:a16="http://schemas.microsoft.com/office/drawing/2014/main" id="{3CDFECF0-AED1-2C89-BE71-2502850C7947}"/>
+              </a:ext>
+            </a:extLst>
+          </p:cNvPr>
+          <p:cNvSpPr/>
+          <p:nvPr/>
+        </p:nvSpPr>
+        <p:spPr bwMode="auto">
+          <a:xfrm>
+            <a:off x="8232335" y="5600911"/>
+            <a:ext cx="1624625" cy="920909"/>
+          </a:xfrm>
+          <a:prstGeom prst="roundRect">
+            <a:avLst/>
+          </a:prstGeom>
+          <a:solidFill>
+            <a:schemeClr val="dk2">
+              <a:alpha val="80000"/>
+            </a:schemeClr>
+          </a:solidFill>
+          <a:ln w="19050">
+            <a:solidFill>
+              <a:schemeClr val="tx1">
+                <a:lumMod val="75000"/>
+                <a:alpha val="80000"/>
+              </a:schemeClr>
+            </a:solidFill>
+          </a:ln>
+          <a:effectLst/>
+        </p:spPr>
+        <p:style>
+          <a:lnRef idx="2">
+            <a:schemeClr val="accent1">
+              <a:shade val="50000"/>
+            </a:schemeClr>
+          </a:lnRef>
+          <a:fillRef idx="1001">
+            <a:schemeClr val="dk2"/>
+          </a:fillRef>
+          <a:effectRef idx="0">
+            <a:schemeClr val="accent1"/>
+          </a:effectRef>
+          <a:fontRef idx="minor">
+            <a:schemeClr val="lt1"/>
+          </a:fontRef>
+        </p:style>
+        <p:txBody>
+          <a:bodyPr rot="0" spcFirstLastPara="0" vertOverflow="overflow" horzOverflow="overflow" vert="horz" wrap="square" lIns="91440" tIns="45720" rIns="91440" bIns="45720" numCol="1" spcCol="0" rtlCol="0" fromWordArt="0" anchor="ctr" anchorCtr="0" forceAA="0" compatLnSpc="1">
+            <a:prstTxWarp prst="textNoShape">
+              <a:avLst/>
+            </a:prstTxWarp>
+            <a:noAutofit/>
+          </a:bodyPr>
+          <a:lstStyle/>
+          <a:p>
+            <a:pPr algn="ctr"/>
+            <a:r>
+              <a:rPr lang="bg-BG" sz="2000" b="1" dirty="0">
+                <a:solidFill>
+                  <a:srgbClr val="FFFFFF"/>
+                </a:solidFill>
+                <a:effectLst>
+                  <a:outerShdw blurRad="38100" dist="38100" dir="2700000" algn="tl">
+                    <a:srgbClr val="000000">
+                      <a:alpha val="43137"/>
+                    </a:srgbClr>
+                  </a:outerShdw>
+                </a:effectLst>
+              </a:rPr>
+              <a:t>добавяне</a:t>
+            </a:r>
+            <a:r>
+              <a:rPr lang="en-US" sz="2000" b="1" dirty="0">
+                <a:solidFill>
+                  <a:srgbClr val="FFFFFF"/>
+                </a:solidFill>
+                <a:effectLst>
+                  <a:outerShdw blurRad="38100" dist="38100" dir="2700000" algn="tl">
+                    <a:srgbClr val="000000">
+                      <a:alpha val="43137"/>
+                    </a:srgbClr>
+                  </a:outerShdw>
+                </a:effectLst>
+              </a:rPr>
+              <a:t> / </a:t>
+            </a:r>
+            <a:r>
+              <a:rPr lang="bg-BG" sz="2000" b="1" dirty="0">
+                <a:solidFill>
+                  <a:srgbClr val="FFFFFF"/>
+                </a:solidFill>
+                <a:effectLst>
+                  <a:outerShdw blurRad="38100" dist="38100" dir="2700000" algn="tl">
+                    <a:srgbClr val="000000">
+                      <a:alpha val="43137"/>
+                    </a:srgbClr>
+                  </a:outerShdw>
+                </a:effectLst>
+              </a:rPr>
+              <a:t>редакция</a:t>
+            </a:r>
+            <a:r>
+              <a:rPr lang="en-US" sz="2000" b="1" dirty="0">
+                <a:solidFill>
+                  <a:srgbClr val="FFFFFF"/>
+                </a:solidFill>
+                <a:effectLst>
+                  <a:outerShdw blurRad="38100" dist="38100" dir="2700000" algn="tl">
+                    <a:srgbClr val="000000">
+                      <a:alpha val="43137"/>
+                    </a:srgbClr>
+                  </a:outerShdw>
+                </a:effectLst>
+              </a:rPr>
+              <a:t> / </a:t>
+            </a:r>
+            <a:r>
+              <a:rPr lang="bg-BG" sz="2000" b="1" dirty="0">
+                <a:solidFill>
+                  <a:srgbClr val="FFFFFF"/>
+                </a:solidFill>
+                <a:effectLst>
+                  <a:outerShdw blurRad="38100" dist="38100" dir="2700000" algn="tl">
+                    <a:srgbClr val="000000">
+                      <a:alpha val="43137"/>
+                    </a:srgbClr>
+                  </a:outerShdw>
+                </a:effectLst>
+              </a:rPr>
+              <a:t>изтриване</a:t>
+            </a:r>
+            <a:endParaRPr lang="en-US" sz="2000" b="1" dirty="0">
+              <a:solidFill>
+                <a:srgbClr val="FFFFFF"/>
+              </a:solidFill>
+              <a:effectLst>
+                <a:outerShdw blurRad="38100" dist="38100" dir="2700000" algn="tl">
+                  <a:srgbClr val="000000">
+                    <a:alpha val="43137"/>
+                  </a:srgbClr>
+                </a:outerShdw>
+              </a:effectLst>
+            </a:endParaRPr>
+          </a:p>
+        </p:txBody>
+      </p:sp>
+      <p:cxnSp>
+        <p:nvCxnSpPr>
+          <p:cNvPr id="73" name="Straight Arrow Connector 9">
+            <a:extLst>
+              <a:ext uri="{FF2B5EF4-FFF2-40B4-BE49-F238E27FC236}">
+                <a16:creationId xmlns:a16="http://schemas.microsoft.com/office/drawing/2014/main" id="{0830783D-ED56-FFBD-D5E5-C8721972E7A6}"/>
+              </a:ext>
+            </a:extLst>
+          </p:cNvPr>
+          <p:cNvCxnSpPr>
+            <a:cxnSpLocks/>
+            <a:stCxn id="27" idx="2"/>
+            <a:endCxn id="72" idx="0"/>
+          </p:cNvCxnSpPr>
+          <p:nvPr/>
+        </p:nvCxnSpPr>
+        <p:spPr>
+          <a:xfrm>
+            <a:off x="9044648" y="5265853"/>
+            <a:ext cx="0" cy="335058"/>
+          </a:xfrm>
+          <a:prstGeom prst="straightConnector1">
+            <a:avLst/>
+          </a:prstGeom>
+          <a:ln w="38100" cap="flat" cmpd="sng" algn="ctr">
+            <a:solidFill>
+              <a:schemeClr val="dk1"/>
+            </a:solidFill>
+            <a:prstDash val="solid"/>
+            <a:round/>
+            <a:headEnd type="none" w="med" len="med"/>
+            <a:tailEnd type="arrow" w="med" len="med"/>
+          </a:ln>
+        </p:spPr>
+        <p:style>
+          <a:lnRef idx="0">
+            <a:scrgbClr r="0" g="0" b="0"/>
+          </a:lnRef>
+          <a:fillRef idx="0">
+            <a:scrgbClr r="0" g="0" b="0"/>
+          </a:fillRef>
+          <a:effectRef idx="0">
+            <a:scrgbClr r="0" g="0" b="0"/>
+          </a:effectRef>
+          <a:fontRef idx="minor">
+            <a:schemeClr val="tx1"/>
+          </a:fontRef>
+        </p:style>
+      </p:cxnSp>
+      <p:sp>
+        <p:nvSpPr>
+          <p:cNvPr id="75" name="Rectangle: Rounded Corners 74">
+            <a:extLst>
+              <a:ext uri="{FF2B5EF4-FFF2-40B4-BE49-F238E27FC236}">
+                <a16:creationId xmlns:a16="http://schemas.microsoft.com/office/drawing/2014/main" id="{9C3AAC77-F3C3-071C-05C9-D7CB30E41A1E}"/>
+              </a:ext>
+            </a:extLst>
+          </p:cNvPr>
+          <p:cNvSpPr/>
+          <p:nvPr/>
+        </p:nvSpPr>
+        <p:spPr bwMode="auto">
+          <a:xfrm>
+            <a:off x="10135339" y="5600911"/>
+            <a:ext cx="1624625" cy="920909"/>
+          </a:xfrm>
+          <a:prstGeom prst="roundRect">
+            <a:avLst/>
+          </a:prstGeom>
+          <a:solidFill>
+            <a:schemeClr val="dk2">
+              <a:alpha val="80000"/>
+            </a:schemeClr>
+          </a:solidFill>
+          <a:ln w="19050">
+            <a:solidFill>
+              <a:schemeClr val="tx1">
+                <a:lumMod val="75000"/>
+                <a:alpha val="80000"/>
+              </a:schemeClr>
+            </a:solidFill>
+          </a:ln>
+          <a:effectLst/>
+        </p:spPr>
+        <p:style>
+          <a:lnRef idx="2">
+            <a:schemeClr val="accent1">
+              <a:shade val="50000"/>
+            </a:schemeClr>
+          </a:lnRef>
+          <a:fillRef idx="1001">
+            <a:schemeClr val="dk2"/>
+          </a:fillRef>
+          <a:effectRef idx="0">
+            <a:schemeClr val="accent1"/>
+          </a:effectRef>
+          <a:fontRef idx="minor">
+            <a:schemeClr val="lt1"/>
+          </a:fontRef>
+        </p:style>
+        <p:txBody>
+          <a:bodyPr rot="0" spcFirstLastPara="0" vertOverflow="overflow" horzOverflow="overflow" vert="horz" wrap="square" lIns="91440" tIns="45720" rIns="91440" bIns="45720" numCol="1" spcCol="0" rtlCol="0" fromWordArt="0" anchor="ctr" anchorCtr="0" forceAA="0" compatLnSpc="1">
+            <a:prstTxWarp prst="textNoShape">
+              <a:avLst/>
+            </a:prstTxWarp>
+            <a:noAutofit/>
+          </a:bodyPr>
+          <a:lstStyle/>
+          <a:p>
+            <a:pPr algn="ctr"/>
+            <a:r>
+              <a:rPr lang="bg-BG" sz="2000" b="1" dirty="0">
+                <a:solidFill>
+                  <a:srgbClr val="FFFFFF"/>
+                </a:solidFill>
+                <a:effectLst>
+                  <a:outerShdw blurRad="38100" dist="38100" dir="2700000" algn="tl">
+                    <a:srgbClr val="000000">
+                      <a:alpha val="43137"/>
+                    </a:srgbClr>
+                  </a:outerShdw>
+                </a:effectLst>
+              </a:rPr>
+              <a:t>добавяне</a:t>
+            </a:r>
+            <a:r>
+              <a:rPr lang="en-US" sz="2000" b="1" dirty="0">
+                <a:solidFill>
+                  <a:srgbClr val="FFFFFF"/>
+                </a:solidFill>
+                <a:effectLst>
+                  <a:outerShdw blurRad="38100" dist="38100" dir="2700000" algn="tl">
+                    <a:srgbClr val="000000">
+                      <a:alpha val="43137"/>
+                    </a:srgbClr>
+                  </a:outerShdw>
+                </a:effectLst>
+              </a:rPr>
+              <a:t> / </a:t>
+            </a:r>
+            <a:r>
+              <a:rPr lang="bg-BG" sz="2000" b="1" dirty="0">
+                <a:solidFill>
+                  <a:srgbClr val="FFFFFF"/>
+                </a:solidFill>
+                <a:effectLst>
+                  <a:outerShdw blurRad="38100" dist="38100" dir="2700000" algn="tl">
+                    <a:srgbClr val="000000">
+                      <a:alpha val="43137"/>
+                    </a:srgbClr>
+                  </a:outerShdw>
+                </a:effectLst>
+              </a:rPr>
+              <a:t>редакция</a:t>
+            </a:r>
+            <a:r>
+              <a:rPr lang="en-US" sz="2000" b="1" dirty="0">
+                <a:solidFill>
+                  <a:srgbClr val="FFFFFF"/>
+                </a:solidFill>
+                <a:effectLst>
+                  <a:outerShdw blurRad="38100" dist="38100" dir="2700000" algn="tl">
+                    <a:srgbClr val="000000">
+                      <a:alpha val="43137"/>
+                    </a:srgbClr>
+                  </a:outerShdw>
+                </a:effectLst>
+              </a:rPr>
+              <a:t> / </a:t>
+            </a:r>
+            <a:r>
+              <a:rPr lang="bg-BG" sz="2000" b="1" dirty="0">
+                <a:solidFill>
+                  <a:srgbClr val="FFFFFF"/>
+                </a:solidFill>
+                <a:effectLst>
+                  <a:outerShdw blurRad="38100" dist="38100" dir="2700000" algn="tl">
+                    <a:srgbClr val="000000">
+                      <a:alpha val="43137"/>
+                    </a:srgbClr>
+                  </a:outerShdw>
+                </a:effectLst>
+              </a:rPr>
+              <a:t>изтриване</a:t>
+            </a:r>
+            <a:endParaRPr lang="en-US" sz="2000" b="1" dirty="0">
+              <a:solidFill>
+                <a:srgbClr val="FFFFFF"/>
+              </a:solidFill>
+              <a:effectLst>
+                <a:outerShdw blurRad="38100" dist="38100" dir="2700000" algn="tl">
+                  <a:srgbClr val="000000">
+                    <a:alpha val="43137"/>
+                  </a:srgbClr>
+                </a:outerShdw>
+              </a:effectLst>
+            </a:endParaRPr>
+          </a:p>
+        </p:txBody>
+      </p:sp>
+      <p:cxnSp>
+        <p:nvCxnSpPr>
+          <p:cNvPr id="76" name="Straight Arrow Connector 9">
+            <a:extLst>
+              <a:ext uri="{FF2B5EF4-FFF2-40B4-BE49-F238E27FC236}">
+                <a16:creationId xmlns:a16="http://schemas.microsoft.com/office/drawing/2014/main" id="{2B0ED029-1CA9-8FBB-709E-AE164934370B}"/>
+              </a:ext>
+            </a:extLst>
+          </p:cNvPr>
+          <p:cNvCxnSpPr>
+            <a:cxnSpLocks/>
+            <a:stCxn id="36" idx="2"/>
+            <a:endCxn id="75" idx="0"/>
+          </p:cNvCxnSpPr>
+          <p:nvPr/>
+        </p:nvCxnSpPr>
+        <p:spPr>
+          <a:xfrm>
+            <a:off x="10945978" y="5265853"/>
+            <a:ext cx="1674" cy="335058"/>
+          </a:xfrm>
+          <a:prstGeom prst="straightConnector1">
+            <a:avLst/>
+          </a:prstGeom>
+          <a:ln w="38100" cap="flat" cmpd="sng" algn="ctr">
+            <a:solidFill>
+              <a:schemeClr val="dk1"/>
+            </a:solidFill>
+            <a:prstDash val="solid"/>
+            <a:round/>
+            <a:headEnd type="none" w="med" len="med"/>
+            <a:tailEnd type="arrow" w="med" len="med"/>
+          </a:ln>
+        </p:spPr>
+        <p:style>
+          <a:lnRef idx="0">
+            <a:scrgbClr r="0" g="0" b="0"/>
+          </a:lnRef>
+          <a:fillRef idx="0">
+            <a:scrgbClr r="0" g="0" b="0"/>
+          </a:fillRef>
+          <a:effectRef idx="0">
+            <a:scrgbClr r="0" g="0" b="0"/>
+          </a:effectRef>
+          <a:fontRef idx="minor">
+            <a:schemeClr val="tx1"/>
+          </a:fontRef>
+        </p:style>
+      </p:cxnSp>
+    </p:spTree>
+    <p:extLst>
+      <p:ext uri="{BB962C8B-B14F-4D97-AF65-F5344CB8AC3E}">
+        <p14:creationId xmlns:p14="http://schemas.microsoft.com/office/powerpoint/2010/main" val="959532821"/>
+      </p:ext>
+    </p:extLst>
+  </p:cSld>
+  <p:clrMapOvr>
+    <a:masterClrMapping/>
+  </p:clrMapOvr>
+  <mc:AlternateContent xmlns:mc="http://schemas.openxmlformats.org/markup-compatibility/2006" xmlns:p14="http://schemas.microsoft.com/office/powerpoint/2010/main">
+    <mc:Choice Requires="p14">
+      <p:transition spd="slow" p14:dur="2000" advClick="0" advTm="5000"/>
+    </mc:Choice>
+    <mc:Fallback xmlns="">
+      <p:transition spd="slow" advClick="0" advTm="5000"/>
+    </mc:Fallback>
+  </mc:AlternateContent>
+  <p:timing>
+    <p:tnLst>
+      <p:par>
+        <p:cTn id="1" dur="indefinite" restart="never" nodeType="tmRoot">
+          <p:childTnLst>
+            <p:seq concurrent="1" nextAc="seek">
+              <p:cTn id="2" dur="indefinite" nodeType="mainSeq">
+                <p:childTnLst>
+                  <p:par>
+                    <p:cTn id="3" fill="hold">
+                      <p:stCondLst>
+                        <p:cond delay="indefinite"/>
+                        <p:cond evt="onBegin" delay="0">
+                          <p:tn val="2"/>
+                        </p:cond>
+                      </p:stCondLst>
+                      <p:childTnLst>
+                        <p:par>
+                          <p:cTn id="4" fill="hold">
+                            <p:stCondLst>
+                              <p:cond delay="0"/>
+                            </p:stCondLst>
+                            <p:childTnLst>
+                              <p:par>
+                                <p:cTn id="5" presetID="1" presetClass="entr" presetSubtype="0" fill="hold" nodeType="withEffect">
+                                  <p:stCondLst>
+                                    <p:cond delay="0"/>
+                                  </p:stCondLst>
+                                  <p:childTnLst>
+                                    <p:set>
+                                      <p:cBhvr>
+                                        <p:cTn id="6" dur="1" fill="hold">
+                                          <p:stCondLst>
+                                            <p:cond delay="0"/>
+                                          </p:stCondLst>
+                                        </p:cTn>
+                                        <p:tgtEl>
+                                          <p:spTgt spid="7">
+                                            <p:txEl>
+                                              <p:pRg st="0" end="0"/>
+                                            </p:txEl>
+                                          </p:spTgt>
+                                        </p:tgtEl>
+                                        <p:attrNameLst>
+                                          <p:attrName>style.visibility</p:attrName>
+                                        </p:attrNameLst>
+                                      </p:cBhvr>
+                                      <p:to>
+                                        <p:strVal val="visible"/>
+                                      </p:to>
+                                    </p:set>
+                                  </p:childTnLst>
+                                </p:cTn>
+                              </p:par>
+                            </p:childTnLst>
+                          </p:cTn>
+                        </p:par>
+                      </p:childTnLst>
+                    </p:cTn>
+                  </p:par>
+                </p:childTnLst>
+              </p:cTn>
+              <p:prevCondLst>
+                <p:cond evt="onPrev" delay="0">
+                  <p:tgtEl>
+                    <p:sldTgt/>
+                  </p:tgtEl>
+                </p:cond>
+              </p:prevCondLst>
+              <p:nextCondLst>
+                <p:cond evt="onNext" delay="0">
+                  <p:tgtEl>
+                    <p:sldTgt/>
+                  </p:tgtEl>
+                </p:cond>
+              </p:nextCondLst>
+            </p:seq>
+          </p:childTnLst>
+        </p:cTn>
+      </p:par>
+    </p:tnLst>
+  </p:timing>
+</p:sld>
+</file>
+
+<file path=ppt/slides/slide22.xml><?xml version="1.0" encoding="utf-8"?>
+<p:sld xmlns:a="http://schemas.openxmlformats.org/drawingml/2006/main" xmlns:r="http://schemas.openxmlformats.org/officeDocument/2006/relationships" xmlns:p="http://schemas.openxmlformats.org/presentationml/2006/main">
+  <p:cSld>
+    <p:spTree>
+      <p:nvGrpSpPr>
+        <p:cNvPr id="1" name=""/>
+        <p:cNvGrpSpPr/>
+        <p:nvPr/>
+      </p:nvGrpSpPr>
+      <p:grpSpPr>
+        <a:xfrm>
+          <a:off x="0" y="0"/>
+          <a:ext cx="0" cy="0"/>
+          <a:chOff x="0" y="0"/>
+          <a:chExt cx="0" cy="0"/>
+        </a:xfrm>
+      </p:grpSpPr>
+      <p:sp>
+        <p:nvSpPr>
+          <p:cNvPr id="2" name="Slide Number Placeholder 1">
+            <a:extLst>
+              <a:ext uri="{FF2B5EF4-FFF2-40B4-BE49-F238E27FC236}">
+                <a16:creationId xmlns:a16="http://schemas.microsoft.com/office/drawing/2014/main" id="{CCAABC86-82E0-F099-701A-D4347B605385}"/>
+              </a:ext>
+            </a:extLst>
+          </p:cNvPr>
+          <p:cNvSpPr>
+            <a:spLocks noGrp="1"/>
+          </p:cNvSpPr>
+          <p:nvPr>
+            <p:ph type="sldNum" sz="quarter" idx="5"/>
+          </p:nvPr>
+        </p:nvSpPr>
+        <p:spPr/>
+        <p:txBody>
+          <a:bodyPr/>
+          <a:lstStyle/>
+          <a:p>
+            <a:fld id="{2BF067CD-8E6B-4360-9AA8-C5DF2A48A6D1}" type="slidenum">
+              <a:rPr lang="en-US" noProof="0" smtClean="0"/>
+              <a:pPr/>
+              <a:t>22</a:t>
+            </a:fld>
+            <a:endParaRPr lang="en-US" noProof="0" dirty="0"/>
+          </a:p>
+        </p:txBody>
+      </p:sp>
+      <p:sp>
+        <p:nvSpPr>
+          <p:cNvPr id="4" name="Title 3">
+            <a:extLst>
+              <a:ext uri="{FF2B5EF4-FFF2-40B4-BE49-F238E27FC236}">
+                <a16:creationId xmlns:a16="http://schemas.microsoft.com/office/drawing/2014/main" id="{67B6A643-676D-3506-B008-B24B36AA34F1}"/>
+              </a:ext>
+            </a:extLst>
+          </p:cNvPr>
+          <p:cNvSpPr>
+            <a:spLocks noGrp="1"/>
+          </p:cNvSpPr>
+          <p:nvPr>
+            <p:ph type="title"/>
+          </p:nvPr>
+        </p:nvSpPr>
+        <p:spPr/>
+        <p:txBody>
+          <a:bodyPr>
+            <a:normAutofit/>
+          </a:bodyPr>
+          <a:lstStyle/>
+          <a:p>
+            <a:r>
+              <a:rPr lang="bg-BG" dirty="0"/>
+              <a:t>Проектиране</a:t>
+            </a:r>
+            <a:r>
+              <a:rPr lang="en-US" dirty="0"/>
+              <a:t>: </a:t>
+            </a:r>
+            <a:r>
+              <a:rPr lang="bg-BG" dirty="0"/>
+              <a:t>дизайн на </a:t>
+            </a:r>
+            <a:r>
+              <a:rPr lang="en-US" dirty="0"/>
               <a:t>UI </a:t>
             </a:r>
             <a:r>
               <a:rPr lang="bg-BG" dirty="0"/>
-              <a:t>- Главна форма</a:t>
+              <a:t>- Входна форма</a:t>
             </a:r>
             <a:endParaRPr lang="en-BG" dirty="0"/>
           </a:p>
@@ -13878,7 +16549,7 @@
         <p:spPr/>
         <p:txBody>
           <a:bodyPr>
-            <a:normAutofit fontScale="92500" lnSpcReduction="10000"/>
+            <a:normAutofit/>
           </a:bodyPr>
           <a:lstStyle/>
           <a:p>
@@ -13888,236 +16559,477 @@
                   <a:schemeClr val="bg1"/>
                 </a:solidFill>
               </a:rPr>
-              <a:t>Управление на пациенти</a:t>
+              <a:t>Вход в приложението</a:t>
             </a:r>
           </a:p>
           <a:p>
             <a:pPr lvl="1"/>
             <a:r>
               <a:rPr lang="bg-BG" dirty="0"/>
-              <a:t>Полета за </a:t>
+              <a:t>Полета с данни за </a:t>
             </a:r>
             <a:r>
               <a:rPr lang="bg-BG" b="1" dirty="0"/>
-              <a:t>име</a:t>
+              <a:t>потребителско име</a:t>
             </a:r>
             <a:r>
               <a:rPr lang="bg-BG" dirty="0"/>
-              <a:t>, </a:t>
+              <a:t> и</a:t>
             </a:r>
             <a:r>
               <a:rPr lang="bg-BG" b="1" dirty="0"/>
-              <a:t>фамилия</a:t>
-            </a:r>
+              <a:t> парола</a:t>
+            </a:r>
+            <a:endParaRPr lang="bg-BG" dirty="0"/>
+          </a:p>
+          <a:p>
+            <a:pPr lvl="1"/>
             <a:r>
               <a:rPr lang="bg-BG" dirty="0"/>
-              <a:t>, </a:t>
+              <a:t>Бутон за </a:t>
             </a:r>
             <a:r>
               <a:rPr lang="bg-BG" b="1" dirty="0"/>
-              <a:t>ЕГН</a:t>
-            </a:r>
-            <a:r>
-              <a:rPr lang="bg-BG" dirty="0"/>
-              <a:t>, </a:t>
-            </a:r>
-            <a:r>
-              <a:rPr lang="bg-BG" b="1" dirty="0"/>
-              <a:t>пол</a:t>
-            </a:r>
-            <a:r>
-              <a:rPr lang="bg-BG" dirty="0"/>
-              <a:t>, </a:t>
-            </a:r>
-            <a:r>
-              <a:rPr lang="bg-BG" b="1" dirty="0"/>
-              <a:t>телефон</a:t>
-            </a:r>
-            <a:endParaRPr lang="bg-BG" dirty="0"/>
+              <a:t>вход</a:t>
+            </a:r>
           </a:p>
           <a:p>
             <a:pPr lvl="1"/>
             <a:r>
-              <a:rPr lang="bg-BG" dirty="0"/>
-              <a:t>Бутони за </a:t>
-            </a:r>
-            <a:r>
-              <a:rPr lang="bg-BG" b="1" dirty="0"/>
-              <a:t>добавяне</a:t>
-            </a:r>
-            <a:r>
-              <a:rPr lang="bg-BG" dirty="0"/>
-              <a:t>, </a:t>
-            </a:r>
-            <a:r>
-              <a:rPr lang="bg-BG" b="1" dirty="0"/>
-              <a:t>редактиране</a:t>
-            </a:r>
-            <a:r>
-              <a:rPr lang="bg-BG" dirty="0"/>
-              <a:t> и </a:t>
-            </a:r>
-            <a:r>
-              <a:rPr lang="bg-BG" b="1" dirty="0"/>
-              <a:t>изтриване</a:t>
-            </a:r>
-          </a:p>
-          <a:p>
+              <a:rPr lang="en-US" b="1" dirty="0">
+                <a:highlight>
+                  <a:srgbClr val="FFFF00"/>
+                </a:highlight>
+              </a:rPr>
+              <a:t>TODO: </a:t>
+            </a:r>
             <a:r>
               <a:rPr lang="bg-BG" b="1" dirty="0">
-                <a:solidFill>
-                  <a:schemeClr val="bg1"/>
-                </a:solidFill>
+                <a:highlight>
+                  <a:srgbClr val="FFFF00"/>
+                </a:highlight>
               </a:rPr>
-              <a:t>Управление на прегледи</a:t>
-            </a:r>
-          </a:p>
-          <a:p>
-            <a:pPr lvl="1"/>
-            <a:r>
-              <a:rPr lang="bg-BG" dirty="0"/>
-              <a:t>Полета за </a:t>
-            </a:r>
-            <a:r>
-              <a:rPr lang="bg-BG" b="1" dirty="0"/>
-              <a:t>дата</a:t>
-            </a:r>
-            <a:r>
-              <a:rPr lang="bg-BG" dirty="0"/>
-              <a:t>, </a:t>
-            </a:r>
-            <a:r>
-              <a:rPr lang="bg-BG" b="1" dirty="0"/>
-              <a:t>име</a:t>
-            </a:r>
-            <a:r>
-              <a:rPr lang="bg-BG" dirty="0"/>
-              <a:t> и </a:t>
-            </a:r>
-            <a:r>
-              <a:rPr lang="bg-BG" b="1" dirty="0"/>
-              <a:t>фамилия</a:t>
-            </a:r>
-            <a:r>
-              <a:rPr lang="bg-BG" dirty="0"/>
-              <a:t> на </a:t>
-            </a:r>
-            <a:r>
-              <a:rPr lang="bg-BG" b="1" dirty="0"/>
-              <a:t>лекар</a:t>
-            </a:r>
-            <a:r>
-              <a:rPr lang="bg-BG" dirty="0"/>
-              <a:t>, </a:t>
-            </a:r>
-            <a:r>
-              <a:rPr lang="bg-BG" b="1" dirty="0"/>
-              <a:t>описание</a:t>
-            </a:r>
-            <a:endParaRPr lang="bg-BG" dirty="0"/>
-          </a:p>
-          <a:p>
-            <a:pPr lvl="1"/>
-            <a:r>
-              <a:rPr lang="bg-BG" dirty="0"/>
-              <a:t>Бутони за </a:t>
-            </a:r>
-            <a:r>
-              <a:rPr lang="bg-BG" b="1" dirty="0"/>
-              <a:t>добавяне</a:t>
-            </a:r>
-            <a:r>
-              <a:rPr lang="bg-BG" dirty="0"/>
-              <a:t>, </a:t>
-            </a:r>
-            <a:r>
-              <a:rPr lang="bg-BG" b="1" dirty="0"/>
-              <a:t>редактиране</a:t>
-            </a:r>
-            <a:r>
-              <a:rPr lang="bg-BG" dirty="0"/>
-              <a:t> и </a:t>
-            </a:r>
-            <a:r>
-              <a:rPr lang="bg-BG" b="1" dirty="0"/>
-              <a:t>изтриване</a:t>
-            </a:r>
-          </a:p>
-          <a:p>
-            <a:r>
-              <a:rPr lang="bg-BG" b="1" dirty="0">
-                <a:solidFill>
-                  <a:schemeClr val="bg1"/>
-                </a:solidFill>
+              <a:t>картинка</a:t>
+            </a:r>
+            <a:endParaRPr lang="bg-BG" dirty="0">
+              <a:highlight>
+                <a:srgbClr val="FFFF00"/>
+              </a:highlight>
+            </a:endParaRPr>
+          </a:p>
+        </p:txBody>
+      </p:sp>
+      <p:sp>
+        <p:nvSpPr>
+          <p:cNvPr id="3" name="Rectangle: Rounded Corners 2">
+            <a:extLst>
+              <a:ext uri="{FF2B5EF4-FFF2-40B4-BE49-F238E27FC236}">
+                <a16:creationId xmlns:a16="http://schemas.microsoft.com/office/drawing/2014/main" id="{62598AF5-9639-C89E-A60A-DCECD53EDAEA}"/>
+              </a:ext>
+            </a:extLst>
+          </p:cNvPr>
+          <p:cNvSpPr/>
+          <p:nvPr/>
+        </p:nvSpPr>
+        <p:spPr bwMode="auto">
+          <a:xfrm>
+            <a:off x="5196000" y="2934000"/>
+            <a:ext cx="4860000" cy="2340000"/>
+          </a:xfrm>
+          <a:prstGeom prst="roundRect">
+            <a:avLst>
+              <a:gd name="adj" fmla="val 2965"/>
+            </a:avLst>
+          </a:prstGeom>
+          <a:solidFill>
+            <a:schemeClr val="dk2">
+              <a:alpha val="80000"/>
+            </a:schemeClr>
+          </a:solidFill>
+          <a:ln w="19050">
+            <a:solidFill>
+              <a:schemeClr val="tx1">
+                <a:lumMod val="75000"/>
+                <a:alpha val="80000"/>
+              </a:schemeClr>
+            </a:solidFill>
+          </a:ln>
+          <a:effectLst/>
+        </p:spPr>
+        <p:style>
+          <a:lnRef idx="2">
+            <a:schemeClr val="accent1">
+              <a:shade val="50000"/>
+            </a:schemeClr>
+          </a:lnRef>
+          <a:fillRef idx="1001">
+            <a:schemeClr val="dk2"/>
+          </a:fillRef>
+          <a:effectRef idx="0">
+            <a:schemeClr val="accent1"/>
+          </a:effectRef>
+          <a:fontRef idx="minor">
+            <a:schemeClr val="lt1"/>
+          </a:fontRef>
+        </p:style>
+        <p:txBody>
+          <a:bodyPr rot="0" spcFirstLastPara="0" vertOverflow="overflow" horzOverflow="overflow" vert="horz" wrap="square" lIns="91440" tIns="45720" rIns="91440" bIns="45720" numCol="1" spcCol="0" rtlCol="0" fromWordArt="0" anchor="ctr" anchorCtr="0" forceAA="0" compatLnSpc="1">
+            <a:prstTxWarp prst="textNoShape">
+              <a:avLst/>
+            </a:prstTxWarp>
+            <a:noAutofit/>
+          </a:bodyPr>
+          <a:lstStyle/>
+          <a:p>
+            <a:pPr algn="ctr"/>
+            <a:endParaRPr lang="en-US" sz="2800" b="1" dirty="0">
+              <a:solidFill>
+                <a:srgbClr val="FFFFFF"/>
+              </a:solidFill>
+              <a:effectLst>
+                <a:outerShdw blurRad="38100" dist="38100" dir="2700000" algn="tl">
+                  <a:srgbClr val="000000">
+                    <a:alpha val="43137"/>
+                  </a:srgbClr>
+                </a:outerShdw>
+              </a:effectLst>
+            </a:endParaRPr>
+          </a:p>
+        </p:txBody>
+      </p:sp>
+      <p:sp>
+        <p:nvSpPr>
+          <p:cNvPr id="5" name="Rectangle: Rounded Corners 4">
+            <a:extLst>
+              <a:ext uri="{FF2B5EF4-FFF2-40B4-BE49-F238E27FC236}">
+                <a16:creationId xmlns:a16="http://schemas.microsoft.com/office/drawing/2014/main" id="{F1A32295-85D0-9609-569D-EBE2A9E03CD7}"/>
+              </a:ext>
+            </a:extLst>
+          </p:cNvPr>
+          <p:cNvSpPr/>
+          <p:nvPr/>
+        </p:nvSpPr>
+        <p:spPr bwMode="auto">
+          <a:xfrm>
+            <a:off x="6113834" y="4440333"/>
+            <a:ext cx="2715021" cy="564833"/>
+          </a:xfrm>
+          <a:prstGeom prst="roundRect">
+            <a:avLst/>
+          </a:prstGeom>
+          <a:solidFill>
+            <a:schemeClr val="dk2">
+              <a:alpha val="80000"/>
+            </a:schemeClr>
+          </a:solidFill>
+          <a:ln w="19050">
+            <a:solidFill>
+              <a:schemeClr val="tx1">
+                <a:lumMod val="75000"/>
+                <a:alpha val="80000"/>
+              </a:schemeClr>
+            </a:solidFill>
+          </a:ln>
+          <a:effectLst/>
+        </p:spPr>
+        <p:style>
+          <a:lnRef idx="2">
+            <a:schemeClr val="accent1">
+              <a:shade val="50000"/>
+            </a:schemeClr>
+          </a:lnRef>
+          <a:fillRef idx="1001">
+            <a:schemeClr val="dk2"/>
+          </a:fillRef>
+          <a:effectRef idx="0">
+            <a:schemeClr val="accent1"/>
+          </a:effectRef>
+          <a:fontRef idx="minor">
+            <a:schemeClr val="lt1"/>
+          </a:fontRef>
+        </p:style>
+        <p:txBody>
+          <a:bodyPr rot="0" spcFirstLastPara="0" vertOverflow="overflow" horzOverflow="overflow" vert="horz" wrap="square" lIns="91440" tIns="45720" rIns="91440" bIns="45720" numCol="1" spcCol="0" rtlCol="0" fromWordArt="0" anchor="ctr" anchorCtr="0" forceAA="0" compatLnSpc="1">
+            <a:prstTxWarp prst="textNoShape">
+              <a:avLst/>
+            </a:prstTxWarp>
+            <a:noAutofit/>
+          </a:bodyPr>
+          <a:lstStyle/>
+          <a:p>
+            <a:pPr algn="ctr"/>
+            <a:r>
+              <a:rPr lang="bg-BG" sz="2800" b="1" dirty="0">
+                <a:solidFill>
+                  <a:srgbClr val="FFFFFF"/>
+                </a:solidFill>
+                <a:effectLst>
+                  <a:outerShdw blurRad="38100" dist="38100" dir="2700000" algn="tl">
+                    <a:srgbClr val="000000">
+                      <a:alpha val="43137"/>
+                    </a:srgbClr>
+                  </a:outerShdw>
+                </a:effectLst>
               </a:rPr>
-              <a:t>Управление на лекари</a:t>
-            </a:r>
-          </a:p>
-          <a:p>
-            <a:pPr lvl="1"/>
-            <a:r>
-              <a:rPr lang="bg-BG" dirty="0"/>
-              <a:t>Полета за </a:t>
-            </a:r>
-            <a:r>
-              <a:rPr lang="bg-BG" b="1" dirty="0"/>
-              <a:t>име</a:t>
-            </a:r>
-            <a:r>
-              <a:rPr lang="bg-BG" dirty="0"/>
-              <a:t>, </a:t>
-            </a:r>
-            <a:r>
-              <a:rPr lang="bg-BG" b="1" dirty="0"/>
-              <a:t>фамилия</a:t>
-            </a:r>
-            <a:r>
-              <a:rPr lang="bg-BG" dirty="0"/>
-              <a:t>, </a:t>
-            </a:r>
-            <a:r>
-              <a:rPr lang="bg-BG" b="1" dirty="0"/>
-              <a:t>специалност</a:t>
-            </a:r>
-            <a:r>
-              <a:rPr lang="bg-BG" dirty="0"/>
-              <a:t>, </a:t>
-            </a:r>
-            <a:r>
-              <a:rPr lang="bg-BG" b="1" dirty="0"/>
-              <a:t>телефон</a:t>
-            </a:r>
-            <a:endParaRPr lang="bg-BG" dirty="0"/>
-          </a:p>
-          <a:p>
-            <a:pPr lvl="1"/>
-            <a:r>
-              <a:rPr lang="bg-BG" dirty="0"/>
-              <a:t>Бутони за </a:t>
-            </a:r>
-            <a:r>
-              <a:rPr lang="bg-BG" b="1" dirty="0"/>
-              <a:t>добавян</a:t>
-            </a:r>
-            <a:r>
-              <a:rPr lang="en-US" b="1" dirty="0"/>
-              <a:t>e</a:t>
-            </a:r>
-            <a:r>
-              <a:rPr lang="en-US" dirty="0"/>
-              <a:t>, </a:t>
-            </a:r>
-            <a:r>
-              <a:rPr lang="bg-BG" b="1" dirty="0"/>
-              <a:t>редактиране</a:t>
-            </a:r>
-            <a:r>
-              <a:rPr lang="bg-BG" dirty="0"/>
-              <a:t> и </a:t>
-            </a:r>
-            <a:r>
-              <a:rPr lang="bg-BG" b="1" dirty="0"/>
-              <a:t>изтриване</a:t>
+              <a:t>вход</a:t>
+            </a:r>
+            <a:endParaRPr lang="en-US" sz="2800" b="1" dirty="0">
+              <a:solidFill>
+                <a:srgbClr val="FFFFFF"/>
+              </a:solidFill>
+              <a:effectLst>
+                <a:outerShdw blurRad="38100" dist="38100" dir="2700000" algn="tl">
+                  <a:srgbClr val="000000">
+                    <a:alpha val="43137"/>
+                  </a:srgbClr>
+                </a:outerShdw>
+              </a:effectLst>
+            </a:endParaRPr>
+          </a:p>
+        </p:txBody>
+      </p:sp>
+      <p:sp>
+        <p:nvSpPr>
+          <p:cNvPr id="6" name="Rectangle: Rounded Corners 5">
+            <a:extLst>
+              <a:ext uri="{FF2B5EF4-FFF2-40B4-BE49-F238E27FC236}">
+                <a16:creationId xmlns:a16="http://schemas.microsoft.com/office/drawing/2014/main" id="{9027D307-D482-71F2-C719-F7656EEB68EF}"/>
+              </a:ext>
+            </a:extLst>
+          </p:cNvPr>
+          <p:cNvSpPr/>
+          <p:nvPr/>
+        </p:nvSpPr>
+        <p:spPr bwMode="auto">
+          <a:xfrm>
+            <a:off x="7025978" y="3226500"/>
+            <a:ext cx="2715021" cy="405000"/>
+          </a:xfrm>
+          <a:prstGeom prst="roundRect">
+            <a:avLst/>
+          </a:prstGeom>
+          <a:solidFill>
+            <a:schemeClr val="dk2">
+              <a:alpha val="80000"/>
+            </a:schemeClr>
+          </a:solidFill>
+          <a:ln w="19050">
+            <a:solidFill>
+              <a:schemeClr val="tx1">
+                <a:lumMod val="75000"/>
+                <a:alpha val="80000"/>
+              </a:schemeClr>
+            </a:solidFill>
+          </a:ln>
+          <a:effectLst/>
+        </p:spPr>
+        <p:style>
+          <a:lnRef idx="2">
+            <a:schemeClr val="accent1">
+              <a:shade val="50000"/>
+            </a:schemeClr>
+          </a:lnRef>
+          <a:fillRef idx="1001">
+            <a:schemeClr val="dk2"/>
+          </a:fillRef>
+          <a:effectRef idx="0">
+            <a:schemeClr val="accent1"/>
+          </a:effectRef>
+          <a:fontRef idx="minor">
+            <a:schemeClr val="lt1"/>
+          </a:fontRef>
+        </p:style>
+        <p:txBody>
+          <a:bodyPr rot="0" spcFirstLastPara="0" vertOverflow="overflow" horzOverflow="overflow" vert="horz" wrap="square" lIns="91440" tIns="45720" rIns="91440" bIns="45720" numCol="1" spcCol="0" rtlCol="0" fromWordArt="0" anchor="ctr" anchorCtr="0" forceAA="0" compatLnSpc="1">
+            <a:prstTxWarp prst="textNoShape">
+              <a:avLst/>
+            </a:prstTxWarp>
+            <a:noAutofit/>
+          </a:bodyPr>
+          <a:lstStyle/>
+          <a:p>
+            <a:pPr algn="ctr"/>
+            <a:endParaRPr lang="en-US" sz="2800" b="1" dirty="0">
+              <a:solidFill>
+                <a:srgbClr val="FFFFFF"/>
+              </a:solidFill>
+              <a:effectLst>
+                <a:outerShdw blurRad="38100" dist="38100" dir="2700000" algn="tl">
+                  <a:srgbClr val="000000">
+                    <a:alpha val="43137"/>
+                  </a:srgbClr>
+                </a:outerShdw>
+              </a:effectLst>
+            </a:endParaRPr>
+          </a:p>
+        </p:txBody>
+      </p:sp>
+      <p:sp>
+        <p:nvSpPr>
+          <p:cNvPr id="9" name="TextBox 8">
+            <a:extLst>
+              <a:ext uri="{FF2B5EF4-FFF2-40B4-BE49-F238E27FC236}">
+                <a16:creationId xmlns:a16="http://schemas.microsoft.com/office/drawing/2014/main" id="{D5934B73-7A1D-1FE8-5713-62FC2F6E5555}"/>
+              </a:ext>
+            </a:extLst>
+          </p:cNvPr>
+          <p:cNvSpPr txBox="1"/>
+          <p:nvPr/>
+        </p:nvSpPr>
+        <p:spPr>
+          <a:xfrm>
+            <a:off x="5466000" y="3244334"/>
+            <a:ext cx="1305000" cy="369332"/>
+          </a:xfrm>
+          <a:prstGeom prst="rect">
+            <a:avLst/>
+          </a:prstGeom>
+          <a:solidFill>
+            <a:schemeClr val="accent6">
+              <a:lumMod val="75000"/>
+              <a:alpha val="15000"/>
+            </a:schemeClr>
+          </a:solidFill>
+          <a:ln w="12700">
+            <a:noFill/>
+          </a:ln>
+        </p:spPr>
+        <p:txBody>
+          <a:bodyPr wrap="square">
+            <a:spAutoFit/>
+          </a:bodyPr>
+          <a:lstStyle/>
+          <a:p>
+            <a:r>
+              <a:rPr lang="en-US" dirty="0">
+                <a:solidFill>
+                  <a:schemeClr val="bg2"/>
+                </a:solidFill>
+              </a:rPr>
+              <a:t>Username:</a:t>
+            </a:r>
+          </a:p>
+        </p:txBody>
+      </p:sp>
+      <p:sp>
+        <p:nvSpPr>
+          <p:cNvPr id="10" name="Rectangle: Rounded Corners 9">
+            <a:extLst>
+              <a:ext uri="{FF2B5EF4-FFF2-40B4-BE49-F238E27FC236}">
+                <a16:creationId xmlns:a16="http://schemas.microsoft.com/office/drawing/2014/main" id="{69C125C7-9397-DD33-5664-EBE275FCBC00}"/>
+              </a:ext>
+            </a:extLst>
+          </p:cNvPr>
+          <p:cNvSpPr/>
+          <p:nvPr/>
+        </p:nvSpPr>
+        <p:spPr bwMode="auto">
+          <a:xfrm>
+            <a:off x="7025978" y="3739334"/>
+            <a:ext cx="2715021" cy="405000"/>
+          </a:xfrm>
+          <a:prstGeom prst="roundRect">
+            <a:avLst/>
+          </a:prstGeom>
+          <a:solidFill>
+            <a:schemeClr val="dk2">
+              <a:alpha val="80000"/>
+            </a:schemeClr>
+          </a:solidFill>
+          <a:ln w="19050">
+            <a:solidFill>
+              <a:schemeClr val="tx1">
+                <a:lumMod val="75000"/>
+                <a:alpha val="80000"/>
+              </a:schemeClr>
+            </a:solidFill>
+          </a:ln>
+          <a:effectLst/>
+        </p:spPr>
+        <p:style>
+          <a:lnRef idx="2">
+            <a:schemeClr val="accent1">
+              <a:shade val="50000"/>
+            </a:schemeClr>
+          </a:lnRef>
+          <a:fillRef idx="1001">
+            <a:schemeClr val="dk2"/>
+          </a:fillRef>
+          <a:effectRef idx="0">
+            <a:schemeClr val="accent1"/>
+          </a:effectRef>
+          <a:fontRef idx="minor">
+            <a:schemeClr val="lt1"/>
+          </a:fontRef>
+        </p:style>
+        <p:txBody>
+          <a:bodyPr rot="0" spcFirstLastPara="0" vertOverflow="overflow" horzOverflow="overflow" vert="horz" wrap="square" lIns="91440" tIns="45720" rIns="91440" bIns="45720" numCol="1" spcCol="0" rtlCol="0" fromWordArt="0" anchor="ctr" anchorCtr="0" forceAA="0" compatLnSpc="1">
+            <a:prstTxWarp prst="textNoShape">
+              <a:avLst/>
+            </a:prstTxWarp>
+            <a:noAutofit/>
+          </a:bodyPr>
+          <a:lstStyle/>
+          <a:p>
+            <a:pPr algn="ctr"/>
+            <a:endParaRPr lang="en-US" sz="2800" b="1" dirty="0">
+              <a:solidFill>
+                <a:srgbClr val="FFFFFF"/>
+              </a:solidFill>
+              <a:effectLst>
+                <a:outerShdw blurRad="38100" dist="38100" dir="2700000" algn="tl">
+                  <a:srgbClr val="000000">
+                    <a:alpha val="43137"/>
+                  </a:srgbClr>
+                </a:outerShdw>
+              </a:effectLst>
+            </a:endParaRPr>
+          </a:p>
+        </p:txBody>
+      </p:sp>
+      <p:sp>
+        <p:nvSpPr>
+          <p:cNvPr id="11" name="TextBox 10">
+            <a:extLst>
+              <a:ext uri="{FF2B5EF4-FFF2-40B4-BE49-F238E27FC236}">
+                <a16:creationId xmlns:a16="http://schemas.microsoft.com/office/drawing/2014/main" id="{3E13D148-2712-EF5C-3C83-03C0B412E7D9}"/>
+              </a:ext>
+            </a:extLst>
+          </p:cNvPr>
+          <p:cNvSpPr txBox="1"/>
+          <p:nvPr/>
+        </p:nvSpPr>
+        <p:spPr>
+          <a:xfrm>
+            <a:off x="5466000" y="3757168"/>
+            <a:ext cx="1305000" cy="369332"/>
+          </a:xfrm>
+          <a:prstGeom prst="rect">
+            <a:avLst/>
+          </a:prstGeom>
+          <a:solidFill>
+            <a:schemeClr val="accent6">
+              <a:lumMod val="75000"/>
+              <a:alpha val="15000"/>
+            </a:schemeClr>
+          </a:solidFill>
+          <a:ln w="12700">
+            <a:noFill/>
+          </a:ln>
+        </p:spPr>
+        <p:txBody>
+          <a:bodyPr wrap="square">
+            <a:spAutoFit/>
+          </a:bodyPr>
+          <a:lstStyle/>
+          <a:p>
+            <a:r>
+              <a:rPr lang="en-US" dirty="0">
+                <a:solidFill>
+                  <a:schemeClr val="bg2"/>
+                </a:solidFill>
+              </a:rPr>
+              <a:t>Password:</a:t>
             </a:r>
           </a:p>
         </p:txBody>
@@ -14125,7 +17037,7 @@
     </p:spTree>
     <p:extLst>
       <p:ext uri="{BB962C8B-B14F-4D97-AF65-F5344CB8AC3E}">
-        <p14:creationId xmlns:p14="http://schemas.microsoft.com/office/powerpoint/2010/main" val="1951808226"/>
+        <p14:creationId xmlns:p14="http://schemas.microsoft.com/office/powerpoint/2010/main" val="574509519"/>
       </p:ext>
     </p:extLst>
   </p:cSld>
@@ -14323,6 +17235,752 @@
                                   </p:childTnLst>
                                 </p:cTn>
                               </p:par>
+                            </p:childTnLst>
+                          </p:cTn>
+                        </p:par>
+                      </p:childTnLst>
+                    </p:cTn>
+                  </p:par>
+                </p:childTnLst>
+              </p:cTn>
+              <p:prevCondLst>
+                <p:cond evt="onPrev" delay="0">
+                  <p:tgtEl>
+                    <p:sldTgt/>
+                  </p:tgtEl>
+                </p:cond>
+              </p:prevCondLst>
+              <p:nextCondLst>
+                <p:cond evt="onNext" delay="0">
+                  <p:tgtEl>
+                    <p:sldTgt/>
+                  </p:tgtEl>
+                </p:cond>
+              </p:nextCondLst>
+            </p:seq>
+          </p:childTnLst>
+        </p:cTn>
+      </p:par>
+    </p:tnLst>
+  </p:timing>
+</p:sld>
+</file>
+
+<file path=ppt/slides/slide23.xml><?xml version="1.0" encoding="utf-8"?>
+<p:sld xmlns:a="http://schemas.openxmlformats.org/drawingml/2006/main" xmlns:r="http://schemas.openxmlformats.org/officeDocument/2006/relationships" xmlns:p="http://schemas.openxmlformats.org/presentationml/2006/main">
+  <p:cSld>
+    <p:spTree>
+      <p:nvGrpSpPr>
+        <p:cNvPr id="1" name=""/>
+        <p:cNvGrpSpPr/>
+        <p:nvPr/>
+      </p:nvGrpSpPr>
+      <p:grpSpPr>
+        <a:xfrm>
+          <a:off x="0" y="0"/>
+          <a:ext cx="0" cy="0"/>
+          <a:chOff x="0" y="0"/>
+          <a:chExt cx="0" cy="0"/>
+        </a:xfrm>
+      </p:grpSpPr>
+      <p:sp>
+        <p:nvSpPr>
+          <p:cNvPr id="2" name="Slide Number Placeholder 1">
+            <a:extLst>
+              <a:ext uri="{FF2B5EF4-FFF2-40B4-BE49-F238E27FC236}">
+                <a16:creationId xmlns:a16="http://schemas.microsoft.com/office/drawing/2014/main" id="{CCAABC86-82E0-F099-701A-D4347B605385}"/>
+              </a:ext>
+            </a:extLst>
+          </p:cNvPr>
+          <p:cNvSpPr>
+            <a:spLocks noGrp="1"/>
+          </p:cNvSpPr>
+          <p:nvPr>
+            <p:ph type="sldNum" sz="quarter" idx="5"/>
+          </p:nvPr>
+        </p:nvSpPr>
+        <p:spPr/>
+        <p:txBody>
+          <a:bodyPr/>
+          <a:lstStyle/>
+          <a:p>
+            <a:fld id="{2BF067CD-8E6B-4360-9AA8-C5DF2A48A6D1}" type="slidenum">
+              <a:rPr lang="en-US" noProof="0" smtClean="0"/>
+              <a:pPr/>
+              <a:t>23</a:t>
+            </a:fld>
+            <a:endParaRPr lang="en-US" noProof="0" dirty="0"/>
+          </a:p>
+        </p:txBody>
+      </p:sp>
+      <p:sp>
+        <p:nvSpPr>
+          <p:cNvPr id="4" name="Title 3">
+            <a:extLst>
+              <a:ext uri="{FF2B5EF4-FFF2-40B4-BE49-F238E27FC236}">
+                <a16:creationId xmlns:a16="http://schemas.microsoft.com/office/drawing/2014/main" id="{67B6A643-676D-3506-B008-B24B36AA34F1}"/>
+              </a:ext>
+            </a:extLst>
+          </p:cNvPr>
+          <p:cNvSpPr>
+            <a:spLocks noGrp="1"/>
+          </p:cNvSpPr>
+          <p:nvPr>
+            <p:ph type="title"/>
+          </p:nvPr>
+        </p:nvSpPr>
+        <p:spPr/>
+        <p:txBody>
+          <a:bodyPr>
+            <a:normAutofit/>
+          </a:bodyPr>
+          <a:lstStyle/>
+          <a:p>
+            <a:r>
+              <a:rPr lang="bg-BG" dirty="0"/>
+              <a:t>Проектиране на </a:t>
+            </a:r>
+            <a:r>
+              <a:rPr lang="en-US" dirty="0"/>
+              <a:t>UI</a:t>
+            </a:r>
+            <a:endParaRPr lang="en-BG" dirty="0"/>
+          </a:p>
+        </p:txBody>
+      </p:sp>
+      <p:sp>
+        <p:nvSpPr>
+          <p:cNvPr id="7" name="Text Placeholder 6">
+            <a:extLst>
+              <a:ext uri="{FF2B5EF4-FFF2-40B4-BE49-F238E27FC236}">
+                <a16:creationId xmlns:a16="http://schemas.microsoft.com/office/drawing/2014/main" id="{FBFEFCDD-E454-D1E7-D67F-EE67BB2A7ACE}"/>
+              </a:ext>
+            </a:extLst>
+          </p:cNvPr>
+          <p:cNvSpPr>
+            <a:spLocks noGrp="1"/>
+          </p:cNvSpPr>
+          <p:nvPr>
+            <p:ph type="body" sz="quarter" idx="10"/>
+          </p:nvPr>
+        </p:nvSpPr>
+        <p:spPr/>
+        <p:txBody>
+          <a:bodyPr>
+            <a:normAutofit fontScale="47500" lnSpcReduction="20000"/>
+          </a:bodyPr>
+          <a:lstStyle/>
+          <a:p>
+            <a:r>
+              <a:rPr lang="bg-BG" b="1" dirty="0">
+                <a:solidFill>
+                  <a:schemeClr val="bg1"/>
+                </a:solidFill>
+              </a:rPr>
+              <a:t>Главна форма за лекари</a:t>
+            </a:r>
+          </a:p>
+          <a:p>
+            <a:pPr lvl="1"/>
+            <a:r>
+              <a:rPr lang="bg-BG" dirty="0"/>
+              <a:t>Съдържа </a:t>
+            </a:r>
+            <a:r>
+              <a:rPr lang="bg-BG" b="1" dirty="0"/>
+              <a:t>иконки </a:t>
+            </a:r>
+            <a:r>
+              <a:rPr lang="bg-BG" dirty="0"/>
+              <a:t>за показване на другите форми: </a:t>
+            </a:r>
+            <a:r>
+              <a:rPr lang="bg-BG" b="1" dirty="0"/>
+              <a:t>пациенти</a:t>
+            </a:r>
+            <a:r>
+              <a:rPr lang="bg-BG" dirty="0"/>
+              <a:t>, </a:t>
+            </a:r>
+            <a:r>
+              <a:rPr lang="bg-BG" b="1" dirty="0"/>
+              <a:t>прегледи</a:t>
+            </a:r>
+          </a:p>
+          <a:p>
+            <a:r>
+              <a:rPr lang="bg-BG" b="1" dirty="0">
+                <a:solidFill>
+                  <a:schemeClr val="bg1"/>
+                </a:solidFill>
+              </a:rPr>
+              <a:t>Главна форма за админи</a:t>
+            </a:r>
+          </a:p>
+          <a:p>
+            <a:pPr lvl="1"/>
+            <a:r>
+              <a:rPr lang="bg-BG" dirty="0"/>
+              <a:t>Съдържа </a:t>
+            </a:r>
+            <a:r>
+              <a:rPr lang="bg-BG" b="1" dirty="0"/>
+              <a:t>иконки </a:t>
+            </a:r>
+            <a:r>
+              <a:rPr lang="bg-BG" dirty="0"/>
+              <a:t>за показване на другите форми: </a:t>
+            </a:r>
+            <a:r>
+              <a:rPr lang="bg-BG" b="1" dirty="0"/>
+              <a:t>потребители</a:t>
+            </a:r>
+            <a:r>
+              <a:rPr lang="bg-BG" dirty="0"/>
+              <a:t>, </a:t>
+            </a:r>
+            <a:r>
+              <a:rPr lang="bg-BG" b="1" dirty="0"/>
+              <a:t>лекари</a:t>
+            </a:r>
+            <a:r>
+              <a:rPr lang="bg-BG" dirty="0"/>
+              <a:t>, </a:t>
+            </a:r>
+            <a:r>
+              <a:rPr lang="bg-BG" b="1" dirty="0"/>
+              <a:t>пациенти, прегледи, админи</a:t>
+            </a:r>
+          </a:p>
+          <a:p>
+            <a:r>
+              <a:rPr lang="bg-BG" b="1" dirty="0">
+                <a:solidFill>
+                  <a:schemeClr val="bg1"/>
+                </a:solidFill>
+              </a:rPr>
+              <a:t>Управление на пациенти</a:t>
+            </a:r>
+          </a:p>
+          <a:p>
+            <a:pPr lvl="1"/>
+            <a:r>
+              <a:rPr lang="bg-BG" dirty="0"/>
+              <a:t>Полета за </a:t>
+            </a:r>
+            <a:r>
+              <a:rPr lang="bg-BG" b="1" dirty="0"/>
+              <a:t>име</a:t>
+            </a:r>
+            <a:r>
+              <a:rPr lang="bg-BG" dirty="0"/>
+              <a:t>, </a:t>
+            </a:r>
+            <a:r>
+              <a:rPr lang="bg-BG" b="1" dirty="0"/>
+              <a:t>фамилия</a:t>
+            </a:r>
+            <a:r>
+              <a:rPr lang="bg-BG" dirty="0"/>
+              <a:t>, </a:t>
+            </a:r>
+            <a:r>
+              <a:rPr lang="bg-BG" b="1" dirty="0"/>
+              <a:t>ЕГН</a:t>
+            </a:r>
+            <a:r>
+              <a:rPr lang="bg-BG" dirty="0"/>
+              <a:t>, </a:t>
+            </a:r>
+            <a:r>
+              <a:rPr lang="bg-BG" b="1" dirty="0"/>
+              <a:t>пол</a:t>
+            </a:r>
+            <a:r>
+              <a:rPr lang="bg-BG" dirty="0"/>
+              <a:t>, </a:t>
+            </a:r>
+            <a:r>
+              <a:rPr lang="bg-BG" b="1" dirty="0"/>
+              <a:t>телефон</a:t>
+            </a:r>
+          </a:p>
+          <a:p>
+            <a:pPr lvl="1"/>
+            <a:r>
+              <a:rPr lang="bg-BG" b="1" dirty="0"/>
+              <a:t>Филтър</a:t>
+            </a:r>
+            <a:r>
+              <a:rPr lang="bg-BG" dirty="0"/>
+              <a:t> по ЕГН, име, фамилия, телефон</a:t>
+            </a:r>
+          </a:p>
+          <a:p>
+            <a:pPr lvl="1"/>
+            <a:r>
+              <a:rPr lang="bg-BG" dirty="0"/>
+              <a:t>Бутони за </a:t>
+            </a:r>
+            <a:r>
+              <a:rPr lang="bg-BG" b="1" dirty="0"/>
+              <a:t>покажи прегледи</a:t>
+            </a:r>
+            <a:r>
+              <a:rPr lang="bg-BG" dirty="0"/>
+              <a:t>, </a:t>
+            </a:r>
+            <a:r>
+              <a:rPr lang="bg-BG" b="1" dirty="0"/>
+              <a:t>добавяне</a:t>
+            </a:r>
+            <a:r>
+              <a:rPr lang="bg-BG" dirty="0"/>
+              <a:t> и </a:t>
+            </a:r>
+            <a:r>
+              <a:rPr lang="bg-BG" b="1" dirty="0"/>
+              <a:t>редактиране</a:t>
+            </a:r>
+            <a:r>
+              <a:rPr lang="bg-BG" dirty="0"/>
+              <a:t> </a:t>
+            </a:r>
+            <a:r>
+              <a:rPr lang="bg-BG" b="1" dirty="0"/>
+              <a:t>на пациент</a:t>
+            </a:r>
+          </a:p>
+          <a:p>
+            <a:r>
+              <a:rPr lang="bg-BG" b="1" dirty="0">
+                <a:solidFill>
+                  <a:schemeClr val="bg1"/>
+                </a:solidFill>
+              </a:rPr>
+              <a:t>Управление на прегледи</a:t>
+            </a:r>
+          </a:p>
+          <a:p>
+            <a:pPr lvl="1"/>
+            <a:r>
+              <a:rPr lang="bg-BG" dirty="0"/>
+              <a:t>Полета за </a:t>
+            </a:r>
+            <a:r>
+              <a:rPr lang="bg-BG" b="1" dirty="0"/>
+              <a:t>дата</a:t>
+            </a:r>
+            <a:r>
+              <a:rPr lang="bg-BG" dirty="0"/>
+              <a:t>, </a:t>
+            </a:r>
+            <a:r>
+              <a:rPr lang="bg-BG" b="1" dirty="0"/>
+              <a:t>име</a:t>
+            </a:r>
+            <a:r>
+              <a:rPr lang="bg-BG" dirty="0"/>
+              <a:t> и </a:t>
+            </a:r>
+            <a:r>
+              <a:rPr lang="bg-BG" b="1" dirty="0"/>
+              <a:t>фамилия</a:t>
+            </a:r>
+            <a:r>
+              <a:rPr lang="bg-BG" dirty="0"/>
+              <a:t> на </a:t>
+            </a:r>
+            <a:r>
+              <a:rPr lang="bg-BG" b="1" dirty="0"/>
+              <a:t>лекар</a:t>
+            </a:r>
+            <a:r>
+              <a:rPr lang="bg-BG" dirty="0"/>
+              <a:t>, </a:t>
+            </a:r>
+            <a:r>
+              <a:rPr lang="bg-BG" b="1" dirty="0"/>
+              <a:t>състояние, лечение</a:t>
+            </a:r>
+            <a:endParaRPr lang="bg-BG" dirty="0"/>
+          </a:p>
+          <a:p>
+            <a:pPr lvl="1"/>
+            <a:r>
+              <a:rPr lang="bg-BG" dirty="0"/>
+              <a:t>Бутони за </a:t>
+            </a:r>
+            <a:r>
+              <a:rPr lang="bg-BG" b="1" dirty="0"/>
+              <a:t>добавяне</a:t>
+            </a:r>
+            <a:r>
+              <a:rPr lang="bg-BG" dirty="0"/>
+              <a:t>, </a:t>
+            </a:r>
+            <a:r>
+              <a:rPr lang="bg-BG" b="1" dirty="0"/>
+              <a:t>редактиране</a:t>
+            </a:r>
+            <a:r>
+              <a:rPr lang="bg-BG" dirty="0"/>
+              <a:t> и </a:t>
+            </a:r>
+            <a:r>
+              <a:rPr lang="bg-BG" b="1" dirty="0"/>
+              <a:t>изтриване</a:t>
+            </a:r>
+          </a:p>
+          <a:p>
+            <a:r>
+              <a:rPr lang="bg-BG" b="1" dirty="0">
+                <a:solidFill>
+                  <a:schemeClr val="bg1"/>
+                </a:solidFill>
+              </a:rPr>
+              <a:t>Управление на лекари</a:t>
+            </a:r>
+            <a:r>
+              <a:rPr lang="en-US" b="1" dirty="0">
+                <a:solidFill>
+                  <a:schemeClr val="bg1"/>
+                </a:solidFill>
+              </a:rPr>
+              <a:t> (</a:t>
+            </a:r>
+            <a:r>
+              <a:rPr lang="bg-BG" b="1" dirty="0">
+                <a:solidFill>
+                  <a:schemeClr val="bg1"/>
+                </a:solidFill>
+              </a:rPr>
+              <a:t>за админи)</a:t>
+            </a:r>
+          </a:p>
+          <a:p>
+            <a:pPr lvl="1"/>
+            <a:r>
+              <a:rPr lang="bg-BG" dirty="0"/>
+              <a:t>Полета за </a:t>
+            </a:r>
+            <a:r>
+              <a:rPr lang="bg-BG" b="1" dirty="0"/>
+              <a:t>име</a:t>
+            </a:r>
+            <a:r>
+              <a:rPr lang="bg-BG" dirty="0"/>
+              <a:t>, </a:t>
+            </a:r>
+            <a:r>
+              <a:rPr lang="bg-BG" b="1" dirty="0"/>
+              <a:t>фамилия</a:t>
+            </a:r>
+            <a:r>
+              <a:rPr lang="bg-BG" dirty="0"/>
+              <a:t>, </a:t>
+            </a:r>
+            <a:r>
+              <a:rPr lang="bg-BG" b="1" dirty="0"/>
+              <a:t>специалност</a:t>
+            </a:r>
+            <a:r>
+              <a:rPr lang="bg-BG" dirty="0"/>
+              <a:t>, </a:t>
+            </a:r>
+            <a:r>
+              <a:rPr lang="bg-BG" b="1" dirty="0"/>
+              <a:t>телефон</a:t>
+            </a:r>
+            <a:endParaRPr lang="bg-BG" dirty="0"/>
+          </a:p>
+          <a:p>
+            <a:pPr lvl="1"/>
+            <a:r>
+              <a:rPr lang="bg-BG" dirty="0"/>
+              <a:t>Бутони за </a:t>
+            </a:r>
+            <a:r>
+              <a:rPr lang="bg-BG" b="1" dirty="0"/>
+              <a:t>добавян</a:t>
+            </a:r>
+            <a:r>
+              <a:rPr lang="en-US" b="1" dirty="0"/>
+              <a:t>e</a:t>
+            </a:r>
+            <a:r>
+              <a:rPr lang="en-US" dirty="0"/>
+              <a:t>, </a:t>
+            </a:r>
+            <a:r>
+              <a:rPr lang="bg-BG" b="1" dirty="0"/>
+              <a:t>редактиране</a:t>
+            </a:r>
+            <a:r>
+              <a:rPr lang="bg-BG" dirty="0"/>
+              <a:t> и </a:t>
+            </a:r>
+            <a:r>
+              <a:rPr lang="bg-BG" b="1" dirty="0"/>
+              <a:t>изтриване</a:t>
+            </a:r>
+          </a:p>
+          <a:p>
+            <a:r>
+              <a:rPr lang="bg-BG" b="1" dirty="0">
+                <a:solidFill>
+                  <a:schemeClr val="bg1"/>
+                </a:solidFill>
+              </a:rPr>
+              <a:t>Управление на админи</a:t>
+            </a:r>
+            <a:r>
+              <a:rPr lang="en-US" b="1" dirty="0">
+                <a:solidFill>
+                  <a:schemeClr val="bg1"/>
+                </a:solidFill>
+              </a:rPr>
+              <a:t> (</a:t>
+            </a:r>
+            <a:r>
+              <a:rPr lang="bg-BG" b="1" dirty="0">
+                <a:solidFill>
+                  <a:schemeClr val="bg1"/>
+                </a:solidFill>
+              </a:rPr>
+              <a:t>за админи)</a:t>
+            </a:r>
+            <a:endParaRPr lang="bg-BG" b="1" dirty="0"/>
+          </a:p>
+        </p:txBody>
+      </p:sp>
+    </p:spTree>
+    <p:extLst>
+      <p:ext uri="{BB962C8B-B14F-4D97-AF65-F5344CB8AC3E}">
+        <p14:creationId xmlns:p14="http://schemas.microsoft.com/office/powerpoint/2010/main" val="1951808226"/>
+      </p:ext>
+    </p:extLst>
+  </p:cSld>
+  <p:clrMapOvr>
+    <a:masterClrMapping/>
+  </p:clrMapOvr>
+  <mc:AlternateContent xmlns:mc="http://schemas.openxmlformats.org/markup-compatibility/2006" xmlns:p14="http://schemas.microsoft.com/office/powerpoint/2010/main">
+    <mc:Choice Requires="p14">
+      <p:transition spd="slow" p14:dur="2000" advClick="0" advTm="5000"/>
+    </mc:Choice>
+    <mc:Fallback xmlns="">
+      <p:transition spd="slow" advClick="0" advTm="5000"/>
+    </mc:Fallback>
+  </mc:AlternateContent>
+  <p:timing>
+    <p:tnLst>
+      <p:par>
+        <p:cTn id="1" dur="indefinite" restart="never" nodeType="tmRoot">
+          <p:childTnLst>
+            <p:seq concurrent="1" nextAc="seek">
+              <p:cTn id="2" dur="indefinite" nodeType="mainSeq">
+                <p:childTnLst>
+                  <p:par>
+                    <p:cTn id="3" fill="hold">
+                      <p:stCondLst>
+                        <p:cond delay="indefinite"/>
+                        <p:cond evt="onBegin" delay="0">
+                          <p:tn val="2"/>
+                        </p:cond>
+                      </p:stCondLst>
+                      <p:childTnLst>
+                        <p:par>
+                          <p:cTn id="4" fill="hold">
+                            <p:stCondLst>
+                              <p:cond delay="0"/>
+                            </p:stCondLst>
+                            <p:childTnLst>
+                              <p:par>
+                                <p:cTn id="5" presetID="1" presetClass="entr" presetSubtype="0" fill="hold" nodeType="withEffect">
+                                  <p:stCondLst>
+                                    <p:cond delay="0"/>
+                                  </p:stCondLst>
+                                  <p:childTnLst>
+                                    <p:set>
+                                      <p:cBhvr>
+                                        <p:cTn id="6" dur="1" fill="hold">
+                                          <p:stCondLst>
+                                            <p:cond delay="0"/>
+                                          </p:stCondLst>
+                                        </p:cTn>
+                                        <p:tgtEl>
+                                          <p:spTgt spid="7">
+                                            <p:txEl>
+                                              <p:pRg st="0" end="0"/>
+                                            </p:txEl>
+                                          </p:spTgt>
+                                        </p:tgtEl>
+                                        <p:attrNameLst>
+                                          <p:attrName>style.visibility</p:attrName>
+                                        </p:attrNameLst>
+                                      </p:cBhvr>
+                                      <p:to>
+                                        <p:strVal val="visible"/>
+                                      </p:to>
+                                    </p:set>
+                                  </p:childTnLst>
+                                </p:cTn>
+                              </p:par>
+                              <p:par>
+                                <p:cTn id="7" presetID="1" presetClass="entr" presetSubtype="0" fill="hold" nodeType="withEffect">
+                                  <p:stCondLst>
+                                    <p:cond delay="0"/>
+                                  </p:stCondLst>
+                                  <p:childTnLst>
+                                    <p:set>
+                                      <p:cBhvr>
+                                        <p:cTn id="8" dur="1" fill="hold">
+                                          <p:stCondLst>
+                                            <p:cond delay="0"/>
+                                          </p:stCondLst>
+                                        </p:cTn>
+                                        <p:tgtEl>
+                                          <p:spTgt spid="7">
+                                            <p:txEl>
+                                              <p:pRg st="1" end="1"/>
+                                            </p:txEl>
+                                          </p:spTgt>
+                                        </p:tgtEl>
+                                        <p:attrNameLst>
+                                          <p:attrName>style.visibility</p:attrName>
+                                        </p:attrNameLst>
+                                      </p:cBhvr>
+                                      <p:to>
+                                        <p:strVal val="visible"/>
+                                      </p:to>
+                                    </p:set>
+                                  </p:childTnLst>
+                                </p:cTn>
+                              </p:par>
+                              <p:par>
+                                <p:cTn id="9" presetID="1" presetClass="entr" presetSubtype="0" fill="hold" nodeType="withEffect">
+                                  <p:stCondLst>
+                                    <p:cond delay="0"/>
+                                  </p:stCondLst>
+                                  <p:childTnLst>
+                                    <p:set>
+                                      <p:cBhvr>
+                                        <p:cTn id="10" dur="1" fill="hold">
+                                          <p:stCondLst>
+                                            <p:cond delay="0"/>
+                                          </p:stCondLst>
+                                        </p:cTn>
+                                        <p:tgtEl>
+                                          <p:spTgt spid="7">
+                                            <p:txEl>
+                                              <p:pRg st="4" end="4"/>
+                                            </p:txEl>
+                                          </p:spTgt>
+                                        </p:tgtEl>
+                                        <p:attrNameLst>
+                                          <p:attrName>style.visibility</p:attrName>
+                                        </p:attrNameLst>
+                                      </p:cBhvr>
+                                      <p:to>
+                                        <p:strVal val="visible"/>
+                                      </p:to>
+                                    </p:set>
+                                  </p:childTnLst>
+                                </p:cTn>
+                              </p:par>
+                              <p:par>
+                                <p:cTn id="11" presetID="1" presetClass="entr" presetSubtype="0" fill="hold" nodeType="withEffect">
+                                  <p:stCondLst>
+                                    <p:cond delay="0"/>
+                                  </p:stCondLst>
+                                  <p:childTnLst>
+                                    <p:set>
+                                      <p:cBhvr>
+                                        <p:cTn id="12" dur="1" fill="hold">
+                                          <p:stCondLst>
+                                            <p:cond delay="0"/>
+                                          </p:stCondLst>
+                                        </p:cTn>
+                                        <p:tgtEl>
+                                          <p:spTgt spid="7">
+                                            <p:txEl>
+                                              <p:pRg st="2" end="2"/>
+                                            </p:txEl>
+                                          </p:spTgt>
+                                        </p:tgtEl>
+                                        <p:attrNameLst>
+                                          <p:attrName>style.visibility</p:attrName>
+                                        </p:attrNameLst>
+                                      </p:cBhvr>
+                                      <p:to>
+                                        <p:strVal val="visible"/>
+                                      </p:to>
+                                    </p:set>
+                                  </p:childTnLst>
+                                </p:cTn>
+                              </p:par>
+                              <p:par>
+                                <p:cTn id="13" presetID="1" presetClass="entr" presetSubtype="0" fill="hold" nodeType="withEffect">
+                                  <p:stCondLst>
+                                    <p:cond delay="0"/>
+                                  </p:stCondLst>
+                                  <p:childTnLst>
+                                    <p:set>
+                                      <p:cBhvr>
+                                        <p:cTn id="14" dur="1" fill="hold">
+                                          <p:stCondLst>
+                                            <p:cond delay="0"/>
+                                          </p:stCondLst>
+                                        </p:cTn>
+                                        <p:tgtEl>
+                                          <p:spTgt spid="7">
+                                            <p:txEl>
+                                              <p:pRg st="3" end="3"/>
+                                            </p:txEl>
+                                          </p:spTgt>
+                                        </p:tgtEl>
+                                        <p:attrNameLst>
+                                          <p:attrName>style.visibility</p:attrName>
+                                        </p:attrNameLst>
+                                      </p:cBhvr>
+                                      <p:to>
+                                        <p:strVal val="visible"/>
+                                      </p:to>
+                                    </p:set>
+                                  </p:childTnLst>
+                                </p:cTn>
+                              </p:par>
+                              <p:par>
+                                <p:cTn id="15" presetID="1" presetClass="entr" presetSubtype="0" fill="hold" nodeType="withEffect">
+                                  <p:stCondLst>
+                                    <p:cond delay="0"/>
+                                  </p:stCondLst>
+                                  <p:childTnLst>
+                                    <p:set>
+                                      <p:cBhvr>
+                                        <p:cTn id="16" dur="1" fill="hold">
+                                          <p:stCondLst>
+                                            <p:cond delay="0"/>
+                                          </p:stCondLst>
+                                        </p:cTn>
+                                        <p:tgtEl>
+                                          <p:spTgt spid="7">
+                                            <p:txEl>
+                                              <p:pRg st="5" end="5"/>
+                                            </p:txEl>
+                                          </p:spTgt>
+                                        </p:tgtEl>
+                                        <p:attrNameLst>
+                                          <p:attrName>style.visibility</p:attrName>
+                                        </p:attrNameLst>
+                                      </p:cBhvr>
+                                      <p:to>
+                                        <p:strVal val="visible"/>
+                                      </p:to>
+                                    </p:set>
+                                  </p:childTnLst>
+                                </p:cTn>
+                              </p:par>
                               <p:par>
                                 <p:cTn id="17" presetID="1" presetClass="entr" presetSubtype="0" fill="hold" nodeType="withEffect">
                                   <p:stCondLst>
@@ -14339,7 +17997,7 @@
                                         <p:tgtEl>
                                           <p:spTgt spid="7">
                                             <p:txEl>
-                                              <p:pRg st="4" end="4"/>
+                                              <p:pRg st="6" end="6"/>
                                             </p:txEl>
                                           </p:spTgt>
                                         </p:tgtEl>
@@ -14388,7 +18046,7 @@
                                         <p:tgtEl>
                                           <p:spTgt spid="7">
                                             <p:txEl>
-                                              <p:pRg st="5" end="5"/>
+                                              <p:pRg st="7" end="7"/>
                                             </p:txEl>
                                           </p:spTgt>
                                         </p:tgtEl>
@@ -14437,7 +18095,7 @@
                                         <p:tgtEl>
                                           <p:spTgt spid="7">
                                             <p:txEl>
-                                              <p:pRg st="6" end="6"/>
+                                              <p:pRg st="8" end="8"/>
                                             </p:txEl>
                                           </p:spTgt>
                                         </p:tgtEl>
@@ -14468,7 +18126,7 @@
                                         <p:tgtEl>
                                           <p:spTgt spid="7">
                                             <p:txEl>
-                                              <p:pRg st="7" end="7"/>
+                                              <p:pRg st="9" end="9"/>
                                             </p:txEl>
                                           </p:spTgt>
                                         </p:tgtEl>
@@ -14517,7 +18175,185 @@
                                         <p:tgtEl>
                                           <p:spTgt spid="7">
                                             <p:txEl>
-                                              <p:pRg st="8" end="8"/>
+                                              <p:pRg st="10" end="10"/>
+                                            </p:txEl>
+                                          </p:spTgt>
+                                        </p:tgtEl>
+                                        <p:attrNameLst>
+                                          <p:attrName>style.visibility</p:attrName>
+                                        </p:attrNameLst>
+                                      </p:cBhvr>
+                                      <p:to>
+                                        <p:strVal val="visible"/>
+                                      </p:to>
+                                    </p:set>
+                                  </p:childTnLst>
+                                </p:cTn>
+                              </p:par>
+                            </p:childTnLst>
+                          </p:cTn>
+                        </p:par>
+                      </p:childTnLst>
+                    </p:cTn>
+                  </p:par>
+                  <p:par>
+                    <p:cTn id="33" fill="hold">
+                      <p:stCondLst>
+                        <p:cond delay="indefinite"/>
+                      </p:stCondLst>
+                      <p:childTnLst>
+                        <p:par>
+                          <p:cTn id="34" fill="hold">
+                            <p:stCondLst>
+                              <p:cond delay="0"/>
+                            </p:stCondLst>
+                            <p:childTnLst>
+                              <p:par>
+                                <p:cTn id="35" presetID="1" presetClass="entr" presetSubtype="0" fill="hold" nodeType="clickEffect">
+                                  <p:stCondLst>
+                                    <p:cond delay="0"/>
+                                  </p:stCondLst>
+                                  <p:childTnLst>
+                                    <p:set>
+                                      <p:cBhvr>
+                                        <p:cTn id="36" dur="1" fill="hold">
+                                          <p:stCondLst>
+                                            <p:cond delay="0"/>
+                                          </p:stCondLst>
+                                        </p:cTn>
+                                        <p:tgtEl>
+                                          <p:spTgt spid="7">
+                                            <p:txEl>
+                                              <p:pRg st="11" end="11"/>
+                                            </p:txEl>
+                                          </p:spTgt>
+                                        </p:tgtEl>
+                                        <p:attrNameLst>
+                                          <p:attrName>style.visibility</p:attrName>
+                                        </p:attrNameLst>
+                                      </p:cBhvr>
+                                      <p:to>
+                                        <p:strVal val="visible"/>
+                                      </p:to>
+                                    </p:set>
+                                  </p:childTnLst>
+                                </p:cTn>
+                              </p:par>
+                              <p:par>
+                                <p:cTn id="37" presetID="1" presetClass="entr" presetSubtype="0" fill="hold" nodeType="withEffect">
+                                  <p:stCondLst>
+                                    <p:cond delay="0"/>
+                                  </p:stCondLst>
+                                  <p:childTnLst>
+                                    <p:set>
+                                      <p:cBhvr>
+                                        <p:cTn id="38" dur="1" fill="hold">
+                                          <p:stCondLst>
+                                            <p:cond delay="0"/>
+                                          </p:stCondLst>
+                                        </p:cTn>
+                                        <p:tgtEl>
+                                          <p:spTgt spid="7">
+                                            <p:txEl>
+                                              <p:pRg st="12" end="12"/>
+                                            </p:txEl>
+                                          </p:spTgt>
+                                        </p:tgtEl>
+                                        <p:attrNameLst>
+                                          <p:attrName>style.visibility</p:attrName>
+                                        </p:attrNameLst>
+                                      </p:cBhvr>
+                                      <p:to>
+                                        <p:strVal val="visible"/>
+                                      </p:to>
+                                    </p:set>
+                                  </p:childTnLst>
+                                </p:cTn>
+                              </p:par>
+                            </p:childTnLst>
+                          </p:cTn>
+                        </p:par>
+                      </p:childTnLst>
+                    </p:cTn>
+                  </p:par>
+                  <p:par>
+                    <p:cTn id="39" fill="hold">
+                      <p:stCondLst>
+                        <p:cond delay="indefinite"/>
+                      </p:stCondLst>
+                      <p:childTnLst>
+                        <p:par>
+                          <p:cTn id="40" fill="hold">
+                            <p:stCondLst>
+                              <p:cond delay="0"/>
+                            </p:stCondLst>
+                            <p:childTnLst>
+                              <p:par>
+                                <p:cTn id="41" presetID="1" presetClass="entr" presetSubtype="0" fill="hold" nodeType="clickEffect">
+                                  <p:stCondLst>
+                                    <p:cond delay="0"/>
+                                  </p:stCondLst>
+                                  <p:childTnLst>
+                                    <p:set>
+                                      <p:cBhvr>
+                                        <p:cTn id="42" dur="1" fill="hold">
+                                          <p:stCondLst>
+                                            <p:cond delay="0"/>
+                                          </p:stCondLst>
+                                        </p:cTn>
+                                        <p:tgtEl>
+                                          <p:spTgt spid="7">
+                                            <p:txEl>
+                                              <p:pRg st="13" end="13"/>
+                                            </p:txEl>
+                                          </p:spTgt>
+                                        </p:tgtEl>
+                                        <p:attrNameLst>
+                                          <p:attrName>style.visibility</p:attrName>
+                                        </p:attrNameLst>
+                                      </p:cBhvr>
+                                      <p:to>
+                                        <p:strVal val="visible"/>
+                                      </p:to>
+                                    </p:set>
+                                  </p:childTnLst>
+                                </p:cTn>
+                              </p:par>
+                            </p:childTnLst>
+                          </p:cTn>
+                        </p:par>
+                      </p:childTnLst>
+                    </p:cTn>
+                  </p:par>
+                  <p:par>
+                    <p:cTn id="43" fill="hold">
+                      <p:stCondLst>
+                        <p:cond delay="indefinite"/>
+                      </p:stCondLst>
+                      <p:childTnLst>
+                        <p:par>
+                          <p:cTn id="44" fill="hold">
+                            <p:stCondLst>
+                              <p:cond delay="0"/>
+                            </p:stCondLst>
+                            <p:childTnLst>
+                              <p:par>
+                                <p:cTn id="45" presetID="1" presetClass="entr" presetSubtype="0" fill="hold" nodeType="clickEffect">
+                                  <p:stCondLst>
+                                    <p:cond delay="0"/>
+                                  </p:stCondLst>
+                                  <p:childTnLst>
+                                    <p:set>
+                                      <p:cBhvr>
+                                        <p:cTn id="46" dur="1" fill="hold">
+                                          <p:stCondLst>
+                                            <p:cond delay="0"/>
+                                          </p:stCondLst>
+                                        </p:cTn>
+                                        <p:tgtEl>
+                                          <p:spTgt spid="7">
+                                            <p:txEl>
+                                              <p:pRg st="14" end="14"/>
                                             </p:txEl>
                                           </p:spTgt>
                                         </p:tgtEl>
@@ -14563,7 +18399,7 @@
 </p:sld>
 </file>
 
-<file path=ppt/slides/slide21.xml><?xml version="1.0" encoding="utf-8"?>
+<file path=ppt/slides/slide24.xml><?xml version="1.0" encoding="utf-8"?>
 <p:sld xmlns:a="http://schemas.openxmlformats.org/drawingml/2006/main" xmlns:r="http://schemas.openxmlformats.org/officeDocument/2006/relationships" xmlns:p="http://schemas.openxmlformats.org/presentationml/2006/main">
   <p:cSld>
     <p:spTree>
@@ -14604,7 +18440,7 @@
             <a:fld id="{2BF067CD-8E6B-4360-9AA8-C5DF2A48A6D1}" type="slidenum">
               <a:rPr lang="en-US" noProof="0" smtClean="0"/>
               <a:pPr/>
-              <a:t>21</a:t>
+              <a:t>24</a:t>
             </a:fld>
             <a:endParaRPr lang="en-US" noProof="0" dirty="0"/>
           </a:p>
@@ -15315,7 +19151,7 @@
 </p:sld>
 </file>
 
-<file path=ppt/slides/slide22.xml><?xml version="1.0" encoding="utf-8"?>
+<file path=ppt/slides/slide25.xml><?xml version="1.0" encoding="utf-8"?>
 <p:sld xmlns:a="http://schemas.openxmlformats.org/drawingml/2006/main" xmlns:r="http://schemas.openxmlformats.org/officeDocument/2006/relationships" xmlns:p="http://schemas.openxmlformats.org/presentationml/2006/main">
   <p:cSld>
     <p:spTree>
@@ -15356,7 +19192,7 @@
             <a:fld id="{2BF067CD-8E6B-4360-9AA8-C5DF2A48A6D1}" type="slidenum">
               <a:rPr lang="en-US" noProof="0" smtClean="0"/>
               <a:pPr/>
-              <a:t>22</a:t>
+              <a:t>25</a:t>
             </a:fld>
             <a:endParaRPr lang="en-US" noProof="0" dirty="0"/>
           </a:p>
@@ -15428,7 +19264,7 @@
         <p:spPr/>
         <p:txBody>
           <a:bodyPr>
-            <a:normAutofit fontScale="85000" lnSpcReduction="20000"/>
+            <a:normAutofit fontScale="70000" lnSpcReduction="20000"/>
           </a:bodyPr>
           <a:lstStyle/>
           <a:p>
@@ -15469,8 +19305,19 @@
             </a:r>
             <a:r>
               <a:rPr lang="bg-BG" dirty="0"/>
-              <a:t>, </a:t>
-            </a:r>
+              <a:t> (само за четене</a:t>
+            </a:r>
+            <a:r>
+              <a:rPr lang="en-US" dirty="0"/>
+              <a:t> – </a:t>
+            </a:r>
+            <a:r>
+              <a:rPr lang="bg-BG" dirty="0"/>
+              <a:t>избрания пациент),</a:t>
+            </a:r>
+            <a:br>
+              <a:rPr lang="en-US" dirty="0"/>
+            </a:br>
             <a:r>
               <a:rPr lang="bg-BG" b="1" dirty="0"/>
               <a:t>име</a:t>
@@ -15492,11 +19339,138 @@
               <a:t>лекар</a:t>
             </a:r>
             <a:r>
+              <a:rPr lang="en-US" b="1" dirty="0"/>
+              <a:t> </a:t>
+            </a:r>
+            <a:r>
+              <a:rPr lang="en-US" dirty="0"/>
+              <a:t>(</a:t>
+            </a:r>
+            <a:r>
+              <a:rPr lang="bg-BG" dirty="0"/>
+              <a:t>само за четене – текущия </a:t>
+            </a:r>
+            <a:r>
+              <a:rPr lang="bg-BG" dirty="0" err="1"/>
+              <a:t>логнат</a:t>
+            </a:r>
+            <a:r>
+              <a:rPr lang="bg-BG" dirty="0"/>
+              <a:t> лекар), </a:t>
+            </a:r>
+            <a:r>
+              <a:rPr lang="bg-BG" b="1" dirty="0"/>
+              <a:t>дата </a:t>
+            </a:r>
+            <a:r>
+              <a:rPr lang="bg-BG" dirty="0"/>
+              <a:t>(текущата, но може да се променя), </a:t>
+            </a:r>
+            <a:r>
+              <a:rPr lang="bg-BG" b="1" dirty="0"/>
+              <a:t>състояние </a:t>
+            </a:r>
+            <a:r>
+              <a:rPr lang="bg-BG" dirty="0"/>
+              <a:t>(многородово поле), </a:t>
+            </a:r>
+            <a:r>
+              <a:rPr lang="bg-BG" b="1" dirty="0"/>
+              <a:t>лечение</a:t>
+            </a:r>
+            <a:r>
+              <a:rPr lang="bg-BG" dirty="0"/>
+              <a:t> (предписания за лечение)</a:t>
+            </a:r>
+          </a:p>
+          <a:p>
+            <a:pPr lvl="1"/>
+            <a:r>
+              <a:rPr lang="bg-BG" dirty="0"/>
+              <a:t>Бутони за </a:t>
+            </a:r>
+            <a:r>
+              <a:rPr lang="bg-BG" b="1" dirty="0"/>
+              <a:t>добавяне</a:t>
+            </a:r>
+            <a:r>
+              <a:rPr lang="bg-BG" dirty="0"/>
+              <a:t> и </a:t>
+            </a:r>
+            <a:r>
+              <a:rPr lang="bg-BG" b="1" dirty="0"/>
+              <a:t>отказ</a:t>
+            </a:r>
+          </a:p>
+          <a:p>
+            <a:r>
+              <a:rPr lang="bg-BG" b="1" dirty="0">
+                <a:solidFill>
+                  <a:schemeClr val="bg1"/>
+                </a:solidFill>
+              </a:rPr>
+              <a:t>Форма за редактиране на съществуващ преглед</a:t>
+            </a:r>
+          </a:p>
+          <a:p>
+            <a:pPr lvl="1"/>
+            <a:r>
+              <a:rPr lang="bg-BG" dirty="0"/>
+              <a:t>Полета за </a:t>
+            </a:r>
+            <a:r>
+              <a:rPr lang="bg-BG" b="1" dirty="0"/>
+              <a:t>име</a:t>
+            </a:r>
+            <a:r>
+              <a:rPr lang="bg-BG" dirty="0"/>
+              <a:t> и </a:t>
+            </a:r>
+            <a:r>
+              <a:rPr lang="bg-BG" b="1" dirty="0"/>
+              <a:t>фамилия</a:t>
+            </a:r>
+            <a:r>
+              <a:rPr lang="bg-BG" dirty="0"/>
+              <a:t> на </a:t>
+            </a:r>
+            <a:r>
+              <a:rPr lang="bg-BG" b="1" dirty="0"/>
+              <a:t>пациент</a:t>
+            </a:r>
+            <a:r>
               <a:rPr lang="bg-BG" dirty="0"/>
               <a:t>, </a:t>
             </a:r>
             <a:r>
               <a:rPr lang="bg-BG" b="1" dirty="0"/>
+              <a:t>име</a:t>
+            </a:r>
+            <a:r>
+              <a:rPr lang="bg-BG" dirty="0"/>
+              <a:t> и </a:t>
+            </a:r>
+            <a:r>
+              <a:rPr lang="bg-BG" b="1" dirty="0"/>
+              <a:t>фамилия</a:t>
+            </a:r>
+            <a:r>
+              <a:rPr lang="bg-BG" dirty="0"/>
+              <a:t> на </a:t>
+            </a:r>
+            <a:r>
+              <a:rPr lang="bg-BG" b="1" dirty="0"/>
+              <a:t>лекар </a:t>
+            </a:r>
+            <a:r>
+              <a:rPr lang="bg-BG" dirty="0"/>
+              <a:t>(само за четене)</a:t>
+            </a:r>
+            <a:br>
+              <a:rPr lang="bg-BG" dirty="0"/>
+            </a:br>
+            <a:r>
+              <a:rPr lang="bg-BG" b="1" dirty="0"/>
               <a:t>дата</a:t>
             </a:r>
             <a:r>
@@ -15505,7 +19479,15 @@
             </a:r>
             <a:r>
               <a:rPr lang="bg-BG" b="1" dirty="0"/>
-              <a:t>описание</a:t>
+              <a:t>състояние</a:t>
+            </a:r>
+            <a:r>
+              <a:rPr lang="bg-BG" dirty="0"/>
+              <a:t>, </a:t>
+            </a:r>
+            <a:r>
+              <a:rPr lang="bg-BG" b="1" dirty="0"/>
+              <a:t>лечение</a:t>
             </a:r>
           </a:p>
           <a:p>
@@ -15516,7 +19498,7 @@
             </a:r>
             <a:r>
               <a:rPr lang="bg-BG" b="1" dirty="0"/>
-              <a:t>добавяне</a:t>
+              <a:t>редактиране</a:t>
             </a:r>
             <a:r>
               <a:rPr lang="bg-BG" dirty="0"/>
@@ -15534,7 +19516,7 @@
                   <a:schemeClr val="bg1"/>
                 </a:solidFill>
               </a:rPr>
-              <a:t>Форма за редактиране на съществуващ преглед</a:t>
+              <a:t>Форма за изтриване на съществуващ преглед</a:t>
             </a:r>
           </a:p>
           <a:p>
@@ -15587,13 +19569,20 @@
               <a:rPr lang="bg-BG" b="1" dirty="0"/>
               <a:t>лекар</a:t>
             </a:r>
+            <a:br>
+              <a:rPr lang="bg-BG" dirty="0"/>
+            </a:br>
+            <a:r>
+              <a:rPr lang="bg-BG" b="1" dirty="0"/>
+              <a:t>дата</a:t>
+            </a:r>
             <a:r>
               <a:rPr lang="bg-BG" dirty="0"/>
               <a:t>, </a:t>
             </a:r>
             <a:r>
               <a:rPr lang="bg-BG" b="1" dirty="0"/>
-              <a:t>дата</a:t>
+              <a:t>състояние</a:t>
             </a:r>
             <a:r>
               <a:rPr lang="bg-BG" dirty="0"/>
@@ -15601,55 +19590,11 @@
             </a:r>
             <a:r>
               <a:rPr lang="bg-BG" b="1" dirty="0"/>
-              <a:t>описание</a:t>
-            </a:r>
-          </a:p>
-          <a:p>
-            <a:pPr lvl="1"/>
+              <a:t>лечение</a:t>
+            </a:r>
             <a:r>
               <a:rPr lang="bg-BG" dirty="0"/>
-              <a:t>Бутони за </a:t>
-            </a:r>
-            <a:r>
-              <a:rPr lang="bg-BG" b="1" dirty="0"/>
-              <a:t>редактиране</a:t>
-            </a:r>
-            <a:r>
-              <a:rPr lang="bg-BG" dirty="0"/>
-              <a:t> и </a:t>
-            </a:r>
-            <a:r>
-              <a:rPr lang="bg-BG" b="1" dirty="0"/>
-              <a:t>отказ</a:t>
-            </a:r>
-          </a:p>
-          <a:p>
-            <a:r>
-              <a:rPr lang="bg-BG" b="1" dirty="0">
-                <a:solidFill>
-                  <a:schemeClr val="bg1"/>
-                </a:solidFill>
-              </a:rPr>
-              <a:t>Форма за изтриване на съществуващ преглед</a:t>
-            </a:r>
-          </a:p>
-          <a:p>
-            <a:pPr lvl="1"/>
-            <a:r>
-              <a:rPr lang="bg-BG" dirty="0"/>
-              <a:t>Поле за </a:t>
-            </a:r>
-            <a:r>
-              <a:rPr lang="bg-BG" b="1" dirty="0"/>
-              <a:t>дата</a:t>
-            </a:r>
-            <a:r>
-              <a:rPr lang="bg-BG" dirty="0"/>
-              <a:t> и </a:t>
-            </a:r>
-            <a:r>
-              <a:rPr lang="bg-BG" b="1" dirty="0"/>
-              <a:t>описание</a:t>
+              <a:t> (всички полета са само за четене)</a:t>
             </a:r>
           </a:p>
           <a:p>
@@ -15677,7 +19622,7 @@
     </p:spTree>
     <p:extLst>
       <p:ext uri="{BB962C8B-B14F-4D97-AF65-F5344CB8AC3E}">
-        <p14:creationId xmlns:p14="http://schemas.microsoft.com/office/powerpoint/2010/main" val="2031587358"/>
+        <p14:creationId xmlns:p14="http://schemas.microsoft.com/office/powerpoint/2010/main" val="3054347481"/>
       </p:ext>
     </p:extLst>
   </p:cSld>
@@ -16115,7 +20060,7 @@
 </p:sld>
 </file>
 
-<file path=ppt/slides/slide23.xml><?xml version="1.0" encoding="utf-8"?>
+<file path=ppt/slides/slide26.xml><?xml version="1.0" encoding="utf-8"?>
 <p:sld xmlns:a="http://schemas.openxmlformats.org/drawingml/2006/main" xmlns:r="http://schemas.openxmlformats.org/officeDocument/2006/relationships" xmlns:p="http://schemas.openxmlformats.org/presentationml/2006/main">
   <p:cSld>
     <p:spTree>
@@ -16156,7 +20101,7 @@
             <a:fld id="{2BF067CD-8E6B-4360-9AA8-C5DF2A48A6D1}" type="slidenum">
               <a:rPr lang="en-US" noProof="0" smtClean="0"/>
               <a:pPr/>
-              <a:t>23</a:t>
+              <a:t>26</a:t>
             </a:fld>
             <a:endParaRPr lang="en-US" noProof="0" dirty="0"/>
           </a:p>
@@ -16899,7 +20844,157 @@
 </p:sld>
 </file>
 
-<file path=ppt/slides/slide24.xml><?xml version="1.0" encoding="utf-8"?>
+<file path=ppt/slides/slide27.xml><?xml version="1.0" encoding="utf-8"?>
+<p:sld xmlns:a="http://schemas.openxmlformats.org/drawingml/2006/main" xmlns:r="http://schemas.openxmlformats.org/officeDocument/2006/relationships" xmlns:p="http://schemas.openxmlformats.org/presentationml/2006/main">
+  <p:cSld>
+    <p:spTree>
+      <p:nvGrpSpPr>
+        <p:cNvPr id="1" name=""/>
+        <p:cNvGrpSpPr/>
+        <p:nvPr/>
+      </p:nvGrpSpPr>
+      <p:grpSpPr>
+        <a:xfrm>
+          <a:off x="0" y="0"/>
+          <a:ext cx="0" cy="0"/>
+          <a:chOff x="0" y="0"/>
+          <a:chExt cx="0" cy="0"/>
+        </a:xfrm>
+      </p:grpSpPr>
+      <p:sp>
+        <p:nvSpPr>
+          <p:cNvPr id="2" name="Slide Number Placeholder 1">
+            <a:extLst>
+              <a:ext uri="{FF2B5EF4-FFF2-40B4-BE49-F238E27FC236}">
+                <a16:creationId xmlns:a16="http://schemas.microsoft.com/office/drawing/2014/main" id="{3F5DABB0-F515-4FDA-80BE-78C6E41FA4B9}"/>
+              </a:ext>
+            </a:extLst>
+          </p:cNvPr>
+          <p:cNvSpPr>
+            <a:spLocks noGrp="1"/>
+          </p:cNvSpPr>
+          <p:nvPr>
+            <p:ph type="sldNum" sz="quarter" idx="5"/>
+          </p:nvPr>
+        </p:nvSpPr>
+        <p:spPr/>
+        <p:txBody>
+          <a:bodyPr/>
+          <a:lstStyle/>
+          <a:p>
+            <a:fld id="{2BF067CD-8E6B-4360-9AA8-C5DF2A48A6D1}" type="slidenum">
+              <a:rPr lang="en-US" noProof="0" smtClean="0"/>
+              <a:pPr/>
+              <a:t>27</a:t>
+            </a:fld>
+            <a:endParaRPr lang="en-US" noProof="0" dirty="0"/>
+          </a:p>
+        </p:txBody>
+      </p:sp>
+      <p:sp>
+        <p:nvSpPr>
+          <p:cNvPr id="3" name="Text Placeholder 2">
+            <a:extLst>
+              <a:ext uri="{FF2B5EF4-FFF2-40B4-BE49-F238E27FC236}">
+                <a16:creationId xmlns:a16="http://schemas.microsoft.com/office/drawing/2014/main" id="{AE584A77-CD1E-BE05-9293-F1CFFCF16352}"/>
+              </a:ext>
+            </a:extLst>
+          </p:cNvPr>
+          <p:cNvSpPr>
+            <a:spLocks noGrp="1"/>
+          </p:cNvSpPr>
+          <p:nvPr>
+            <p:ph type="body" sz="quarter" idx="10"/>
+          </p:nvPr>
+        </p:nvSpPr>
+        <p:spPr/>
+        <p:txBody>
+          <a:bodyPr/>
+          <a:lstStyle/>
+          <a:p>
+            <a:r>
+              <a:rPr lang="bg-BG" dirty="0">
+                <a:highlight>
+                  <a:srgbClr val="FFFF00"/>
+                </a:highlight>
+              </a:rPr>
+              <a:t>Показване, добавяне, редакция, изтриване на админи</a:t>
+            </a:r>
+            <a:endParaRPr lang="en-US" dirty="0">
+              <a:highlight>
+                <a:srgbClr val="FFFF00"/>
+              </a:highlight>
+            </a:endParaRPr>
+          </a:p>
+        </p:txBody>
+      </p:sp>
+      <p:sp>
+        <p:nvSpPr>
+          <p:cNvPr id="4" name="Title 3">
+            <a:extLst>
+              <a:ext uri="{FF2B5EF4-FFF2-40B4-BE49-F238E27FC236}">
+                <a16:creationId xmlns:a16="http://schemas.microsoft.com/office/drawing/2014/main" id="{7293DBD2-291B-6EA9-5FD1-AF031BC5745C}"/>
+              </a:ext>
+            </a:extLst>
+          </p:cNvPr>
+          <p:cNvSpPr>
+            <a:spLocks noGrp="1"/>
+          </p:cNvSpPr>
+          <p:nvPr>
+            <p:ph type="title"/>
+          </p:nvPr>
+        </p:nvSpPr>
+        <p:spPr/>
+        <p:txBody>
+          <a:bodyPr/>
+          <a:lstStyle/>
+          <a:p>
+            <a:r>
+              <a:rPr lang="bg-BG" dirty="0"/>
+              <a:t>Проектиране</a:t>
+            </a:r>
+            <a:r>
+              <a:rPr lang="en-US" dirty="0"/>
+              <a:t>: </a:t>
+            </a:r>
+            <a:r>
+              <a:rPr lang="bg-BG" dirty="0"/>
+              <a:t>дизайн на </a:t>
+            </a:r>
+            <a:r>
+              <a:rPr lang="en-US" dirty="0"/>
+              <a:t>UI </a:t>
+            </a:r>
+            <a:r>
+              <a:rPr lang="bg-BG" dirty="0"/>
+              <a:t>- Админи</a:t>
+            </a:r>
+            <a:endParaRPr lang="en-US" dirty="0"/>
+          </a:p>
+        </p:txBody>
+      </p:sp>
+    </p:spTree>
+    <p:extLst>
+      <p:ext uri="{BB962C8B-B14F-4D97-AF65-F5344CB8AC3E}">
+        <p14:creationId xmlns:p14="http://schemas.microsoft.com/office/powerpoint/2010/main" val="2769518005"/>
+      </p:ext>
+    </p:extLst>
+  </p:cSld>
+  <p:clrMapOvr>
+    <a:masterClrMapping/>
+  </p:clrMapOvr>
+  <mc:AlternateContent xmlns:mc="http://schemas.openxmlformats.org/markup-compatibility/2006" xmlns:p14="http://schemas.microsoft.com/office/powerpoint/2010/main">
+    <mc:Choice Requires="p14">
+      <p:transition spd="slow" p14:dur="2000" advClick="0" advTm="5000"/>
+    </mc:Choice>
+    <mc:Fallback xmlns="">
+      <p:transition spd="slow" advClick="0" advTm="5000"/>
+    </mc:Fallback>
+  </mc:AlternateContent>
+</p:sld>
+</file>
+
+<file path=ppt/slides/slide28.xml><?xml version="1.0" encoding="utf-8"?>
 <p:sld xmlns:a="http://schemas.openxmlformats.org/drawingml/2006/main" xmlns:r="http://schemas.openxmlformats.org/officeDocument/2006/relationships" xmlns:p="http://schemas.openxmlformats.org/presentationml/2006/main">
   <p:cSld>
     <p:spTree>
@@ -17525,7 +21620,7 @@
             <a:fld id="{2BF067CD-8E6B-4360-9AA8-C5DF2A48A6D1}" type="slidenum">
               <a:rPr lang="en-US" noProof="0" smtClean="0"/>
               <a:pPr/>
-              <a:t>24</a:t>
+              <a:t>28</a:t>
             </a:fld>
             <a:endParaRPr lang="en-US" noProof="0" dirty="0"/>
           </a:p>
@@ -18008,7 +22103,7 @@
 </p:sld>
 </file>
 
-<file path=ppt/slides/slide25.xml><?xml version="1.0" encoding="utf-8"?>
+<file path=ppt/slides/slide29.xml><?xml version="1.0" encoding="utf-8"?>
 <p:sld xmlns:a="http://schemas.openxmlformats.org/drawingml/2006/main" xmlns:r="http://schemas.openxmlformats.org/officeDocument/2006/relationships" xmlns:p="http://schemas.openxmlformats.org/presentationml/2006/main">
   <p:cSld>
     <p:spTree>
@@ -18198,7 +22293,138 @@
 </p:sld>
 </file>
 
-<file path=ppt/slides/slide26.xml><?xml version="1.0" encoding="utf-8"?>
+<file path=ppt/slides/slide3.xml><?xml version="1.0" encoding="utf-8"?>
+<p:sld xmlns:a="http://schemas.openxmlformats.org/drawingml/2006/main" xmlns:r="http://schemas.openxmlformats.org/officeDocument/2006/relationships" xmlns:p="http://schemas.openxmlformats.org/presentationml/2006/main">
+  <p:cSld>
+    <p:spTree>
+      <p:nvGrpSpPr>
+        <p:cNvPr id="1" name=""/>
+        <p:cNvGrpSpPr/>
+        <p:nvPr/>
+      </p:nvGrpSpPr>
+      <p:grpSpPr>
+        <a:xfrm>
+          <a:off x="0" y="0"/>
+          <a:ext cx="0" cy="0"/>
+          <a:chOff x="0" y="0"/>
+          <a:chExt cx="0" cy="0"/>
+        </a:xfrm>
+      </p:grpSpPr>
+      <p:sp>
+        <p:nvSpPr>
+          <p:cNvPr id="4" name="Slide Subtitle">
+            <a:extLst>
+              <a:ext uri="{FF2B5EF4-FFF2-40B4-BE49-F238E27FC236}">
+                <a16:creationId xmlns:a16="http://schemas.microsoft.com/office/drawing/2014/main" id="{BEB5BB41-09D4-4E9F-8C80-EE8709171CB3}"/>
+              </a:ext>
+            </a:extLst>
+          </p:cNvPr>
+          <p:cNvSpPr>
+            <a:spLocks noGrp="1"/>
+          </p:cNvSpPr>
+          <p:nvPr>
+            <p:ph type="subTitle" sz="quarter" idx="11"/>
+          </p:nvPr>
+        </p:nvSpPr>
+        <p:spPr/>
+        <p:txBody>
+          <a:bodyPr/>
+          <a:lstStyle/>
+          <a:p>
+            <a:r>
+              <a:rPr lang="bg-BG" dirty="0"/>
+              <a:t>Етапи</a:t>
+            </a:r>
+          </a:p>
+        </p:txBody>
+      </p:sp>
+      <p:sp>
+        <p:nvSpPr>
+          <p:cNvPr id="6" name="Slide Title">
+            <a:extLst>
+              <a:ext uri="{FF2B5EF4-FFF2-40B4-BE49-F238E27FC236}">
+                <a16:creationId xmlns:a16="http://schemas.microsoft.com/office/drawing/2014/main" id="{028D9EA3-B5E0-4F17-9467-4BE3C280DA68}"/>
+              </a:ext>
+            </a:extLst>
+          </p:cNvPr>
+          <p:cNvSpPr>
+            <a:spLocks noGrp="1"/>
+          </p:cNvSpPr>
+          <p:nvPr>
+            <p:ph type="title" sz="quarter" idx="10"/>
+          </p:nvPr>
+        </p:nvSpPr>
+        <p:spPr/>
+        <p:txBody>
+          <a:bodyPr/>
+          <a:lstStyle/>
+          <a:p>
+            <a:r>
+              <a:rPr lang="bg-BG" sz="4400" dirty="0"/>
+              <a:t>Жизнен цикъл на информационна система</a:t>
+            </a:r>
+            <a:endParaRPr lang="en-US" sz="4400" dirty="0"/>
+          </a:p>
+        </p:txBody>
+      </p:sp>
+      <p:pic>
+        <p:nvPicPr>
+          <p:cNvPr id="3" name="Picture 2">
+            <a:extLst>
+              <a:ext uri="{FF2B5EF4-FFF2-40B4-BE49-F238E27FC236}">
+                <a16:creationId xmlns:a16="http://schemas.microsoft.com/office/drawing/2014/main" id="{4D3A8A43-2D38-9408-FD20-702F4C9CB58E}"/>
+              </a:ext>
+            </a:extLst>
+          </p:cNvPr>
+          <p:cNvPicPr>
+            <a:picLocks noChangeAspect="1"/>
+          </p:cNvPicPr>
+          <p:nvPr/>
+        </p:nvPicPr>
+        <p:blipFill>
+          <a:blip r:embed="rId3">
+            <a:extLst>
+              <a:ext uri="{28A0092B-C50C-407E-A947-70E740481C1C}">
+                <a14:useLocalDpi xmlns:a14="http://schemas.microsoft.com/office/drawing/2010/main" val="0"/>
+              </a:ext>
+            </a:extLst>
+          </a:blip>
+          <a:stretch>
+            <a:fillRect/>
+          </a:stretch>
+        </p:blipFill>
+        <p:spPr>
+          <a:xfrm>
+            <a:off x="4567768" y="1089000"/>
+            <a:ext cx="3056464" cy="3070858"/>
+          </a:xfrm>
+          <a:prstGeom prst="rect">
+            <a:avLst/>
+          </a:prstGeom>
+        </p:spPr>
+      </p:pic>
+    </p:spTree>
+    <p:extLst>
+      <p:ext uri="{BB962C8B-B14F-4D97-AF65-F5344CB8AC3E}">
+        <p14:creationId xmlns:p14="http://schemas.microsoft.com/office/powerpoint/2010/main" val="882194472"/>
+      </p:ext>
+    </p:extLst>
+  </p:cSld>
+  <p:clrMapOvr>
+    <a:masterClrMapping/>
+  </p:clrMapOvr>
+  <mc:AlternateContent xmlns:mc="http://schemas.openxmlformats.org/markup-compatibility/2006" xmlns:p14="http://schemas.microsoft.com/office/powerpoint/2010/main">
+    <mc:Choice Requires="p14">
+      <p:transition spd="slow" p14:dur="2000" advClick="0" advTm="5000"/>
+    </mc:Choice>
+    <mc:Fallback xmlns="">
+      <p:transition spd="slow" advClick="0" advTm="5000"/>
+    </mc:Fallback>
+  </mc:AlternateContent>
+</p:sld>
+</file>
+
+<file path=ppt/slides/slide30.xml><?xml version="1.0" encoding="utf-8"?>
 <p:sld xmlns:a="http://schemas.openxmlformats.org/drawingml/2006/main" xmlns:r="http://schemas.openxmlformats.org/officeDocument/2006/relationships" xmlns:p="http://schemas.openxmlformats.org/presentationml/2006/main" show="0">
   <p:cSld>
     <p:spTree>
@@ -18251,7 +22477,7 @@
             <a:fld id="{2BF067CD-8E6B-4360-9AA8-C5DF2A48A6D1}" type="slidenum">
               <a:rPr lang="en-US" smtClean="0"/>
               <a:pPr/>
-              <a:t>26</a:t>
+              <a:t>30</a:t>
             </a:fld>
             <a:endParaRPr lang="en-US" dirty="0"/>
           </a:p>
@@ -18564,137 +22790,6 @@
     <p:extLst>
       <p:ext uri="{BB962C8B-B14F-4D97-AF65-F5344CB8AC3E}">
         <p14:creationId xmlns:p14="http://schemas.microsoft.com/office/powerpoint/2010/main" val="3879276042"/>
-      </p:ext>
-    </p:extLst>
-  </p:cSld>
-  <p:clrMapOvr>
-    <a:masterClrMapping/>
-  </p:clrMapOvr>
-  <mc:AlternateContent xmlns:mc="http://schemas.openxmlformats.org/markup-compatibility/2006" xmlns:p14="http://schemas.microsoft.com/office/powerpoint/2010/main">
-    <mc:Choice Requires="p14">
-      <p:transition spd="slow" p14:dur="2000" advClick="0" advTm="5000"/>
-    </mc:Choice>
-    <mc:Fallback xmlns="">
-      <p:transition spd="slow" advClick="0" advTm="5000"/>
-    </mc:Fallback>
-  </mc:AlternateContent>
-</p:sld>
-</file>
-
-<file path=ppt/slides/slide3.xml><?xml version="1.0" encoding="utf-8"?>
-<p:sld xmlns:a="http://schemas.openxmlformats.org/drawingml/2006/main" xmlns:r="http://schemas.openxmlformats.org/officeDocument/2006/relationships" xmlns:p="http://schemas.openxmlformats.org/presentationml/2006/main">
-  <p:cSld>
-    <p:spTree>
-      <p:nvGrpSpPr>
-        <p:cNvPr id="1" name=""/>
-        <p:cNvGrpSpPr/>
-        <p:nvPr/>
-      </p:nvGrpSpPr>
-      <p:grpSpPr>
-        <a:xfrm>
-          <a:off x="0" y="0"/>
-          <a:ext cx="0" cy="0"/>
-          <a:chOff x="0" y="0"/>
-          <a:chExt cx="0" cy="0"/>
-        </a:xfrm>
-      </p:grpSpPr>
-      <p:sp>
-        <p:nvSpPr>
-          <p:cNvPr id="4" name="Slide Subtitle">
-            <a:extLst>
-              <a:ext uri="{FF2B5EF4-FFF2-40B4-BE49-F238E27FC236}">
-                <a16:creationId xmlns:a16="http://schemas.microsoft.com/office/drawing/2014/main" id="{BEB5BB41-09D4-4E9F-8C80-EE8709171CB3}"/>
-              </a:ext>
-            </a:extLst>
-          </p:cNvPr>
-          <p:cNvSpPr>
-            <a:spLocks noGrp="1"/>
-          </p:cNvSpPr>
-          <p:nvPr>
-            <p:ph type="subTitle" sz="quarter" idx="11"/>
-          </p:nvPr>
-        </p:nvSpPr>
-        <p:spPr/>
-        <p:txBody>
-          <a:bodyPr/>
-          <a:lstStyle/>
-          <a:p>
-            <a:r>
-              <a:rPr lang="bg-BG" dirty="0"/>
-              <a:t>Етапи</a:t>
-            </a:r>
-          </a:p>
-        </p:txBody>
-      </p:sp>
-      <p:sp>
-        <p:nvSpPr>
-          <p:cNvPr id="6" name="Slide Title">
-            <a:extLst>
-              <a:ext uri="{FF2B5EF4-FFF2-40B4-BE49-F238E27FC236}">
-                <a16:creationId xmlns:a16="http://schemas.microsoft.com/office/drawing/2014/main" id="{028D9EA3-B5E0-4F17-9467-4BE3C280DA68}"/>
-              </a:ext>
-            </a:extLst>
-          </p:cNvPr>
-          <p:cNvSpPr>
-            <a:spLocks noGrp="1"/>
-          </p:cNvSpPr>
-          <p:nvPr>
-            <p:ph type="title" sz="quarter" idx="10"/>
-          </p:nvPr>
-        </p:nvSpPr>
-        <p:spPr/>
-        <p:txBody>
-          <a:bodyPr/>
-          <a:lstStyle/>
-          <a:p>
-            <a:r>
-              <a:rPr lang="bg-BG" sz="4400" dirty="0"/>
-              <a:t>Жизнен цикъл на информационна система</a:t>
-            </a:r>
-            <a:endParaRPr lang="en-US" sz="4400" dirty="0"/>
-          </a:p>
-        </p:txBody>
-      </p:sp>
-      <p:pic>
-        <p:nvPicPr>
-          <p:cNvPr id="3" name="Picture 2">
-            <a:extLst>
-              <a:ext uri="{FF2B5EF4-FFF2-40B4-BE49-F238E27FC236}">
-                <a16:creationId xmlns:a16="http://schemas.microsoft.com/office/drawing/2014/main" id="{4D3A8A43-2D38-9408-FD20-702F4C9CB58E}"/>
-              </a:ext>
-            </a:extLst>
-          </p:cNvPr>
-          <p:cNvPicPr>
-            <a:picLocks noChangeAspect="1"/>
-          </p:cNvPicPr>
-          <p:nvPr/>
-        </p:nvPicPr>
-        <p:blipFill>
-          <a:blip r:embed="rId3">
-            <a:extLst>
-              <a:ext uri="{28A0092B-C50C-407E-A947-70E740481C1C}">
-                <a14:useLocalDpi xmlns:a14="http://schemas.microsoft.com/office/drawing/2010/main" val="0"/>
-              </a:ext>
-            </a:extLst>
-          </a:blip>
-          <a:stretch>
-            <a:fillRect/>
-          </a:stretch>
-        </p:blipFill>
-        <p:spPr>
-          <a:xfrm>
-            <a:off x="4567768" y="1089000"/>
-            <a:ext cx="3056464" cy="3070858"/>
-          </a:xfrm>
-          <a:prstGeom prst="rect">
-            <a:avLst/>
-          </a:prstGeom>
-        </p:spPr>
-      </p:pic>
-    </p:spTree>
-    <p:extLst>
-      <p:ext uri="{BB962C8B-B14F-4D97-AF65-F5344CB8AC3E}">
-        <p14:creationId xmlns:p14="http://schemas.microsoft.com/office/powerpoint/2010/main" val="882194472"/>
       </p:ext>
     </p:extLst>
   </p:cSld>
@@ -19177,7 +23272,12 @@
             <p:ph type="sldNum" sz="quarter" idx="5"/>
           </p:nvPr>
         </p:nvSpPr>
-        <p:spPr/>
+        <p:spPr>
+          <a:xfrm>
+            <a:off x="11753030" y="6507000"/>
+            <a:ext cx="367414" cy="297000"/>
+          </a:xfrm>
+        </p:spPr>
         <p:txBody>
           <a:bodyPr/>
           <a:lstStyle/>
@@ -19188,6 +23288,104 @@
               <a:t>5</a:t>
             </a:fld>
             <a:endParaRPr lang="en-US" noProof="0" dirty="0"/>
+          </a:p>
+        </p:txBody>
+      </p:sp>
+      <p:sp>
+        <p:nvSpPr>
+          <p:cNvPr id="21" name="Text Placeholder 20">
+            <a:extLst>
+              <a:ext uri="{FF2B5EF4-FFF2-40B4-BE49-F238E27FC236}">
+                <a16:creationId xmlns:a16="http://schemas.microsoft.com/office/drawing/2014/main" id="{3F90F4E8-8B08-0C68-BA84-DD52BAA921D2}"/>
+              </a:ext>
+            </a:extLst>
+          </p:cNvPr>
+          <p:cNvSpPr>
+            <a:spLocks noGrp="1"/>
+          </p:cNvSpPr>
+          <p:nvPr>
+            <p:ph type="body" sz="quarter" idx="10"/>
+          </p:nvPr>
+        </p:nvSpPr>
+        <p:spPr/>
+        <p:txBody>
+          <a:bodyPr>
+            <a:normAutofit/>
+          </a:bodyPr>
+          <a:lstStyle/>
+          <a:p>
+            <a:r>
+              <a:rPr lang="bg-BG" sz="3200" dirty="0"/>
+              <a:t>Събираме и анализираме</a:t>
+            </a:r>
+            <a:br>
+              <a:rPr lang="en-US" sz="3200" dirty="0"/>
+            </a:br>
+            <a:r>
+              <a:rPr lang="bg-BG" sz="3200" b="1" dirty="0"/>
+              <a:t>изисквания</a:t>
+            </a:r>
+            <a:r>
+              <a:rPr lang="en-US" sz="3200" b="1" dirty="0"/>
+              <a:t> </a:t>
+            </a:r>
+            <a:r>
+              <a:rPr lang="bg-BG" sz="3200" dirty="0"/>
+              <a:t>(</a:t>
+            </a:r>
+            <a:r>
+              <a:rPr lang="en-US" sz="3200" dirty="0"/>
+              <a:t>use cases)</a:t>
+            </a:r>
+            <a:endParaRPr lang="bg-BG" sz="3200" dirty="0"/>
+          </a:p>
+          <a:p>
+            <a:r>
+              <a:rPr lang="bg-BG" sz="3200" b="1" dirty="0"/>
+              <a:t>Проектираме</a:t>
+            </a:r>
+            <a:r>
+              <a:rPr lang="bg-BG" sz="3200" dirty="0"/>
+              <a:t> (база данни,</a:t>
+            </a:r>
+            <a:br>
+              <a:rPr lang="bg-BG" sz="3200" dirty="0"/>
+            </a:br>
+            <a:r>
+              <a:rPr lang="bg-BG" sz="3200" dirty="0"/>
+              <a:t>потребителски интерфейс, …)</a:t>
+            </a:r>
+          </a:p>
+          <a:p>
+            <a:r>
+              <a:rPr lang="bg-BG" sz="3200" b="1" dirty="0"/>
+              <a:t>Имплементираме </a:t>
+            </a:r>
+            <a:r>
+              <a:rPr lang="bg-BG" sz="3200" dirty="0"/>
+              <a:t>(пишем код)</a:t>
+            </a:r>
+          </a:p>
+          <a:p>
+            <a:r>
+              <a:rPr lang="bg-BG" sz="3200" b="1" dirty="0"/>
+              <a:t>Тестваме </a:t>
+            </a:r>
+            <a:r>
+              <a:rPr lang="bg-BG" sz="3200" dirty="0"/>
+              <a:t>(работи ли правилно)</a:t>
+            </a:r>
+          </a:p>
+          <a:p>
+            <a:r>
+              <a:rPr lang="bg-BG" sz="3200" b="1" dirty="0"/>
+              <a:t>Внедряване </a:t>
+            </a:r>
+            <a:r>
+              <a:rPr lang="bg-BG" sz="3200" dirty="0"/>
+              <a:t>(качваме в Интернет)</a:t>
+            </a:r>
+            <a:endParaRPr lang="en-US" sz="3200" dirty="0"/>
           </a:p>
         </p:txBody>
       </p:sp>
@@ -19207,7 +23405,12 @@
             <p:ph type="title"/>
           </p:nvPr>
         </p:nvSpPr>
-        <p:spPr/>
+        <p:spPr>
+          <a:xfrm>
+            <a:off x="190406" y="100750"/>
+            <a:ext cx="10270594" cy="882654"/>
+          </a:xfrm>
+        </p:spPr>
         <p:txBody>
           <a:bodyPr/>
           <a:lstStyle/>
@@ -19234,7 +23437,7 @@
         </p:nvGrpSpPr>
         <p:grpSpPr>
           <a:xfrm>
-            <a:off x="3400462" y="1181717"/>
+            <a:off x="6599924" y="1240217"/>
             <a:ext cx="5391076" cy="5473783"/>
             <a:chOff x="3666000" y="1295766"/>
             <a:chExt cx="5391076" cy="5473783"/>
